--- a/data/pre.pptx
+++ b/data/pre.pptx
@@ -4,24 +4,27 @@
   <p:sldMasterIdLst>
     <p:sldMasterId id="2147483660" r:id="rId1"/>
     <p:sldMasterId id="2147483672" r:id="rId2"/>
+    <p:sldMasterId id="2147483684" r:id="rId3"/>
   </p:sldMasterIdLst>
   <p:sldIdLst>
-    <p:sldId id="256" r:id="rId3"/>
-    <p:sldId id="257" r:id="rId4"/>
-    <p:sldId id="258" r:id="rId5"/>
-    <p:sldId id="259" r:id="rId6"/>
-    <p:sldId id="260" r:id="rId7"/>
-    <p:sldId id="262" r:id="rId8"/>
-    <p:sldId id="264" r:id="rId9"/>
-    <p:sldId id="266" r:id="rId10"/>
-    <p:sldId id="268" r:id="rId11"/>
-    <p:sldId id="270" r:id="rId12"/>
-    <p:sldId id="272" r:id="rId13"/>
-    <p:sldId id="274" r:id="rId14"/>
-    <p:sldId id="276" r:id="rId15"/>
-    <p:sldId id="277" r:id="rId16"/>
+    <p:sldId id="256" r:id="rId4"/>
+    <p:sldId id="257" r:id="rId5"/>
+    <p:sldId id="258" r:id="rId6"/>
+    <p:sldId id="259" r:id="rId7"/>
+    <p:sldId id="260" r:id="rId8"/>
+    <p:sldId id="279" r:id="rId9"/>
+    <p:sldId id="262" r:id="rId10"/>
+    <p:sldId id="264" r:id="rId11"/>
+    <p:sldId id="266" r:id="rId12"/>
+    <p:sldId id="268" r:id="rId13"/>
+    <p:sldId id="270" r:id="rId14"/>
+    <p:sldId id="272" r:id="rId15"/>
+    <p:sldId id="274" r:id="rId16"/>
+    <p:sldId id="278" r:id="rId17"/>
+    <p:sldId id="277" r:id="rId18"/>
+    <p:sldId id="280" r:id="rId19"/>
   </p:sldIdLst>
-  <p:sldSz cx="9144000" cy="6858000" type="screen4x3"/>
+  <p:sldSz cx="12192000" cy="6858000"/>
   <p:notesSz cx="6858000" cy="9144000"/>
   <p:defaultTextStyle>
     <a:defPPr>
@@ -121,12 +124,12 @@
   <p:extLst>
     <p:ext uri="{EFAFB233-063F-42B5-8137-9DF3F51BA10A}">
       <p15:sldGuideLst xmlns:p15="http://schemas.microsoft.com/office/powerpoint/2012/main">
-        <p15:guide id="1" orient="horz" pos="2160">
+        <p15:guide id="1" orient="horz" pos="2160" userDrawn="1">
           <p15:clr>
             <a:srgbClr val="A4A3A4"/>
           </p15:clr>
         </p15:guide>
-        <p15:guide id="2" pos="2880">
+        <p15:guide id="2" pos="3840" userDrawn="1">
           <p15:clr>
             <a:srgbClr val="A4A3A4"/>
           </p15:clr>
@@ -166,8 +169,8 @@
         </p:nvSpPr>
         <p:spPr>
           <a:xfrm>
-            <a:off x="1143000" y="1124530"/>
-            <a:ext cx="6858000" cy="2387600"/>
+            <a:off x="1524000" y="1124530"/>
+            <a:ext cx="9144000" cy="2387600"/>
           </a:xfrm>
         </p:spPr>
         <p:txBody>
@@ -200,8 +203,8 @@
         </p:nvSpPr>
         <p:spPr>
           <a:xfrm>
-            <a:off x="1143000" y="3602038"/>
-            <a:ext cx="6858000" cy="1655762"/>
+            <a:off x="1524000" y="3602038"/>
+            <a:ext cx="9144000" cy="1655762"/>
           </a:xfrm>
         </p:spPr>
         <p:txBody>
@@ -279,7 +282,7 @@
           <a:p>
             <a:fld id="{241EB5C9-1307-BA42-ABA2-0BC069CD8E7F}" type="datetimeFigureOut">
               <a:rPr lang="en-US" smtClean="0"/>
-              <a:t>4/16/2019</a:t>
+              <a:t>5/12/2019</a:t>
             </a:fld>
             <a:endParaRPr lang="en-US"/>
           </a:p>
@@ -449,7 +452,7 @@
           <a:p>
             <a:fld id="{241EB5C9-1307-BA42-ABA2-0BC069CD8E7F}" type="datetimeFigureOut">
               <a:rPr lang="en-US" smtClean="0"/>
-              <a:t>4/16/2019</a:t>
+              <a:t>5/12/2019</a:t>
             </a:fld>
             <a:endParaRPr lang="en-US"/>
           </a:p>
@@ -539,8 +542,8 @@
         </p:nvSpPr>
         <p:spPr>
           <a:xfrm>
-            <a:off x="6543675" y="360362"/>
-            <a:ext cx="1971675" cy="5811838"/>
+            <a:off x="8724901" y="360362"/>
+            <a:ext cx="2628900" cy="5811838"/>
           </a:xfrm>
         </p:spPr>
         <p:txBody>
@@ -567,8 +570,8 @@
         </p:nvSpPr>
         <p:spPr>
           <a:xfrm>
-            <a:off x="628650" y="360363"/>
-            <a:ext cx="5800725" cy="5811837"/>
+            <a:off x="838201" y="360364"/>
+            <a:ext cx="7734300" cy="5811837"/>
           </a:xfrm>
         </p:spPr>
         <p:txBody>
@@ -629,7 +632,7 @@
           <a:p>
             <a:fld id="{241EB5C9-1307-BA42-ABA2-0BC069CD8E7F}" type="datetimeFigureOut">
               <a:rPr lang="en-US" smtClean="0"/>
-              <a:t>4/16/2019</a:t>
+              <a:t>5/12/2019</a:t>
             </a:fld>
             <a:endParaRPr lang="en-US"/>
           </a:p>
@@ -719,8 +722,8 @@
         </p:nvSpPr>
         <p:spPr>
           <a:xfrm>
-            <a:off x="1143000" y="1124530"/>
-            <a:ext cx="6858000" cy="2387600"/>
+            <a:off x="1524000" y="1124530"/>
+            <a:ext cx="9144000" cy="2387600"/>
           </a:xfrm>
         </p:spPr>
         <p:txBody>
@@ -753,8 +756,8 @@
         </p:nvSpPr>
         <p:spPr>
           <a:xfrm>
-            <a:off x="1143000" y="3602038"/>
-            <a:ext cx="6858000" cy="1655762"/>
+            <a:off x="1524000" y="3602038"/>
+            <a:ext cx="9144000" cy="1655762"/>
           </a:xfrm>
         </p:spPr>
         <p:txBody>
@@ -832,7 +835,7 @@
           <a:p>
             <a:fld id="{241EB5C9-1307-BA42-ABA2-0BC069CD8E7F}" type="datetimeFigureOut">
               <a:rPr lang="en-US" smtClean="0"/>
-              <a:t>4/16/2019</a:t>
+              <a:t>5/12/2019</a:t>
             </a:fld>
             <a:endParaRPr lang="en-US"/>
           </a:p>
@@ -1002,7 +1005,7 @@
           <a:p>
             <a:fld id="{241EB5C9-1307-BA42-ABA2-0BC069CD8E7F}" type="datetimeFigureOut">
               <a:rPr lang="en-US" smtClean="0"/>
-              <a:t>4/16/2019</a:t>
+              <a:t>5/12/2019</a:t>
             </a:fld>
             <a:endParaRPr lang="en-US"/>
           </a:p>
@@ -1092,8 +1095,8 @@
         </p:nvSpPr>
         <p:spPr>
           <a:xfrm>
-            <a:off x="623888" y="1712423"/>
-            <a:ext cx="7886700" cy="2851208"/>
+            <a:off x="831851" y="1712423"/>
+            <a:ext cx="10515600" cy="2851208"/>
           </a:xfrm>
         </p:spPr>
         <p:txBody>
@@ -1126,8 +1129,8 @@
         </p:nvSpPr>
         <p:spPr>
           <a:xfrm>
-            <a:off x="623888" y="4552634"/>
-            <a:ext cx="7886700" cy="1500187"/>
+            <a:off x="831851" y="4552635"/>
+            <a:ext cx="10515600" cy="1500187"/>
           </a:xfrm>
         </p:spPr>
         <p:txBody>
@@ -1253,7 +1256,7 @@
           <a:p>
             <a:fld id="{241EB5C9-1307-BA42-ABA2-0BC069CD8E7F}" type="datetimeFigureOut">
               <a:rPr lang="en-US" smtClean="0"/>
-              <a:t>4/16/2019</a:t>
+              <a:t>5/12/2019</a:t>
             </a:fld>
             <a:endParaRPr lang="en-US"/>
           </a:p>
@@ -1366,8 +1369,8 @@
         </p:nvSpPr>
         <p:spPr>
           <a:xfrm>
-            <a:off x="633845" y="1828801"/>
-            <a:ext cx="3886200" cy="4351337"/>
+            <a:off x="845127" y="1828802"/>
+            <a:ext cx="5181600" cy="4351337"/>
           </a:xfrm>
         </p:spPr>
         <p:txBody>
@@ -1423,8 +1426,8 @@
         </p:nvSpPr>
         <p:spPr>
           <a:xfrm>
-            <a:off x="4629150" y="1828801"/>
-            <a:ext cx="3886200" cy="4351337"/>
+            <a:off x="6172200" y="1828802"/>
+            <a:ext cx="5181600" cy="4351337"/>
           </a:xfrm>
         </p:spPr>
         <p:txBody>
@@ -1485,7 +1488,7 @@
           <a:p>
             <a:fld id="{241EB5C9-1307-BA42-ABA2-0BC069CD8E7F}" type="datetimeFigureOut">
               <a:rPr lang="en-US" smtClean="0"/>
-              <a:t>4/16/2019</a:t>
+              <a:t>5/12/2019</a:t>
             </a:fld>
             <a:endParaRPr lang="en-US"/>
           </a:p>
@@ -1575,8 +1578,8 @@
         </p:nvSpPr>
         <p:spPr>
           <a:xfrm>
-            <a:off x="633845" y="1681851"/>
-            <a:ext cx="3867150" cy="825699"/>
+            <a:off x="845127" y="1681852"/>
+            <a:ext cx="5156200" cy="825699"/>
           </a:xfrm>
         </p:spPr>
         <p:txBody>
@@ -1645,8 +1648,8 @@
         </p:nvSpPr>
         <p:spPr>
           <a:xfrm>
-            <a:off x="633845" y="2507551"/>
-            <a:ext cx="3867150" cy="3680525"/>
+            <a:off x="845127" y="2507552"/>
+            <a:ext cx="5156200" cy="3680525"/>
           </a:xfrm>
         </p:spPr>
         <p:txBody>
@@ -1702,8 +1705,8 @@
         </p:nvSpPr>
         <p:spPr>
           <a:xfrm>
-            <a:off x="4629150" y="1681851"/>
-            <a:ext cx="3886201" cy="825698"/>
+            <a:off x="6172201" y="1681851"/>
+            <a:ext cx="5181601" cy="825698"/>
           </a:xfrm>
         </p:spPr>
         <p:txBody>
@@ -1770,8 +1773,8 @@
         </p:nvSpPr>
         <p:spPr>
           <a:xfrm>
-            <a:off x="4629150" y="2507551"/>
-            <a:ext cx="3886201" cy="3680525"/>
+            <a:off x="6172201" y="2507552"/>
+            <a:ext cx="5181601" cy="3680525"/>
           </a:xfrm>
         </p:spPr>
         <p:txBody>
@@ -1832,7 +1835,7 @@
           <a:p>
             <a:fld id="{241EB5C9-1307-BA42-ABA2-0BC069CD8E7F}" type="datetimeFigureOut">
               <a:rPr lang="en-US" smtClean="0"/>
-              <a:t>4/16/2019</a:t>
+              <a:t>5/12/2019</a:t>
             </a:fld>
             <a:endParaRPr lang="en-US"/>
           </a:p>
@@ -1950,7 +1953,7 @@
           <a:p>
             <a:fld id="{241EB5C9-1307-BA42-ABA2-0BC069CD8E7F}" type="datetimeFigureOut">
               <a:rPr lang="en-US" smtClean="0"/>
-              <a:t>4/16/2019</a:t>
+              <a:t>5/12/2019</a:t>
             </a:fld>
             <a:endParaRPr lang="en-US"/>
           </a:p>
@@ -2068,7 +2071,7 @@
           <a:p>
             <a:fld id="{241EB5C9-1307-BA42-ABA2-0BC069CD8E7F}" type="datetimeFigureOut">
               <a:rPr lang="en-US" smtClean="0"/>
-              <a:t>4/16/2019</a:t>
+              <a:t>5/12/2019</a:t>
             </a:fld>
             <a:endParaRPr lang="en-US"/>
           </a:p>
@@ -2158,8 +2161,8 @@
         </p:nvSpPr>
         <p:spPr>
           <a:xfrm>
-            <a:off x="630936" y="457201"/>
-            <a:ext cx="2948940" cy="1600197"/>
+            <a:off x="841248" y="457202"/>
+            <a:ext cx="3931920" cy="1600197"/>
           </a:xfrm>
         </p:spPr>
         <p:txBody>
@@ -2192,8 +2195,8 @@
         </p:nvSpPr>
         <p:spPr>
           <a:xfrm>
-            <a:off x="3886200" y="990600"/>
-            <a:ext cx="4629150" cy="4876800"/>
+            <a:off x="5181600" y="990600"/>
+            <a:ext cx="6172200" cy="4876800"/>
           </a:xfrm>
         </p:spPr>
         <p:txBody>
@@ -2277,8 +2280,8 @@
         </p:nvSpPr>
         <p:spPr>
           <a:xfrm>
-            <a:off x="630936" y="2057399"/>
-            <a:ext cx="2948940" cy="3810001"/>
+            <a:off x="841248" y="2057399"/>
+            <a:ext cx="3931920" cy="3810001"/>
           </a:xfrm>
         </p:spPr>
         <p:txBody>
@@ -2352,7 +2355,7 @@
           <a:p>
             <a:fld id="{241EB5C9-1307-BA42-ABA2-0BC069CD8E7F}" type="datetimeFigureOut">
               <a:rPr lang="en-US" smtClean="0"/>
-              <a:t>4/16/2019</a:t>
+              <a:t>5/12/2019</a:t>
             </a:fld>
             <a:endParaRPr lang="en-US"/>
           </a:p>
@@ -2522,7 +2525,7 @@
           <a:p>
             <a:fld id="{241EB5C9-1307-BA42-ABA2-0BC069CD8E7F}" type="datetimeFigureOut">
               <a:rPr lang="en-US" smtClean="0"/>
-              <a:t>4/16/2019</a:t>
+              <a:t>5/12/2019</a:t>
             </a:fld>
             <a:endParaRPr lang="en-US"/>
           </a:p>
@@ -2612,8 +2615,8 @@
         </p:nvSpPr>
         <p:spPr>
           <a:xfrm>
-            <a:off x="630936" y="457200"/>
-            <a:ext cx="2948940" cy="1600200"/>
+            <a:off x="841248" y="457200"/>
+            <a:ext cx="3931920" cy="1600200"/>
           </a:xfrm>
         </p:spPr>
         <p:txBody>
@@ -2646,8 +2649,8 @@
         </p:nvSpPr>
         <p:spPr>
           <a:xfrm>
-            <a:off x="3886200" y="990600"/>
-            <a:ext cx="4629150" cy="4876800"/>
+            <a:off x="5181600" y="990600"/>
+            <a:ext cx="6172200" cy="4876800"/>
           </a:xfrm>
         </p:spPr>
         <p:txBody>
@@ -2711,8 +2714,8 @@
         </p:nvSpPr>
         <p:spPr>
           <a:xfrm>
-            <a:off x="630936" y="2057400"/>
-            <a:ext cx="2948940" cy="3810000"/>
+            <a:off x="841248" y="2057400"/>
+            <a:ext cx="3931920" cy="3810000"/>
           </a:xfrm>
         </p:spPr>
         <p:txBody>
@@ -2786,7 +2789,7 @@
           <a:p>
             <a:fld id="{241EB5C9-1307-BA42-ABA2-0BC069CD8E7F}" type="datetimeFigureOut">
               <a:rPr lang="en-US" smtClean="0"/>
-              <a:t>4/16/2019</a:t>
+              <a:t>5/12/2019</a:t>
             </a:fld>
             <a:endParaRPr lang="en-US"/>
           </a:p>
@@ -2956,7 +2959,7 @@
           <a:p>
             <a:fld id="{241EB5C9-1307-BA42-ABA2-0BC069CD8E7F}" type="datetimeFigureOut">
               <a:rPr lang="en-US" smtClean="0"/>
-              <a:t>4/16/2019</a:t>
+              <a:t>5/12/2019</a:t>
             </a:fld>
             <a:endParaRPr lang="en-US"/>
           </a:p>
@@ -3046,8 +3049,8 @@
         </p:nvSpPr>
         <p:spPr>
           <a:xfrm>
-            <a:off x="6543675" y="360362"/>
-            <a:ext cx="1971675" cy="5811838"/>
+            <a:off x="8724901" y="360362"/>
+            <a:ext cx="2628900" cy="5811838"/>
           </a:xfrm>
         </p:spPr>
         <p:txBody>
@@ -3074,8 +3077,8 @@
         </p:nvSpPr>
         <p:spPr>
           <a:xfrm>
-            <a:off x="628650" y="360363"/>
-            <a:ext cx="5800725" cy="5811837"/>
+            <a:off x="838201" y="360364"/>
+            <a:ext cx="7734300" cy="5811837"/>
           </a:xfrm>
         </p:spPr>
         <p:txBody>
@@ -3136,7 +3139,7 @@
           <a:p>
             <a:fld id="{241EB5C9-1307-BA42-ABA2-0BC069CD8E7F}" type="datetimeFigureOut">
               <a:rPr lang="en-US" smtClean="0"/>
-              <a:t>4/16/2019</a:t>
+              <a:t>5/12/2019</a:t>
             </a:fld>
             <a:endParaRPr lang="en-US"/>
           </a:p>
@@ -3188,6 +3191,2053 @@
     <p:extLst>
       <p:ext uri="{BB962C8B-B14F-4D97-AF65-F5344CB8AC3E}">
         <p14:creationId xmlns:p14="http://schemas.microsoft.com/office/powerpoint/2010/main" val="729724344"/>
+      </p:ext>
+    </p:extLst>
+  </p:cSld>
+  <p:clrMapOvr>
+    <a:masterClrMapping/>
+  </p:clrMapOvr>
+</p:sldLayout>
+</file>
+
+<file path=ppt/slideLayouts/slideLayout23.xml><?xml version="1.0" encoding="utf-8"?>
+<p:sldLayout xmlns:a="http://schemas.openxmlformats.org/drawingml/2006/main" xmlns:r="http://schemas.openxmlformats.org/officeDocument/2006/relationships" xmlns:p="http://schemas.openxmlformats.org/presentationml/2006/main" preserve="1">
+  <p:cSld name="标题幻灯片">
+    <p:spTree>
+      <p:nvGrpSpPr>
+        <p:cNvPr id="1" name=""/>
+        <p:cNvGrpSpPr/>
+        <p:nvPr/>
+      </p:nvGrpSpPr>
+      <p:grpSpPr>
+        <a:xfrm>
+          <a:off x="0" y="0"/>
+          <a:ext cx="0" cy="0"/>
+          <a:chOff x="0" y="0"/>
+          <a:chExt cx="0" cy="0"/>
+        </a:xfrm>
+      </p:grpSpPr>
+      <p:pic>
+        <p:nvPicPr>
+          <p:cNvPr id="3" name="图片 2">
+            <a:extLst>
+              <a:ext uri="{FF2B5EF4-FFF2-40B4-BE49-F238E27FC236}">
+                <a16:creationId xmlns:a16="http://schemas.microsoft.com/office/drawing/2014/main" id="{B83B9EDC-5DC9-41C7-880F-78D309C572BF}"/>
+              </a:ext>
+            </a:extLst>
+          </p:cNvPr>
+          <p:cNvPicPr>
+            <a:picLocks noChangeAspect="1"/>
+          </p:cNvPicPr>
+          <p:nvPr/>
+        </p:nvPicPr>
+        <p:blipFill>
+          <a:blip r:embed="rId2">
+            <a:extLst>
+              <a:ext uri="{28A0092B-C50C-407E-A947-70E740481C1C}">
+                <a14:useLocalDpi xmlns:a14="http://schemas.microsoft.com/office/drawing/2010/main" val="0"/>
+              </a:ext>
+            </a:extLst>
+          </a:blip>
+          <a:stretch>
+            <a:fillRect/>
+          </a:stretch>
+        </p:blipFill>
+        <p:spPr>
+          <a:xfrm>
+            <a:off x="7740127" y="485267"/>
+            <a:ext cx="3199992" cy="9735858"/>
+          </a:xfrm>
+          <a:prstGeom prst="rect">
+            <a:avLst/>
+          </a:prstGeom>
+        </p:spPr>
+      </p:pic>
+      <p:sp>
+        <p:nvSpPr>
+          <p:cNvPr id="26" name="文本占位符 25">
+            <a:extLst>
+              <a:ext uri="{FF2B5EF4-FFF2-40B4-BE49-F238E27FC236}">
+                <a16:creationId xmlns:a16="http://schemas.microsoft.com/office/drawing/2014/main" id="{A0EE99DC-08FE-44BF-BA3E-74CF605C7A2C}"/>
+              </a:ext>
+            </a:extLst>
+          </p:cNvPr>
+          <p:cNvSpPr>
+            <a:spLocks noGrp="1"/>
+          </p:cNvSpPr>
+          <p:nvPr>
+            <p:ph type="body" sz="quarter" idx="10" hasCustomPrompt="1"/>
+          </p:nvPr>
+        </p:nvSpPr>
+        <p:spPr>
+          <a:xfrm>
+            <a:off x="667503" y="2749690"/>
+            <a:ext cx="5798383" cy="878840"/>
+          </a:xfrm>
+          <a:prstGeom prst="rect">
+            <a:avLst/>
+          </a:prstGeom>
+        </p:spPr>
+        <p:txBody>
+          <a:bodyPr lIns="0">
+            <a:noAutofit/>
+          </a:bodyPr>
+          <a:lstStyle>
+            <a:lvl1pPr marL="0" indent="0">
+              <a:lnSpc>
+                <a:spcPct val="100000"/>
+              </a:lnSpc>
+              <a:buNone/>
+              <a:defRPr sz="4050" b="1" spc="75" baseline="0">
+                <a:solidFill>
+                  <a:schemeClr val="accent1"/>
+                </a:solidFill>
+                <a:latin typeface="+mj-ea"/>
+                <a:ea typeface="+mj-ea"/>
+              </a:defRPr>
+            </a:lvl1pPr>
+          </a:lstStyle>
+          <a:p>
+            <a:pPr lvl="0"/>
+            <a:r>
+              <a:rPr lang="zh-CN" altLang="en-US" dirty="0"/>
+              <a:t>请输入你的大标题</a:t>
+            </a:r>
+            <a:endParaRPr lang="en-US" altLang="zh-CN" dirty="0"/>
+          </a:p>
+        </p:txBody>
+      </p:sp>
+      <p:sp>
+        <p:nvSpPr>
+          <p:cNvPr id="27" name="文本占位符 25">
+            <a:extLst>
+              <a:ext uri="{FF2B5EF4-FFF2-40B4-BE49-F238E27FC236}">
+                <a16:creationId xmlns:a16="http://schemas.microsoft.com/office/drawing/2014/main" id="{14776B52-187C-4162-B5D7-D69B3A95138B}"/>
+              </a:ext>
+            </a:extLst>
+          </p:cNvPr>
+          <p:cNvSpPr>
+            <a:spLocks noGrp="1"/>
+          </p:cNvSpPr>
+          <p:nvPr>
+            <p:ph type="body" sz="quarter" idx="11" hasCustomPrompt="1"/>
+          </p:nvPr>
+        </p:nvSpPr>
+        <p:spPr>
+          <a:xfrm>
+            <a:off x="667503" y="1869834"/>
+            <a:ext cx="5798383" cy="878840"/>
+          </a:xfrm>
+          <a:prstGeom prst="rect">
+            <a:avLst/>
+          </a:prstGeom>
+        </p:spPr>
+        <p:txBody>
+          <a:bodyPr lIns="0">
+            <a:noAutofit/>
+          </a:bodyPr>
+          <a:lstStyle>
+            <a:lvl1pPr marL="0" indent="0">
+              <a:lnSpc>
+                <a:spcPct val="100000"/>
+              </a:lnSpc>
+              <a:buNone/>
+              <a:defRPr sz="4050" b="0" spc="75" baseline="0">
+                <a:latin typeface="+mj-ea"/>
+                <a:ea typeface="+mj-ea"/>
+              </a:defRPr>
+            </a:lvl1pPr>
+          </a:lstStyle>
+          <a:p>
+            <a:pPr lvl="0"/>
+            <a:r>
+              <a:rPr lang="zh-CN" altLang="en-US" dirty="0"/>
+              <a:t>请输入答辩类型</a:t>
+            </a:r>
+            <a:endParaRPr lang="en-US" altLang="zh-CN" dirty="0"/>
+          </a:p>
+        </p:txBody>
+      </p:sp>
+      <p:sp>
+        <p:nvSpPr>
+          <p:cNvPr id="29" name="文本占位符 28">
+            <a:extLst>
+              <a:ext uri="{FF2B5EF4-FFF2-40B4-BE49-F238E27FC236}">
+                <a16:creationId xmlns:a16="http://schemas.microsoft.com/office/drawing/2014/main" id="{88BA8AD3-B6D3-4025-81B6-B4747DB7E286}"/>
+              </a:ext>
+            </a:extLst>
+          </p:cNvPr>
+          <p:cNvSpPr>
+            <a:spLocks noGrp="1"/>
+          </p:cNvSpPr>
+          <p:nvPr>
+            <p:ph type="body" sz="quarter" idx="12" hasCustomPrompt="1"/>
+          </p:nvPr>
+        </p:nvSpPr>
+        <p:spPr>
+          <a:xfrm>
+            <a:off x="667504" y="3641672"/>
+            <a:ext cx="5606045" cy="286232"/>
+          </a:xfrm>
+          <a:prstGeom prst="rect">
+            <a:avLst/>
+          </a:prstGeom>
+        </p:spPr>
+        <p:txBody>
+          <a:bodyPr lIns="0">
+            <a:normAutofit/>
+          </a:bodyPr>
+          <a:lstStyle>
+            <a:lvl1pPr marL="0" indent="0">
+              <a:lnSpc>
+                <a:spcPct val="100000"/>
+              </a:lnSpc>
+              <a:buNone/>
+              <a:defRPr sz="900" spc="413" baseline="0">
+                <a:solidFill>
+                  <a:schemeClr val="bg1">
+                    <a:lumMod val="75000"/>
+                  </a:schemeClr>
+                </a:solidFill>
+                <a:latin typeface="+mj-lt"/>
+              </a:defRPr>
+            </a:lvl1pPr>
+          </a:lstStyle>
+          <a:p>
+            <a:pPr lvl="0"/>
+            <a:r>
+              <a:rPr lang="en-US" altLang="zh-CN" dirty="0"/>
+              <a:t>Supporting Your Text Here</a:t>
+            </a:r>
+          </a:p>
+        </p:txBody>
+      </p:sp>
+      <p:cxnSp>
+        <p:nvCxnSpPr>
+          <p:cNvPr id="19" name="直接连接符 18">
+            <a:extLst>
+              <a:ext uri="{FF2B5EF4-FFF2-40B4-BE49-F238E27FC236}">
+                <a16:creationId xmlns:a16="http://schemas.microsoft.com/office/drawing/2014/main" id="{48D85B3B-E254-4EFE-84E2-6425579D8419}"/>
+              </a:ext>
+            </a:extLst>
+          </p:cNvPr>
+          <p:cNvCxnSpPr>
+            <a:cxnSpLocks/>
+          </p:cNvCxnSpPr>
+          <p:nvPr/>
+        </p:nvCxnSpPr>
+        <p:spPr>
+          <a:xfrm>
+            <a:off x="667503" y="4839800"/>
+            <a:ext cx="4932680" cy="0"/>
+          </a:xfrm>
+          <a:prstGeom prst="line">
+            <a:avLst/>
+          </a:prstGeom>
+          <a:ln w="12700" cap="rnd">
+            <a:solidFill>
+              <a:schemeClr val="bg1">
+                <a:lumMod val="75000"/>
+              </a:schemeClr>
+            </a:solidFill>
+          </a:ln>
+        </p:spPr>
+        <p:style>
+          <a:lnRef idx="1">
+            <a:schemeClr val="accent1"/>
+          </a:lnRef>
+          <a:fillRef idx="0">
+            <a:schemeClr val="accent1"/>
+          </a:fillRef>
+          <a:effectRef idx="0">
+            <a:schemeClr val="accent1"/>
+          </a:effectRef>
+          <a:fontRef idx="minor">
+            <a:schemeClr val="tx1"/>
+          </a:fontRef>
+        </p:style>
+      </p:cxnSp>
+      <p:pic>
+        <p:nvPicPr>
+          <p:cNvPr id="20" name="图片 19">
+            <a:extLst>
+              <a:ext uri="{FF2B5EF4-FFF2-40B4-BE49-F238E27FC236}">
+                <a16:creationId xmlns:a16="http://schemas.microsoft.com/office/drawing/2014/main" id="{97450EE3-38E4-4373-8262-21484462274A}"/>
+              </a:ext>
+            </a:extLst>
+          </p:cNvPr>
+          <p:cNvPicPr>
+            <a:picLocks noChangeAspect="1"/>
+          </p:cNvPicPr>
+          <p:nvPr/>
+        </p:nvPicPr>
+        <p:blipFill rotWithShape="1">
+          <a:blip r:embed="rId3" cstate="print">
+            <a:extLst>
+              <a:ext uri="{28A0092B-C50C-407E-A947-70E740481C1C}">
+                <a14:useLocalDpi xmlns:a14="http://schemas.microsoft.com/office/drawing/2010/main" val="0"/>
+              </a:ext>
+            </a:extLst>
+          </a:blip>
+          <a:srcRect t="28360" b="34703"/>
+          <a:stretch/>
+        </p:blipFill>
+        <p:spPr>
+          <a:xfrm>
+            <a:off x="660401" y="205142"/>
+            <a:ext cx="2568305" cy="925158"/>
+          </a:xfrm>
+          <a:prstGeom prst="rect">
+            <a:avLst/>
+          </a:prstGeom>
+        </p:spPr>
+      </p:pic>
+    </p:spTree>
+    <p:extLst>
+      <p:ext uri="{BB962C8B-B14F-4D97-AF65-F5344CB8AC3E}">
+        <p14:creationId xmlns:p14="http://schemas.microsoft.com/office/powerpoint/2010/main" val="4002415145"/>
+      </p:ext>
+    </p:extLst>
+  </p:cSld>
+  <p:clrMapOvr>
+    <a:masterClrMapping/>
+  </p:clrMapOvr>
+</p:sldLayout>
+</file>
+
+<file path=ppt/slideLayouts/slideLayout24.xml><?xml version="1.0" encoding="utf-8"?>
+<p:sldLayout xmlns:a="http://schemas.openxmlformats.org/drawingml/2006/main" xmlns:r="http://schemas.openxmlformats.org/officeDocument/2006/relationships" xmlns:p="http://schemas.openxmlformats.org/presentationml/2006/main" preserve="1" userDrawn="1">
+  <p:cSld name="节标题">
+    <p:spTree>
+      <p:nvGrpSpPr>
+        <p:cNvPr id="1" name=""/>
+        <p:cNvGrpSpPr/>
+        <p:nvPr/>
+      </p:nvGrpSpPr>
+      <p:grpSpPr>
+        <a:xfrm>
+          <a:off x="0" y="0"/>
+          <a:ext cx="0" cy="0"/>
+          <a:chOff x="0" y="0"/>
+          <a:chExt cx="0" cy="0"/>
+        </a:xfrm>
+      </p:grpSpPr>
+      <p:pic>
+        <p:nvPicPr>
+          <p:cNvPr id="6" name="图片 5">
+            <a:extLst>
+              <a:ext uri="{FF2B5EF4-FFF2-40B4-BE49-F238E27FC236}">
+                <a16:creationId xmlns:a16="http://schemas.microsoft.com/office/drawing/2014/main" id="{5E6BAD3A-CE01-4859-806B-2AE23BAB75D7}"/>
+              </a:ext>
+            </a:extLst>
+          </p:cNvPr>
+          <p:cNvPicPr>
+            <a:picLocks noChangeAspect="1"/>
+          </p:cNvPicPr>
+          <p:nvPr/>
+        </p:nvPicPr>
+        <p:blipFill>
+          <a:blip r:embed="rId2">
+            <a:extLst>
+              <a:ext uri="{28A0092B-C50C-407E-A947-70E740481C1C}">
+                <a14:useLocalDpi xmlns:a14="http://schemas.microsoft.com/office/drawing/2010/main" val="0"/>
+              </a:ext>
+            </a:extLst>
+          </a:blip>
+          <a:stretch>
+            <a:fillRect/>
+          </a:stretch>
+        </p:blipFill>
+        <p:spPr>
+          <a:xfrm>
+            <a:off x="4793760" y="0"/>
+            <a:ext cx="7346565" cy="6858000"/>
+          </a:xfrm>
+          <a:prstGeom prst="rect">
+            <a:avLst/>
+          </a:prstGeom>
+        </p:spPr>
+      </p:pic>
+      <p:sp>
+        <p:nvSpPr>
+          <p:cNvPr id="32" name="任意多边形: 形状 31">
+            <a:extLst>
+              <a:ext uri="{FF2B5EF4-FFF2-40B4-BE49-F238E27FC236}">
+                <a16:creationId xmlns:a16="http://schemas.microsoft.com/office/drawing/2014/main" id="{B688AB28-D263-4BF7-820B-C980E72A1BA3}"/>
+              </a:ext>
+            </a:extLst>
+          </p:cNvPr>
+          <p:cNvSpPr/>
+          <p:nvPr/>
+        </p:nvSpPr>
+        <p:spPr>
+          <a:xfrm>
+            <a:off x="6403321" y="-180899"/>
+            <a:ext cx="5356491" cy="8110349"/>
+          </a:xfrm>
+          <a:custGeom>
+            <a:avLst/>
+            <a:gdLst>
+              <a:gd name="connsiteX0" fmla="*/ 4907596 w 5329086"/>
+              <a:gd name="connsiteY0" fmla="*/ 1735493 h 8110349"/>
+              <a:gd name="connsiteX1" fmla="*/ 5329086 w 5329086"/>
+              <a:gd name="connsiteY1" fmla="*/ 2483140 h 8110349"/>
+              <a:gd name="connsiteX2" fmla="*/ 5329086 w 5329086"/>
+              <a:gd name="connsiteY2" fmla="*/ 5106050 h 8110349"/>
+              <a:gd name="connsiteX3" fmla="*/ 4907597 w 5329086"/>
+              <a:gd name="connsiteY3" fmla="*/ 5343666 h 8110349"/>
+              <a:gd name="connsiteX4" fmla="*/ 0 w 5329086"/>
+              <a:gd name="connsiteY4" fmla="*/ 237617 h 8110349"/>
+              <a:gd name="connsiteX5" fmla="*/ 421490 w 5329086"/>
+              <a:gd name="connsiteY5" fmla="*/ 0 h 8110349"/>
+              <a:gd name="connsiteX6" fmla="*/ 421489 w 5329086"/>
+              <a:gd name="connsiteY6" fmla="*/ 7872732 h 8110349"/>
+              <a:gd name="connsiteX7" fmla="*/ 0 w 5329086"/>
+              <a:gd name="connsiteY7" fmla="*/ 8110349 h 8110349"/>
+            </a:gdLst>
+            <a:ahLst/>
+            <a:cxnLst>
+              <a:cxn ang="0">
+                <a:pos x="connsiteX0" y="connsiteY0"/>
+              </a:cxn>
+              <a:cxn ang="0">
+                <a:pos x="connsiteX1" y="connsiteY1"/>
+              </a:cxn>
+              <a:cxn ang="0">
+                <a:pos x="connsiteX2" y="connsiteY2"/>
+              </a:cxn>
+              <a:cxn ang="0">
+                <a:pos x="connsiteX3" y="connsiteY3"/>
+              </a:cxn>
+              <a:cxn ang="0">
+                <a:pos x="connsiteX4" y="connsiteY4"/>
+              </a:cxn>
+              <a:cxn ang="0">
+                <a:pos x="connsiteX5" y="connsiteY5"/>
+              </a:cxn>
+              <a:cxn ang="0">
+                <a:pos x="connsiteX6" y="connsiteY6"/>
+              </a:cxn>
+              <a:cxn ang="0">
+                <a:pos x="connsiteX7" y="connsiteY7"/>
+              </a:cxn>
+            </a:cxnLst>
+            <a:rect l="l" t="t" r="r" b="b"/>
+            <a:pathLst>
+              <a:path w="5329086" h="8110349">
+                <a:moveTo>
+                  <a:pt x="4907596" y="1735493"/>
+                </a:moveTo>
+                <a:lnTo>
+                  <a:pt x="5329086" y="2483140"/>
+                </a:lnTo>
+                <a:lnTo>
+                  <a:pt x="5329086" y="5106050"/>
+                </a:lnTo>
+                <a:lnTo>
+                  <a:pt x="4907597" y="5343666"/>
+                </a:lnTo>
+                <a:close/>
+                <a:moveTo>
+                  <a:pt x="0" y="237617"/>
+                </a:moveTo>
+                <a:lnTo>
+                  <a:pt x="421490" y="0"/>
+                </a:lnTo>
+                <a:lnTo>
+                  <a:pt x="421489" y="7872732"/>
+                </a:lnTo>
+                <a:lnTo>
+                  <a:pt x="0" y="8110349"/>
+                </a:lnTo>
+                <a:close/>
+              </a:path>
+            </a:pathLst>
+          </a:custGeom>
+          <a:noFill/>
+          <a:ln>
+            <a:noFill/>
+          </a:ln>
+        </p:spPr>
+        <p:style>
+          <a:lnRef idx="2">
+            <a:schemeClr val="accent1">
+              <a:shade val="50000"/>
+            </a:schemeClr>
+          </a:lnRef>
+          <a:fillRef idx="1">
+            <a:schemeClr val="accent1"/>
+          </a:fillRef>
+          <a:effectRef idx="0">
+            <a:schemeClr val="accent1"/>
+          </a:effectRef>
+          <a:fontRef idx="minor">
+            <a:schemeClr val="lt1"/>
+          </a:fontRef>
+        </p:style>
+        <p:txBody>
+          <a:bodyPr wrap="square" rtlCol="0" anchor="ctr">
+            <a:noAutofit/>
+          </a:bodyPr>
+          <a:lstStyle/>
+          <a:p>
+            <a:pPr marL="0" marR="0" lvl="0" indent="0" algn="ctr" defTabSz="685800" rtl="0" eaLnBrk="1" fontAlgn="auto" latinLnBrk="0" hangingPunct="1">
+              <a:lnSpc>
+                <a:spcPct val="100000"/>
+              </a:lnSpc>
+              <a:spcBef>
+                <a:spcPts val="0"/>
+              </a:spcBef>
+              <a:spcAft>
+                <a:spcPts val="0"/>
+              </a:spcAft>
+              <a:buClrTx/>
+              <a:buSzTx/>
+              <a:buFontTx/>
+              <a:buNone/>
+              <a:tabLst/>
+              <a:defRPr/>
+            </a:pPr>
+            <a:endParaRPr kumimoji="0" lang="zh-CN" altLang="en-US" sz="1350" b="0" i="0" u="none" strike="noStrike" kern="1200" cap="none" spc="0" normalizeH="0" baseline="0" noProof="0">
+              <a:ln>
+                <a:noFill/>
+              </a:ln>
+              <a:solidFill>
+                <a:prstClr val="white"/>
+              </a:solidFill>
+              <a:effectLst/>
+              <a:uLnTx/>
+              <a:uFillTx/>
+              <a:latin typeface="Arial"/>
+              <a:ea typeface="微软雅黑"/>
+              <a:cs typeface="+mn-cs"/>
+            </a:endParaRPr>
+          </a:p>
+        </p:txBody>
+      </p:sp>
+      <p:sp>
+        <p:nvSpPr>
+          <p:cNvPr id="12" name="文本占位符 44">
+            <a:extLst>
+              <a:ext uri="{FF2B5EF4-FFF2-40B4-BE49-F238E27FC236}">
+                <a16:creationId xmlns:a16="http://schemas.microsoft.com/office/drawing/2014/main" id="{799FC7CA-FD32-4494-B701-2B5E9E7A9B4E}"/>
+              </a:ext>
+            </a:extLst>
+          </p:cNvPr>
+          <p:cNvSpPr>
+            <a:spLocks noGrp="1"/>
+          </p:cNvSpPr>
+          <p:nvPr>
+            <p:ph type="body" sz="quarter" idx="10" hasCustomPrompt="1"/>
+          </p:nvPr>
+        </p:nvSpPr>
+        <p:spPr>
+          <a:xfrm>
+            <a:off x="881063" y="4131862"/>
+            <a:ext cx="4487880" cy="725488"/>
+          </a:xfrm>
+          <a:prstGeom prst="rect">
+            <a:avLst/>
+          </a:prstGeom>
+        </p:spPr>
+        <p:txBody>
+          <a:bodyPr lIns="0" rIns="90000">
+            <a:noAutofit/>
+          </a:bodyPr>
+          <a:lstStyle>
+            <a:lvl1pPr marL="0" indent="0" algn="ctr">
+              <a:lnSpc>
+                <a:spcPct val="100000"/>
+              </a:lnSpc>
+              <a:buNone/>
+              <a:defRPr sz="4000" b="1" spc="75" baseline="0">
+                <a:solidFill>
+                  <a:schemeClr val="tx1"/>
+                </a:solidFill>
+                <a:latin typeface="+mj-ea"/>
+                <a:ea typeface="+mj-ea"/>
+              </a:defRPr>
+            </a:lvl1pPr>
+          </a:lstStyle>
+          <a:p>
+            <a:pPr lvl="0"/>
+            <a:r>
+              <a:rPr lang="zh-CN" altLang="en-US" dirty="0"/>
+              <a:t>请输入你的节标题</a:t>
+            </a:r>
+          </a:p>
+        </p:txBody>
+      </p:sp>
+      <p:pic>
+        <p:nvPicPr>
+          <p:cNvPr id="3" name="图片 2">
+            <a:extLst>
+              <a:ext uri="{FF2B5EF4-FFF2-40B4-BE49-F238E27FC236}">
+                <a16:creationId xmlns:a16="http://schemas.microsoft.com/office/drawing/2014/main" id="{C92DC366-1BE9-4448-955F-E248C2357DF1}"/>
+              </a:ext>
+            </a:extLst>
+          </p:cNvPr>
+          <p:cNvPicPr>
+            <a:picLocks noChangeAspect="1"/>
+          </p:cNvPicPr>
+          <p:nvPr/>
+        </p:nvPicPr>
+        <p:blipFill rotWithShape="1">
+          <a:blip r:embed="rId3" cstate="print">
+            <a:extLst>
+              <a:ext uri="{28A0092B-C50C-407E-A947-70E740481C1C}">
+                <a14:useLocalDpi xmlns:a14="http://schemas.microsoft.com/office/drawing/2010/main" val="0"/>
+              </a:ext>
+            </a:extLst>
+          </a:blip>
+          <a:srcRect t="28360" b="34703"/>
+          <a:stretch/>
+        </p:blipFill>
+        <p:spPr>
+          <a:xfrm>
+            <a:off x="660401" y="205142"/>
+            <a:ext cx="2568305" cy="925158"/>
+          </a:xfrm>
+          <a:prstGeom prst="rect">
+            <a:avLst/>
+          </a:prstGeom>
+        </p:spPr>
+      </p:pic>
+    </p:spTree>
+    <p:extLst>
+      <p:ext uri="{BB962C8B-B14F-4D97-AF65-F5344CB8AC3E}">
+        <p14:creationId xmlns:p14="http://schemas.microsoft.com/office/powerpoint/2010/main" val="316555514"/>
+      </p:ext>
+    </p:extLst>
+  </p:cSld>
+  <p:clrMapOvr>
+    <a:masterClrMapping/>
+  </p:clrMapOvr>
+</p:sldLayout>
+</file>
+
+<file path=ppt/slideLayouts/slideLayout25.xml><?xml version="1.0" encoding="utf-8"?>
+<p:sldLayout xmlns:a="http://schemas.openxmlformats.org/drawingml/2006/main" xmlns:r="http://schemas.openxmlformats.org/officeDocument/2006/relationships" xmlns:p="http://schemas.openxmlformats.org/presentationml/2006/main" preserve="1" userDrawn="1">
+  <p:cSld name="1_节标题">
+    <p:spTree>
+      <p:nvGrpSpPr>
+        <p:cNvPr id="1" name=""/>
+        <p:cNvGrpSpPr/>
+        <p:nvPr/>
+      </p:nvGrpSpPr>
+      <p:grpSpPr>
+        <a:xfrm>
+          <a:off x="0" y="0"/>
+          <a:ext cx="0" cy="0"/>
+          <a:chOff x="0" y="0"/>
+          <a:chExt cx="0" cy="0"/>
+        </a:xfrm>
+      </p:grpSpPr>
+      <p:sp>
+        <p:nvSpPr>
+          <p:cNvPr id="32" name="任意多边形: 形状 31">
+            <a:extLst>
+              <a:ext uri="{FF2B5EF4-FFF2-40B4-BE49-F238E27FC236}">
+                <a16:creationId xmlns:a16="http://schemas.microsoft.com/office/drawing/2014/main" id="{B688AB28-D263-4BF7-820B-C980E72A1BA3}"/>
+              </a:ext>
+            </a:extLst>
+          </p:cNvPr>
+          <p:cNvSpPr/>
+          <p:nvPr/>
+        </p:nvSpPr>
+        <p:spPr>
+          <a:xfrm>
+            <a:off x="6403321" y="-180899"/>
+            <a:ext cx="5356491" cy="8110349"/>
+          </a:xfrm>
+          <a:custGeom>
+            <a:avLst/>
+            <a:gdLst>
+              <a:gd name="connsiteX0" fmla="*/ 4907596 w 5329086"/>
+              <a:gd name="connsiteY0" fmla="*/ 1735493 h 8110349"/>
+              <a:gd name="connsiteX1" fmla="*/ 5329086 w 5329086"/>
+              <a:gd name="connsiteY1" fmla="*/ 2483140 h 8110349"/>
+              <a:gd name="connsiteX2" fmla="*/ 5329086 w 5329086"/>
+              <a:gd name="connsiteY2" fmla="*/ 5106050 h 8110349"/>
+              <a:gd name="connsiteX3" fmla="*/ 4907597 w 5329086"/>
+              <a:gd name="connsiteY3" fmla="*/ 5343666 h 8110349"/>
+              <a:gd name="connsiteX4" fmla="*/ 0 w 5329086"/>
+              <a:gd name="connsiteY4" fmla="*/ 237617 h 8110349"/>
+              <a:gd name="connsiteX5" fmla="*/ 421490 w 5329086"/>
+              <a:gd name="connsiteY5" fmla="*/ 0 h 8110349"/>
+              <a:gd name="connsiteX6" fmla="*/ 421489 w 5329086"/>
+              <a:gd name="connsiteY6" fmla="*/ 7872732 h 8110349"/>
+              <a:gd name="connsiteX7" fmla="*/ 0 w 5329086"/>
+              <a:gd name="connsiteY7" fmla="*/ 8110349 h 8110349"/>
+            </a:gdLst>
+            <a:ahLst/>
+            <a:cxnLst>
+              <a:cxn ang="0">
+                <a:pos x="connsiteX0" y="connsiteY0"/>
+              </a:cxn>
+              <a:cxn ang="0">
+                <a:pos x="connsiteX1" y="connsiteY1"/>
+              </a:cxn>
+              <a:cxn ang="0">
+                <a:pos x="connsiteX2" y="connsiteY2"/>
+              </a:cxn>
+              <a:cxn ang="0">
+                <a:pos x="connsiteX3" y="connsiteY3"/>
+              </a:cxn>
+              <a:cxn ang="0">
+                <a:pos x="connsiteX4" y="connsiteY4"/>
+              </a:cxn>
+              <a:cxn ang="0">
+                <a:pos x="connsiteX5" y="connsiteY5"/>
+              </a:cxn>
+              <a:cxn ang="0">
+                <a:pos x="connsiteX6" y="connsiteY6"/>
+              </a:cxn>
+              <a:cxn ang="0">
+                <a:pos x="connsiteX7" y="connsiteY7"/>
+              </a:cxn>
+            </a:cxnLst>
+            <a:rect l="l" t="t" r="r" b="b"/>
+            <a:pathLst>
+              <a:path w="5329086" h="8110349">
+                <a:moveTo>
+                  <a:pt x="4907596" y="1735493"/>
+                </a:moveTo>
+                <a:lnTo>
+                  <a:pt x="5329086" y="2483140"/>
+                </a:lnTo>
+                <a:lnTo>
+                  <a:pt x="5329086" y="5106050"/>
+                </a:lnTo>
+                <a:lnTo>
+                  <a:pt x="4907597" y="5343666"/>
+                </a:lnTo>
+                <a:close/>
+                <a:moveTo>
+                  <a:pt x="0" y="237617"/>
+                </a:moveTo>
+                <a:lnTo>
+                  <a:pt x="421490" y="0"/>
+                </a:lnTo>
+                <a:lnTo>
+                  <a:pt x="421489" y="7872732"/>
+                </a:lnTo>
+                <a:lnTo>
+                  <a:pt x="0" y="8110349"/>
+                </a:lnTo>
+                <a:close/>
+              </a:path>
+            </a:pathLst>
+          </a:custGeom>
+          <a:noFill/>
+          <a:ln>
+            <a:noFill/>
+          </a:ln>
+        </p:spPr>
+        <p:style>
+          <a:lnRef idx="2">
+            <a:schemeClr val="accent1">
+              <a:shade val="50000"/>
+            </a:schemeClr>
+          </a:lnRef>
+          <a:fillRef idx="1">
+            <a:schemeClr val="accent1"/>
+          </a:fillRef>
+          <a:effectRef idx="0">
+            <a:schemeClr val="accent1"/>
+          </a:effectRef>
+          <a:fontRef idx="minor">
+            <a:schemeClr val="lt1"/>
+          </a:fontRef>
+        </p:style>
+        <p:txBody>
+          <a:bodyPr wrap="square" rtlCol="0" anchor="ctr">
+            <a:noAutofit/>
+          </a:bodyPr>
+          <a:lstStyle/>
+          <a:p>
+            <a:pPr marL="0" marR="0" lvl="0" indent="0" algn="ctr" defTabSz="685800" rtl="0" eaLnBrk="1" fontAlgn="auto" latinLnBrk="0" hangingPunct="1">
+              <a:lnSpc>
+                <a:spcPct val="100000"/>
+              </a:lnSpc>
+              <a:spcBef>
+                <a:spcPts val="0"/>
+              </a:spcBef>
+              <a:spcAft>
+                <a:spcPts val="0"/>
+              </a:spcAft>
+              <a:buClrTx/>
+              <a:buSzTx/>
+              <a:buFontTx/>
+              <a:buNone/>
+              <a:tabLst/>
+              <a:defRPr/>
+            </a:pPr>
+            <a:endParaRPr kumimoji="0" lang="zh-CN" altLang="en-US" sz="1350" b="0" i="0" u="none" strike="noStrike" kern="1200" cap="none" spc="0" normalizeH="0" baseline="0" noProof="0">
+              <a:ln>
+                <a:noFill/>
+              </a:ln>
+              <a:solidFill>
+                <a:prstClr val="white"/>
+              </a:solidFill>
+              <a:effectLst/>
+              <a:uLnTx/>
+              <a:uFillTx/>
+              <a:latin typeface="Arial"/>
+              <a:ea typeface="微软雅黑"/>
+              <a:cs typeface="+mn-cs"/>
+            </a:endParaRPr>
+          </a:p>
+        </p:txBody>
+      </p:sp>
+      <p:sp>
+        <p:nvSpPr>
+          <p:cNvPr id="12" name="文本占位符 44">
+            <a:extLst>
+              <a:ext uri="{FF2B5EF4-FFF2-40B4-BE49-F238E27FC236}">
+                <a16:creationId xmlns:a16="http://schemas.microsoft.com/office/drawing/2014/main" id="{799FC7CA-FD32-4494-B701-2B5E9E7A9B4E}"/>
+              </a:ext>
+            </a:extLst>
+          </p:cNvPr>
+          <p:cNvSpPr>
+            <a:spLocks noGrp="1"/>
+          </p:cNvSpPr>
+          <p:nvPr>
+            <p:ph type="body" sz="quarter" idx="10" hasCustomPrompt="1"/>
+          </p:nvPr>
+        </p:nvSpPr>
+        <p:spPr>
+          <a:xfrm>
+            <a:off x="881063" y="4131862"/>
+            <a:ext cx="4487880" cy="725488"/>
+          </a:xfrm>
+          <a:prstGeom prst="rect">
+            <a:avLst/>
+          </a:prstGeom>
+        </p:spPr>
+        <p:txBody>
+          <a:bodyPr lIns="0" rIns="90000">
+            <a:noAutofit/>
+          </a:bodyPr>
+          <a:lstStyle>
+            <a:lvl1pPr marL="0" indent="0" algn="ctr">
+              <a:lnSpc>
+                <a:spcPct val="100000"/>
+              </a:lnSpc>
+              <a:buNone/>
+              <a:defRPr sz="4000" b="1" spc="75" baseline="0">
+                <a:solidFill>
+                  <a:schemeClr val="tx1"/>
+                </a:solidFill>
+                <a:latin typeface="+mj-ea"/>
+                <a:ea typeface="+mj-ea"/>
+              </a:defRPr>
+            </a:lvl1pPr>
+          </a:lstStyle>
+          <a:p>
+            <a:pPr lvl="0"/>
+            <a:r>
+              <a:rPr lang="zh-CN" altLang="en-US" dirty="0"/>
+              <a:t>请输入你的节标题</a:t>
+            </a:r>
+          </a:p>
+        </p:txBody>
+      </p:sp>
+      <p:pic>
+        <p:nvPicPr>
+          <p:cNvPr id="3" name="图片 2">
+            <a:extLst>
+              <a:ext uri="{FF2B5EF4-FFF2-40B4-BE49-F238E27FC236}">
+                <a16:creationId xmlns:a16="http://schemas.microsoft.com/office/drawing/2014/main" id="{C92DC366-1BE9-4448-955F-E248C2357DF1}"/>
+              </a:ext>
+            </a:extLst>
+          </p:cNvPr>
+          <p:cNvPicPr>
+            <a:picLocks noChangeAspect="1"/>
+          </p:cNvPicPr>
+          <p:nvPr/>
+        </p:nvPicPr>
+        <p:blipFill rotWithShape="1">
+          <a:blip r:embed="rId2" cstate="print">
+            <a:extLst>
+              <a:ext uri="{28A0092B-C50C-407E-A947-70E740481C1C}">
+                <a14:useLocalDpi xmlns:a14="http://schemas.microsoft.com/office/drawing/2010/main" val="0"/>
+              </a:ext>
+            </a:extLst>
+          </a:blip>
+          <a:srcRect t="28360" b="34703"/>
+          <a:stretch/>
+        </p:blipFill>
+        <p:spPr>
+          <a:xfrm>
+            <a:off x="660401" y="205142"/>
+            <a:ext cx="2568305" cy="925158"/>
+          </a:xfrm>
+          <a:prstGeom prst="rect">
+            <a:avLst/>
+          </a:prstGeom>
+        </p:spPr>
+      </p:pic>
+      <p:pic>
+        <p:nvPicPr>
+          <p:cNvPr id="4" name="图片 3">
+            <a:extLst>
+              <a:ext uri="{FF2B5EF4-FFF2-40B4-BE49-F238E27FC236}">
+                <a16:creationId xmlns:a16="http://schemas.microsoft.com/office/drawing/2014/main" id="{4142C03A-786D-444C-BF57-3C01F145CDF7}"/>
+              </a:ext>
+            </a:extLst>
+          </p:cNvPr>
+          <p:cNvPicPr>
+            <a:picLocks noChangeAspect="1"/>
+          </p:cNvPicPr>
+          <p:nvPr userDrawn="1"/>
+        </p:nvPicPr>
+        <p:blipFill>
+          <a:blip r:embed="rId3"/>
+          <a:stretch>
+            <a:fillRect/>
+          </a:stretch>
+        </p:blipFill>
+        <p:spPr>
+          <a:xfrm>
+            <a:off x="5088133" y="0"/>
+            <a:ext cx="10759752" cy="6858000"/>
+          </a:xfrm>
+          <a:prstGeom prst="rect">
+            <a:avLst/>
+          </a:prstGeom>
+        </p:spPr>
+      </p:pic>
+    </p:spTree>
+    <p:extLst>
+      <p:ext uri="{BB962C8B-B14F-4D97-AF65-F5344CB8AC3E}">
+        <p14:creationId xmlns:p14="http://schemas.microsoft.com/office/powerpoint/2010/main" val="734517157"/>
+      </p:ext>
+    </p:extLst>
+  </p:cSld>
+  <p:clrMapOvr>
+    <a:masterClrMapping/>
+  </p:clrMapOvr>
+</p:sldLayout>
+</file>
+
+<file path=ppt/slideLayouts/slideLayout26.xml><?xml version="1.0" encoding="utf-8"?>
+<p:sldLayout xmlns:a="http://schemas.openxmlformats.org/drawingml/2006/main" xmlns:r="http://schemas.openxmlformats.org/officeDocument/2006/relationships" xmlns:p="http://schemas.openxmlformats.org/presentationml/2006/main" preserve="1">
+  <p:cSld name="标题和内容">
+    <p:spTree>
+      <p:nvGrpSpPr>
+        <p:cNvPr id="1" name=""/>
+        <p:cNvGrpSpPr/>
+        <p:nvPr/>
+      </p:nvGrpSpPr>
+      <p:grpSpPr>
+        <a:xfrm>
+          <a:off x="0" y="0"/>
+          <a:ext cx="0" cy="0"/>
+          <a:chOff x="0" y="0"/>
+          <a:chExt cx="0" cy="0"/>
+        </a:xfrm>
+      </p:grpSpPr>
+      <p:cxnSp>
+        <p:nvCxnSpPr>
+          <p:cNvPr id="21" name="直接连接符 20">
+            <a:extLst>
+              <a:ext uri="{FF2B5EF4-FFF2-40B4-BE49-F238E27FC236}">
+                <a16:creationId xmlns:a16="http://schemas.microsoft.com/office/drawing/2014/main" id="{F3483FF7-1FFC-4CF8-87E8-12056578B199}"/>
+              </a:ext>
+            </a:extLst>
+          </p:cNvPr>
+          <p:cNvCxnSpPr>
+            <a:cxnSpLocks/>
+          </p:cNvCxnSpPr>
+          <p:nvPr/>
+        </p:nvCxnSpPr>
+        <p:spPr>
+          <a:xfrm>
+            <a:off x="660400" y="1130300"/>
+            <a:ext cx="10860088" cy="0"/>
+          </a:xfrm>
+          <a:prstGeom prst="line">
+            <a:avLst/>
+          </a:prstGeom>
+          <a:ln>
+            <a:solidFill>
+              <a:schemeClr val="bg1">
+                <a:lumMod val="75000"/>
+              </a:schemeClr>
+            </a:solidFill>
+          </a:ln>
+        </p:spPr>
+        <p:style>
+          <a:lnRef idx="1">
+            <a:schemeClr val="accent1"/>
+          </a:lnRef>
+          <a:fillRef idx="0">
+            <a:schemeClr val="accent1"/>
+          </a:fillRef>
+          <a:effectRef idx="0">
+            <a:schemeClr val="accent1"/>
+          </a:effectRef>
+          <a:fontRef idx="minor">
+            <a:schemeClr val="tx1"/>
+          </a:fontRef>
+        </p:style>
+      </p:cxnSp>
+      <p:sp>
+        <p:nvSpPr>
+          <p:cNvPr id="68" name="文本占位符 67">
+            <a:extLst>
+              <a:ext uri="{FF2B5EF4-FFF2-40B4-BE49-F238E27FC236}">
+                <a16:creationId xmlns:a16="http://schemas.microsoft.com/office/drawing/2014/main" id="{B5D6DB47-5BC5-4C49-AD88-480E7DAD3EAF}"/>
+              </a:ext>
+            </a:extLst>
+          </p:cNvPr>
+          <p:cNvSpPr>
+            <a:spLocks noGrp="1"/>
+          </p:cNvSpPr>
+          <p:nvPr>
+            <p:ph type="body" sz="quarter" idx="11" hasCustomPrompt="1"/>
+          </p:nvPr>
+        </p:nvSpPr>
+        <p:spPr>
+          <a:xfrm>
+            <a:off x="881063" y="417840"/>
+            <a:ext cx="8920029" cy="585866"/>
+          </a:xfrm>
+          <a:prstGeom prst="rect">
+            <a:avLst/>
+          </a:prstGeom>
+        </p:spPr>
+        <p:txBody>
+          <a:bodyPr lIns="0" bIns="46800">
+            <a:spAutoFit/>
+          </a:bodyPr>
+          <a:lstStyle>
+            <a:lvl1pPr marL="0" indent="0">
+              <a:lnSpc>
+                <a:spcPct val="100000"/>
+              </a:lnSpc>
+              <a:buNone/>
+              <a:defRPr sz="3200" b="1">
+                <a:solidFill>
+                  <a:schemeClr val="tx1"/>
+                </a:solidFill>
+                <a:latin typeface="+mj-ea"/>
+                <a:ea typeface="+mj-ea"/>
+              </a:defRPr>
+            </a:lvl1pPr>
+          </a:lstStyle>
+          <a:p>
+            <a:pPr lvl="0"/>
+            <a:r>
+              <a:rPr lang="zh-CN" altLang="en-US" dirty="0"/>
+              <a:t>单击此处编辑母版标题样式</a:t>
+            </a:r>
+          </a:p>
+        </p:txBody>
+      </p:sp>
+      <p:sp>
+        <p:nvSpPr>
+          <p:cNvPr id="16" name="内容占位符 2">
+            <a:extLst>
+              <a:ext uri="{FF2B5EF4-FFF2-40B4-BE49-F238E27FC236}">
+                <a16:creationId xmlns:a16="http://schemas.microsoft.com/office/drawing/2014/main" id="{42413264-E169-45CE-A4AB-CB32C7BFD4A6}"/>
+              </a:ext>
+            </a:extLst>
+          </p:cNvPr>
+          <p:cNvSpPr>
+            <a:spLocks noGrp="1"/>
+          </p:cNvSpPr>
+          <p:nvPr>
+            <p:ph idx="1"/>
+          </p:nvPr>
+        </p:nvSpPr>
+        <p:spPr>
+          <a:xfrm>
+            <a:off x="881063" y="1342998"/>
+            <a:ext cx="10639425" cy="5019675"/>
+          </a:xfrm>
+          <a:prstGeom prst="rect">
+            <a:avLst/>
+          </a:prstGeom>
+        </p:spPr>
+        <p:txBody>
+          <a:bodyPr/>
+          <a:lstStyle>
+            <a:lvl1pPr>
+              <a:defRPr sz="2800"/>
+            </a:lvl1pPr>
+            <a:lvl2pPr>
+              <a:defRPr sz="2400"/>
+            </a:lvl2pPr>
+            <a:lvl3pPr>
+              <a:defRPr sz="2400"/>
+            </a:lvl3pPr>
+            <a:lvl4pPr>
+              <a:defRPr sz="1800"/>
+            </a:lvl4pPr>
+            <a:lvl5pPr>
+              <a:defRPr sz="1800"/>
+            </a:lvl5pPr>
+          </a:lstStyle>
+          <a:p>
+            <a:pPr lvl="0"/>
+            <a:r>
+              <a:rPr lang="zh-CN" altLang="en-US" dirty="0"/>
+              <a:t>单击此处编辑母版文本样式</a:t>
+            </a:r>
+          </a:p>
+          <a:p>
+            <a:pPr lvl="1"/>
+            <a:r>
+              <a:rPr lang="zh-CN" altLang="en-US" dirty="0"/>
+              <a:t>二级</a:t>
+            </a:r>
+          </a:p>
+          <a:p>
+            <a:pPr lvl="2"/>
+            <a:r>
+              <a:rPr lang="zh-CN" altLang="en-US" dirty="0"/>
+              <a:t>三级</a:t>
+            </a:r>
+          </a:p>
+          <a:p>
+            <a:pPr lvl="3"/>
+            <a:r>
+              <a:rPr lang="zh-CN" altLang="en-US" dirty="0"/>
+              <a:t>四级</a:t>
+            </a:r>
+          </a:p>
+          <a:p>
+            <a:pPr lvl="4"/>
+            <a:r>
+              <a:rPr lang="zh-CN" altLang="en-US" dirty="0"/>
+              <a:t>五级</a:t>
+            </a:r>
+          </a:p>
+        </p:txBody>
+      </p:sp>
+      <p:sp>
+        <p:nvSpPr>
+          <p:cNvPr id="15" name="灯片编号占位符 3">
+            <a:extLst>
+              <a:ext uri="{FF2B5EF4-FFF2-40B4-BE49-F238E27FC236}">
+                <a16:creationId xmlns:a16="http://schemas.microsoft.com/office/drawing/2014/main" id="{B4AEEAD2-B2AC-4155-BC4E-0E9125A3436F}"/>
+              </a:ext>
+            </a:extLst>
+          </p:cNvPr>
+          <p:cNvSpPr>
+            <a:spLocks noGrp="1"/>
+          </p:cNvSpPr>
+          <p:nvPr>
+            <p:ph type="sldNum" sz="quarter" idx="4"/>
+          </p:nvPr>
+        </p:nvSpPr>
+        <p:spPr>
+          <a:xfrm>
+            <a:off x="8775700" y="6235704"/>
+            <a:ext cx="2743200" cy="365125"/>
+          </a:xfrm>
+          <a:prstGeom prst="rect">
+            <a:avLst/>
+          </a:prstGeom>
+        </p:spPr>
+        <p:txBody>
+          <a:bodyPr vert="horz" lIns="90000" tIns="45720" rIns="0" bIns="45720" rtlCol="0" anchor="ctr"/>
+          <a:lstStyle>
+            <a:lvl1pPr algn="r">
+              <a:defRPr sz="1050">
+                <a:solidFill>
+                  <a:schemeClr val="bg1">
+                    <a:lumMod val="75000"/>
+                  </a:schemeClr>
+                </a:solidFill>
+              </a:defRPr>
+            </a:lvl1pPr>
+          </a:lstStyle>
+          <a:p>
+            <a:fld id="{C5EF2332-01BF-834F-8236-50238282D533}" type="slidenum">
+              <a:rPr lang="en-US" smtClean="0"/>
+              <a:t>‹#›</a:t>
+            </a:fld>
+            <a:endParaRPr lang="en-US"/>
+          </a:p>
+        </p:txBody>
+      </p:sp>
+      <p:pic>
+        <p:nvPicPr>
+          <p:cNvPr id="10" name="图片 9">
+            <a:extLst>
+              <a:ext uri="{FF2B5EF4-FFF2-40B4-BE49-F238E27FC236}">
+                <a16:creationId xmlns:a16="http://schemas.microsoft.com/office/drawing/2014/main" id="{02068535-C7F7-4617-B562-9EF831DFE48E}"/>
+              </a:ext>
+            </a:extLst>
+          </p:cNvPr>
+          <p:cNvPicPr>
+            <a:picLocks noChangeAspect="1"/>
+          </p:cNvPicPr>
+          <p:nvPr userDrawn="1"/>
+        </p:nvPicPr>
+        <p:blipFill rotWithShape="1">
+          <a:blip r:embed="rId2" cstate="print">
+            <a:extLst>
+              <a:ext uri="{28A0092B-C50C-407E-A947-70E740481C1C}">
+                <a14:useLocalDpi xmlns:a14="http://schemas.microsoft.com/office/drawing/2010/main" val="0"/>
+              </a:ext>
+            </a:extLst>
+          </a:blip>
+          <a:srcRect t="28360" b="34703"/>
+          <a:stretch/>
+        </p:blipFill>
+        <p:spPr>
+          <a:xfrm>
+            <a:off x="8950597" y="195290"/>
+            <a:ext cx="2568305" cy="925158"/>
+          </a:xfrm>
+          <a:prstGeom prst="rect">
+            <a:avLst/>
+          </a:prstGeom>
+        </p:spPr>
+      </p:pic>
+    </p:spTree>
+    <p:extLst>
+      <p:ext uri="{BB962C8B-B14F-4D97-AF65-F5344CB8AC3E}">
+        <p14:creationId xmlns:p14="http://schemas.microsoft.com/office/powerpoint/2010/main" val="143080559"/>
+      </p:ext>
+    </p:extLst>
+  </p:cSld>
+  <p:clrMapOvr>
+    <a:masterClrMapping/>
+  </p:clrMapOvr>
+</p:sldLayout>
+</file>
+
+<file path=ppt/slideLayouts/slideLayout27.xml><?xml version="1.0" encoding="utf-8"?>
+<p:sldLayout xmlns:a="http://schemas.openxmlformats.org/drawingml/2006/main" xmlns:r="http://schemas.openxmlformats.org/officeDocument/2006/relationships" xmlns:p="http://schemas.openxmlformats.org/presentationml/2006/main" preserve="1">
+  <p:cSld name="仅标题页">
+    <p:spTree>
+      <p:nvGrpSpPr>
+        <p:cNvPr id="1" name=""/>
+        <p:cNvGrpSpPr/>
+        <p:nvPr/>
+      </p:nvGrpSpPr>
+      <p:grpSpPr>
+        <a:xfrm>
+          <a:off x="0" y="0"/>
+          <a:ext cx="0" cy="0"/>
+          <a:chOff x="0" y="0"/>
+          <a:chExt cx="0" cy="0"/>
+        </a:xfrm>
+      </p:grpSpPr>
+      <p:cxnSp>
+        <p:nvCxnSpPr>
+          <p:cNvPr id="19" name="直接连接符 18">
+            <a:extLst>
+              <a:ext uri="{FF2B5EF4-FFF2-40B4-BE49-F238E27FC236}">
+                <a16:creationId xmlns:a16="http://schemas.microsoft.com/office/drawing/2014/main" id="{270C1EB7-9793-4453-BF85-BDA9BFDB01FB}"/>
+              </a:ext>
+            </a:extLst>
+          </p:cNvPr>
+          <p:cNvCxnSpPr>
+            <a:cxnSpLocks/>
+          </p:cNvCxnSpPr>
+          <p:nvPr/>
+        </p:nvCxnSpPr>
+        <p:spPr>
+          <a:xfrm>
+            <a:off x="660401" y="1130300"/>
+            <a:ext cx="11036300" cy="0"/>
+          </a:xfrm>
+          <a:prstGeom prst="line">
+            <a:avLst/>
+          </a:prstGeom>
+          <a:ln>
+            <a:solidFill>
+              <a:schemeClr val="bg1">
+                <a:lumMod val="75000"/>
+              </a:schemeClr>
+            </a:solidFill>
+          </a:ln>
+        </p:spPr>
+        <p:style>
+          <a:lnRef idx="1">
+            <a:schemeClr val="accent1"/>
+          </a:lnRef>
+          <a:fillRef idx="0">
+            <a:schemeClr val="accent1"/>
+          </a:fillRef>
+          <a:effectRef idx="0">
+            <a:schemeClr val="accent1"/>
+          </a:effectRef>
+          <a:fontRef idx="minor">
+            <a:schemeClr val="tx1"/>
+          </a:fontRef>
+        </p:style>
+      </p:cxnSp>
+      <p:sp>
+        <p:nvSpPr>
+          <p:cNvPr id="25" name="文本占位符 67">
+            <a:extLst>
+              <a:ext uri="{FF2B5EF4-FFF2-40B4-BE49-F238E27FC236}">
+                <a16:creationId xmlns:a16="http://schemas.microsoft.com/office/drawing/2014/main" id="{60F93DEA-A852-4B06-9273-376E9E5D4153}"/>
+              </a:ext>
+            </a:extLst>
+          </p:cNvPr>
+          <p:cNvSpPr>
+            <a:spLocks noGrp="1"/>
+          </p:cNvSpPr>
+          <p:nvPr>
+            <p:ph type="body" sz="quarter" idx="11" hasCustomPrompt="1"/>
+          </p:nvPr>
+        </p:nvSpPr>
+        <p:spPr>
+          <a:xfrm>
+            <a:off x="881063" y="442834"/>
+            <a:ext cx="8920029" cy="585866"/>
+          </a:xfrm>
+          <a:prstGeom prst="rect">
+            <a:avLst/>
+          </a:prstGeom>
+        </p:spPr>
+        <p:txBody>
+          <a:bodyPr lIns="0" bIns="46800">
+            <a:spAutoFit/>
+          </a:bodyPr>
+          <a:lstStyle>
+            <a:lvl1pPr marL="0" indent="0">
+              <a:lnSpc>
+                <a:spcPct val="100000"/>
+              </a:lnSpc>
+              <a:buNone/>
+              <a:defRPr lang="zh-CN" altLang="en-US" sz="3200" b="1" kern="1200" dirty="0">
+                <a:solidFill>
+                  <a:schemeClr val="tx1"/>
+                </a:solidFill>
+                <a:latin typeface="+mj-ea"/>
+                <a:ea typeface="+mj-ea"/>
+                <a:cs typeface="+mn-cs"/>
+              </a:defRPr>
+            </a:lvl1pPr>
+          </a:lstStyle>
+          <a:p>
+            <a:pPr lvl="0"/>
+            <a:r>
+              <a:rPr lang="zh-CN" altLang="en-US" dirty="0"/>
+              <a:t>单击此处编辑母版标题样式</a:t>
+            </a:r>
+          </a:p>
+        </p:txBody>
+      </p:sp>
+      <p:sp>
+        <p:nvSpPr>
+          <p:cNvPr id="6" name="灯片编号占位符 5">
+            <a:extLst>
+              <a:ext uri="{FF2B5EF4-FFF2-40B4-BE49-F238E27FC236}">
+                <a16:creationId xmlns:a16="http://schemas.microsoft.com/office/drawing/2014/main" id="{C9C62155-2DC4-4CFC-A815-0E317EC113C2}"/>
+              </a:ext>
+            </a:extLst>
+          </p:cNvPr>
+          <p:cNvSpPr>
+            <a:spLocks noGrp="1"/>
+          </p:cNvSpPr>
+          <p:nvPr>
+            <p:ph type="sldNum" sz="quarter" idx="14"/>
+          </p:nvPr>
+        </p:nvSpPr>
+        <p:spPr/>
+        <p:txBody>
+          <a:bodyPr/>
+          <a:lstStyle/>
+          <a:p>
+            <a:fld id="{C5EF2332-01BF-834F-8236-50238282D533}" type="slidenum">
+              <a:rPr lang="en-US" smtClean="0"/>
+              <a:t>‹#›</a:t>
+            </a:fld>
+            <a:endParaRPr lang="en-US"/>
+          </a:p>
+        </p:txBody>
+      </p:sp>
+      <p:pic>
+        <p:nvPicPr>
+          <p:cNvPr id="13" name="图片 12">
+            <a:extLst>
+              <a:ext uri="{FF2B5EF4-FFF2-40B4-BE49-F238E27FC236}">
+                <a16:creationId xmlns:a16="http://schemas.microsoft.com/office/drawing/2014/main" id="{589ECB6E-9BF0-47D8-928C-82E7706A8E7E}"/>
+              </a:ext>
+            </a:extLst>
+          </p:cNvPr>
+          <p:cNvPicPr>
+            <a:picLocks noChangeAspect="1"/>
+          </p:cNvPicPr>
+          <p:nvPr/>
+        </p:nvPicPr>
+        <p:blipFill rotWithShape="1">
+          <a:blip r:embed="rId2" cstate="print">
+            <a:extLst>
+              <a:ext uri="{28A0092B-C50C-407E-A947-70E740481C1C}">
+                <a14:useLocalDpi xmlns:a14="http://schemas.microsoft.com/office/drawing/2010/main" val="0"/>
+              </a:ext>
+            </a:extLst>
+          </a:blip>
+          <a:srcRect t="28360" b="34703"/>
+          <a:stretch/>
+        </p:blipFill>
+        <p:spPr>
+          <a:xfrm>
+            <a:off x="8950597" y="195290"/>
+            <a:ext cx="2568305" cy="925158"/>
+          </a:xfrm>
+          <a:prstGeom prst="rect">
+            <a:avLst/>
+          </a:prstGeom>
+        </p:spPr>
+      </p:pic>
+    </p:spTree>
+    <p:extLst>
+      <p:ext uri="{BB962C8B-B14F-4D97-AF65-F5344CB8AC3E}">
+        <p14:creationId xmlns:p14="http://schemas.microsoft.com/office/powerpoint/2010/main" val="3249744420"/>
+      </p:ext>
+    </p:extLst>
+  </p:cSld>
+  <p:clrMapOvr>
+    <a:masterClrMapping/>
+  </p:clrMapOvr>
+</p:sldLayout>
+</file>
+
+<file path=ppt/slideLayouts/slideLayout28.xml><?xml version="1.0" encoding="utf-8"?>
+<p:sldLayout xmlns:a="http://schemas.openxmlformats.org/drawingml/2006/main" xmlns:r="http://schemas.openxmlformats.org/officeDocument/2006/relationships" xmlns:p="http://schemas.openxmlformats.org/presentationml/2006/main" type="blank" preserve="1">
+  <p:cSld name="空白">
+    <p:spTree>
+      <p:nvGrpSpPr>
+        <p:cNvPr id="1" name=""/>
+        <p:cNvGrpSpPr/>
+        <p:nvPr/>
+      </p:nvGrpSpPr>
+      <p:grpSpPr>
+        <a:xfrm>
+          <a:off x="0" y="0"/>
+          <a:ext cx="0" cy="0"/>
+          <a:chOff x="0" y="0"/>
+          <a:chExt cx="0" cy="0"/>
+        </a:xfrm>
+      </p:grpSpPr>
+      <p:pic>
+        <p:nvPicPr>
+          <p:cNvPr id="2" name="图片 1">
+            <a:extLst>
+              <a:ext uri="{FF2B5EF4-FFF2-40B4-BE49-F238E27FC236}">
+                <a16:creationId xmlns:a16="http://schemas.microsoft.com/office/drawing/2014/main" id="{3DC5D5D0-7851-42B4-8F69-C9F149B0B6AA}"/>
+              </a:ext>
+            </a:extLst>
+          </p:cNvPr>
+          <p:cNvPicPr>
+            <a:picLocks noChangeAspect="1"/>
+          </p:cNvPicPr>
+          <p:nvPr/>
+        </p:nvPicPr>
+        <p:blipFill rotWithShape="1">
+          <a:blip r:embed="rId2" cstate="print">
+            <a:extLst>
+              <a:ext uri="{28A0092B-C50C-407E-A947-70E740481C1C}">
+                <a14:useLocalDpi xmlns:a14="http://schemas.microsoft.com/office/drawing/2010/main" val="0"/>
+              </a:ext>
+            </a:extLst>
+          </a:blip>
+          <a:srcRect t="28360" b="34703"/>
+          <a:stretch/>
+        </p:blipFill>
+        <p:spPr>
+          <a:xfrm>
+            <a:off x="8950597" y="195290"/>
+            <a:ext cx="2568305" cy="925158"/>
+          </a:xfrm>
+          <a:prstGeom prst="rect">
+            <a:avLst/>
+          </a:prstGeom>
+        </p:spPr>
+      </p:pic>
+    </p:spTree>
+    <p:extLst>
+      <p:ext uri="{BB962C8B-B14F-4D97-AF65-F5344CB8AC3E}">
+        <p14:creationId xmlns:p14="http://schemas.microsoft.com/office/powerpoint/2010/main" val="1870158086"/>
+      </p:ext>
+    </p:extLst>
+  </p:cSld>
+  <p:clrMapOvr>
+    <a:masterClrMapping/>
+  </p:clrMapOvr>
+</p:sldLayout>
+</file>
+
+<file path=ppt/slideLayouts/slideLayout29.xml><?xml version="1.0" encoding="utf-8"?>
+<p:sldLayout xmlns:a="http://schemas.openxmlformats.org/drawingml/2006/main" xmlns:r="http://schemas.openxmlformats.org/officeDocument/2006/relationships" xmlns:p="http://schemas.openxmlformats.org/presentationml/2006/main" preserve="1">
+  <p:cSld name="末尾幻灯片">
+    <p:spTree>
+      <p:nvGrpSpPr>
+        <p:cNvPr id="1" name=""/>
+        <p:cNvGrpSpPr/>
+        <p:nvPr/>
+      </p:nvGrpSpPr>
+      <p:grpSpPr>
+        <a:xfrm>
+          <a:off x="0" y="0"/>
+          <a:ext cx="0" cy="0"/>
+          <a:chOff x="0" y="0"/>
+          <a:chExt cx="0" cy="0"/>
+        </a:xfrm>
+      </p:grpSpPr>
+      <p:sp>
+        <p:nvSpPr>
+          <p:cNvPr id="20" name="矩形 19" hidden="1">
+            <a:extLst>
+              <a:ext uri="{FF2B5EF4-FFF2-40B4-BE49-F238E27FC236}">
+                <a16:creationId xmlns:a16="http://schemas.microsoft.com/office/drawing/2014/main" id="{6F4E6FFE-FA52-4384-AB7A-2ABB92F750E2}"/>
+              </a:ext>
+            </a:extLst>
+          </p:cNvPr>
+          <p:cNvSpPr/>
+          <p:nvPr/>
+        </p:nvSpPr>
+        <p:spPr>
+          <a:xfrm>
+            <a:off x="0" y="0"/>
+            <a:ext cx="12192000" cy="6858000"/>
+          </a:xfrm>
+          <a:prstGeom prst="rect">
+            <a:avLst/>
+          </a:prstGeom>
+          <a:blipFill dpi="0" rotWithShape="1">
+            <a:blip r:embed="rId2">
+              <a:alphaModFix amt="10000"/>
+            </a:blip>
+            <a:srcRect/>
+            <a:tile tx="0" ty="0" sx="100000" sy="100000" flip="none" algn="tl"/>
+          </a:blipFill>
+          <a:ln w="0">
+            <a:noFill/>
+          </a:ln>
+        </p:spPr>
+        <p:style>
+          <a:lnRef idx="2">
+            <a:schemeClr val="accent1">
+              <a:shade val="50000"/>
+            </a:schemeClr>
+          </a:lnRef>
+          <a:fillRef idx="1">
+            <a:schemeClr val="accent1"/>
+          </a:fillRef>
+          <a:effectRef idx="0">
+            <a:schemeClr val="accent1"/>
+          </a:effectRef>
+          <a:fontRef idx="minor">
+            <a:schemeClr val="lt1"/>
+          </a:fontRef>
+        </p:style>
+        <p:txBody>
+          <a:bodyPr rtlCol="0" anchor="ctr"/>
+          <a:lstStyle/>
+          <a:p>
+            <a:pPr algn="ctr"/>
+            <a:endParaRPr lang="zh-CN" altLang="en-US" sz="1350"/>
+          </a:p>
+        </p:txBody>
+      </p:sp>
+      <p:sp>
+        <p:nvSpPr>
+          <p:cNvPr id="52" name="任意多边形: 形状 51">
+            <a:extLst>
+              <a:ext uri="{FF2B5EF4-FFF2-40B4-BE49-F238E27FC236}">
+                <a16:creationId xmlns:a16="http://schemas.microsoft.com/office/drawing/2014/main" id="{A58FA06B-AB25-4978-AAE5-CC0F97442BB5}"/>
+              </a:ext>
+            </a:extLst>
+          </p:cNvPr>
+          <p:cNvSpPr/>
+          <p:nvPr/>
+        </p:nvSpPr>
+        <p:spPr>
+          <a:xfrm rot="1759603">
+            <a:off x="5759551" y="3287609"/>
+            <a:ext cx="326672" cy="3900322"/>
+          </a:xfrm>
+          <a:custGeom>
+            <a:avLst/>
+            <a:gdLst>
+              <a:gd name="connsiteX0" fmla="*/ 0 w 326672"/>
+              <a:gd name="connsiteY0" fmla="*/ 0 h 3900322"/>
+              <a:gd name="connsiteX1" fmla="*/ 326672 w 326672"/>
+              <a:gd name="connsiteY1" fmla="*/ 0 h 3900322"/>
+              <a:gd name="connsiteX2" fmla="*/ 326672 w 326672"/>
+              <a:gd name="connsiteY2" fmla="*/ 3716802 h 3900322"/>
+              <a:gd name="connsiteX3" fmla="*/ 0 w 326672"/>
+              <a:gd name="connsiteY3" fmla="*/ 3900322 h 3900322"/>
+            </a:gdLst>
+            <a:ahLst/>
+            <a:cxnLst>
+              <a:cxn ang="0">
+                <a:pos x="connsiteX0" y="connsiteY0"/>
+              </a:cxn>
+              <a:cxn ang="0">
+                <a:pos x="connsiteX1" y="connsiteY1"/>
+              </a:cxn>
+              <a:cxn ang="0">
+                <a:pos x="connsiteX2" y="connsiteY2"/>
+              </a:cxn>
+              <a:cxn ang="0">
+                <a:pos x="connsiteX3" y="connsiteY3"/>
+              </a:cxn>
+            </a:cxnLst>
+            <a:rect l="l" t="t" r="r" b="b"/>
+            <a:pathLst>
+              <a:path w="326672" h="3900322">
+                <a:moveTo>
+                  <a:pt x="0" y="0"/>
+                </a:moveTo>
+                <a:lnTo>
+                  <a:pt x="326672" y="0"/>
+                </a:lnTo>
+                <a:lnTo>
+                  <a:pt x="326672" y="3716802"/>
+                </a:lnTo>
+                <a:lnTo>
+                  <a:pt x="0" y="3900322"/>
+                </a:lnTo>
+                <a:close/>
+              </a:path>
+            </a:pathLst>
+          </a:custGeom>
+          <a:solidFill>
+            <a:schemeClr val="accent1"/>
+          </a:solidFill>
+          <a:ln>
+            <a:noFill/>
+          </a:ln>
+        </p:spPr>
+        <p:style>
+          <a:lnRef idx="2">
+            <a:schemeClr val="accent1">
+              <a:shade val="50000"/>
+            </a:schemeClr>
+          </a:lnRef>
+          <a:fillRef idx="1">
+            <a:schemeClr val="accent1"/>
+          </a:fillRef>
+          <a:effectRef idx="0">
+            <a:schemeClr val="accent1"/>
+          </a:effectRef>
+          <a:fontRef idx="minor">
+            <a:schemeClr val="lt1"/>
+          </a:fontRef>
+        </p:style>
+        <p:txBody>
+          <a:bodyPr wrap="square" rtlCol="0" anchor="ctr">
+            <a:noAutofit/>
+          </a:bodyPr>
+          <a:lstStyle/>
+          <a:p>
+            <a:pPr marL="0" marR="0" lvl="0" indent="0" algn="ctr" defTabSz="685800" rtl="0" eaLnBrk="1" fontAlgn="auto" latinLnBrk="0" hangingPunct="1">
+              <a:lnSpc>
+                <a:spcPct val="100000"/>
+              </a:lnSpc>
+              <a:spcBef>
+                <a:spcPts val="0"/>
+              </a:spcBef>
+              <a:spcAft>
+                <a:spcPts val="0"/>
+              </a:spcAft>
+              <a:buClrTx/>
+              <a:buSzTx/>
+              <a:buFontTx/>
+              <a:buNone/>
+              <a:tabLst/>
+              <a:defRPr/>
+            </a:pPr>
+            <a:endParaRPr kumimoji="0" lang="zh-CN" altLang="en-US" sz="1350" b="0" i="0" u="none" strike="noStrike" kern="1200" cap="none" spc="0" normalizeH="0" baseline="0" noProof="0">
+              <a:ln>
+                <a:noFill/>
+              </a:ln>
+              <a:solidFill>
+                <a:prstClr val="white"/>
+              </a:solidFill>
+              <a:effectLst/>
+              <a:uLnTx/>
+              <a:uFillTx/>
+              <a:latin typeface="Arial"/>
+              <a:ea typeface="微软雅黑"/>
+              <a:cs typeface="+mn-cs"/>
+            </a:endParaRPr>
+          </a:p>
+        </p:txBody>
+      </p:sp>
+      <p:sp>
+        <p:nvSpPr>
+          <p:cNvPr id="22" name="任意多边形: 形状 21">
+            <a:extLst>
+              <a:ext uri="{FF2B5EF4-FFF2-40B4-BE49-F238E27FC236}">
+                <a16:creationId xmlns:a16="http://schemas.microsoft.com/office/drawing/2014/main" id="{DA8EF30A-199F-48F7-8FE7-043A29ABF804}"/>
+              </a:ext>
+            </a:extLst>
+          </p:cNvPr>
+          <p:cNvSpPr/>
+          <p:nvPr/>
+        </p:nvSpPr>
+        <p:spPr>
+          <a:xfrm rot="1759603">
+            <a:off x="11257063" y="-144084"/>
+            <a:ext cx="326672" cy="3732241"/>
+          </a:xfrm>
+          <a:custGeom>
+            <a:avLst/>
+            <a:gdLst>
+              <a:gd name="connsiteX0" fmla="*/ 0 w 326672"/>
+              <a:gd name="connsiteY0" fmla="*/ 0 h 3732241"/>
+              <a:gd name="connsiteX1" fmla="*/ 326672 w 326672"/>
+              <a:gd name="connsiteY1" fmla="*/ 581488 h 3732241"/>
+              <a:gd name="connsiteX2" fmla="*/ 326672 w 326672"/>
+              <a:gd name="connsiteY2" fmla="*/ 3732241 h 3732241"/>
+              <a:gd name="connsiteX3" fmla="*/ 0 w 326672"/>
+              <a:gd name="connsiteY3" fmla="*/ 3732241 h 3732241"/>
+            </a:gdLst>
+            <a:ahLst/>
+            <a:cxnLst>
+              <a:cxn ang="0">
+                <a:pos x="connsiteX0" y="connsiteY0"/>
+              </a:cxn>
+              <a:cxn ang="0">
+                <a:pos x="connsiteX1" y="connsiteY1"/>
+              </a:cxn>
+              <a:cxn ang="0">
+                <a:pos x="connsiteX2" y="connsiteY2"/>
+              </a:cxn>
+              <a:cxn ang="0">
+                <a:pos x="connsiteX3" y="connsiteY3"/>
+              </a:cxn>
+            </a:cxnLst>
+            <a:rect l="l" t="t" r="r" b="b"/>
+            <a:pathLst>
+              <a:path w="326672" h="3732241">
+                <a:moveTo>
+                  <a:pt x="0" y="0"/>
+                </a:moveTo>
+                <a:lnTo>
+                  <a:pt x="326672" y="581488"/>
+                </a:lnTo>
+                <a:lnTo>
+                  <a:pt x="326672" y="3732241"/>
+                </a:lnTo>
+                <a:lnTo>
+                  <a:pt x="0" y="3732241"/>
+                </a:lnTo>
+                <a:close/>
+              </a:path>
+            </a:pathLst>
+          </a:custGeom>
+          <a:solidFill>
+            <a:schemeClr val="accent1"/>
+          </a:solidFill>
+          <a:ln>
+            <a:noFill/>
+          </a:ln>
+        </p:spPr>
+        <p:style>
+          <a:lnRef idx="2">
+            <a:schemeClr val="accent1">
+              <a:shade val="50000"/>
+            </a:schemeClr>
+          </a:lnRef>
+          <a:fillRef idx="1">
+            <a:schemeClr val="accent1"/>
+          </a:fillRef>
+          <a:effectRef idx="0">
+            <a:schemeClr val="accent1"/>
+          </a:effectRef>
+          <a:fontRef idx="minor">
+            <a:schemeClr val="lt1"/>
+          </a:fontRef>
+        </p:style>
+        <p:txBody>
+          <a:bodyPr wrap="square" rtlCol="0" anchor="ctr">
+            <a:noAutofit/>
+          </a:bodyPr>
+          <a:lstStyle/>
+          <a:p>
+            <a:pPr marL="0" marR="0" lvl="0" indent="0" algn="ctr" defTabSz="685800" rtl="0" eaLnBrk="1" fontAlgn="auto" latinLnBrk="0" hangingPunct="1">
+              <a:lnSpc>
+                <a:spcPct val="100000"/>
+              </a:lnSpc>
+              <a:spcBef>
+                <a:spcPts val="0"/>
+              </a:spcBef>
+              <a:spcAft>
+                <a:spcPts val="0"/>
+              </a:spcAft>
+              <a:buClrTx/>
+              <a:buSzTx/>
+              <a:buFontTx/>
+              <a:buNone/>
+              <a:tabLst/>
+              <a:defRPr/>
+            </a:pPr>
+            <a:endParaRPr kumimoji="0" lang="zh-CN" altLang="en-US" sz="1350" b="0" i="0" u="none" strike="noStrike" kern="1200" cap="none" spc="0" normalizeH="0" baseline="0" noProof="0">
+              <a:ln>
+                <a:noFill/>
+              </a:ln>
+              <a:solidFill>
+                <a:prstClr val="white"/>
+              </a:solidFill>
+              <a:effectLst/>
+              <a:uLnTx/>
+              <a:uFillTx/>
+              <a:latin typeface="Arial"/>
+              <a:ea typeface="微软雅黑"/>
+              <a:cs typeface="+mn-cs"/>
+            </a:endParaRPr>
+          </a:p>
+        </p:txBody>
+      </p:sp>
+      <p:sp>
+        <p:nvSpPr>
+          <p:cNvPr id="37" name="文本占位符 25">
+            <a:extLst>
+              <a:ext uri="{FF2B5EF4-FFF2-40B4-BE49-F238E27FC236}">
+                <a16:creationId xmlns:a16="http://schemas.microsoft.com/office/drawing/2014/main" id="{E4ADA582-EA35-453A-8567-F7C56CF344BE}"/>
+              </a:ext>
+            </a:extLst>
+          </p:cNvPr>
+          <p:cNvSpPr>
+            <a:spLocks noGrp="1"/>
+          </p:cNvSpPr>
+          <p:nvPr>
+            <p:ph type="body" sz="quarter" idx="11" hasCustomPrompt="1"/>
+          </p:nvPr>
+        </p:nvSpPr>
+        <p:spPr>
+          <a:xfrm>
+            <a:off x="667503" y="2749690"/>
+            <a:ext cx="5798383" cy="878840"/>
+          </a:xfrm>
+          <a:prstGeom prst="rect">
+            <a:avLst/>
+          </a:prstGeom>
+        </p:spPr>
+        <p:txBody>
+          <a:bodyPr lIns="0">
+            <a:noAutofit/>
+          </a:bodyPr>
+          <a:lstStyle>
+            <a:lvl1pPr marL="0" indent="0">
+              <a:lnSpc>
+                <a:spcPct val="100000"/>
+              </a:lnSpc>
+              <a:buNone/>
+              <a:defRPr sz="4050" b="1" spc="75" baseline="0">
+                <a:solidFill>
+                  <a:schemeClr val="accent1"/>
+                </a:solidFill>
+                <a:latin typeface="+mj-ea"/>
+                <a:ea typeface="+mj-ea"/>
+              </a:defRPr>
+            </a:lvl1pPr>
+          </a:lstStyle>
+          <a:p>
+            <a:pPr lvl="0"/>
+            <a:r>
+              <a:rPr lang="zh-CN" altLang="en-US" dirty="0"/>
+              <a:t>请输入你的大标题</a:t>
+            </a:r>
+            <a:endParaRPr lang="en-US" altLang="zh-CN" dirty="0"/>
+          </a:p>
+        </p:txBody>
+      </p:sp>
+      <p:sp>
+        <p:nvSpPr>
+          <p:cNvPr id="38" name="文本占位符 25">
+            <a:extLst>
+              <a:ext uri="{FF2B5EF4-FFF2-40B4-BE49-F238E27FC236}">
+                <a16:creationId xmlns:a16="http://schemas.microsoft.com/office/drawing/2014/main" id="{1DECE027-5C01-4F9B-917C-A6FAC8BBFF75}"/>
+              </a:ext>
+            </a:extLst>
+          </p:cNvPr>
+          <p:cNvSpPr>
+            <a:spLocks noGrp="1"/>
+          </p:cNvSpPr>
+          <p:nvPr>
+            <p:ph type="body" sz="quarter" idx="12" hasCustomPrompt="1"/>
+          </p:nvPr>
+        </p:nvSpPr>
+        <p:spPr>
+          <a:xfrm>
+            <a:off x="667503" y="1869834"/>
+            <a:ext cx="5798383" cy="878840"/>
+          </a:xfrm>
+          <a:prstGeom prst="rect">
+            <a:avLst/>
+          </a:prstGeom>
+        </p:spPr>
+        <p:txBody>
+          <a:bodyPr lIns="0">
+            <a:noAutofit/>
+          </a:bodyPr>
+          <a:lstStyle>
+            <a:lvl1pPr marL="0" indent="0">
+              <a:lnSpc>
+                <a:spcPct val="100000"/>
+              </a:lnSpc>
+              <a:buNone/>
+              <a:defRPr sz="4050" b="0" spc="75" baseline="0">
+                <a:latin typeface="+mj-ea"/>
+                <a:ea typeface="+mj-ea"/>
+              </a:defRPr>
+            </a:lvl1pPr>
+          </a:lstStyle>
+          <a:p>
+            <a:pPr lvl="0"/>
+            <a:r>
+              <a:rPr lang="zh-CN" altLang="en-US" dirty="0"/>
+              <a:t>请输入答辩类型</a:t>
+            </a:r>
+            <a:endParaRPr lang="en-US" altLang="zh-CN" dirty="0"/>
+          </a:p>
+        </p:txBody>
+      </p:sp>
+      <p:sp>
+        <p:nvSpPr>
+          <p:cNvPr id="16" name="文本占位符 28">
+            <a:extLst>
+              <a:ext uri="{FF2B5EF4-FFF2-40B4-BE49-F238E27FC236}">
+                <a16:creationId xmlns:a16="http://schemas.microsoft.com/office/drawing/2014/main" id="{9B94D9EF-4196-4442-9996-7F3789BF2D48}"/>
+              </a:ext>
+            </a:extLst>
+          </p:cNvPr>
+          <p:cNvSpPr>
+            <a:spLocks noGrp="1"/>
+          </p:cNvSpPr>
+          <p:nvPr>
+            <p:ph type="body" sz="quarter" idx="17" hasCustomPrompt="1"/>
+          </p:nvPr>
+        </p:nvSpPr>
+        <p:spPr>
+          <a:xfrm>
+            <a:off x="667503" y="3641672"/>
+            <a:ext cx="5798383" cy="286232"/>
+          </a:xfrm>
+          <a:prstGeom prst="rect">
+            <a:avLst/>
+          </a:prstGeom>
+        </p:spPr>
+        <p:txBody>
+          <a:bodyPr lIns="0">
+            <a:normAutofit/>
+          </a:bodyPr>
+          <a:lstStyle>
+            <a:lvl1pPr marL="0" indent="0">
+              <a:lnSpc>
+                <a:spcPct val="100000"/>
+              </a:lnSpc>
+              <a:buNone/>
+              <a:defRPr sz="900" spc="413" baseline="0">
+                <a:solidFill>
+                  <a:schemeClr val="bg1">
+                    <a:lumMod val="75000"/>
+                  </a:schemeClr>
+                </a:solidFill>
+                <a:latin typeface="+mj-lt"/>
+              </a:defRPr>
+            </a:lvl1pPr>
+          </a:lstStyle>
+          <a:p>
+            <a:pPr lvl="0"/>
+            <a:r>
+              <a:rPr lang="en-US" altLang="zh-CN" dirty="0"/>
+              <a:t>Supporting Your Text Here</a:t>
+            </a:r>
+          </a:p>
+        </p:txBody>
+      </p:sp>
+      <p:cxnSp>
+        <p:nvCxnSpPr>
+          <p:cNvPr id="21" name="直接连接符 20">
+            <a:extLst>
+              <a:ext uri="{FF2B5EF4-FFF2-40B4-BE49-F238E27FC236}">
+                <a16:creationId xmlns:a16="http://schemas.microsoft.com/office/drawing/2014/main" id="{79BA3EFB-BD18-45B4-8778-74044C6C6E66}"/>
+              </a:ext>
+            </a:extLst>
+          </p:cNvPr>
+          <p:cNvCxnSpPr>
+            <a:cxnSpLocks/>
+          </p:cNvCxnSpPr>
+          <p:nvPr/>
+        </p:nvCxnSpPr>
+        <p:spPr>
+          <a:xfrm>
+            <a:off x="667503" y="4839800"/>
+            <a:ext cx="4932680" cy="0"/>
+          </a:xfrm>
+          <a:prstGeom prst="line">
+            <a:avLst/>
+          </a:prstGeom>
+          <a:ln w="12700" cap="rnd">
+            <a:solidFill>
+              <a:schemeClr val="bg1">
+                <a:lumMod val="75000"/>
+              </a:schemeClr>
+            </a:solidFill>
+          </a:ln>
+        </p:spPr>
+        <p:style>
+          <a:lnRef idx="1">
+            <a:schemeClr val="accent1"/>
+          </a:lnRef>
+          <a:fillRef idx="0">
+            <a:schemeClr val="accent1"/>
+          </a:fillRef>
+          <a:effectRef idx="0">
+            <a:schemeClr val="accent1"/>
+          </a:effectRef>
+          <a:fontRef idx="minor">
+            <a:schemeClr val="tx1"/>
+          </a:fontRef>
+        </p:style>
+      </p:cxnSp>
+      <p:pic>
+        <p:nvPicPr>
+          <p:cNvPr id="25" name="图片 24">
+            <a:extLst>
+              <a:ext uri="{FF2B5EF4-FFF2-40B4-BE49-F238E27FC236}">
+                <a16:creationId xmlns:a16="http://schemas.microsoft.com/office/drawing/2014/main" id="{A055B993-6A1A-42E0-888F-7F38186483DE}"/>
+              </a:ext>
+            </a:extLst>
+          </p:cNvPr>
+          <p:cNvPicPr>
+            <a:picLocks noChangeAspect="1"/>
+          </p:cNvPicPr>
+          <p:nvPr/>
+        </p:nvPicPr>
+        <p:blipFill rotWithShape="1">
+          <a:blip r:embed="rId3" cstate="print">
+            <a:extLst>
+              <a:ext uri="{28A0092B-C50C-407E-A947-70E740481C1C}">
+                <a14:useLocalDpi xmlns:a14="http://schemas.microsoft.com/office/drawing/2010/main" val="0"/>
+              </a:ext>
+            </a:extLst>
+          </a:blip>
+          <a:srcRect t="28360" b="34703"/>
+          <a:stretch/>
+        </p:blipFill>
+        <p:spPr>
+          <a:xfrm>
+            <a:off x="660401" y="205142"/>
+            <a:ext cx="2568305" cy="925158"/>
+          </a:xfrm>
+          <a:prstGeom prst="rect">
+            <a:avLst/>
+          </a:prstGeom>
+        </p:spPr>
+      </p:pic>
+    </p:spTree>
+    <p:extLst>
+      <p:ext uri="{BB962C8B-B14F-4D97-AF65-F5344CB8AC3E}">
+        <p14:creationId xmlns:p14="http://schemas.microsoft.com/office/powerpoint/2010/main" val="3178460181"/>
       </p:ext>
     </p:extLst>
   </p:cSld>
@@ -3226,8 +5276,8 @@
         </p:nvSpPr>
         <p:spPr>
           <a:xfrm>
-            <a:off x="623888" y="1712423"/>
-            <a:ext cx="7886700" cy="2851208"/>
+            <a:off x="831851" y="1712423"/>
+            <a:ext cx="10515600" cy="2851208"/>
           </a:xfrm>
         </p:spPr>
         <p:txBody>
@@ -3260,8 +5310,8 @@
         </p:nvSpPr>
         <p:spPr>
           <a:xfrm>
-            <a:off x="623888" y="4552634"/>
-            <a:ext cx="7886700" cy="1500187"/>
+            <a:off x="831851" y="4552635"/>
+            <a:ext cx="10515600" cy="1500187"/>
           </a:xfrm>
         </p:spPr>
         <p:txBody>
@@ -3387,7 +5437,7 @@
           <a:p>
             <a:fld id="{241EB5C9-1307-BA42-ABA2-0BC069CD8E7F}" type="datetimeFigureOut">
               <a:rPr lang="en-US" smtClean="0"/>
-              <a:t>4/16/2019</a:t>
+              <a:t>5/12/2019</a:t>
             </a:fld>
             <a:endParaRPr lang="en-US"/>
           </a:p>
@@ -3439,6 +5489,473 @@
     <p:extLst>
       <p:ext uri="{BB962C8B-B14F-4D97-AF65-F5344CB8AC3E}">
         <p14:creationId xmlns:p14="http://schemas.microsoft.com/office/powerpoint/2010/main" val="3933301412"/>
+      </p:ext>
+    </p:extLst>
+  </p:cSld>
+  <p:clrMapOvr>
+    <a:masterClrMapping/>
+  </p:clrMapOvr>
+</p:sldLayout>
+</file>
+
+<file path=ppt/slideLayouts/slideLayout30.xml><?xml version="1.0" encoding="utf-8"?>
+<p:sldLayout xmlns:a="http://schemas.openxmlformats.org/drawingml/2006/main" xmlns:r="http://schemas.openxmlformats.org/officeDocument/2006/relationships" xmlns:p="http://schemas.openxmlformats.org/presentationml/2006/main" type="titleOnly" preserve="1">
+  <p:cSld name="仅标题">
+    <p:spTree>
+      <p:nvGrpSpPr>
+        <p:cNvPr id="1" name=""/>
+        <p:cNvGrpSpPr/>
+        <p:nvPr/>
+      </p:nvGrpSpPr>
+      <p:grpSpPr>
+        <a:xfrm>
+          <a:off x="0" y="0"/>
+          <a:ext cx="0" cy="0"/>
+          <a:chOff x="0" y="0"/>
+          <a:chExt cx="0" cy="0"/>
+        </a:xfrm>
+      </p:grpSpPr>
+      <p:sp>
+        <p:nvSpPr>
+          <p:cNvPr id="2" name="标题 1"/>
+          <p:cNvSpPr>
+            <a:spLocks noGrp="1"/>
+          </p:cNvSpPr>
+          <p:nvPr>
+            <p:ph type="title"/>
+          </p:nvPr>
+        </p:nvSpPr>
+        <p:spPr/>
+        <p:txBody>
+          <a:bodyPr/>
+          <a:lstStyle/>
+          <a:p>
+            <a:r>
+              <a:rPr lang="zh-CN" altLang="en-US"/>
+              <a:t>单击此处编辑母版标题样式</a:t>
+            </a:r>
+          </a:p>
+        </p:txBody>
+      </p:sp>
+      <p:sp>
+        <p:nvSpPr>
+          <p:cNvPr id="4" name="页脚占位符 3"/>
+          <p:cNvSpPr>
+            <a:spLocks noGrp="1"/>
+          </p:cNvSpPr>
+          <p:nvPr>
+            <p:ph type="ftr" sz="quarter" idx="11"/>
+          </p:nvPr>
+        </p:nvSpPr>
+        <p:spPr/>
+        <p:txBody>
+          <a:bodyPr/>
+          <a:lstStyle/>
+          <a:p>
+            <a:endParaRPr lang="en-US"/>
+          </a:p>
+        </p:txBody>
+      </p:sp>
+      <p:sp>
+        <p:nvSpPr>
+          <p:cNvPr id="5" name="灯片编号占位符 4"/>
+          <p:cNvSpPr>
+            <a:spLocks noGrp="1"/>
+          </p:cNvSpPr>
+          <p:nvPr>
+            <p:ph type="sldNum" sz="quarter" idx="12"/>
+          </p:nvPr>
+        </p:nvSpPr>
+        <p:spPr/>
+        <p:txBody>
+          <a:bodyPr/>
+          <a:lstStyle/>
+          <a:p>
+            <a:fld id="{C5EF2332-01BF-834F-8236-50238282D533}" type="slidenum">
+              <a:rPr lang="en-US" smtClean="0"/>
+              <a:t>‹#›</a:t>
+            </a:fld>
+            <a:endParaRPr lang="en-US"/>
+          </a:p>
+        </p:txBody>
+      </p:sp>
+    </p:spTree>
+    <p:extLst>
+      <p:ext uri="{BB962C8B-B14F-4D97-AF65-F5344CB8AC3E}">
+        <p14:creationId xmlns:p14="http://schemas.microsoft.com/office/powerpoint/2010/main" val="1288688805"/>
+      </p:ext>
+    </p:extLst>
+  </p:cSld>
+  <p:clrMapOvr>
+    <a:masterClrMapping/>
+  </p:clrMapOvr>
+</p:sldLayout>
+</file>
+
+<file path=ppt/slideLayouts/slideLayout31.xml><?xml version="1.0" encoding="utf-8"?>
+<p:sldLayout xmlns:a="http://schemas.openxmlformats.org/drawingml/2006/main" xmlns:r="http://schemas.openxmlformats.org/officeDocument/2006/relationships" xmlns:p="http://schemas.openxmlformats.org/presentationml/2006/main" type="title">
+  <p:cSld name="1_标题幻灯片">
+    <p:spTree>
+      <p:nvGrpSpPr>
+        <p:cNvPr id="1" name=""/>
+        <p:cNvGrpSpPr/>
+        <p:nvPr/>
+      </p:nvGrpSpPr>
+      <p:grpSpPr>
+        <a:xfrm>
+          <a:off x="0" y="0"/>
+          <a:ext cx="0" cy="0"/>
+          <a:chOff x="0" y="0"/>
+          <a:chExt cx="0" cy="0"/>
+        </a:xfrm>
+      </p:grpSpPr>
+      <p:sp>
+        <p:nvSpPr>
+          <p:cNvPr id="2" name="Title 1"/>
+          <p:cNvSpPr>
+            <a:spLocks noGrp="1"/>
+          </p:cNvSpPr>
+          <p:nvPr>
+            <p:ph type="ctrTitle"/>
+          </p:nvPr>
+        </p:nvSpPr>
+        <p:spPr>
+          <a:xfrm>
+            <a:off x="1524000" y="1124530"/>
+            <a:ext cx="9144000" cy="2387600"/>
+          </a:xfrm>
+        </p:spPr>
+        <p:txBody>
+          <a:bodyPr anchor="b">
+            <a:normAutofit/>
+          </a:bodyPr>
+          <a:lstStyle>
+            <a:lvl1pPr algn="ctr">
+              <a:defRPr sz="4500"/>
+            </a:lvl1pPr>
+          </a:lstStyle>
+          <a:p>
+            <a:r>
+              <a:rPr lang="zh-CN" altLang="en-US"/>
+              <a:t>单击此处编辑母版标题样式</a:t>
+            </a:r>
+            <a:endParaRPr lang="en-US" dirty="0"/>
+          </a:p>
+        </p:txBody>
+      </p:sp>
+      <p:sp>
+        <p:nvSpPr>
+          <p:cNvPr id="3" name="Subtitle 2"/>
+          <p:cNvSpPr>
+            <a:spLocks noGrp="1"/>
+          </p:cNvSpPr>
+          <p:nvPr>
+            <p:ph type="subTitle" idx="1"/>
+          </p:nvPr>
+        </p:nvSpPr>
+        <p:spPr>
+          <a:xfrm>
+            <a:off x="1524000" y="3602038"/>
+            <a:ext cx="9144000" cy="1655762"/>
+          </a:xfrm>
+        </p:spPr>
+        <p:txBody>
+          <a:bodyPr>
+            <a:normAutofit/>
+          </a:bodyPr>
+          <a:lstStyle>
+            <a:lvl1pPr marL="0" indent="0" algn="ctr">
+              <a:buNone/>
+              <a:defRPr sz="1800">
+                <a:solidFill>
+                  <a:schemeClr val="tx1">
+                    <a:lumMod val="75000"/>
+                    <a:lumOff val="25000"/>
+                  </a:schemeClr>
+                </a:solidFill>
+              </a:defRPr>
+            </a:lvl1pPr>
+            <a:lvl2pPr marL="342900" indent="0" algn="ctr">
+              <a:buNone/>
+              <a:defRPr sz="2100"/>
+            </a:lvl2pPr>
+            <a:lvl3pPr marL="685800" indent="0" algn="ctr">
+              <a:buNone/>
+              <a:defRPr sz="1800"/>
+            </a:lvl3pPr>
+            <a:lvl4pPr marL="1028700" indent="0" algn="ctr">
+              <a:buNone/>
+              <a:defRPr sz="1500"/>
+            </a:lvl4pPr>
+            <a:lvl5pPr marL="1371600" indent="0" algn="ctr">
+              <a:buNone/>
+              <a:defRPr sz="1500"/>
+            </a:lvl5pPr>
+            <a:lvl6pPr marL="1714500" indent="0" algn="ctr">
+              <a:buNone/>
+              <a:defRPr sz="1500"/>
+            </a:lvl6pPr>
+            <a:lvl7pPr marL="2057400" indent="0" algn="ctr">
+              <a:buNone/>
+              <a:defRPr sz="1500"/>
+            </a:lvl7pPr>
+            <a:lvl8pPr marL="2400300" indent="0" algn="ctr">
+              <a:buNone/>
+              <a:defRPr sz="1500"/>
+            </a:lvl8pPr>
+            <a:lvl9pPr marL="2743200" indent="0" algn="ctr">
+              <a:buNone/>
+              <a:defRPr sz="1500"/>
+            </a:lvl9pPr>
+          </a:lstStyle>
+          <a:p>
+            <a:r>
+              <a:rPr lang="zh-CN" altLang="en-US"/>
+              <a:t>单击此处编辑母版副标题样式</a:t>
+            </a:r>
+            <a:endParaRPr lang="en-US" dirty="0"/>
+          </a:p>
+        </p:txBody>
+      </p:sp>
+      <p:sp>
+        <p:nvSpPr>
+          <p:cNvPr id="4" name="Date Placeholder 3"/>
+          <p:cNvSpPr>
+            <a:spLocks noGrp="1"/>
+          </p:cNvSpPr>
+          <p:nvPr>
+            <p:ph type="dt" sz="half" idx="10"/>
+          </p:nvPr>
+        </p:nvSpPr>
+        <p:spPr/>
+        <p:txBody>
+          <a:bodyPr/>
+          <a:lstStyle/>
+          <a:p>
+            <a:fld id="{241EB5C9-1307-BA42-ABA2-0BC069CD8E7F}" type="datetimeFigureOut">
+              <a:rPr lang="en-US" smtClean="0"/>
+              <a:t>5/12/2019</a:t>
+            </a:fld>
+            <a:endParaRPr lang="en-US"/>
+          </a:p>
+        </p:txBody>
+      </p:sp>
+      <p:sp>
+        <p:nvSpPr>
+          <p:cNvPr id="5" name="Footer Placeholder 4"/>
+          <p:cNvSpPr>
+            <a:spLocks noGrp="1"/>
+          </p:cNvSpPr>
+          <p:nvPr>
+            <p:ph type="ftr" sz="quarter" idx="11"/>
+          </p:nvPr>
+        </p:nvSpPr>
+        <p:spPr/>
+        <p:txBody>
+          <a:bodyPr/>
+          <a:lstStyle/>
+          <a:p>
+            <a:endParaRPr lang="en-US"/>
+          </a:p>
+        </p:txBody>
+      </p:sp>
+      <p:sp>
+        <p:nvSpPr>
+          <p:cNvPr id="6" name="Slide Number Placeholder 5"/>
+          <p:cNvSpPr>
+            <a:spLocks noGrp="1"/>
+          </p:cNvSpPr>
+          <p:nvPr>
+            <p:ph type="sldNum" sz="quarter" idx="12"/>
+          </p:nvPr>
+        </p:nvSpPr>
+        <p:spPr/>
+        <p:txBody>
+          <a:bodyPr/>
+          <a:lstStyle/>
+          <a:p>
+            <a:fld id="{C5EF2332-01BF-834F-8236-50238282D533}" type="slidenum">
+              <a:rPr lang="en-US" smtClean="0"/>
+              <a:t>‹#›</a:t>
+            </a:fld>
+            <a:endParaRPr lang="en-US"/>
+          </a:p>
+        </p:txBody>
+      </p:sp>
+    </p:spTree>
+    <p:extLst>
+      <p:ext uri="{BB962C8B-B14F-4D97-AF65-F5344CB8AC3E}">
+        <p14:creationId xmlns:p14="http://schemas.microsoft.com/office/powerpoint/2010/main" val="4021889798"/>
+      </p:ext>
+    </p:extLst>
+  </p:cSld>
+  <p:clrMapOvr>
+    <a:masterClrMapping/>
+  </p:clrMapOvr>
+</p:sldLayout>
+</file>
+
+<file path=ppt/slideLayouts/slideLayout32.xml><?xml version="1.0" encoding="utf-8"?>
+<p:sldLayout xmlns:a="http://schemas.openxmlformats.org/drawingml/2006/main" xmlns:r="http://schemas.openxmlformats.org/officeDocument/2006/relationships" xmlns:p="http://schemas.openxmlformats.org/presentationml/2006/main" type="obj">
+  <p:cSld name="1_标题和内容">
+    <p:spTree>
+      <p:nvGrpSpPr>
+        <p:cNvPr id="1" name=""/>
+        <p:cNvGrpSpPr/>
+        <p:nvPr/>
+      </p:nvGrpSpPr>
+      <p:grpSpPr>
+        <a:xfrm>
+          <a:off x="0" y="0"/>
+          <a:ext cx="0" cy="0"/>
+          <a:chOff x="0" y="0"/>
+          <a:chExt cx="0" cy="0"/>
+        </a:xfrm>
+      </p:grpSpPr>
+      <p:sp>
+        <p:nvSpPr>
+          <p:cNvPr id="2" name="Title 1"/>
+          <p:cNvSpPr>
+            <a:spLocks noGrp="1"/>
+          </p:cNvSpPr>
+          <p:nvPr>
+            <p:ph type="title"/>
+          </p:nvPr>
+        </p:nvSpPr>
+        <p:spPr/>
+        <p:txBody>
+          <a:bodyPr/>
+          <a:lstStyle/>
+          <a:p>
+            <a:r>
+              <a:rPr lang="zh-CN" altLang="en-US"/>
+              <a:t>单击此处编辑母版标题样式</a:t>
+            </a:r>
+            <a:endParaRPr lang="en-US" dirty="0"/>
+          </a:p>
+        </p:txBody>
+      </p:sp>
+      <p:sp>
+        <p:nvSpPr>
+          <p:cNvPr id="3" name="Content Placeholder 2"/>
+          <p:cNvSpPr>
+            <a:spLocks noGrp="1"/>
+          </p:cNvSpPr>
+          <p:nvPr>
+            <p:ph idx="1"/>
+          </p:nvPr>
+        </p:nvSpPr>
+        <p:spPr/>
+        <p:txBody>
+          <a:bodyPr/>
+          <a:lstStyle/>
+          <a:p>
+            <a:pPr lvl="0"/>
+            <a:r>
+              <a:rPr lang="zh-CN" altLang="en-US"/>
+              <a:t>单击此处编辑母版文本样式</a:t>
+            </a:r>
+          </a:p>
+          <a:p>
+            <a:pPr lvl="1"/>
+            <a:r>
+              <a:rPr lang="zh-CN" altLang="en-US"/>
+              <a:t>二级</a:t>
+            </a:r>
+          </a:p>
+          <a:p>
+            <a:pPr lvl="2"/>
+            <a:r>
+              <a:rPr lang="zh-CN" altLang="en-US"/>
+              <a:t>三级</a:t>
+            </a:r>
+          </a:p>
+          <a:p>
+            <a:pPr lvl="3"/>
+            <a:r>
+              <a:rPr lang="zh-CN" altLang="en-US"/>
+              <a:t>四级</a:t>
+            </a:r>
+          </a:p>
+          <a:p>
+            <a:pPr lvl="4"/>
+            <a:r>
+              <a:rPr lang="zh-CN" altLang="en-US"/>
+              <a:t>五级</a:t>
+            </a:r>
+            <a:endParaRPr lang="en-US" dirty="0"/>
+          </a:p>
+        </p:txBody>
+      </p:sp>
+      <p:sp>
+        <p:nvSpPr>
+          <p:cNvPr id="4" name="Date Placeholder 3"/>
+          <p:cNvSpPr>
+            <a:spLocks noGrp="1"/>
+          </p:cNvSpPr>
+          <p:nvPr>
+            <p:ph type="dt" sz="half" idx="10"/>
+          </p:nvPr>
+        </p:nvSpPr>
+        <p:spPr/>
+        <p:txBody>
+          <a:bodyPr/>
+          <a:lstStyle/>
+          <a:p>
+            <a:fld id="{241EB5C9-1307-BA42-ABA2-0BC069CD8E7F}" type="datetimeFigureOut">
+              <a:rPr lang="en-US" smtClean="0"/>
+              <a:t>5/12/2019</a:t>
+            </a:fld>
+            <a:endParaRPr lang="en-US"/>
+          </a:p>
+        </p:txBody>
+      </p:sp>
+      <p:sp>
+        <p:nvSpPr>
+          <p:cNvPr id="5" name="Footer Placeholder 4"/>
+          <p:cNvSpPr>
+            <a:spLocks noGrp="1"/>
+          </p:cNvSpPr>
+          <p:nvPr>
+            <p:ph type="ftr" sz="quarter" idx="11"/>
+          </p:nvPr>
+        </p:nvSpPr>
+        <p:spPr/>
+        <p:txBody>
+          <a:bodyPr/>
+          <a:lstStyle/>
+          <a:p>
+            <a:endParaRPr lang="en-US"/>
+          </a:p>
+        </p:txBody>
+      </p:sp>
+      <p:sp>
+        <p:nvSpPr>
+          <p:cNvPr id="6" name="Slide Number Placeholder 5"/>
+          <p:cNvSpPr>
+            <a:spLocks noGrp="1"/>
+          </p:cNvSpPr>
+          <p:nvPr>
+            <p:ph type="sldNum" sz="quarter" idx="12"/>
+          </p:nvPr>
+        </p:nvSpPr>
+        <p:spPr/>
+        <p:txBody>
+          <a:bodyPr/>
+          <a:lstStyle/>
+          <a:p>
+            <a:fld id="{C5EF2332-01BF-834F-8236-50238282D533}" type="slidenum">
+              <a:rPr lang="en-US" smtClean="0"/>
+              <a:t>‹#›</a:t>
+            </a:fld>
+            <a:endParaRPr lang="en-US"/>
+          </a:p>
+        </p:txBody>
+      </p:sp>
+    </p:spTree>
+    <p:extLst>
+      <p:ext uri="{BB962C8B-B14F-4D97-AF65-F5344CB8AC3E}">
+        <p14:creationId xmlns:p14="http://schemas.microsoft.com/office/powerpoint/2010/main" val="1776442433"/>
       </p:ext>
     </p:extLst>
   </p:cSld>
@@ -3500,8 +6017,8 @@
         </p:nvSpPr>
         <p:spPr>
           <a:xfrm>
-            <a:off x="633845" y="1828801"/>
-            <a:ext cx="3886200" cy="4351337"/>
+            <a:off x="845127" y="1828802"/>
+            <a:ext cx="5181600" cy="4351337"/>
           </a:xfrm>
         </p:spPr>
         <p:txBody>
@@ -3557,8 +6074,8 @@
         </p:nvSpPr>
         <p:spPr>
           <a:xfrm>
-            <a:off x="4629150" y="1828801"/>
-            <a:ext cx="3886200" cy="4351337"/>
+            <a:off x="6172200" y="1828802"/>
+            <a:ext cx="5181600" cy="4351337"/>
           </a:xfrm>
         </p:spPr>
         <p:txBody>
@@ -3619,7 +6136,7 @@
           <a:p>
             <a:fld id="{241EB5C9-1307-BA42-ABA2-0BC069CD8E7F}" type="datetimeFigureOut">
               <a:rPr lang="en-US" smtClean="0"/>
-              <a:t>4/16/2019</a:t>
+              <a:t>5/12/2019</a:t>
             </a:fld>
             <a:endParaRPr lang="en-US"/>
           </a:p>
@@ -3709,8 +6226,8 @@
         </p:nvSpPr>
         <p:spPr>
           <a:xfrm>
-            <a:off x="633845" y="1681851"/>
-            <a:ext cx="3867150" cy="825699"/>
+            <a:off x="845127" y="1681852"/>
+            <a:ext cx="5156200" cy="825699"/>
           </a:xfrm>
         </p:spPr>
         <p:txBody>
@@ -3779,8 +6296,8 @@
         </p:nvSpPr>
         <p:spPr>
           <a:xfrm>
-            <a:off x="633845" y="2507551"/>
-            <a:ext cx="3867150" cy="3680525"/>
+            <a:off x="845127" y="2507552"/>
+            <a:ext cx="5156200" cy="3680525"/>
           </a:xfrm>
         </p:spPr>
         <p:txBody>
@@ -3836,8 +6353,8 @@
         </p:nvSpPr>
         <p:spPr>
           <a:xfrm>
-            <a:off x="4629150" y="1681851"/>
-            <a:ext cx="3886201" cy="825698"/>
+            <a:off x="6172201" y="1681851"/>
+            <a:ext cx="5181601" cy="825698"/>
           </a:xfrm>
         </p:spPr>
         <p:txBody>
@@ -3904,8 +6421,8 @@
         </p:nvSpPr>
         <p:spPr>
           <a:xfrm>
-            <a:off x="4629150" y="2507551"/>
-            <a:ext cx="3886201" cy="3680525"/>
+            <a:off x="6172201" y="2507552"/>
+            <a:ext cx="5181601" cy="3680525"/>
           </a:xfrm>
         </p:spPr>
         <p:txBody>
@@ -3966,7 +6483,7 @@
           <a:p>
             <a:fld id="{241EB5C9-1307-BA42-ABA2-0BC069CD8E7F}" type="datetimeFigureOut">
               <a:rPr lang="en-US" smtClean="0"/>
-              <a:t>4/16/2019</a:t>
+              <a:t>5/12/2019</a:t>
             </a:fld>
             <a:endParaRPr lang="en-US"/>
           </a:p>
@@ -4084,7 +6601,7 @@
           <a:p>
             <a:fld id="{241EB5C9-1307-BA42-ABA2-0BC069CD8E7F}" type="datetimeFigureOut">
               <a:rPr lang="en-US" smtClean="0"/>
-              <a:t>4/16/2019</a:t>
+              <a:t>5/12/2019</a:t>
             </a:fld>
             <a:endParaRPr lang="en-US"/>
           </a:p>
@@ -4202,7 +6719,7 @@
           <a:p>
             <a:fld id="{241EB5C9-1307-BA42-ABA2-0BC069CD8E7F}" type="datetimeFigureOut">
               <a:rPr lang="en-US" smtClean="0"/>
-              <a:t>4/16/2019</a:t>
+              <a:t>5/12/2019</a:t>
             </a:fld>
             <a:endParaRPr lang="en-US"/>
           </a:p>
@@ -4292,8 +6809,8 @@
         </p:nvSpPr>
         <p:spPr>
           <a:xfrm>
-            <a:off x="630936" y="457201"/>
-            <a:ext cx="2948940" cy="1600197"/>
+            <a:off x="841248" y="457202"/>
+            <a:ext cx="3931920" cy="1600197"/>
           </a:xfrm>
         </p:spPr>
         <p:txBody>
@@ -4326,8 +6843,8 @@
         </p:nvSpPr>
         <p:spPr>
           <a:xfrm>
-            <a:off x="3886200" y="990600"/>
-            <a:ext cx="4629150" cy="4876800"/>
+            <a:off x="5181600" y="990600"/>
+            <a:ext cx="6172200" cy="4876800"/>
           </a:xfrm>
         </p:spPr>
         <p:txBody>
@@ -4411,8 +6928,8 @@
         </p:nvSpPr>
         <p:spPr>
           <a:xfrm>
-            <a:off x="630936" y="2057399"/>
-            <a:ext cx="2948940" cy="3810001"/>
+            <a:off x="841248" y="2057399"/>
+            <a:ext cx="3931920" cy="3810001"/>
           </a:xfrm>
         </p:spPr>
         <p:txBody>
@@ -4486,7 +7003,7 @@
           <a:p>
             <a:fld id="{241EB5C9-1307-BA42-ABA2-0BC069CD8E7F}" type="datetimeFigureOut">
               <a:rPr lang="en-US" smtClean="0"/>
-              <a:t>4/16/2019</a:t>
+              <a:t>5/12/2019</a:t>
             </a:fld>
             <a:endParaRPr lang="en-US"/>
           </a:p>
@@ -4576,8 +7093,8 @@
         </p:nvSpPr>
         <p:spPr>
           <a:xfrm>
-            <a:off x="630936" y="457200"/>
-            <a:ext cx="2948940" cy="1600200"/>
+            <a:off x="841248" y="457200"/>
+            <a:ext cx="3931920" cy="1600200"/>
           </a:xfrm>
         </p:spPr>
         <p:txBody>
@@ -4610,8 +7127,8 @@
         </p:nvSpPr>
         <p:spPr>
           <a:xfrm>
-            <a:off x="3886200" y="990600"/>
-            <a:ext cx="4629150" cy="4876800"/>
+            <a:off x="5181600" y="990600"/>
+            <a:ext cx="6172200" cy="4876800"/>
           </a:xfrm>
         </p:spPr>
         <p:txBody>
@@ -4675,8 +7192,8 @@
         </p:nvSpPr>
         <p:spPr>
           <a:xfrm>
-            <a:off x="630936" y="2057400"/>
-            <a:ext cx="2948940" cy="3810000"/>
+            <a:off x="841248" y="2057400"/>
+            <a:ext cx="3931920" cy="3810000"/>
           </a:xfrm>
         </p:spPr>
         <p:txBody>
@@ -4750,7 +7267,7 @@
           <a:p>
             <a:fld id="{241EB5C9-1307-BA42-ABA2-0BC069CD8E7F}" type="datetimeFigureOut">
               <a:rPr lang="en-US" smtClean="0"/>
-              <a:t>4/16/2019</a:t>
+              <a:t>5/12/2019</a:t>
             </a:fld>
             <a:endParaRPr lang="en-US"/>
           </a:p>
@@ -4845,8 +7362,8 @@
         </p:nvSpPr>
         <p:spPr>
           <a:xfrm>
-            <a:off x="633845" y="365760"/>
-            <a:ext cx="7886700" cy="1325562"/>
+            <a:off x="845127" y="365760"/>
+            <a:ext cx="10515600" cy="1325562"/>
           </a:xfrm>
           <a:prstGeom prst="rect">
             <a:avLst/>
@@ -4878,8 +7395,8 @@
         </p:nvSpPr>
         <p:spPr>
           <a:xfrm>
-            <a:off x="633845" y="1828801"/>
-            <a:ext cx="7886700" cy="4351337"/>
+            <a:off x="845127" y="1828802"/>
+            <a:ext cx="10515600" cy="4351337"/>
           </a:xfrm>
           <a:prstGeom prst="rect">
             <a:avLst/>
@@ -4940,8 +7457,8 @@
         </p:nvSpPr>
         <p:spPr>
           <a:xfrm>
-            <a:off x="628650" y="6356351"/>
-            <a:ext cx="2057400" cy="365125"/>
+            <a:off x="838200" y="6356352"/>
+            <a:ext cx="2743200" cy="365125"/>
           </a:xfrm>
           <a:prstGeom prst="rect">
             <a:avLst/>
@@ -4964,7 +7481,7 @@
           <a:p>
             <a:fld id="{241EB5C9-1307-BA42-ABA2-0BC069CD8E7F}" type="datetimeFigureOut">
               <a:rPr lang="en-US" smtClean="0"/>
-              <a:t>4/16/2019</a:t>
+              <a:t>5/12/2019</a:t>
             </a:fld>
             <a:endParaRPr lang="en-US"/>
           </a:p>
@@ -4982,8 +7499,8 @@
         </p:nvSpPr>
         <p:spPr>
           <a:xfrm>
-            <a:off x="3028950" y="6356351"/>
-            <a:ext cx="3086100" cy="365125"/>
+            <a:off x="4038600" y="6356352"/>
+            <a:ext cx="4114800" cy="365125"/>
           </a:xfrm>
           <a:prstGeom prst="rect">
             <a:avLst/>
@@ -5020,8 +7537,8 @@
         </p:nvSpPr>
         <p:spPr>
           <a:xfrm>
-            <a:off x="6463145" y="6356351"/>
-            <a:ext cx="2057400" cy="365125"/>
+            <a:off x="8617527" y="6356352"/>
+            <a:ext cx="2743200" cy="365125"/>
           </a:xfrm>
           <a:prstGeom prst="rect">
             <a:avLst/>
@@ -5375,8 +7892,8 @@
         </p:nvSpPr>
         <p:spPr>
           <a:xfrm>
-            <a:off x="633845" y="365760"/>
-            <a:ext cx="7886700" cy="1325562"/>
+            <a:off x="845127" y="365760"/>
+            <a:ext cx="10515600" cy="1325562"/>
           </a:xfrm>
           <a:prstGeom prst="rect">
             <a:avLst/>
@@ -5408,8 +7925,8 @@
         </p:nvSpPr>
         <p:spPr>
           <a:xfrm>
-            <a:off x="633845" y="1828801"/>
-            <a:ext cx="7886700" cy="4351337"/>
+            <a:off x="845127" y="1828802"/>
+            <a:ext cx="10515600" cy="4351337"/>
           </a:xfrm>
           <a:prstGeom prst="rect">
             <a:avLst/>
@@ -5470,8 +7987,8 @@
         </p:nvSpPr>
         <p:spPr>
           <a:xfrm>
-            <a:off x="628650" y="6356351"/>
-            <a:ext cx="2057400" cy="365125"/>
+            <a:off x="838200" y="6356352"/>
+            <a:ext cx="2743200" cy="365125"/>
           </a:xfrm>
           <a:prstGeom prst="rect">
             <a:avLst/>
@@ -5494,7 +8011,7 @@
           <a:p>
             <a:fld id="{241EB5C9-1307-BA42-ABA2-0BC069CD8E7F}" type="datetimeFigureOut">
               <a:rPr lang="en-US" smtClean="0"/>
-              <a:t>4/16/2019</a:t>
+              <a:t>5/12/2019</a:t>
             </a:fld>
             <a:endParaRPr lang="en-US"/>
           </a:p>
@@ -5512,8 +8029,8 @@
         </p:nvSpPr>
         <p:spPr>
           <a:xfrm>
-            <a:off x="3028950" y="6356351"/>
-            <a:ext cx="3086100" cy="365125"/>
+            <a:off x="4038600" y="6356352"/>
+            <a:ext cx="4114800" cy="365125"/>
           </a:xfrm>
           <a:prstGeom prst="rect">
             <a:avLst/>
@@ -5550,8 +8067,8 @@
         </p:nvSpPr>
         <p:spPr>
           <a:xfrm>
-            <a:off x="6463145" y="6356351"/>
-            <a:ext cx="2057400" cy="365125"/>
+            <a:off x="8617527" y="6356352"/>
+            <a:ext cx="2743200" cy="365125"/>
           </a:xfrm>
           <a:prstGeom prst="rect">
             <a:avLst/>
@@ -5871,6 +8388,621 @@
 </p:sldMaster>
 </file>
 
+<file path=ppt/slideMasters/slideMaster3.xml><?xml version="1.0" encoding="utf-8"?>
+<p:sldMaster xmlns:a="http://schemas.openxmlformats.org/drawingml/2006/main" xmlns:r="http://schemas.openxmlformats.org/officeDocument/2006/relationships" xmlns:p="http://schemas.openxmlformats.org/presentationml/2006/main">
+  <p:cSld>
+    <p:bg>
+      <p:bgRef idx="1001">
+        <a:schemeClr val="bg1"/>
+      </p:bgRef>
+    </p:bg>
+    <p:spTree>
+      <p:nvGrpSpPr>
+        <p:cNvPr id="1" name=""/>
+        <p:cNvGrpSpPr/>
+        <p:nvPr/>
+      </p:nvGrpSpPr>
+      <p:grpSpPr>
+        <a:xfrm>
+          <a:off x="0" y="0"/>
+          <a:ext cx="0" cy="0"/>
+          <a:chOff x="0" y="0"/>
+          <a:chExt cx="0" cy="0"/>
+        </a:xfrm>
+      </p:grpSpPr>
+      <p:sp>
+        <p:nvSpPr>
+          <p:cNvPr id="9" name="日期占位符 3">
+            <a:extLst>
+              <a:ext uri="{FF2B5EF4-FFF2-40B4-BE49-F238E27FC236}">
+                <a16:creationId xmlns:a16="http://schemas.microsoft.com/office/drawing/2014/main" id="{41072DDE-095D-478E-BB83-ABA1BDC3F84B}"/>
+              </a:ext>
+            </a:extLst>
+          </p:cNvPr>
+          <p:cNvSpPr>
+            <a:spLocks noGrp="1"/>
+          </p:cNvSpPr>
+          <p:nvPr>
+            <p:ph type="dt" sz="half" idx="2"/>
+          </p:nvPr>
+        </p:nvSpPr>
+        <p:spPr>
+          <a:xfrm>
+            <a:off x="660400" y="6235704"/>
+            <a:ext cx="3342640" cy="365125"/>
+          </a:xfrm>
+          <a:prstGeom prst="rect">
+            <a:avLst/>
+          </a:prstGeom>
+        </p:spPr>
+        <p:txBody>
+          <a:bodyPr vert="horz" lIns="0" tIns="45720" rIns="91440" bIns="45720" rtlCol="0" anchor="ctr"/>
+          <a:lstStyle>
+            <a:lvl1pPr marL="0" marR="0" indent="0" algn="l" defTabSz="685800" rtl="0" eaLnBrk="1" fontAlgn="auto" latinLnBrk="0" hangingPunct="1">
+              <a:lnSpc>
+                <a:spcPct val="100000"/>
+              </a:lnSpc>
+              <a:spcBef>
+                <a:spcPts val="0"/>
+              </a:spcBef>
+              <a:spcAft>
+                <a:spcPts val="0"/>
+              </a:spcAft>
+              <a:buClrTx/>
+              <a:buSzTx/>
+              <a:buFontTx/>
+              <a:buNone/>
+              <a:tabLst/>
+              <a:defRPr sz="1050" spc="75" baseline="0">
+                <a:solidFill>
+                  <a:schemeClr val="tx1">
+                    <a:tint val="75000"/>
+                  </a:schemeClr>
+                </a:solidFill>
+              </a:defRPr>
+            </a:lvl1pPr>
+          </a:lstStyle>
+          <a:p>
+            <a:fld id="{241EB5C9-1307-BA42-ABA2-0BC069CD8E7F}" type="datetimeFigureOut">
+              <a:rPr lang="en-US" smtClean="0"/>
+              <a:t>5/12/2019</a:t>
+            </a:fld>
+            <a:endParaRPr lang="en-US"/>
+          </a:p>
+        </p:txBody>
+      </p:sp>
+      <p:sp>
+        <p:nvSpPr>
+          <p:cNvPr id="10" name="页脚占位符 4">
+            <a:extLst>
+              <a:ext uri="{FF2B5EF4-FFF2-40B4-BE49-F238E27FC236}">
+                <a16:creationId xmlns:a16="http://schemas.microsoft.com/office/drawing/2014/main" id="{A9702F99-3075-4691-89D2-91C1B0879690}"/>
+              </a:ext>
+            </a:extLst>
+          </p:cNvPr>
+          <p:cNvSpPr>
+            <a:spLocks noGrp="1"/>
+          </p:cNvSpPr>
+          <p:nvPr>
+            <p:ph type="ftr" sz="quarter" idx="3"/>
+          </p:nvPr>
+        </p:nvSpPr>
+        <p:spPr>
+          <a:xfrm>
+            <a:off x="4622800" y="6235704"/>
+            <a:ext cx="2946400" cy="365125"/>
+          </a:xfrm>
+          <a:prstGeom prst="rect">
+            <a:avLst/>
+          </a:prstGeom>
+        </p:spPr>
+        <p:txBody>
+          <a:bodyPr vert="horz" lIns="91440" tIns="45720" rIns="91440" bIns="45720" rtlCol="0" anchor="ctr"/>
+          <a:lstStyle>
+            <a:lvl1pPr algn="ctr">
+              <a:defRPr sz="1050" i="0" spc="225" baseline="0">
+                <a:solidFill>
+                  <a:schemeClr val="accent1"/>
+                </a:solidFill>
+              </a:defRPr>
+            </a:lvl1pPr>
+          </a:lstStyle>
+          <a:p>
+            <a:endParaRPr lang="en-US"/>
+          </a:p>
+        </p:txBody>
+      </p:sp>
+      <p:sp>
+        <p:nvSpPr>
+          <p:cNvPr id="11" name="灯片编号占位符 3">
+            <a:extLst>
+              <a:ext uri="{FF2B5EF4-FFF2-40B4-BE49-F238E27FC236}">
+                <a16:creationId xmlns:a16="http://schemas.microsoft.com/office/drawing/2014/main" id="{3013BABA-E6FA-44CB-98BD-4DC4C4748E59}"/>
+              </a:ext>
+            </a:extLst>
+          </p:cNvPr>
+          <p:cNvSpPr>
+            <a:spLocks noGrp="1"/>
+          </p:cNvSpPr>
+          <p:nvPr>
+            <p:ph type="sldNum" sz="quarter" idx="4"/>
+          </p:nvPr>
+        </p:nvSpPr>
+        <p:spPr>
+          <a:xfrm>
+            <a:off x="8775700" y="6235704"/>
+            <a:ext cx="2743200" cy="365125"/>
+          </a:xfrm>
+          <a:prstGeom prst="rect">
+            <a:avLst/>
+          </a:prstGeom>
+        </p:spPr>
+        <p:txBody>
+          <a:bodyPr vert="horz" lIns="90000" tIns="45720" rIns="0" bIns="45720" rtlCol="0" anchor="ctr"/>
+          <a:lstStyle>
+            <a:lvl1pPr algn="r">
+              <a:defRPr sz="1050">
+                <a:solidFill>
+                  <a:schemeClr val="bg1">
+                    <a:lumMod val="75000"/>
+                  </a:schemeClr>
+                </a:solidFill>
+              </a:defRPr>
+            </a:lvl1pPr>
+          </a:lstStyle>
+          <a:p>
+            <a:fld id="{C5EF2332-01BF-834F-8236-50238282D533}" type="slidenum">
+              <a:rPr lang="en-US" smtClean="0"/>
+              <a:t>‹#›</a:t>
+            </a:fld>
+            <a:endParaRPr lang="en-US"/>
+          </a:p>
+        </p:txBody>
+      </p:sp>
+      <p:sp>
+        <p:nvSpPr>
+          <p:cNvPr id="12" name="标题占位符 1">
+            <a:extLst>
+              <a:ext uri="{FF2B5EF4-FFF2-40B4-BE49-F238E27FC236}">
+                <a16:creationId xmlns:a16="http://schemas.microsoft.com/office/drawing/2014/main" id="{75E6161D-B0D4-4DDC-97C8-D01DE23BD01A}"/>
+              </a:ext>
+            </a:extLst>
+          </p:cNvPr>
+          <p:cNvSpPr>
+            <a:spLocks noGrp="1"/>
+          </p:cNvSpPr>
+          <p:nvPr>
+            <p:ph type="title"/>
+          </p:nvPr>
+        </p:nvSpPr>
+        <p:spPr>
+          <a:xfrm>
+            <a:off x="669870" y="1"/>
+            <a:ext cx="10849031" cy="1028700"/>
+          </a:xfrm>
+          <a:prstGeom prst="rect">
+            <a:avLst/>
+          </a:prstGeom>
+        </p:spPr>
+        <p:txBody>
+          <a:bodyPr vert="horz" lIns="0" tIns="0" rIns="0" bIns="0" rtlCol="0" anchor="b" anchorCtr="0">
+            <a:noAutofit/>
+          </a:bodyPr>
+          <a:lstStyle/>
+          <a:p>
+            <a:r>
+              <a:rPr lang="zh-CN" altLang="en-US" dirty="0"/>
+              <a:t>单击此处编辑母版标题样式</a:t>
+            </a:r>
+          </a:p>
+        </p:txBody>
+      </p:sp>
+      <p:sp>
+        <p:nvSpPr>
+          <p:cNvPr id="13" name="文本占位符 2">
+            <a:extLst>
+              <a:ext uri="{FF2B5EF4-FFF2-40B4-BE49-F238E27FC236}">
+                <a16:creationId xmlns:a16="http://schemas.microsoft.com/office/drawing/2014/main" id="{4A578588-4DBB-4F48-B2D3-98C38995127E}"/>
+              </a:ext>
+            </a:extLst>
+          </p:cNvPr>
+          <p:cNvSpPr>
+            <a:spLocks noGrp="1"/>
+          </p:cNvSpPr>
+          <p:nvPr>
+            <p:ph type="body" idx="1"/>
+          </p:nvPr>
+        </p:nvSpPr>
+        <p:spPr>
+          <a:xfrm>
+            <a:off x="669870" y="1130303"/>
+            <a:ext cx="10849031" cy="5003799"/>
+          </a:xfrm>
+          <a:prstGeom prst="rect">
+            <a:avLst/>
+          </a:prstGeom>
+        </p:spPr>
+        <p:txBody>
+          <a:bodyPr vert="horz" lIns="91440" tIns="45720" rIns="91440" bIns="45720" rtlCol="0">
+            <a:noAutofit/>
+          </a:bodyPr>
+          <a:lstStyle/>
+          <a:p>
+            <a:pPr lvl="0"/>
+            <a:r>
+              <a:rPr lang="zh-CN" altLang="en-US" dirty="0"/>
+              <a:t>编辑母版文本样式</a:t>
+            </a:r>
+          </a:p>
+          <a:p>
+            <a:pPr lvl="1"/>
+            <a:r>
+              <a:rPr lang="zh-CN" altLang="en-US" dirty="0"/>
+              <a:t>第二级</a:t>
+            </a:r>
+          </a:p>
+          <a:p>
+            <a:pPr lvl="2"/>
+            <a:r>
+              <a:rPr lang="zh-CN" altLang="en-US" dirty="0"/>
+              <a:t>第三级</a:t>
+            </a:r>
+          </a:p>
+          <a:p>
+            <a:pPr lvl="3"/>
+            <a:r>
+              <a:rPr lang="zh-CN" altLang="en-US" dirty="0"/>
+              <a:t>第四级</a:t>
+            </a:r>
+          </a:p>
+          <a:p>
+            <a:pPr lvl="4"/>
+            <a:r>
+              <a:rPr lang="zh-CN" altLang="en-US" dirty="0"/>
+              <a:t>第五级</a:t>
+            </a:r>
+          </a:p>
+        </p:txBody>
+      </p:sp>
+    </p:spTree>
+    <p:extLst>
+      <p:ext uri="{BB962C8B-B14F-4D97-AF65-F5344CB8AC3E}">
+        <p14:creationId xmlns:p14="http://schemas.microsoft.com/office/powerpoint/2010/main" val="242449594"/>
+      </p:ext>
+    </p:extLst>
+  </p:cSld>
+  <p:clrMap bg1="lt1" tx1="dk1" bg2="lt2" tx2="dk2" accent1="accent1" accent2="accent2" accent3="accent3" accent4="accent4" accent5="accent5" accent6="accent6" hlink="hlink" folHlink="folHlink"/>
+  <p:sldLayoutIdLst>
+    <p:sldLayoutId id="2147483685" r:id="rId1"/>
+    <p:sldLayoutId id="2147483686" r:id="rId2"/>
+    <p:sldLayoutId id="2147483694" r:id="rId3"/>
+    <p:sldLayoutId id="2147483687" r:id="rId4"/>
+    <p:sldLayoutId id="2147483688" r:id="rId5"/>
+    <p:sldLayoutId id="2147483689" r:id="rId6"/>
+    <p:sldLayoutId id="2147483690" r:id="rId7"/>
+    <p:sldLayoutId id="2147483691" r:id="rId8"/>
+    <p:sldLayoutId id="2147483692" r:id="rId9"/>
+    <p:sldLayoutId id="2147483693" r:id="rId10"/>
+  </p:sldLayoutIdLst>
+  <p:txStyles>
+    <p:titleStyle>
+      <a:lvl1pPr algn="l" defTabSz="685766" rtl="0" eaLnBrk="1" latinLnBrk="0" hangingPunct="1">
+        <a:lnSpc>
+          <a:spcPct val="90000"/>
+        </a:lnSpc>
+        <a:spcBef>
+          <a:spcPct val="0"/>
+        </a:spcBef>
+        <a:buNone/>
+        <a:defRPr sz="2100" b="1" kern="1200">
+          <a:solidFill>
+            <a:schemeClr val="tx1"/>
+          </a:solidFill>
+          <a:latin typeface="+mj-ea"/>
+          <a:ea typeface="+mj-ea"/>
+          <a:cs typeface="+mj-cs"/>
+        </a:defRPr>
+      </a:lvl1pPr>
+    </p:titleStyle>
+    <p:bodyStyle>
+      <a:lvl1pPr marL="171442" indent="-171442" algn="l" defTabSz="685766" rtl="0" eaLnBrk="1" latinLnBrk="0" hangingPunct="1">
+        <a:lnSpc>
+          <a:spcPct val="130000"/>
+        </a:lnSpc>
+        <a:spcBef>
+          <a:spcPts val="750"/>
+        </a:spcBef>
+        <a:buFont typeface="Arial" panose="020B0604020202020204" pitchFamily="34" charset="0"/>
+        <a:buChar char="•"/>
+        <a:defRPr sz="1500" kern="1200">
+          <a:solidFill>
+            <a:schemeClr val="tx1"/>
+          </a:solidFill>
+          <a:latin typeface="+mj-ea"/>
+          <a:ea typeface="+mj-ea"/>
+          <a:cs typeface="+mn-cs"/>
+        </a:defRPr>
+      </a:lvl1pPr>
+      <a:lvl2pPr marL="514325" indent="-171442" algn="l" defTabSz="685766" rtl="0" eaLnBrk="1" latinLnBrk="0" hangingPunct="1">
+        <a:lnSpc>
+          <a:spcPct val="130000"/>
+        </a:lnSpc>
+        <a:spcBef>
+          <a:spcPts val="375"/>
+        </a:spcBef>
+        <a:buFont typeface="Arial" panose="020B0604020202020204" pitchFamily="34" charset="0"/>
+        <a:buChar char="•"/>
+        <a:defRPr sz="1350" kern="1200">
+          <a:solidFill>
+            <a:schemeClr val="tx1"/>
+          </a:solidFill>
+          <a:latin typeface="+mj-ea"/>
+          <a:ea typeface="+mj-ea"/>
+          <a:cs typeface="+mn-cs"/>
+        </a:defRPr>
+      </a:lvl2pPr>
+      <a:lvl3pPr marL="857207" indent="-171442" algn="l" defTabSz="685766" rtl="0" eaLnBrk="1" latinLnBrk="0" hangingPunct="1">
+        <a:lnSpc>
+          <a:spcPct val="130000"/>
+        </a:lnSpc>
+        <a:spcBef>
+          <a:spcPts val="375"/>
+        </a:spcBef>
+        <a:buFont typeface="Arial" panose="020B0604020202020204" pitchFamily="34" charset="0"/>
+        <a:buChar char="•"/>
+        <a:defRPr sz="1200" kern="1200">
+          <a:solidFill>
+            <a:schemeClr val="tx1"/>
+          </a:solidFill>
+          <a:latin typeface="+mj-ea"/>
+          <a:ea typeface="+mj-ea"/>
+          <a:cs typeface="+mn-cs"/>
+        </a:defRPr>
+      </a:lvl3pPr>
+      <a:lvl4pPr marL="1200090" indent="-171442" algn="l" defTabSz="685766" rtl="0" eaLnBrk="1" latinLnBrk="0" hangingPunct="1">
+        <a:lnSpc>
+          <a:spcPct val="130000"/>
+        </a:lnSpc>
+        <a:spcBef>
+          <a:spcPts val="375"/>
+        </a:spcBef>
+        <a:buFont typeface="Arial" panose="020B0604020202020204" pitchFamily="34" charset="0"/>
+        <a:buChar char="•"/>
+        <a:defRPr sz="1050" kern="1200">
+          <a:solidFill>
+            <a:schemeClr val="tx1"/>
+          </a:solidFill>
+          <a:latin typeface="+mj-ea"/>
+          <a:ea typeface="+mj-ea"/>
+          <a:cs typeface="+mn-cs"/>
+        </a:defRPr>
+      </a:lvl4pPr>
+      <a:lvl5pPr marL="1542974" indent="-171442" algn="l" defTabSz="685766" rtl="0" eaLnBrk="1" latinLnBrk="0" hangingPunct="1">
+        <a:lnSpc>
+          <a:spcPct val="130000"/>
+        </a:lnSpc>
+        <a:spcBef>
+          <a:spcPts val="375"/>
+        </a:spcBef>
+        <a:buFont typeface="Arial" panose="020B0604020202020204" pitchFamily="34" charset="0"/>
+        <a:buChar char="•"/>
+        <a:defRPr sz="1050" kern="1200">
+          <a:solidFill>
+            <a:schemeClr val="tx1"/>
+          </a:solidFill>
+          <a:latin typeface="+mj-ea"/>
+          <a:ea typeface="+mj-ea"/>
+          <a:cs typeface="+mn-cs"/>
+        </a:defRPr>
+      </a:lvl5pPr>
+      <a:lvl6pPr marL="1885856" indent="-171442" algn="l" defTabSz="685766" rtl="0" eaLnBrk="1" latinLnBrk="0" hangingPunct="1">
+        <a:lnSpc>
+          <a:spcPct val="90000"/>
+        </a:lnSpc>
+        <a:spcBef>
+          <a:spcPts val="375"/>
+        </a:spcBef>
+        <a:buFont typeface="Arial" panose="020B0604020202020204" pitchFamily="34" charset="0"/>
+        <a:buChar char="•"/>
+        <a:defRPr sz="1350" kern="1200">
+          <a:solidFill>
+            <a:schemeClr val="tx1"/>
+          </a:solidFill>
+          <a:latin typeface="+mn-lt"/>
+          <a:ea typeface="+mn-ea"/>
+          <a:cs typeface="+mn-cs"/>
+        </a:defRPr>
+      </a:lvl6pPr>
+      <a:lvl7pPr marL="2228739" indent="-171442" algn="l" defTabSz="685766" rtl="0" eaLnBrk="1" latinLnBrk="0" hangingPunct="1">
+        <a:lnSpc>
+          <a:spcPct val="90000"/>
+        </a:lnSpc>
+        <a:spcBef>
+          <a:spcPts val="375"/>
+        </a:spcBef>
+        <a:buFont typeface="Arial" panose="020B0604020202020204" pitchFamily="34" charset="0"/>
+        <a:buChar char="•"/>
+        <a:defRPr sz="1350" kern="1200">
+          <a:solidFill>
+            <a:schemeClr val="tx1"/>
+          </a:solidFill>
+          <a:latin typeface="+mn-lt"/>
+          <a:ea typeface="+mn-ea"/>
+          <a:cs typeface="+mn-cs"/>
+        </a:defRPr>
+      </a:lvl7pPr>
+      <a:lvl8pPr marL="2571622" indent="-171442" algn="l" defTabSz="685766" rtl="0" eaLnBrk="1" latinLnBrk="0" hangingPunct="1">
+        <a:lnSpc>
+          <a:spcPct val="90000"/>
+        </a:lnSpc>
+        <a:spcBef>
+          <a:spcPts val="375"/>
+        </a:spcBef>
+        <a:buFont typeface="Arial" panose="020B0604020202020204" pitchFamily="34" charset="0"/>
+        <a:buChar char="•"/>
+        <a:defRPr sz="1350" kern="1200">
+          <a:solidFill>
+            <a:schemeClr val="tx1"/>
+          </a:solidFill>
+          <a:latin typeface="+mn-lt"/>
+          <a:ea typeface="+mn-ea"/>
+          <a:cs typeface="+mn-cs"/>
+        </a:defRPr>
+      </a:lvl8pPr>
+      <a:lvl9pPr marL="2914505" indent="-171442" algn="l" defTabSz="685766" rtl="0" eaLnBrk="1" latinLnBrk="0" hangingPunct="1">
+        <a:lnSpc>
+          <a:spcPct val="90000"/>
+        </a:lnSpc>
+        <a:spcBef>
+          <a:spcPts val="375"/>
+        </a:spcBef>
+        <a:buFont typeface="Arial" panose="020B0604020202020204" pitchFamily="34" charset="0"/>
+        <a:buChar char="•"/>
+        <a:defRPr sz="1350" kern="1200">
+          <a:solidFill>
+            <a:schemeClr val="tx1"/>
+          </a:solidFill>
+          <a:latin typeface="+mn-lt"/>
+          <a:ea typeface="+mn-ea"/>
+          <a:cs typeface="+mn-cs"/>
+        </a:defRPr>
+      </a:lvl9pPr>
+    </p:bodyStyle>
+    <p:otherStyle>
+      <a:defPPr>
+        <a:defRPr lang="zh-CN"/>
+      </a:defPPr>
+      <a:lvl1pPr marL="0" algn="l" defTabSz="685766" rtl="0" eaLnBrk="1" latinLnBrk="0" hangingPunct="1">
+        <a:defRPr sz="1350" kern="1200">
+          <a:solidFill>
+            <a:schemeClr val="tx1"/>
+          </a:solidFill>
+          <a:latin typeface="+mn-lt"/>
+          <a:ea typeface="+mn-ea"/>
+          <a:cs typeface="+mn-cs"/>
+        </a:defRPr>
+      </a:lvl1pPr>
+      <a:lvl2pPr marL="342884" algn="l" defTabSz="685766" rtl="0" eaLnBrk="1" latinLnBrk="0" hangingPunct="1">
+        <a:defRPr sz="1350" kern="1200">
+          <a:solidFill>
+            <a:schemeClr val="tx1"/>
+          </a:solidFill>
+          <a:latin typeface="+mn-lt"/>
+          <a:ea typeface="+mn-ea"/>
+          <a:cs typeface="+mn-cs"/>
+        </a:defRPr>
+      </a:lvl2pPr>
+      <a:lvl3pPr marL="685766" algn="l" defTabSz="685766" rtl="0" eaLnBrk="1" latinLnBrk="0" hangingPunct="1">
+        <a:defRPr sz="1350" kern="1200">
+          <a:solidFill>
+            <a:schemeClr val="tx1"/>
+          </a:solidFill>
+          <a:latin typeface="+mn-lt"/>
+          <a:ea typeface="+mn-ea"/>
+          <a:cs typeface="+mn-cs"/>
+        </a:defRPr>
+      </a:lvl3pPr>
+      <a:lvl4pPr marL="1028649" algn="l" defTabSz="685766" rtl="0" eaLnBrk="1" latinLnBrk="0" hangingPunct="1">
+        <a:defRPr sz="1350" kern="1200">
+          <a:solidFill>
+            <a:schemeClr val="tx1"/>
+          </a:solidFill>
+          <a:latin typeface="+mn-lt"/>
+          <a:ea typeface="+mn-ea"/>
+          <a:cs typeface="+mn-cs"/>
+        </a:defRPr>
+      </a:lvl4pPr>
+      <a:lvl5pPr marL="1371532" algn="l" defTabSz="685766" rtl="0" eaLnBrk="1" latinLnBrk="0" hangingPunct="1">
+        <a:defRPr sz="1350" kern="1200">
+          <a:solidFill>
+            <a:schemeClr val="tx1"/>
+          </a:solidFill>
+          <a:latin typeface="+mn-lt"/>
+          <a:ea typeface="+mn-ea"/>
+          <a:cs typeface="+mn-cs"/>
+        </a:defRPr>
+      </a:lvl5pPr>
+      <a:lvl6pPr marL="1714415" algn="l" defTabSz="685766" rtl="0" eaLnBrk="1" latinLnBrk="0" hangingPunct="1">
+        <a:defRPr sz="1350" kern="1200">
+          <a:solidFill>
+            <a:schemeClr val="tx1"/>
+          </a:solidFill>
+          <a:latin typeface="+mn-lt"/>
+          <a:ea typeface="+mn-ea"/>
+          <a:cs typeface="+mn-cs"/>
+        </a:defRPr>
+      </a:lvl6pPr>
+      <a:lvl7pPr marL="2057297" algn="l" defTabSz="685766" rtl="0" eaLnBrk="1" latinLnBrk="0" hangingPunct="1">
+        <a:defRPr sz="1350" kern="1200">
+          <a:solidFill>
+            <a:schemeClr val="tx1"/>
+          </a:solidFill>
+          <a:latin typeface="+mn-lt"/>
+          <a:ea typeface="+mn-ea"/>
+          <a:cs typeface="+mn-cs"/>
+        </a:defRPr>
+      </a:lvl7pPr>
+      <a:lvl8pPr marL="2400180" algn="l" defTabSz="685766" rtl="0" eaLnBrk="1" latinLnBrk="0" hangingPunct="1">
+        <a:defRPr sz="1350" kern="1200">
+          <a:solidFill>
+            <a:schemeClr val="tx1"/>
+          </a:solidFill>
+          <a:latin typeface="+mn-lt"/>
+          <a:ea typeface="+mn-ea"/>
+          <a:cs typeface="+mn-cs"/>
+        </a:defRPr>
+      </a:lvl8pPr>
+      <a:lvl9pPr marL="2743064" algn="l" defTabSz="685766" rtl="0" eaLnBrk="1" latinLnBrk="0" hangingPunct="1">
+        <a:defRPr sz="1350" kern="1200">
+          <a:solidFill>
+            <a:schemeClr val="tx1"/>
+          </a:solidFill>
+          <a:latin typeface="+mn-lt"/>
+          <a:ea typeface="+mn-ea"/>
+          <a:cs typeface="+mn-cs"/>
+        </a:defRPr>
+      </a:lvl9pPr>
+    </p:otherStyle>
+  </p:txStyles>
+  <p:extLst mod="1">
+    <p:ext uri="{27BBF7A9-308A-43DC-89C8-2F10F3537804}">
+      <p15:sldGuideLst xmlns:p15="http://schemas.microsoft.com/office/powerpoint/2012/main">
+        <p15:guide id="1" pos="555" userDrawn="1">
+          <p15:clr>
+            <a:srgbClr val="F26B43"/>
+          </p15:clr>
+        </p15:guide>
+        <p15:guide id="2" pos="9675" userDrawn="1">
+          <p15:clr>
+            <a:srgbClr val="F26B43"/>
+          </p15:clr>
+        </p15:guide>
+        <p15:guide id="3" orient="horz" pos="648" userDrawn="1">
+          <p15:clr>
+            <a:srgbClr val="F26B43"/>
+          </p15:clr>
+        </p15:guide>
+        <p15:guide id="4" orient="horz" pos="712" userDrawn="1">
+          <p15:clr>
+            <a:srgbClr val="F26B43"/>
+          </p15:clr>
+        </p15:guide>
+        <p15:guide id="5" orient="horz" pos="3928" userDrawn="1">
+          <p15:clr>
+            <a:srgbClr val="F26B43"/>
+          </p15:clr>
+        </p15:guide>
+        <p15:guide id="6" orient="horz" pos="3864" userDrawn="1">
+          <p15:clr>
+            <a:srgbClr val="F26B43"/>
+          </p15:clr>
+        </p15:guide>
+      </p15:sldGuideLst>
+    </p:ext>
+  </p:extLst>
+</p:sldMaster>
+</file>
+
 <file path=ppt/slides/slide1.xml><?xml version="1.0" encoding="utf-8"?>
 <p:sld xmlns:a="http://schemas.openxmlformats.org/drawingml/2006/main" xmlns:r="http://schemas.openxmlformats.org/officeDocument/2006/relationships" xmlns:p="http://schemas.openxmlformats.org/presentationml/2006/main">
   <p:cSld>
@@ -5890,51 +9022,196 @@
       </p:grpSpPr>
       <p:sp>
         <p:nvSpPr>
-          <p:cNvPr id="2" name="Title 1"/>
-          <p:cNvSpPr>
-            <a:spLocks noGrp="1"/>
-          </p:cNvSpPr>
-          <p:nvPr>
-            <p:ph type="ctrTitle"/>
-          </p:nvPr>
-        </p:nvSpPr>
-        <p:spPr/>
+          <p:cNvPr id="3" name="Subtitle 2"/>
+          <p:cNvSpPr>
+            <a:spLocks noGrp="1"/>
+          </p:cNvSpPr>
+          <p:nvPr>
+            <p:ph type="body" sz="quarter" idx="10"/>
+          </p:nvPr>
+        </p:nvSpPr>
+        <p:spPr>
+          <a:xfrm>
+            <a:off x="881062" y="4470008"/>
+            <a:ext cx="5798383" cy="878840"/>
+          </a:xfrm>
+        </p:spPr>
         <p:txBody>
           <a:bodyPr/>
           <a:lstStyle/>
           <a:p>
-            <a:pPr marL="0" lvl="0" indent="0">
-              <a:buNone/>
-            </a:pPr>
-            <a:r>
-              <a:t>以NASNet利用组织学及基因组预测乳腺癌存活预期</a:t>
-            </a:r>
-          </a:p>
-        </p:txBody>
-      </p:sp>
-      <p:sp>
-        <p:nvSpPr>
-          <p:cNvPr id="3" name="Subtitle 2"/>
-          <p:cNvSpPr>
-            <a:spLocks noGrp="1"/>
-          </p:cNvSpPr>
-          <p:nvPr>
-            <p:ph type="subTitle" idx="1"/>
-          </p:nvPr>
-        </p:nvSpPr>
-        <p:spPr/>
+            <a:br>
+              <a:rPr sz="2800" dirty="0">
+                <a:solidFill>
+                  <a:schemeClr val="tx1"/>
+                </a:solidFill>
+                <a:latin typeface="Segoe UI" panose="020B0502040204020203" pitchFamily="34" charset="0"/>
+                <a:ea typeface="DengXian" panose="02010600030101010101" pitchFamily="2" charset="-122"/>
+                <a:cs typeface="FZLanTingHei-L-GBK-M" panose="02010600010101010101" pitchFamily="2" charset="2"/>
+                <a:sym typeface="Segoe UI" panose="020B0502040204020203" pitchFamily="34" charset="0"/>
+              </a:rPr>
+            </a:br>
+            <a:r>
+              <a:rPr sz="2800" dirty="0">
+                <a:solidFill>
+                  <a:schemeClr val="tx1"/>
+                </a:solidFill>
+                <a:latin typeface="Segoe UI" panose="020B0502040204020203" pitchFamily="34" charset="0"/>
+                <a:ea typeface="DengXian" panose="02010600030101010101" pitchFamily="2" charset="-122"/>
+                <a:cs typeface="FZLanTingHei-L-GBK-M" panose="02010600010101010101" pitchFamily="2" charset="2"/>
+                <a:sym typeface="Segoe UI" panose="020B0502040204020203" pitchFamily="34" charset="0"/>
+              </a:rPr>
+              <a:t>穆幼清</a:t>
+            </a:r>
+            <a:r>
+              <a:rPr lang="en-GB" sz="2800" dirty="0">
+                <a:solidFill>
+                  <a:schemeClr val="tx1"/>
+                </a:solidFill>
+                <a:latin typeface="Segoe UI" panose="020B0502040204020203" pitchFamily="34" charset="0"/>
+                <a:ea typeface="DengXian" panose="02010600030101010101" pitchFamily="2" charset="-122"/>
+                <a:cs typeface="FZLanTingHei-L-GBK-M" panose="02010600010101010101" pitchFamily="2" charset="2"/>
+                <a:sym typeface="Segoe UI" panose="020B0502040204020203" pitchFamily="34" charset="0"/>
+              </a:rPr>
+              <a:t> 15335115 </a:t>
+            </a:r>
+            <a:r>
+              <a:rPr lang="zh-CN" altLang="en-US" sz="2800" dirty="0">
+                <a:solidFill>
+                  <a:schemeClr val="tx1"/>
+                </a:solidFill>
+                <a:latin typeface="Segoe UI" panose="020B0502040204020203" pitchFamily="34" charset="0"/>
+                <a:ea typeface="DengXian" panose="02010600030101010101" pitchFamily="2" charset="-122"/>
+                <a:cs typeface="FZLanTingHei-L-GBK-M" panose="02010600010101010101" pitchFamily="2" charset="2"/>
+                <a:sym typeface="Segoe UI" panose="020B0502040204020203" pitchFamily="34" charset="0"/>
+              </a:rPr>
+              <a:t>生物技术</a:t>
+            </a:r>
+            <a:endParaRPr lang="en-GB" altLang="zh-CN" sz="2800" dirty="0">
+              <a:solidFill>
+                <a:schemeClr val="tx1"/>
+              </a:solidFill>
+              <a:latin typeface="Segoe UI" panose="020B0502040204020203" pitchFamily="34" charset="0"/>
+              <a:ea typeface="DengXian" panose="02010600030101010101" pitchFamily="2" charset="-122"/>
+              <a:cs typeface="FZLanTingHei-L-GBK-M" panose="02010600010101010101" pitchFamily="2" charset="2"/>
+              <a:sym typeface="Segoe UI" panose="020B0502040204020203" pitchFamily="34" charset="0"/>
+            </a:endParaRPr>
+          </a:p>
+          <a:p>
+            <a:r>
+              <a:rPr lang="zh-CN" altLang="en-US" sz="2800" dirty="0">
+                <a:solidFill>
+                  <a:schemeClr val="tx1"/>
+                </a:solidFill>
+                <a:latin typeface="Segoe UI" panose="020B0502040204020203" pitchFamily="34" charset="0"/>
+                <a:ea typeface="DengXian" panose="02010600030101010101" pitchFamily="2" charset="-122"/>
+                <a:cs typeface="FZLanTingHei-L-GBK-M" panose="02010600010101010101" pitchFamily="2" charset="2"/>
+                <a:sym typeface="Segoe UI" panose="020B0502040204020203" pitchFamily="34" charset="0"/>
+              </a:rPr>
+              <a:t>指导老师：赵慧英</a:t>
+            </a:r>
+            <a:r>
+              <a:rPr lang="en-GB" altLang="zh-CN" sz="2800" dirty="0">
+                <a:solidFill>
+                  <a:schemeClr val="tx1"/>
+                </a:solidFill>
+                <a:latin typeface="Segoe UI" panose="020B0502040204020203" pitchFamily="34" charset="0"/>
+                <a:ea typeface="DengXian" panose="02010600030101010101" pitchFamily="2" charset="-122"/>
+                <a:cs typeface="FZLanTingHei-L-GBK-M" panose="02010600010101010101" pitchFamily="2" charset="2"/>
+                <a:sym typeface="Segoe UI" panose="020B0502040204020203" pitchFamily="34" charset="0"/>
+              </a:rPr>
+              <a:t> </a:t>
+            </a:r>
+            <a:r>
+              <a:rPr lang="zh-CN" altLang="en-US" sz="2800" dirty="0">
+                <a:solidFill>
+                  <a:schemeClr val="tx1"/>
+                </a:solidFill>
+                <a:latin typeface="Segoe UI" panose="020B0502040204020203" pitchFamily="34" charset="0"/>
+                <a:ea typeface="DengXian" panose="02010600030101010101" pitchFamily="2" charset="-122"/>
+                <a:cs typeface="FZLanTingHei-L-GBK-M" panose="02010600010101010101" pitchFamily="2" charset="2"/>
+                <a:sym typeface="Segoe UI" panose="020B0502040204020203" pitchFamily="34" charset="0"/>
+              </a:rPr>
+              <a:t>骆观正 </a:t>
+            </a:r>
+            <a:endParaRPr sz="2800" dirty="0">
+              <a:solidFill>
+                <a:schemeClr val="tx1"/>
+              </a:solidFill>
+              <a:latin typeface="Segoe UI" panose="020B0502040204020203" pitchFamily="34" charset="0"/>
+              <a:ea typeface="DengXian" panose="02010600030101010101" pitchFamily="2" charset="-122"/>
+              <a:cs typeface="FZLanTingHei-L-GBK-M" panose="02010600010101010101" pitchFamily="2" charset="2"/>
+              <a:sym typeface="Segoe UI" panose="020B0502040204020203" pitchFamily="34" charset="0"/>
+            </a:endParaRPr>
+          </a:p>
+        </p:txBody>
+      </p:sp>
+      <p:sp>
+        <p:nvSpPr>
+          <p:cNvPr id="6" name="文本占位符 5">
+            <a:extLst>
+              <a:ext uri="{FF2B5EF4-FFF2-40B4-BE49-F238E27FC236}">
+                <a16:creationId xmlns:a16="http://schemas.microsoft.com/office/drawing/2014/main" id="{C88E8F30-AADE-4188-9DAD-8230CDDBE291}"/>
+              </a:ext>
+            </a:extLst>
+          </p:cNvPr>
+          <p:cNvSpPr>
+            <a:spLocks noGrp="1"/>
+          </p:cNvSpPr>
+          <p:nvPr>
+            <p:ph type="body" sz="quarter" idx="11"/>
+          </p:nvPr>
+        </p:nvSpPr>
+        <p:spPr>
+          <a:xfrm>
+            <a:off x="881063" y="1320037"/>
+            <a:ext cx="5798383" cy="878840"/>
+          </a:xfrm>
+        </p:spPr>
         <p:txBody>
           <a:bodyPr/>
           <a:lstStyle/>
           <a:p>
-            <a:pPr marL="0" lvl="0" indent="0">
-              <a:buNone/>
-            </a:pPr>
-            <a:br/>
-            <a:br/>
-            <a:r>
-              <a:t>穆幼清</a:t>
-            </a:r>
+            <a:br>
+              <a:rPr lang="en-GB" dirty="0">
+                <a:latin typeface="Segoe UI" panose="020B0502040204020203" pitchFamily="34" charset="0"/>
+                <a:ea typeface="DengXian" panose="02010600030101010101" pitchFamily="2" charset="-122"/>
+                <a:cs typeface="FZLanTingHei-L-GBK-M" panose="02010600010101010101" pitchFamily="2" charset="2"/>
+                <a:sym typeface="Segoe UI" panose="020B0502040204020203" pitchFamily="34" charset="0"/>
+              </a:rPr>
+            </a:br>
+            <a:r>
+              <a:rPr lang="zh-CN" altLang="en-US" dirty="0">
+                <a:latin typeface="Segoe UI" panose="020B0502040204020203" pitchFamily="34" charset="0"/>
+                <a:ea typeface="DengXian" panose="02010600030101010101" pitchFamily="2" charset="-122"/>
+                <a:cs typeface="FZLanTingHei-L-GBK-M" panose="02010600010101010101" pitchFamily="2" charset="2"/>
+                <a:sym typeface="Segoe UI" panose="020B0502040204020203" pitchFamily="34" charset="0"/>
+              </a:rPr>
+              <a:t>以卷积网络方法利用组织和基因组数据</a:t>
+            </a:r>
+            <a:br>
+              <a:rPr lang="en-GB" altLang="zh-CN" dirty="0">
+                <a:latin typeface="Segoe UI" panose="020B0502040204020203" pitchFamily="34" charset="0"/>
+                <a:ea typeface="DengXian" panose="02010600030101010101" pitchFamily="2" charset="-122"/>
+                <a:cs typeface="FZLanTingHei-L-GBK-M" panose="02010600010101010101" pitchFamily="2" charset="2"/>
+                <a:sym typeface="Segoe UI" panose="020B0502040204020203" pitchFamily="34" charset="0"/>
+              </a:rPr>
+            </a:br>
+            <a:r>
+              <a:rPr lang="zh-CN" altLang="en-US" dirty="0">
+                <a:latin typeface="Segoe UI" panose="020B0502040204020203" pitchFamily="34" charset="0"/>
+                <a:ea typeface="DengXian" panose="02010600030101010101" pitchFamily="2" charset="-122"/>
+                <a:cs typeface="FZLanTingHei-L-GBK-M" panose="02010600010101010101" pitchFamily="2" charset="2"/>
+                <a:sym typeface="Segoe UI" panose="020B0502040204020203" pitchFamily="34" charset="0"/>
+              </a:rPr>
+              <a:t>预测乳腺癌预后 </a:t>
+            </a:r>
+            <a:endParaRPr lang="en-GB" dirty="0">
+              <a:latin typeface="Segoe UI" panose="020B0502040204020203" pitchFamily="34" charset="0"/>
+              <a:ea typeface="DengXian" panose="02010600030101010101" pitchFamily="2" charset="-122"/>
+              <a:cs typeface="FZLanTingHei-L-GBK-M" panose="02010600010101010101" pitchFamily="2" charset="2"/>
+              <a:sym typeface="Segoe UI" panose="020B0502040204020203" pitchFamily="34" charset="0"/>
+            </a:endParaRPr>
           </a:p>
         </p:txBody>
       </p:sp>
@@ -5965,12 +9242,18 @@
       </p:grpSpPr>
       <p:sp>
         <p:nvSpPr>
-          <p:cNvPr id="2" name="Title 1"/>
-          <p:cNvSpPr>
-            <a:spLocks noGrp="1"/>
-          </p:cNvSpPr>
-          <p:nvPr>
-            <p:ph type="title"/>
+          <p:cNvPr id="5" name="文本占位符 4">
+            <a:extLst>
+              <a:ext uri="{FF2B5EF4-FFF2-40B4-BE49-F238E27FC236}">
+                <a16:creationId xmlns:a16="http://schemas.microsoft.com/office/drawing/2014/main" id="{F95FE575-2D63-4C85-B15F-6662154ABD73}"/>
+              </a:ext>
+            </a:extLst>
+          </p:cNvPr>
+          <p:cNvSpPr>
+            <a:spLocks noGrp="1"/>
+          </p:cNvSpPr>
+          <p:nvPr>
+            <p:ph type="body" sz="quarter" idx="11"/>
           </p:nvPr>
         </p:nvSpPr>
         <p:spPr/>
@@ -5978,18 +9261,36 @@
           <a:bodyPr/>
           <a:lstStyle/>
           <a:p>
-            <a:pPr marL="0" lvl="0" indent="0">
-              <a:buNone/>
-            </a:pPr>
-            <a:r>
-              <a:t>3.3 数据量影响</a:t>
-            </a:r>
+            <a:r>
+              <a:rPr lang="en-GB" dirty="0">
+                <a:latin typeface="Segoe UI" panose="020B0502040204020203" pitchFamily="34" charset="0"/>
+                <a:ea typeface="DengXian" panose="02010600030101010101" pitchFamily="2" charset="-122"/>
+                <a:cs typeface="FZLanTingHei-L-GBK-M" panose="02010600010101010101" pitchFamily="2" charset="2"/>
+                <a:sym typeface="Segoe UI" panose="020B0502040204020203" pitchFamily="34" charset="0"/>
+              </a:rPr>
+              <a:t>3.2 SNAS</a:t>
+            </a:r>
+            <a:r>
+              <a:rPr lang="zh-CN" altLang="en-US" dirty="0">
+                <a:latin typeface="Segoe UI" panose="020B0502040204020203" pitchFamily="34" charset="0"/>
+                <a:ea typeface="DengXian" panose="02010600030101010101" pitchFamily="2" charset="-122"/>
+                <a:cs typeface="FZLanTingHei-L-GBK-M" panose="02010600010101010101" pitchFamily="2" charset="2"/>
+                <a:sym typeface="Segoe UI" panose="020B0502040204020203" pitchFamily="34" charset="0"/>
+              </a:rPr>
+              <a:t>生存模型表现</a:t>
+            </a:r>
+            <a:endParaRPr lang="en-GB" dirty="0">
+              <a:latin typeface="Segoe UI" panose="020B0502040204020203" pitchFamily="34" charset="0"/>
+              <a:ea typeface="DengXian" panose="02010600030101010101" pitchFamily="2" charset="-122"/>
+              <a:cs typeface="FZLanTingHei-L-GBK-M" panose="02010600010101010101" pitchFamily="2" charset="2"/>
+              <a:sym typeface="Segoe UI" panose="020B0502040204020203" pitchFamily="34" charset="0"/>
+            </a:endParaRPr>
           </a:p>
         </p:txBody>
       </p:sp>
       <p:pic>
         <p:nvPicPr>
-          <p:cNvPr id="3" name="Picture 1" descr="D:\Project\Survival-Analysis-by-Breast-Cancer-Slides\imgs\fig11.png"/>
+          <p:cNvPr id="3" name="Picture 1" descr="D:\Project\Survival-Analysis-by-Breast-Cancer-Slides\imgs\result.png"/>
           <p:cNvPicPr>
             <a:picLocks noGrp="1" noChangeAspect="1"/>
           </p:cNvPicPr>
@@ -6003,8 +9304,8 @@
         </p:blipFill>
         <p:spPr bwMode="auto">
           <a:xfrm>
-            <a:off x="1765300" y="1600200"/>
-            <a:ext cx="5626100" cy="4013200"/>
+            <a:off x="1211460" y="1727522"/>
+            <a:ext cx="9439178" cy="3335759"/>
           </a:xfrm>
           <a:prstGeom prst="rect">
             <a:avLst/>
@@ -6025,7 +9326,7 @@
         </p:nvSpPr>
         <p:spPr>
           <a:xfrm>
-            <a:off x="457200" y="5613400"/>
+            <a:off x="1981200" y="5613400"/>
             <a:ext cx="8229600" cy="508000"/>
           </a:xfrm>
           <a:prstGeom prst="rect">
@@ -6037,11 +9338,15 @@
           <a:bodyPr/>
           <a:lstStyle/>
           <a:p>
-            <a:pPr marL="0" lvl="0" indent="0" algn="ctr">
-              <a:buNone/>
-            </a:pPr>
-            <a:r>
-              <a:t>图6 训练集大小与模型表现</a:t>
+            <a:pPr algn="ctr"/>
+            <a:r>
+              <a:rPr>
+                <a:latin typeface="Segoe UI" panose="020B0502040204020203" pitchFamily="34" charset="0"/>
+                <a:ea typeface="DengXian" panose="02010600030101010101" pitchFamily="2" charset="-122"/>
+                <a:cs typeface="FZLanTingHei-L-GBK-M" panose="02010600010101010101" pitchFamily="2" charset="2"/>
+                <a:sym typeface="Segoe UI" panose="020B0502040204020203" pitchFamily="34" charset="0"/>
+              </a:rPr>
+              <a:t>图5 SNAS生存模型表现</a:t>
             </a:r>
           </a:p>
         </p:txBody>
@@ -6073,12 +9378,18 @@
       </p:grpSpPr>
       <p:sp>
         <p:nvSpPr>
-          <p:cNvPr id="2" name="Title 1"/>
-          <p:cNvSpPr>
-            <a:spLocks noGrp="1"/>
-          </p:cNvSpPr>
-          <p:nvPr>
-            <p:ph type="title"/>
+          <p:cNvPr id="5" name="文本占位符 4">
+            <a:extLst>
+              <a:ext uri="{FF2B5EF4-FFF2-40B4-BE49-F238E27FC236}">
+                <a16:creationId xmlns:a16="http://schemas.microsoft.com/office/drawing/2014/main" id="{908B1F2F-2E3A-41FA-A12D-83C7D156A9FC}"/>
+              </a:ext>
+            </a:extLst>
+          </p:cNvPr>
+          <p:cNvSpPr>
+            <a:spLocks noGrp="1"/>
+          </p:cNvSpPr>
+          <p:nvPr>
+            <p:ph type="body" sz="quarter" idx="11"/>
           </p:nvPr>
         </p:nvSpPr>
         <p:spPr/>
@@ -6086,18 +9397,36 @@
           <a:bodyPr/>
           <a:lstStyle/>
           <a:p>
-            <a:pPr marL="0" lvl="0" indent="0">
-              <a:buNone/>
-            </a:pPr>
-            <a:r>
-              <a:t>3.4 结合基因组学</a:t>
-            </a:r>
+            <a:r>
+              <a:rPr lang="en-US" altLang="zh-CN" dirty="0">
+                <a:latin typeface="Segoe UI" panose="020B0502040204020203" pitchFamily="34" charset="0"/>
+                <a:ea typeface="DengXian" panose="02010600030101010101" pitchFamily="2" charset="-122"/>
+                <a:cs typeface="FZLanTingHei-L-GBK-M" panose="02010600010101010101" pitchFamily="2" charset="2"/>
+                <a:sym typeface="Segoe UI" panose="020B0502040204020203" pitchFamily="34" charset="0"/>
+              </a:rPr>
+              <a:t>3.3 </a:t>
+            </a:r>
+            <a:r>
+              <a:rPr lang="zh-CN" altLang="en-US" dirty="0">
+                <a:latin typeface="Segoe UI" panose="020B0502040204020203" pitchFamily="34" charset="0"/>
+                <a:ea typeface="DengXian" panose="02010600030101010101" pitchFamily="2" charset="-122"/>
+                <a:cs typeface="FZLanTingHei-L-GBK-M" panose="02010600010101010101" pitchFamily="2" charset="2"/>
+                <a:sym typeface="Segoe UI" panose="020B0502040204020203" pitchFamily="34" charset="0"/>
+              </a:rPr>
+              <a:t>数据量影响</a:t>
+            </a:r>
+            <a:endParaRPr lang="en-GB" dirty="0">
+              <a:latin typeface="Segoe UI" panose="020B0502040204020203" pitchFamily="34" charset="0"/>
+              <a:ea typeface="DengXian" panose="02010600030101010101" pitchFamily="2" charset="-122"/>
+              <a:cs typeface="FZLanTingHei-L-GBK-M" panose="02010600010101010101" pitchFamily="2" charset="2"/>
+              <a:sym typeface="Segoe UI" panose="020B0502040204020203" pitchFamily="34" charset="0"/>
+            </a:endParaRPr>
           </a:p>
         </p:txBody>
       </p:sp>
       <p:pic>
         <p:nvPicPr>
-          <p:cNvPr id="3" name="Picture 1" descr="D:\Project\Survival-Analysis-by-Breast-Cancer-Slides\imgs\fig12.png"/>
+          <p:cNvPr id="3" name="Picture 1" descr="D:\Project\Survival-Analysis-by-Breast-Cancer-Slides\imgs\fig11.png"/>
           <p:cNvPicPr>
             <a:picLocks noGrp="1" noChangeAspect="1"/>
           </p:cNvPicPr>
@@ -6111,8 +9440,8 @@
         </p:blipFill>
         <p:spPr bwMode="auto">
           <a:xfrm>
-            <a:off x="1562100" y="1600200"/>
-            <a:ext cx="6019800" cy="4013200"/>
+            <a:off x="3096308" y="1333930"/>
+            <a:ext cx="5999384" cy="4279470"/>
           </a:xfrm>
           <a:prstGeom prst="rect">
             <a:avLst/>
@@ -6133,7 +9462,7 @@
         </p:nvSpPr>
         <p:spPr>
           <a:xfrm>
-            <a:off x="457200" y="5613400"/>
+            <a:off x="1981200" y="5613400"/>
             <a:ext cx="8229600" cy="508000"/>
           </a:xfrm>
           <a:prstGeom prst="rect">
@@ -6145,11 +9474,15 @@
           <a:bodyPr/>
           <a:lstStyle/>
           <a:p>
-            <a:pPr marL="0" lvl="0" indent="0" algn="ctr">
-              <a:buNone/>
-            </a:pPr>
-            <a:r>
-              <a:t>图7 基因组学信息影响</a:t>
+            <a:pPr algn="ctr"/>
+            <a:r>
+              <a:rPr>
+                <a:latin typeface="Segoe UI" panose="020B0502040204020203" pitchFamily="34" charset="0"/>
+                <a:ea typeface="DengXian" panose="02010600030101010101" pitchFamily="2" charset="-122"/>
+                <a:cs typeface="FZLanTingHei-L-GBK-M" panose="02010600010101010101" pitchFamily="2" charset="2"/>
+                <a:sym typeface="Segoe UI" panose="020B0502040204020203" pitchFamily="34" charset="0"/>
+              </a:rPr>
+              <a:t>图6 训练集大小与模型表现</a:t>
             </a:r>
           </a:p>
         </p:txBody>
@@ -6181,12 +9514,18 @@
       </p:grpSpPr>
       <p:sp>
         <p:nvSpPr>
-          <p:cNvPr id="2" name="Title 1"/>
-          <p:cNvSpPr>
-            <a:spLocks noGrp="1"/>
-          </p:cNvSpPr>
-          <p:nvPr>
-            <p:ph type="title"/>
+          <p:cNvPr id="5" name="文本占位符 4">
+            <a:extLst>
+              <a:ext uri="{FF2B5EF4-FFF2-40B4-BE49-F238E27FC236}">
+                <a16:creationId xmlns:a16="http://schemas.microsoft.com/office/drawing/2014/main" id="{580AB752-AF0D-4252-A378-06834532F160}"/>
+              </a:ext>
+            </a:extLst>
+          </p:cNvPr>
+          <p:cNvSpPr>
+            <a:spLocks noGrp="1"/>
+          </p:cNvSpPr>
+          <p:nvPr>
+            <p:ph type="body" sz="quarter" idx="11"/>
           </p:nvPr>
         </p:nvSpPr>
         <p:spPr/>
@@ -6194,18 +9533,36 @@
           <a:bodyPr/>
           <a:lstStyle/>
           <a:p>
-            <a:pPr marL="0" lvl="0" indent="0">
-              <a:buNone/>
-            </a:pPr>
-            <a:r>
-              <a:t>3.5 端到端系统</a:t>
-            </a:r>
+            <a:r>
+              <a:rPr lang="en-US" altLang="zh-CN" dirty="0">
+                <a:latin typeface="Segoe UI" panose="020B0502040204020203" pitchFamily="34" charset="0"/>
+                <a:ea typeface="DengXian" panose="02010600030101010101" pitchFamily="2" charset="-122"/>
+                <a:cs typeface="FZLanTingHei-L-GBK-M" panose="02010600010101010101" pitchFamily="2" charset="2"/>
+                <a:sym typeface="Segoe UI" panose="020B0502040204020203" pitchFamily="34" charset="0"/>
+              </a:rPr>
+              <a:t>3.4 </a:t>
+            </a:r>
+            <a:r>
+              <a:rPr lang="zh-CN" altLang="en-US" dirty="0">
+                <a:latin typeface="Segoe UI" panose="020B0502040204020203" pitchFamily="34" charset="0"/>
+                <a:ea typeface="DengXian" panose="02010600030101010101" pitchFamily="2" charset="-122"/>
+                <a:cs typeface="FZLanTingHei-L-GBK-M" panose="02010600010101010101" pitchFamily="2" charset="2"/>
+                <a:sym typeface="Segoe UI" panose="020B0502040204020203" pitchFamily="34" charset="0"/>
+              </a:rPr>
+              <a:t>结合基因组学</a:t>
+            </a:r>
+            <a:endParaRPr lang="en-GB" dirty="0">
+              <a:latin typeface="Segoe UI" panose="020B0502040204020203" pitchFamily="34" charset="0"/>
+              <a:ea typeface="DengXian" panose="02010600030101010101" pitchFamily="2" charset="-122"/>
+              <a:cs typeface="FZLanTingHei-L-GBK-M" panose="02010600010101010101" pitchFamily="2" charset="2"/>
+              <a:sym typeface="Segoe UI" panose="020B0502040204020203" pitchFamily="34" charset="0"/>
+            </a:endParaRPr>
           </a:p>
         </p:txBody>
       </p:sp>
       <p:pic>
         <p:nvPicPr>
-          <p:cNvPr id="3" name="Picture 1" descr="D:\Project\Survival-Analysis-by-Breast-Cancer-Slides\imgs\site.png"/>
+          <p:cNvPr id="3" name="Picture 1" descr="D:\Project\Survival-Analysis-by-Breast-Cancer-Slides\imgs\fig12.png"/>
           <p:cNvPicPr>
             <a:picLocks noGrp="1" noChangeAspect="1"/>
           </p:cNvPicPr>
@@ -6219,8 +9576,8 @@
         </p:blipFill>
         <p:spPr bwMode="auto">
           <a:xfrm>
-            <a:off x="2565400" y="1600200"/>
-            <a:ext cx="4013200" cy="4013200"/>
+            <a:off x="2922366" y="1381889"/>
+            <a:ext cx="6347267" cy="4231511"/>
           </a:xfrm>
           <a:prstGeom prst="rect">
             <a:avLst/>
@@ -6241,7 +9598,7 @@
         </p:nvSpPr>
         <p:spPr>
           <a:xfrm>
-            <a:off x="457200" y="5613400"/>
+            <a:off x="1981200" y="5613400"/>
             <a:ext cx="8229600" cy="508000"/>
           </a:xfrm>
           <a:prstGeom prst="rect">
@@ -6253,11 +9610,15 @@
           <a:bodyPr/>
           <a:lstStyle/>
           <a:p>
-            <a:pPr marL="0" lvl="0" indent="0" algn="ctr">
-              <a:buNone/>
-            </a:pPr>
-            <a:r>
-              <a:t>图8 端到端系统</a:t>
+            <a:pPr algn="ctr"/>
+            <a:r>
+              <a:rPr>
+                <a:latin typeface="Segoe UI" panose="020B0502040204020203" pitchFamily="34" charset="0"/>
+                <a:ea typeface="DengXian" panose="02010600030101010101" pitchFamily="2" charset="-122"/>
+                <a:cs typeface="FZLanTingHei-L-GBK-M" panose="02010600010101010101" pitchFamily="2" charset="2"/>
+                <a:sym typeface="Segoe UI" panose="020B0502040204020203" pitchFamily="34" charset="0"/>
+              </a:rPr>
+              <a:t>图7 基因组学信息影响</a:t>
             </a:r>
           </a:p>
         </p:txBody>
@@ -6289,12 +9650,18 @@
       </p:grpSpPr>
       <p:sp>
         <p:nvSpPr>
-          <p:cNvPr id="2" name="Title 1"/>
-          <p:cNvSpPr>
-            <a:spLocks noGrp="1"/>
-          </p:cNvSpPr>
-          <p:nvPr>
-            <p:ph type="title"/>
+          <p:cNvPr id="5" name="文本占位符 4">
+            <a:extLst>
+              <a:ext uri="{FF2B5EF4-FFF2-40B4-BE49-F238E27FC236}">
+                <a16:creationId xmlns:a16="http://schemas.microsoft.com/office/drawing/2014/main" id="{9A0E6BCD-4C5D-4938-A0AF-0BC9DE91967C}"/>
+              </a:ext>
+            </a:extLst>
+          </p:cNvPr>
+          <p:cNvSpPr>
+            <a:spLocks noGrp="1"/>
+          </p:cNvSpPr>
+          <p:nvPr>
+            <p:ph type="body" sz="quarter" idx="11"/>
           </p:nvPr>
         </p:nvSpPr>
         <p:spPr/>
@@ -6302,136 +9669,421 @@
           <a:bodyPr/>
           <a:lstStyle/>
           <a:p>
-            <a:pPr marL="0" lvl="0" indent="0">
-              <a:buNone/>
-            </a:pPr>
-            <a:r>
-              <a:t>4 参考文献</a:t>
-            </a:r>
-          </a:p>
-        </p:txBody>
-      </p:sp>
-      <p:sp>
-        <p:nvSpPr>
-          <p:cNvPr id="3" name="Content Placeholder 2"/>
-          <p:cNvSpPr>
-            <a:spLocks noGrp="1"/>
-          </p:cNvSpPr>
-          <p:nvPr>
-            <p:ph idx="1"/>
-          </p:nvPr>
+            <a:r>
+              <a:rPr lang="en-US" altLang="zh-CN" dirty="0">
+                <a:latin typeface="Segoe UI" panose="020B0502040204020203" pitchFamily="34" charset="0"/>
+                <a:ea typeface="DengXian" panose="02010600030101010101" pitchFamily="2" charset="-122"/>
+                <a:cs typeface="FZLanTingHei-L-GBK-M" panose="02010600010101010101" pitchFamily="2" charset="2"/>
+                <a:sym typeface="Segoe UI" panose="020B0502040204020203" pitchFamily="34" charset="0"/>
+              </a:rPr>
+              <a:t>3.5 </a:t>
+            </a:r>
+            <a:r>
+              <a:rPr lang="zh-CN" altLang="en-US" dirty="0">
+                <a:latin typeface="Segoe UI" panose="020B0502040204020203" pitchFamily="34" charset="0"/>
+                <a:ea typeface="DengXian" panose="02010600030101010101" pitchFamily="2" charset="-122"/>
+                <a:cs typeface="FZLanTingHei-L-GBK-M" panose="02010600010101010101" pitchFamily="2" charset="2"/>
+                <a:sym typeface="Segoe UI" panose="020B0502040204020203" pitchFamily="34" charset="0"/>
+              </a:rPr>
+              <a:t>端到端系统</a:t>
+            </a:r>
+            <a:endParaRPr lang="en-GB" dirty="0">
+              <a:latin typeface="Segoe UI" panose="020B0502040204020203" pitchFamily="34" charset="0"/>
+              <a:ea typeface="DengXian" panose="02010600030101010101" pitchFamily="2" charset="-122"/>
+              <a:cs typeface="FZLanTingHei-L-GBK-M" panose="02010600010101010101" pitchFamily="2" charset="2"/>
+              <a:sym typeface="Segoe UI" panose="020B0502040204020203" pitchFamily="34" charset="0"/>
+            </a:endParaRPr>
+          </a:p>
+        </p:txBody>
+      </p:sp>
+      <p:pic>
+        <p:nvPicPr>
+          <p:cNvPr id="3" name="Picture 1" descr="D:\Project\Survival-Analysis-by-Breast-Cancer-Slides\imgs\site.png"/>
+          <p:cNvPicPr>
+            <a:picLocks noGrp="1" noChangeAspect="1"/>
+          </p:cNvPicPr>
+          <p:nvPr/>
+        </p:nvPicPr>
+        <p:blipFill>
+          <a:blip r:embed="rId2"/>
+          <a:stretch>
+            <a:fillRect/>
+          </a:stretch>
+        </p:blipFill>
+        <p:spPr bwMode="auto">
+          <a:xfrm>
+            <a:off x="7604567" y="1443841"/>
+            <a:ext cx="4013200" cy="4013200"/>
+          </a:xfrm>
+          <a:prstGeom prst="rect">
+            <a:avLst/>
+          </a:prstGeom>
+          <a:noFill/>
+          <a:ln w="9525">
+            <a:noFill/>
+            <a:headEnd/>
+            <a:tailEnd/>
+          </a:ln>
+        </p:spPr>
+      </p:pic>
+      <p:sp>
+        <p:nvSpPr>
+          <p:cNvPr id="4" name="TextBox 3"/>
+          <p:cNvSpPr txBox="1"/>
+          <p:nvPr/>
         </p:nvSpPr>
         <p:spPr>
           <a:xfrm>
-            <a:off x="633845" y="1828801"/>
-            <a:ext cx="7886700" cy="4351337"/>
+            <a:off x="5496367" y="5266920"/>
+            <a:ext cx="8229600" cy="508000"/>
           </a:xfrm>
+          <a:prstGeom prst="rect">
+            <a:avLst/>
+          </a:prstGeom>
+          <a:noFill/>
         </p:spPr>
         <p:txBody>
-          <a:bodyPr>
-            <a:noAutofit/>
+          <a:bodyPr/>
+          <a:lstStyle/>
+          <a:p>
+            <a:pPr algn="ctr"/>
+            <a:r>
+              <a:rPr dirty="0">
+                <a:latin typeface="Segoe UI" panose="020B0502040204020203" pitchFamily="34" charset="0"/>
+                <a:ea typeface="DengXian" panose="02010600030101010101" pitchFamily="2" charset="-122"/>
+                <a:cs typeface="FZLanTingHei-L-GBK-M" panose="02010600010101010101" pitchFamily="2" charset="2"/>
+                <a:sym typeface="Segoe UI" panose="020B0502040204020203" pitchFamily="34" charset="0"/>
+              </a:rPr>
+              <a:t>图8 </a:t>
+            </a:r>
+            <a:r>
+              <a:rPr dirty="0" err="1">
+                <a:latin typeface="Segoe UI" panose="020B0502040204020203" pitchFamily="34" charset="0"/>
+                <a:ea typeface="DengXian" panose="02010600030101010101" pitchFamily="2" charset="-122"/>
+                <a:cs typeface="FZLanTingHei-L-GBK-M" panose="02010600010101010101" pitchFamily="2" charset="2"/>
+                <a:sym typeface="Segoe UI" panose="020B0502040204020203" pitchFamily="34" charset="0"/>
+              </a:rPr>
+              <a:t>端到端系统</a:t>
+            </a:r>
+            <a:endParaRPr dirty="0">
+              <a:latin typeface="Segoe UI" panose="020B0502040204020203" pitchFamily="34" charset="0"/>
+              <a:ea typeface="DengXian" panose="02010600030101010101" pitchFamily="2" charset="-122"/>
+              <a:cs typeface="FZLanTingHei-L-GBK-M" panose="02010600010101010101" pitchFamily="2" charset="2"/>
+              <a:sym typeface="Segoe UI" panose="020B0502040204020203" pitchFamily="34" charset="0"/>
+            </a:endParaRPr>
+          </a:p>
+        </p:txBody>
+      </p:sp>
+      <p:sp>
+        <p:nvSpPr>
+          <p:cNvPr id="8" name="矩形 7">
+            <a:extLst>
+              <a:ext uri="{FF2B5EF4-FFF2-40B4-BE49-F238E27FC236}">
+                <a16:creationId xmlns:a16="http://schemas.microsoft.com/office/drawing/2014/main" id="{92F65A03-FE4F-4CA9-9CE8-8DA8BA501612}"/>
+              </a:ext>
+            </a:extLst>
+          </p:cNvPr>
+          <p:cNvSpPr/>
+          <p:nvPr/>
+        </p:nvSpPr>
+        <p:spPr>
+          <a:xfrm>
+            <a:off x="1034005" y="1443841"/>
+            <a:ext cx="6622648" cy="4401205"/>
+          </a:xfrm>
+          <a:prstGeom prst="rect">
+            <a:avLst/>
+          </a:prstGeom>
+        </p:spPr>
+        <p:txBody>
+          <a:bodyPr wrap="square">
+            <a:spAutoFit/>
           </a:bodyPr>
           <a:lstStyle/>
           <a:p>
             <a:r>
-              <a:rPr lang="en-GB" sz="1050" dirty="0"/>
-              <a:t>[1] JIAN R, SADIMIN E T, WANG D, et al. Computer aided analysis of prostate histopathology images Gleason grading especially for Gleason score 7; proceedings of the Engineering in Medicine &amp; Biology Society, F, 2015 [C].</a:t>
-            </a:r>
-          </a:p>
-          <a:p>
-            <a:r>
-              <a:rPr lang="en-GB" sz="1050" dirty="0"/>
-              <a:t>[2] NIAZI M K, YAO K, ZYNGER D, et al. Visually Meaningful Histopathological Features for Automatic Grading of Prostate Cancer [J]. IEEE Journal of Biomedical &amp; Health Informatics, 2016, PP(99): 1-.</a:t>
-            </a:r>
-          </a:p>
-          <a:p>
-            <a:r>
-              <a:rPr lang="en-GB" sz="1050" dirty="0"/>
-              <a:t>[3] FAUZI M F A, PENNELL M, SAHINER B, et al. Classification of follicular lymphoma: the effect of computer aid on pathologists grading [J]. </a:t>
-            </a:r>
-            <a:r>
-              <a:rPr lang="en-GB" sz="1050" dirty="0" err="1"/>
-              <a:t>Bmc</a:t>
-            </a:r>
-            <a:r>
-              <a:rPr lang="en-GB" sz="1050" dirty="0"/>
-              <a:t> Medical Informatics &amp; Decision Making, 2015, 15(1): 1-10.</a:t>
-            </a:r>
-          </a:p>
-          <a:p>
-            <a:r>
-              <a:rPr lang="en-GB" sz="1050" dirty="0"/>
-              <a:t>[4] WANG D, KHOSLA A, GARGEYA R, et al. Deep Learning for Identifying Metastatic Breast Cancer [J]. 2016, </a:t>
-            </a:r>
-          </a:p>
-          <a:p>
-            <a:r>
-              <a:rPr lang="en-GB" sz="1050" dirty="0"/>
-              <a:t>[5] LECUN Y, BENGIO Y, HINTON G. Deep learning [J]. Nature, 2015, 521(7553): 436.</a:t>
-            </a:r>
-          </a:p>
-          <a:p>
-            <a:r>
-              <a:rPr lang="en-GB" sz="1050" dirty="0"/>
-              <a:t>[6] ZOPH B, VASUDEVAN V, SHLENS J, et al. Learning Transferable Architectures for Scalable Image Recognition [J]. 2017, </a:t>
-            </a:r>
-          </a:p>
-          <a:p>
-            <a:r>
-              <a:rPr lang="en-GB" sz="1050" dirty="0"/>
-              <a:t>[7] PRENTICE R L. Introduction to Cox (1972) Regression Models and Life-Tables [M]. 1992.</a:t>
-            </a:r>
-          </a:p>
-          <a:p>
-            <a:r>
-              <a:rPr lang="en-GB" sz="1050" dirty="0"/>
-              <a:t>[8] STANLEY A P D, ANNIE X P D, LAPUERTA P, et al. Comparison of Predictive Accuracy of Neural Network Methods and Cox Regression for Censored Survival Data [J]. Computational Statistics &amp; Data Analysis, 2000, 34(2): 243-57.</a:t>
-            </a:r>
-          </a:p>
-          <a:p>
-            <a:r>
-              <a:rPr lang="en-GB" sz="1050" dirty="0"/>
-              <a:t>[9] KATZMAN J L, SHAHAM U, CLONINGER A, et al. </a:t>
-            </a:r>
-            <a:r>
-              <a:rPr lang="en-GB" sz="1050" dirty="0" err="1"/>
-              <a:t>DeepSurv</a:t>
-            </a:r>
-            <a:r>
-              <a:rPr lang="en-GB" sz="1050" dirty="0"/>
-              <a:t>: personalized treatment recommender system using a Cox proportional hazards deep neural network [J]. </a:t>
-            </a:r>
-            <a:r>
-              <a:rPr lang="en-GB" sz="1050" dirty="0" err="1"/>
-              <a:t>Bmc</a:t>
-            </a:r>
-            <a:r>
-              <a:rPr lang="en-GB" sz="1050" dirty="0"/>
-              <a:t> Medical Research Methodology, 2016, 18(1): 24.</a:t>
-            </a:r>
-          </a:p>
-          <a:p>
-            <a:r>
-              <a:rPr lang="en-GB" sz="1050" dirty="0"/>
-              <a:t>[10] MOBADERSANY P, YOUSEFI S, AMGAD M, et al. Predicting cancer outcomes from histology and genomics using convolutional networks [J]. Proceedings of the National Academy of Sciences of the United States of America, 2018, 115(13): 201717139.</a:t>
-            </a:r>
-          </a:p>
-          <a:p>
-            <a:r>
-              <a:rPr lang="en-GB" sz="1050" dirty="0"/>
-              <a:t>[11] KONG J, COOPER L A, WANG F, et al. Integrative, multimodal analysis of glioblastoma using TCGA molecular data, pathology images, and clinical outcomes [J]. IEEE Transactions on Biomedical Engineering, 2011, 58(12): 3469-74.</a:t>
-            </a:r>
-          </a:p>
-          <a:p>
-            <a:r>
-              <a:rPr lang="en-GB" sz="1050" dirty="0"/>
-              <a:t>[12] GUTMAN D A, COOPER L A D, HWANG S N, et al. MR Imaging Predictors of Molecular Profile and Survival: Multi-institutional Study of the TCGA Glioblastoma Data Set [J]. Radiology, 2013, 267(2): 560-9</a:t>
-            </a:r>
-          </a:p>
-          <a:p>
-            <a:r>
-              <a:rPr lang="en-GB" sz="1050" dirty="0"/>
-              <a:t>……</a:t>
+              <a:rPr lang="zh-CN" altLang="en-US" sz="2800" dirty="0">
+                <a:latin typeface="Segoe UI" panose="020B0502040204020203" pitchFamily="34" charset="0"/>
+                <a:ea typeface="DengXian" panose="02010600030101010101" pitchFamily="2" charset="-122"/>
+                <a:cs typeface="FZLanTingHei-L-GBK-M" panose="02010600010101010101" pitchFamily="2" charset="2"/>
+                <a:sym typeface="Segoe UI" panose="020B0502040204020203" pitchFamily="34" charset="0"/>
+              </a:rPr>
+              <a:t>乳腺癌生存神经网络模型（</a:t>
+            </a:r>
+            <a:r>
+              <a:rPr lang="en-US" altLang="zh-CN" sz="2800" dirty="0">
+                <a:latin typeface="Segoe UI" panose="020B0502040204020203" pitchFamily="34" charset="0"/>
+                <a:ea typeface="DengXian" panose="02010600030101010101" pitchFamily="2" charset="-122"/>
+                <a:cs typeface="FZLanTingHei-L-GBK-M" panose="02010600010101010101" pitchFamily="2" charset="2"/>
+                <a:sym typeface="Segoe UI" panose="020B0502040204020203" pitchFamily="34" charset="0"/>
+              </a:rPr>
+              <a:t>SNAS</a:t>
+            </a:r>
+            <a:r>
+              <a:rPr lang="zh-CN" altLang="en-US" sz="2800" dirty="0">
+                <a:latin typeface="Segoe UI" panose="020B0502040204020203" pitchFamily="34" charset="0"/>
+                <a:ea typeface="DengXian" panose="02010600030101010101" pitchFamily="2" charset="-122"/>
+                <a:cs typeface="FZLanTingHei-L-GBK-M" panose="02010600010101010101" pitchFamily="2" charset="2"/>
+                <a:sym typeface="Segoe UI" panose="020B0502040204020203" pitchFamily="34" charset="0"/>
+              </a:rPr>
+              <a:t>）基于</a:t>
+            </a:r>
+            <a:r>
+              <a:rPr lang="en-US" altLang="zh-CN" sz="2800" dirty="0" err="1">
+                <a:latin typeface="Segoe UI" panose="020B0502040204020203" pitchFamily="34" charset="0"/>
+                <a:ea typeface="DengXian" panose="02010600030101010101" pitchFamily="2" charset="-122"/>
+                <a:cs typeface="FZLanTingHei-L-GBK-M" panose="02010600010101010101" pitchFamily="2" charset="2"/>
+                <a:sym typeface="Segoe UI" panose="020B0502040204020203" pitchFamily="34" charset="0"/>
+              </a:rPr>
+              <a:t>NASNet</a:t>
+            </a:r>
+            <a:r>
+              <a:rPr lang="en-US" altLang="zh-CN" sz="2800" dirty="0">
+                <a:latin typeface="Segoe UI" panose="020B0502040204020203" pitchFamily="34" charset="0"/>
+                <a:ea typeface="DengXian" panose="02010600030101010101" pitchFamily="2" charset="-122"/>
+                <a:cs typeface="FZLanTingHei-L-GBK-M" panose="02010600010101010101" pitchFamily="2" charset="2"/>
+                <a:sym typeface="Segoe UI" panose="020B0502040204020203" pitchFamily="34" charset="0"/>
+              </a:rPr>
+              <a:t> mobile</a:t>
+            </a:r>
+            <a:r>
+              <a:rPr lang="zh-CN" altLang="en-US" sz="2800" dirty="0">
+                <a:latin typeface="Segoe UI" panose="020B0502040204020203" pitchFamily="34" charset="0"/>
+                <a:ea typeface="DengXian" panose="02010600030101010101" pitchFamily="2" charset="-122"/>
+                <a:cs typeface="FZLanTingHei-L-GBK-M" panose="02010600010101010101" pitchFamily="2" charset="2"/>
+                <a:sym typeface="Segoe UI" panose="020B0502040204020203" pitchFamily="34" charset="0"/>
+              </a:rPr>
+              <a:t>，全连接层有</a:t>
+            </a:r>
+            <a:r>
+              <a:rPr lang="en-GB" altLang="zh-CN" sz="2800" b="1" dirty="0">
+                <a:latin typeface="Segoe UI" panose="020B0502040204020203" pitchFamily="34" charset="0"/>
+                <a:ea typeface="DengXian" panose="02010600030101010101" pitchFamily="2" charset="-122"/>
+                <a:cs typeface="FZLanTingHei-L-GBK-M" panose="02010600010101010101" pitchFamily="2" charset="2"/>
+                <a:sym typeface="Segoe UI" panose="020B0502040204020203" pitchFamily="34" charset="0"/>
+              </a:rPr>
+              <a:t>256</a:t>
+            </a:r>
+            <a:r>
+              <a:rPr lang="zh-CN" altLang="en-US" sz="2800" b="1" dirty="0">
+                <a:latin typeface="Segoe UI" panose="020B0502040204020203" pitchFamily="34" charset="0"/>
+                <a:ea typeface="DengXian" panose="02010600030101010101" pitchFamily="2" charset="-122"/>
+                <a:cs typeface="FZLanTingHei-L-GBK-M" panose="02010600010101010101" pitchFamily="2" charset="2"/>
+                <a:sym typeface="Segoe UI" panose="020B0502040204020203" pitchFamily="34" charset="0"/>
+              </a:rPr>
+              <a:t>节点</a:t>
+            </a:r>
+            <a:r>
+              <a:rPr lang="zh-CN" altLang="en-US" sz="2800" dirty="0">
+                <a:latin typeface="Segoe UI" panose="020B0502040204020203" pitchFamily="34" charset="0"/>
+                <a:ea typeface="DengXian" panose="02010600030101010101" pitchFamily="2" charset="-122"/>
+                <a:cs typeface="FZLanTingHei-L-GBK-M" panose="02010600010101010101" pitchFamily="2" charset="2"/>
+                <a:sym typeface="Segoe UI" panose="020B0502040204020203" pitchFamily="34" charset="0"/>
+              </a:rPr>
+              <a:t>，</a:t>
+            </a:r>
+            <a:r>
+              <a:rPr lang="zh-CN" altLang="en-US" sz="2800" b="1" dirty="0">
+                <a:latin typeface="Segoe UI" panose="020B0502040204020203" pitchFamily="34" charset="0"/>
+                <a:ea typeface="DengXian" panose="02010600030101010101" pitchFamily="2" charset="-122"/>
+                <a:cs typeface="FZLanTingHei-L-GBK-M" panose="02010600010101010101" pitchFamily="2" charset="2"/>
+                <a:sym typeface="Segoe UI" panose="020B0502040204020203" pitchFamily="34" charset="0"/>
+              </a:rPr>
+              <a:t>不使用</a:t>
+            </a:r>
+            <a:r>
+              <a:rPr lang="zh-CN" altLang="en-US" sz="2800" dirty="0">
+                <a:latin typeface="Segoe UI" panose="020B0502040204020203" pitchFamily="34" charset="0"/>
+                <a:ea typeface="DengXian" panose="02010600030101010101" pitchFamily="2" charset="-122"/>
+                <a:cs typeface="FZLanTingHei-L-GBK-M" panose="02010600010101010101" pitchFamily="2" charset="2"/>
+                <a:sym typeface="Segoe UI" panose="020B0502040204020203" pitchFamily="34" charset="0"/>
+              </a:rPr>
+              <a:t>数据增强，</a:t>
+            </a:r>
+            <a:r>
+              <a:rPr lang="zh-CN" altLang="en-US" sz="2800" b="1" dirty="0">
+                <a:latin typeface="Segoe UI" panose="020B0502040204020203" pitchFamily="34" charset="0"/>
+                <a:ea typeface="DengXian" panose="02010600030101010101" pitchFamily="2" charset="-122"/>
+                <a:cs typeface="FZLanTingHei-L-GBK-M" panose="02010600010101010101" pitchFamily="2" charset="2"/>
+                <a:sym typeface="Segoe UI" panose="020B0502040204020203" pitchFamily="34" charset="0"/>
+              </a:rPr>
+              <a:t>未使用</a:t>
+            </a:r>
+            <a:r>
+              <a:rPr lang="zh-CN" altLang="en-US" sz="2800" dirty="0">
+                <a:latin typeface="Segoe UI" panose="020B0502040204020203" pitchFamily="34" charset="0"/>
+                <a:ea typeface="DengXian" panose="02010600030101010101" pitchFamily="2" charset="-122"/>
+                <a:cs typeface="FZLanTingHei-L-GBK-M" panose="02010600010101010101" pitchFamily="2" charset="2"/>
+                <a:sym typeface="Segoe UI" panose="020B0502040204020203" pitchFamily="34" charset="0"/>
+              </a:rPr>
+              <a:t>基因数据。</a:t>
+            </a:r>
+            <a:endParaRPr lang="en-GB" altLang="zh-CN" sz="2800" dirty="0">
+              <a:latin typeface="Segoe UI" panose="020B0502040204020203" pitchFamily="34" charset="0"/>
+              <a:ea typeface="DengXian" panose="02010600030101010101" pitchFamily="2" charset="-122"/>
+              <a:cs typeface="FZLanTingHei-L-GBK-M" panose="02010600010101010101" pitchFamily="2" charset="2"/>
+              <a:sym typeface="Segoe UI" panose="020B0502040204020203" pitchFamily="34" charset="0"/>
+            </a:endParaRPr>
+          </a:p>
+          <a:p>
+            <a:endParaRPr lang="zh-CN" altLang="en-US" sz="2800" dirty="0">
+              <a:latin typeface="Segoe UI" panose="020B0502040204020203" pitchFamily="34" charset="0"/>
+              <a:ea typeface="DengXian" panose="02010600030101010101" pitchFamily="2" charset="-122"/>
+              <a:cs typeface="FZLanTingHei-L-GBK-M" panose="02010600010101010101" pitchFamily="2" charset="2"/>
+              <a:sym typeface="Segoe UI" panose="020B0502040204020203" pitchFamily="34" charset="0"/>
+            </a:endParaRPr>
+          </a:p>
+          <a:p>
+            <a:r>
+              <a:rPr lang="en-US" altLang="zh-CN" sz="2800" b="1" dirty="0">
+                <a:latin typeface="Segoe UI" panose="020B0502040204020203" pitchFamily="34" charset="0"/>
+                <a:ea typeface="DengXian" panose="02010600030101010101" pitchFamily="2" charset="-122"/>
+                <a:cs typeface="FZLanTingHei-L-GBK-M" panose="02010600010101010101" pitchFamily="2" charset="2"/>
+                <a:sym typeface="Segoe UI" panose="020B0502040204020203" pitchFamily="34" charset="0"/>
+              </a:rPr>
+              <a:t>50 </a:t>
+            </a:r>
+            <a:r>
+              <a:rPr lang="zh-CN" altLang="en-US" sz="2800" b="1" dirty="0">
+                <a:latin typeface="Segoe UI" panose="020B0502040204020203" pitchFamily="34" charset="0"/>
+                <a:ea typeface="DengXian" panose="02010600030101010101" pitchFamily="2" charset="-122"/>
+                <a:cs typeface="FZLanTingHei-L-GBK-M" panose="02010600010101010101" pitchFamily="2" charset="2"/>
+                <a:sym typeface="Segoe UI" panose="020B0502040204020203" pitchFamily="34" charset="0"/>
+              </a:rPr>
+              <a:t>次</a:t>
+            </a:r>
+            <a:r>
+              <a:rPr lang="zh-CN" altLang="en-US" sz="2800" dirty="0">
+                <a:latin typeface="Segoe UI" panose="020B0502040204020203" pitchFamily="34" charset="0"/>
+                <a:ea typeface="DengXian" panose="02010600030101010101" pitchFamily="2" charset="-122"/>
+                <a:cs typeface="FZLanTingHei-L-GBK-M" panose="02010600010101010101" pitchFamily="2" charset="2"/>
+                <a:sym typeface="Segoe UI" panose="020B0502040204020203" pitchFamily="34" charset="0"/>
+              </a:rPr>
+              <a:t>训练后</a:t>
+            </a:r>
+            <a:r>
+              <a:rPr lang="en-US" altLang="zh-CN" sz="2800" b="1" dirty="0">
+                <a:latin typeface="Segoe UI" panose="020B0502040204020203" pitchFamily="34" charset="0"/>
+                <a:ea typeface="DengXian" panose="02010600030101010101" pitchFamily="2" charset="-122"/>
+                <a:cs typeface="FZLanTingHei-L-GBK-M" panose="02010600010101010101" pitchFamily="2" charset="2"/>
+                <a:sym typeface="Segoe UI" panose="020B0502040204020203" pitchFamily="34" charset="0"/>
+              </a:rPr>
+              <a:t>99.9%</a:t>
+            </a:r>
+            <a:r>
+              <a:rPr lang="zh-CN" altLang="en-US" sz="2800" dirty="0">
+                <a:latin typeface="Segoe UI" panose="020B0502040204020203" pitchFamily="34" charset="0"/>
+                <a:ea typeface="DengXian" panose="02010600030101010101" pitchFamily="2" charset="-122"/>
+                <a:cs typeface="FZLanTingHei-L-GBK-M" panose="02010600010101010101" pitchFamily="2" charset="2"/>
+                <a:sym typeface="Segoe UI" panose="020B0502040204020203" pitchFamily="34" charset="0"/>
+              </a:rPr>
+              <a:t>的可能得到预测能力</a:t>
+            </a:r>
+            <a:r>
+              <a:rPr lang="zh-CN" altLang="en-US" sz="2800" b="1" dirty="0">
+                <a:latin typeface="Segoe UI" panose="020B0502040204020203" pitchFamily="34" charset="0"/>
+                <a:ea typeface="DengXian" panose="02010600030101010101" pitchFamily="2" charset="-122"/>
+                <a:cs typeface="FZLanTingHei-L-GBK-M" panose="02010600010101010101" pitchFamily="2" charset="2"/>
+                <a:sym typeface="Segoe UI" panose="020B0502040204020203" pitchFamily="34" charset="0"/>
+              </a:rPr>
+              <a:t>优于</a:t>
+            </a:r>
+            <a:r>
+              <a:rPr lang="zh-CN" altLang="en-US" sz="2800" dirty="0">
+                <a:latin typeface="Segoe UI" panose="020B0502040204020203" pitchFamily="34" charset="0"/>
+                <a:ea typeface="DengXian" panose="02010600030101010101" pitchFamily="2" charset="-122"/>
+                <a:cs typeface="FZLanTingHei-L-GBK-M" panose="02010600010101010101" pitchFamily="2" charset="2"/>
+                <a:sym typeface="Segoe UI" panose="020B0502040204020203" pitchFamily="34" charset="0"/>
+              </a:rPr>
+              <a:t>手工</a:t>
+            </a:r>
+            <a:r>
+              <a:rPr lang="en-US" altLang="zh-CN" sz="2800" b="1" dirty="0">
+                <a:latin typeface="Segoe UI" panose="020B0502040204020203" pitchFamily="34" charset="0"/>
+                <a:ea typeface="DengXian" panose="02010600030101010101" pitchFamily="2" charset="-122"/>
+                <a:cs typeface="FZLanTingHei-L-GBK-M" panose="02010600010101010101" pitchFamily="2" charset="2"/>
+                <a:sym typeface="Segoe UI" panose="020B0502040204020203" pitchFamily="34" charset="0"/>
+              </a:rPr>
+              <a:t>Cox HP </a:t>
+            </a:r>
+            <a:r>
+              <a:rPr lang="zh-CN" altLang="en-US" sz="2800" b="1" dirty="0">
+                <a:latin typeface="Segoe UI" panose="020B0502040204020203" pitchFamily="34" charset="0"/>
+                <a:ea typeface="DengXian" panose="02010600030101010101" pitchFamily="2" charset="-122"/>
+                <a:cs typeface="FZLanTingHei-L-GBK-M" panose="02010600010101010101" pitchFamily="2" charset="2"/>
+                <a:sym typeface="Segoe UI" panose="020B0502040204020203" pitchFamily="34" charset="0"/>
+              </a:rPr>
+              <a:t>模型</a:t>
+            </a:r>
+            <a:r>
+              <a:rPr lang="zh-CN" altLang="en-US" sz="2800" dirty="0">
+                <a:latin typeface="Segoe UI" panose="020B0502040204020203" pitchFamily="34" charset="0"/>
+                <a:ea typeface="DengXian" panose="02010600030101010101" pitchFamily="2" charset="-122"/>
+                <a:cs typeface="FZLanTingHei-L-GBK-M" panose="02010600010101010101" pitchFamily="2" charset="2"/>
+                <a:sym typeface="Segoe UI" panose="020B0502040204020203" pitchFamily="34" charset="0"/>
+              </a:rPr>
+              <a:t>的模型，且其能力随数据增多而增强。</a:t>
+            </a:r>
+            <a:endParaRPr lang="en-GB" altLang="zh-CN" sz="2800" dirty="0">
+              <a:latin typeface="Segoe UI" panose="020B0502040204020203" pitchFamily="34" charset="0"/>
+              <a:ea typeface="DengXian" panose="02010600030101010101" pitchFamily="2" charset="-122"/>
+              <a:cs typeface="FZLanTingHei-L-GBK-M" panose="02010600010101010101" pitchFamily="2" charset="2"/>
+              <a:sym typeface="Segoe UI" panose="020B0502040204020203" pitchFamily="34" charset="0"/>
+            </a:endParaRPr>
+          </a:p>
+          <a:p>
+            <a:endParaRPr lang="zh-CN" altLang="en-US" sz="2800" dirty="0">
+              <a:latin typeface="Segoe UI" panose="020B0502040204020203" pitchFamily="34" charset="0"/>
+              <a:ea typeface="DengXian" panose="02010600030101010101" pitchFamily="2" charset="-122"/>
+              <a:cs typeface="FZLanTingHei-L-GBK-M" panose="02010600010101010101" pitchFamily="2" charset="2"/>
+              <a:sym typeface="Segoe UI" panose="020B0502040204020203" pitchFamily="34" charset="0"/>
+            </a:endParaRPr>
+          </a:p>
+          <a:p>
+            <a:r>
+              <a:rPr lang="zh-CN" altLang="en-US" sz="2800" b="1" dirty="0">
+                <a:latin typeface="Segoe UI" panose="020B0502040204020203" pitchFamily="34" charset="0"/>
+                <a:ea typeface="DengXian" panose="02010600030101010101" pitchFamily="2" charset="-122"/>
+                <a:cs typeface="FZLanTingHei-L-GBK-M" panose="02010600010101010101" pitchFamily="2" charset="2"/>
+                <a:sym typeface="Segoe UI" panose="020B0502040204020203" pitchFamily="34" charset="0"/>
+              </a:rPr>
+              <a:t>首个全自动</a:t>
+            </a:r>
+            <a:r>
+              <a:rPr lang="zh-CN" altLang="en-US" sz="2800" dirty="0">
+                <a:latin typeface="Segoe UI" panose="020B0502040204020203" pitchFamily="34" charset="0"/>
+                <a:ea typeface="DengXian" panose="02010600030101010101" pitchFamily="2" charset="-122"/>
+                <a:cs typeface="FZLanTingHei-L-GBK-M" panose="02010600010101010101" pitchFamily="2" charset="2"/>
+                <a:sym typeface="Segoe UI" panose="020B0502040204020203" pitchFamily="34" charset="0"/>
+              </a:rPr>
+              <a:t>的由</a:t>
+            </a:r>
+            <a:r>
+              <a:rPr lang="en-US" altLang="zh-CN" sz="2800" dirty="0">
+                <a:latin typeface="Segoe UI" panose="020B0502040204020203" pitchFamily="34" charset="0"/>
+                <a:ea typeface="DengXian" panose="02010600030101010101" pitchFamily="2" charset="-122"/>
+                <a:cs typeface="FZLanTingHei-L-GBK-M" panose="02010600010101010101" pitchFamily="2" charset="2"/>
+                <a:sym typeface="Segoe UI" panose="020B0502040204020203" pitchFamily="34" charset="0"/>
+              </a:rPr>
+              <a:t>.</a:t>
+            </a:r>
+            <a:r>
+              <a:rPr lang="en-US" altLang="zh-CN" sz="2800" dirty="0" err="1">
+                <a:latin typeface="Segoe UI" panose="020B0502040204020203" pitchFamily="34" charset="0"/>
+                <a:ea typeface="DengXian" panose="02010600030101010101" pitchFamily="2" charset="-122"/>
+                <a:cs typeface="FZLanTingHei-L-GBK-M" panose="02010600010101010101" pitchFamily="2" charset="2"/>
+                <a:sym typeface="Segoe UI" panose="020B0502040204020203" pitchFamily="34" charset="0"/>
+              </a:rPr>
+              <a:t>svs</a:t>
+            </a:r>
+            <a:r>
+              <a:rPr lang="zh-CN" altLang="en-US" sz="2800" dirty="0">
+                <a:latin typeface="Segoe UI" panose="020B0502040204020203" pitchFamily="34" charset="0"/>
+                <a:ea typeface="DengXian" panose="02010600030101010101" pitchFamily="2" charset="-122"/>
+                <a:cs typeface="FZLanTingHei-L-GBK-M" panose="02010600010101010101" pitchFamily="2" charset="2"/>
+                <a:sym typeface="Segoe UI" panose="020B0502040204020203" pitchFamily="34" charset="0"/>
+              </a:rPr>
+              <a:t>病理切片图像到生存模型的“端到端”批处理系统。</a:t>
             </a:r>
           </a:p>
         </p:txBody>
@@ -6463,12 +10115,18 @@
       </p:grpSpPr>
       <p:sp>
         <p:nvSpPr>
-          <p:cNvPr id="2" name="Title 1"/>
-          <p:cNvSpPr>
-            <a:spLocks noGrp="1"/>
-          </p:cNvSpPr>
-          <p:nvPr>
-            <p:ph type="title"/>
+          <p:cNvPr id="3" name="文本占位符 2">
+            <a:extLst>
+              <a:ext uri="{FF2B5EF4-FFF2-40B4-BE49-F238E27FC236}">
+                <a16:creationId xmlns:a16="http://schemas.microsoft.com/office/drawing/2014/main" id="{EB2FCADE-D877-4AC8-91EC-EC981DD365FB}"/>
+              </a:ext>
+            </a:extLst>
+          </p:cNvPr>
+          <p:cNvSpPr>
+            <a:spLocks noGrp="1"/>
+          </p:cNvSpPr>
+          <p:nvPr>
+            <p:ph type="body" sz="quarter" idx="11"/>
           </p:nvPr>
         </p:nvSpPr>
         <p:spPr/>
@@ -6476,15 +10134,313 @@
           <a:bodyPr/>
           <a:lstStyle/>
           <a:p>
-            <a:pPr marL="0" lvl="0" indent="0">
+            <a:r>
+              <a:rPr lang="en-US" altLang="zh-CN" dirty="0">
+                <a:latin typeface="Segoe UI" panose="020B0502040204020203" pitchFamily="34" charset="0"/>
+                <a:ea typeface="DengXian" panose="02010600030101010101" pitchFamily="2" charset="-122"/>
+                <a:cs typeface="FZLanTingHei-L-GBK-M" panose="02010600010101010101" pitchFamily="2" charset="2"/>
+                <a:sym typeface="Segoe UI" panose="020B0502040204020203" pitchFamily="34" charset="0"/>
+              </a:rPr>
+              <a:t>4 </a:t>
+            </a:r>
+            <a:r>
+              <a:rPr lang="zh-CN" altLang="en-US" dirty="0">
+                <a:latin typeface="Segoe UI" panose="020B0502040204020203" pitchFamily="34" charset="0"/>
+                <a:ea typeface="DengXian" panose="02010600030101010101" pitchFamily="2" charset="-122"/>
+                <a:cs typeface="FZLanTingHei-L-GBK-M" panose="02010600010101010101" pitchFamily="2" charset="2"/>
+                <a:sym typeface="Segoe UI" panose="020B0502040204020203" pitchFamily="34" charset="0"/>
+              </a:rPr>
+              <a:t>参考文献</a:t>
+            </a:r>
+            <a:endParaRPr lang="en-GB" dirty="0">
+              <a:latin typeface="Segoe UI" panose="020B0502040204020203" pitchFamily="34" charset="0"/>
+              <a:ea typeface="DengXian" panose="02010600030101010101" pitchFamily="2" charset="-122"/>
+              <a:cs typeface="FZLanTingHei-L-GBK-M" panose="02010600010101010101" pitchFamily="2" charset="2"/>
+              <a:sym typeface="Segoe UI" panose="020B0502040204020203" pitchFamily="34" charset="0"/>
+            </a:endParaRPr>
+          </a:p>
+        </p:txBody>
+      </p:sp>
+      <p:sp>
+        <p:nvSpPr>
+          <p:cNvPr id="6" name="内容占位符 5">
+            <a:extLst>
+              <a:ext uri="{FF2B5EF4-FFF2-40B4-BE49-F238E27FC236}">
+                <a16:creationId xmlns:a16="http://schemas.microsoft.com/office/drawing/2014/main" id="{36AFB2F7-AF02-4FDE-A1D6-EEABEC5230C7}"/>
+              </a:ext>
+            </a:extLst>
+          </p:cNvPr>
+          <p:cNvSpPr>
+            <a:spLocks noGrp="1"/>
+          </p:cNvSpPr>
+          <p:nvPr>
+            <p:ph idx="1"/>
+          </p:nvPr>
+        </p:nvSpPr>
+        <p:spPr/>
+        <p:txBody>
+          <a:bodyPr/>
+          <a:lstStyle/>
+          <a:p>
+            <a:pPr marL="0" indent="0">
               <a:buNone/>
             </a:pPr>
             <a:r>
-              <a:t>5. 致谢</a:t>
-            </a:r>
-          </a:p>
-        </p:txBody>
-      </p:sp>
+              <a:rPr lang="en-GB" sz="1100" dirty="0">
+                <a:latin typeface="Segoe UI" panose="020B0502040204020203" pitchFamily="34" charset="0"/>
+                <a:ea typeface="DengXian" panose="02010600030101010101" pitchFamily="2" charset="-122"/>
+                <a:cs typeface="FZLanTingHei-L-GBK-M" panose="02010600010101010101" pitchFamily="2" charset="2"/>
+                <a:sym typeface="Segoe UI" panose="020B0502040204020203" pitchFamily="34" charset="0"/>
+              </a:rPr>
+              <a:t>[1] JIAN R, SADIMIN E T, WANG D, et al. Computer aided analysis of prostate histopathology images Gleason grading especially for Gleason score 7; proceedings of the Engineering in Medicine &amp; Biology Society, F, 2015 [C].</a:t>
+            </a:r>
+          </a:p>
+          <a:p>
+            <a:pPr marL="0" indent="0">
+              <a:buNone/>
+            </a:pPr>
+            <a:r>
+              <a:rPr lang="en-GB" sz="1100" dirty="0">
+                <a:latin typeface="Segoe UI" panose="020B0502040204020203" pitchFamily="34" charset="0"/>
+                <a:ea typeface="DengXian" panose="02010600030101010101" pitchFamily="2" charset="-122"/>
+                <a:cs typeface="FZLanTingHei-L-GBK-M" panose="02010600010101010101" pitchFamily="2" charset="2"/>
+                <a:sym typeface="Segoe UI" panose="020B0502040204020203" pitchFamily="34" charset="0"/>
+              </a:rPr>
+              <a:t>[2] NIAZI M K, YAO K, ZYNGER D, et al. Visually Meaningful Histopathological Features for Automatic Grading of Prostate Cancer [J]. IEEE Journal of Biomedical &amp; Health Informatics, 2016, PP(99): 1-.</a:t>
+            </a:r>
+          </a:p>
+          <a:p>
+            <a:pPr marL="0" indent="0">
+              <a:buNone/>
+            </a:pPr>
+            <a:r>
+              <a:rPr lang="en-GB" sz="1100" dirty="0">
+                <a:latin typeface="Segoe UI" panose="020B0502040204020203" pitchFamily="34" charset="0"/>
+                <a:ea typeface="DengXian" panose="02010600030101010101" pitchFamily="2" charset="-122"/>
+                <a:cs typeface="FZLanTingHei-L-GBK-M" panose="02010600010101010101" pitchFamily="2" charset="2"/>
+                <a:sym typeface="Segoe UI" panose="020B0502040204020203" pitchFamily="34" charset="0"/>
+              </a:rPr>
+              <a:t>[3] FAUZI M F A, PENNELL M, SAHINER B, et al. Classification of follicular lymphoma: the effect of computer aid on pathologists grading [J]. </a:t>
+            </a:r>
+            <a:r>
+              <a:rPr lang="en-GB" sz="1100" dirty="0" err="1">
+                <a:latin typeface="Segoe UI" panose="020B0502040204020203" pitchFamily="34" charset="0"/>
+                <a:ea typeface="DengXian" panose="02010600030101010101" pitchFamily="2" charset="-122"/>
+                <a:cs typeface="FZLanTingHei-L-GBK-M" panose="02010600010101010101" pitchFamily="2" charset="2"/>
+                <a:sym typeface="Segoe UI" panose="020B0502040204020203" pitchFamily="34" charset="0"/>
+              </a:rPr>
+              <a:t>Bmc</a:t>
+            </a:r>
+            <a:r>
+              <a:rPr lang="en-GB" sz="1100" dirty="0">
+                <a:latin typeface="Segoe UI" panose="020B0502040204020203" pitchFamily="34" charset="0"/>
+                <a:ea typeface="DengXian" panose="02010600030101010101" pitchFamily="2" charset="-122"/>
+                <a:cs typeface="FZLanTingHei-L-GBK-M" panose="02010600010101010101" pitchFamily="2" charset="2"/>
+                <a:sym typeface="Segoe UI" panose="020B0502040204020203" pitchFamily="34" charset="0"/>
+              </a:rPr>
+              <a:t> Medical Informatics &amp; Decision Making, 2015, 15(1): 1-10.</a:t>
+            </a:r>
+          </a:p>
+          <a:p>
+            <a:pPr marL="0" indent="0">
+              <a:buNone/>
+            </a:pPr>
+            <a:r>
+              <a:rPr lang="en-GB" sz="1100" dirty="0">
+                <a:latin typeface="Segoe UI" panose="020B0502040204020203" pitchFamily="34" charset="0"/>
+                <a:ea typeface="DengXian" panose="02010600030101010101" pitchFamily="2" charset="-122"/>
+                <a:cs typeface="FZLanTingHei-L-GBK-M" panose="02010600010101010101" pitchFamily="2" charset="2"/>
+                <a:sym typeface="Segoe UI" panose="020B0502040204020203" pitchFamily="34" charset="0"/>
+              </a:rPr>
+              <a:t>[4] WANG D, KHOSLA A, GARGEYA R, et al. Deep Learning for Identifying Metastatic Breast Cancer [J]. 2016, </a:t>
+            </a:r>
+          </a:p>
+          <a:p>
+            <a:pPr marL="0" indent="0">
+              <a:buNone/>
+            </a:pPr>
+            <a:r>
+              <a:rPr lang="en-GB" sz="1100" dirty="0">
+                <a:latin typeface="Segoe UI" panose="020B0502040204020203" pitchFamily="34" charset="0"/>
+                <a:ea typeface="DengXian" panose="02010600030101010101" pitchFamily="2" charset="-122"/>
+                <a:cs typeface="FZLanTingHei-L-GBK-M" panose="02010600010101010101" pitchFamily="2" charset="2"/>
+                <a:sym typeface="Segoe UI" panose="020B0502040204020203" pitchFamily="34" charset="0"/>
+              </a:rPr>
+              <a:t>[5] LECUN Y, BENGIO Y, HINTON G. Deep learning [J]. Nature, 2015, 521(7553): 436.</a:t>
+            </a:r>
+          </a:p>
+          <a:p>
+            <a:pPr marL="0" indent="0">
+              <a:buNone/>
+            </a:pPr>
+            <a:r>
+              <a:rPr lang="en-GB" sz="1100" dirty="0">
+                <a:latin typeface="Segoe UI" panose="020B0502040204020203" pitchFamily="34" charset="0"/>
+                <a:ea typeface="DengXian" panose="02010600030101010101" pitchFamily="2" charset="-122"/>
+                <a:cs typeface="FZLanTingHei-L-GBK-M" panose="02010600010101010101" pitchFamily="2" charset="2"/>
+                <a:sym typeface="Segoe UI" panose="020B0502040204020203" pitchFamily="34" charset="0"/>
+              </a:rPr>
+              <a:t>[6] ZOPH B, VASUDEVAN V, SHLENS J, et al. Learning Transferable Architectures for Scalable Image Recognition [J]. 2017, </a:t>
+            </a:r>
+          </a:p>
+          <a:p>
+            <a:pPr marL="0" indent="0">
+              <a:buNone/>
+            </a:pPr>
+            <a:r>
+              <a:rPr lang="en-GB" sz="1100" dirty="0">
+                <a:latin typeface="Segoe UI" panose="020B0502040204020203" pitchFamily="34" charset="0"/>
+                <a:ea typeface="DengXian" panose="02010600030101010101" pitchFamily="2" charset="-122"/>
+                <a:cs typeface="FZLanTingHei-L-GBK-M" panose="02010600010101010101" pitchFamily="2" charset="2"/>
+                <a:sym typeface="Segoe UI" panose="020B0502040204020203" pitchFamily="34" charset="0"/>
+              </a:rPr>
+              <a:t>[7] PRENTICE R L. Introduction to Cox (1972) Regression Models and Life-Tables [M]. 1992.</a:t>
+            </a:r>
+          </a:p>
+          <a:p>
+            <a:pPr marL="0" indent="0">
+              <a:buNone/>
+            </a:pPr>
+            <a:r>
+              <a:rPr lang="en-GB" sz="1100" dirty="0">
+                <a:latin typeface="Segoe UI" panose="020B0502040204020203" pitchFamily="34" charset="0"/>
+                <a:ea typeface="DengXian" panose="02010600030101010101" pitchFamily="2" charset="-122"/>
+                <a:cs typeface="FZLanTingHei-L-GBK-M" panose="02010600010101010101" pitchFamily="2" charset="2"/>
+                <a:sym typeface="Segoe UI" panose="020B0502040204020203" pitchFamily="34" charset="0"/>
+              </a:rPr>
+              <a:t>[8] STANLEY A P D, ANNIE X P D, LAPUERTA P, et al. Comparison of Predictive Accuracy of Neural Network Methods and Cox Regression for Censored Survival Data [J]. Computational Statistics &amp; Data Analysis, 2000, 34(2): 243-57.</a:t>
+            </a:r>
+          </a:p>
+          <a:p>
+            <a:pPr marL="0" indent="0">
+              <a:buNone/>
+            </a:pPr>
+            <a:r>
+              <a:rPr lang="en-GB" sz="1100" dirty="0">
+                <a:latin typeface="Segoe UI" panose="020B0502040204020203" pitchFamily="34" charset="0"/>
+                <a:ea typeface="DengXian" panose="02010600030101010101" pitchFamily="2" charset="-122"/>
+                <a:cs typeface="FZLanTingHei-L-GBK-M" panose="02010600010101010101" pitchFamily="2" charset="2"/>
+                <a:sym typeface="Segoe UI" panose="020B0502040204020203" pitchFamily="34" charset="0"/>
+              </a:rPr>
+              <a:t>[9] KATZMAN J L, SHAHAM U, CLONINGER A, et al. </a:t>
+            </a:r>
+            <a:r>
+              <a:rPr lang="en-GB" sz="1100" dirty="0" err="1">
+                <a:latin typeface="Segoe UI" panose="020B0502040204020203" pitchFamily="34" charset="0"/>
+                <a:ea typeface="DengXian" panose="02010600030101010101" pitchFamily="2" charset="-122"/>
+                <a:cs typeface="FZLanTingHei-L-GBK-M" panose="02010600010101010101" pitchFamily="2" charset="2"/>
+                <a:sym typeface="Segoe UI" panose="020B0502040204020203" pitchFamily="34" charset="0"/>
+              </a:rPr>
+              <a:t>DeepSurv</a:t>
+            </a:r>
+            <a:r>
+              <a:rPr lang="en-GB" sz="1100" dirty="0">
+                <a:latin typeface="Segoe UI" panose="020B0502040204020203" pitchFamily="34" charset="0"/>
+                <a:ea typeface="DengXian" panose="02010600030101010101" pitchFamily="2" charset="-122"/>
+                <a:cs typeface="FZLanTingHei-L-GBK-M" panose="02010600010101010101" pitchFamily="2" charset="2"/>
+                <a:sym typeface="Segoe UI" panose="020B0502040204020203" pitchFamily="34" charset="0"/>
+              </a:rPr>
+              <a:t>: personalized treatment recommender system using a Cox proportional hazards deep neural network [J]. </a:t>
+            </a:r>
+            <a:r>
+              <a:rPr lang="en-GB" sz="1100" dirty="0" err="1">
+                <a:latin typeface="Segoe UI" panose="020B0502040204020203" pitchFamily="34" charset="0"/>
+                <a:ea typeface="DengXian" panose="02010600030101010101" pitchFamily="2" charset="-122"/>
+                <a:cs typeface="FZLanTingHei-L-GBK-M" panose="02010600010101010101" pitchFamily="2" charset="2"/>
+                <a:sym typeface="Segoe UI" panose="020B0502040204020203" pitchFamily="34" charset="0"/>
+              </a:rPr>
+              <a:t>Bmc</a:t>
+            </a:r>
+            <a:r>
+              <a:rPr lang="en-GB" sz="1100" dirty="0">
+                <a:latin typeface="Segoe UI" panose="020B0502040204020203" pitchFamily="34" charset="0"/>
+                <a:ea typeface="DengXian" panose="02010600030101010101" pitchFamily="2" charset="-122"/>
+                <a:cs typeface="FZLanTingHei-L-GBK-M" panose="02010600010101010101" pitchFamily="2" charset="2"/>
+                <a:sym typeface="Segoe UI" panose="020B0502040204020203" pitchFamily="34" charset="0"/>
+              </a:rPr>
+              <a:t> Medical Research Methodology, 2016, 18(1): 24.</a:t>
+            </a:r>
+          </a:p>
+          <a:p>
+            <a:pPr marL="0" indent="0">
+              <a:buNone/>
+            </a:pPr>
+            <a:r>
+              <a:rPr lang="en-GB" sz="1100" dirty="0">
+                <a:latin typeface="Segoe UI" panose="020B0502040204020203" pitchFamily="34" charset="0"/>
+                <a:ea typeface="DengXian" panose="02010600030101010101" pitchFamily="2" charset="-122"/>
+                <a:cs typeface="FZLanTingHei-L-GBK-M" panose="02010600010101010101" pitchFamily="2" charset="2"/>
+                <a:sym typeface="Segoe UI" panose="020B0502040204020203" pitchFamily="34" charset="0"/>
+              </a:rPr>
+              <a:t>[10] MOBADERSANY P, YOUSEFI S, AMGAD M, et al. Predicting cancer outcomes from histology and genomics using convolutional networks [J]. Proceedings of the National Academy of Sciences of the United States of America, 2018, 115(13): 201717139.</a:t>
+            </a:r>
+          </a:p>
+          <a:p>
+            <a:pPr marL="0" indent="0">
+              <a:buNone/>
+            </a:pPr>
+            <a:r>
+              <a:rPr lang="zh-CN" altLang="en-US" sz="1100" dirty="0">
+                <a:latin typeface="Segoe UI" panose="020B0502040204020203" pitchFamily="34" charset="0"/>
+                <a:ea typeface="DengXian" panose="02010600030101010101" pitchFamily="2" charset="-122"/>
+                <a:cs typeface="FZLanTingHei-L-GBK-M" panose="02010600010101010101" pitchFamily="2" charset="2"/>
+                <a:sym typeface="Segoe UI" panose="020B0502040204020203" pitchFamily="34" charset="0"/>
+              </a:rPr>
+              <a:t>。。。</a:t>
+            </a:r>
+            <a:endParaRPr lang="en-GB" altLang="zh-CN" sz="1100" dirty="0">
+              <a:latin typeface="Segoe UI" panose="020B0502040204020203" pitchFamily="34" charset="0"/>
+              <a:ea typeface="DengXian" panose="02010600030101010101" pitchFamily="2" charset="-122"/>
+              <a:cs typeface="FZLanTingHei-L-GBK-M" panose="02010600010101010101" pitchFamily="2" charset="2"/>
+              <a:sym typeface="Segoe UI" panose="020B0502040204020203" pitchFamily="34" charset="0"/>
+            </a:endParaRPr>
+          </a:p>
+          <a:p>
+            <a:pPr marL="0" indent="0">
+              <a:buNone/>
+            </a:pPr>
+            <a:r>
+              <a:rPr lang="en-GB" sz="1100" dirty="0">
+                <a:latin typeface="Segoe UI" panose="020B0502040204020203" pitchFamily="34" charset="0"/>
+                <a:ea typeface="DengXian" panose="02010600030101010101" pitchFamily="2" charset="-122"/>
+                <a:cs typeface="FZLanTingHei-L-GBK-M" panose="02010600010101010101" pitchFamily="2" charset="2"/>
+                <a:sym typeface="Segoe UI" panose="020B0502040204020203" pitchFamily="34" charset="0"/>
+              </a:rPr>
+              <a:t>[46] BECK A H, SANGOI A R, LEUNG S, et al. Systematic Analysis of Breast Cancer Morphology Uncovers Stromal Features Associated with Survival [J]. Science Translational Medicine, 2011, 3(108): 108ra13.</a:t>
+            </a:r>
+          </a:p>
+        </p:txBody>
+      </p:sp>
+    </p:spTree>
+    <p:extLst>
+      <p:ext uri="{BB962C8B-B14F-4D97-AF65-F5344CB8AC3E}">
+        <p14:creationId xmlns:p14="http://schemas.microsoft.com/office/powerpoint/2010/main" val="2253791741"/>
+      </p:ext>
+    </p:extLst>
+  </p:cSld>
+  <p:clrMapOvr>
+    <a:masterClrMapping/>
+  </p:clrMapOvr>
+</p:sld>
+</file>
+
+<file path=ppt/slides/slide15.xml><?xml version="1.0" encoding="utf-8"?>
+<p:sld xmlns:a="http://schemas.openxmlformats.org/drawingml/2006/main" xmlns:r="http://schemas.openxmlformats.org/officeDocument/2006/relationships" xmlns:p="http://schemas.openxmlformats.org/presentationml/2006/main">
+  <p:cSld>
+    <p:spTree>
+      <p:nvGrpSpPr>
+        <p:cNvPr id="1" name=""/>
+        <p:cNvGrpSpPr/>
+        <p:nvPr/>
+      </p:nvGrpSpPr>
+      <p:grpSpPr>
+        <a:xfrm>
+          <a:off x="0" y="0"/>
+          <a:ext cx="0" cy="0"/>
+          <a:chOff x="0" y="0"/>
+          <a:chExt cx="0" cy="0"/>
+        </a:xfrm>
+      </p:grpSpPr>
       <p:sp>
         <p:nvSpPr>
           <p:cNvPr id="3" name="Content Placeholder 2"/>
@@ -6492,32 +10448,276 @@
             <a:spLocks noGrp="1"/>
           </p:cNvSpPr>
           <p:nvPr>
+            <p:ph type="body" sz="quarter" idx="11"/>
+          </p:nvPr>
+        </p:nvSpPr>
+        <p:spPr/>
+        <p:txBody>
+          <a:bodyPr/>
+          <a:lstStyle/>
+          <a:p>
+            <a:r>
+              <a:rPr lang="en-US" altLang="zh-CN" dirty="0">
+                <a:latin typeface="Segoe UI" panose="020B0502040204020203" pitchFamily="34" charset="0"/>
+                <a:ea typeface="DengXian" panose="02010600030101010101" pitchFamily="2" charset="-122"/>
+                <a:cs typeface="FZLanTingHei-L-GBK-M" panose="02010600010101010101" pitchFamily="2" charset="2"/>
+                <a:sym typeface="Segoe UI" panose="020B0502040204020203" pitchFamily="34" charset="0"/>
+              </a:rPr>
+              <a:t>5. </a:t>
+            </a:r>
+            <a:r>
+              <a:rPr lang="zh-CN" altLang="en-US" dirty="0">
+                <a:latin typeface="Segoe UI" panose="020B0502040204020203" pitchFamily="34" charset="0"/>
+                <a:ea typeface="DengXian" panose="02010600030101010101" pitchFamily="2" charset="-122"/>
+                <a:cs typeface="FZLanTingHei-L-GBK-M" panose="02010600010101010101" pitchFamily="2" charset="2"/>
+                <a:sym typeface="Segoe UI" panose="020B0502040204020203" pitchFamily="34" charset="0"/>
+              </a:rPr>
+              <a:t>致谢</a:t>
+            </a:r>
+            <a:endParaRPr dirty="0">
+              <a:latin typeface="Segoe UI" panose="020B0502040204020203" pitchFamily="34" charset="0"/>
+              <a:ea typeface="DengXian" panose="02010600030101010101" pitchFamily="2" charset="-122"/>
+              <a:cs typeface="FZLanTingHei-L-GBK-M" panose="02010600010101010101" pitchFamily="2" charset="2"/>
+              <a:sym typeface="Segoe UI" panose="020B0502040204020203" pitchFamily="34" charset="0"/>
+            </a:endParaRPr>
+          </a:p>
+        </p:txBody>
+      </p:sp>
+      <p:sp>
+        <p:nvSpPr>
+          <p:cNvPr id="4" name="内容占位符 3">
+            <a:extLst>
+              <a:ext uri="{FF2B5EF4-FFF2-40B4-BE49-F238E27FC236}">
+                <a16:creationId xmlns:a16="http://schemas.microsoft.com/office/drawing/2014/main" id="{E64E7F8A-FFF3-474F-9553-B0F3D1CBEE6D}"/>
+              </a:ext>
+            </a:extLst>
+          </p:cNvPr>
+          <p:cNvSpPr>
+            <a:spLocks noGrp="1"/>
+          </p:cNvSpPr>
+          <p:nvPr>
             <p:ph idx="1"/>
           </p:nvPr>
         </p:nvSpPr>
-        <p:spPr/>
+        <p:spPr>
+          <a:xfrm>
+            <a:off x="1452622" y="1580279"/>
+            <a:ext cx="9554901" cy="5019675"/>
+          </a:xfrm>
+        </p:spPr>
         <p:txBody>
           <a:bodyPr/>
           <a:lstStyle/>
           <a:p>
-            <a:pPr marL="0" lvl="0" indent="0">
+            <a:pPr marL="0" indent="0">
               <a:buNone/>
             </a:pPr>
             <a:r>
-              <a:t>这篇论文的完成离不开孙逸仙纪念医院研究中心赵慧英老师的指导。她以丰富的研究经验以及敏锐的洞察力为我的研究提供了极有帮助的建议。同时，感谢骆观正老师作为校内指导老师，在管理审核上提供支持。</a:t>
-            </a:r>
-          </a:p>
-          <a:p>
-            <a:pPr marL="0" lvl="0" indent="0">
+              <a:rPr lang="zh-CN" altLang="en-US" dirty="0">
+                <a:latin typeface="Segoe UI" panose="020B0502040204020203" pitchFamily="34" charset="0"/>
+                <a:ea typeface="DengXian" panose="02010600030101010101" pitchFamily="2" charset="-122"/>
+                <a:cs typeface="FZLanTingHei-L-GBK-M" panose="02010600010101010101" pitchFamily="2" charset="2"/>
+                <a:sym typeface="Segoe UI" panose="020B0502040204020203" pitchFamily="34" charset="0"/>
+              </a:rPr>
+              <a:t>这篇论文的完成离不开孙逸仙纪念医院研究中心</a:t>
+            </a:r>
+            <a:endParaRPr lang="en-GB" altLang="zh-CN" dirty="0">
+              <a:latin typeface="Segoe UI" panose="020B0502040204020203" pitchFamily="34" charset="0"/>
+              <a:ea typeface="DengXian" panose="02010600030101010101" pitchFamily="2" charset="-122"/>
+              <a:cs typeface="FZLanTingHei-L-GBK-M" panose="02010600010101010101" pitchFamily="2" charset="2"/>
+              <a:sym typeface="Segoe UI" panose="020B0502040204020203" pitchFamily="34" charset="0"/>
+            </a:endParaRPr>
+          </a:p>
+          <a:p>
+            <a:pPr marL="0" indent="0" algn="ctr">
               <a:buNone/>
             </a:pPr>
             <a:r>
+              <a:rPr lang="zh-CN" altLang="en-US" b="1" dirty="0">
+                <a:latin typeface="Segoe UI" panose="020B0502040204020203" pitchFamily="34" charset="0"/>
+                <a:ea typeface="DengXian" panose="02010600030101010101" pitchFamily="2" charset="-122"/>
+                <a:cs typeface="FZLanTingHei-L-GBK-M" panose="02010600010101010101" pitchFamily="2" charset="2"/>
+                <a:sym typeface="Segoe UI" panose="020B0502040204020203" pitchFamily="34" charset="0"/>
+              </a:rPr>
+              <a:t>赵慧英</a:t>
+            </a:r>
+            <a:r>
+              <a:rPr lang="zh-CN" altLang="en-US" dirty="0">
+                <a:latin typeface="Segoe UI" panose="020B0502040204020203" pitchFamily="34" charset="0"/>
+                <a:ea typeface="DengXian" panose="02010600030101010101" pitchFamily="2" charset="-122"/>
+                <a:cs typeface="FZLanTingHei-L-GBK-M" panose="02010600010101010101" pitchFamily="2" charset="2"/>
+                <a:sym typeface="Segoe UI" panose="020B0502040204020203" pitchFamily="34" charset="0"/>
+              </a:rPr>
+              <a:t>老师</a:t>
+            </a:r>
+            <a:endParaRPr lang="en-GB" altLang="zh-CN" dirty="0">
+              <a:latin typeface="Segoe UI" panose="020B0502040204020203" pitchFamily="34" charset="0"/>
+              <a:ea typeface="DengXian" panose="02010600030101010101" pitchFamily="2" charset="-122"/>
+              <a:cs typeface="FZLanTingHei-L-GBK-M" panose="02010600010101010101" pitchFamily="2" charset="2"/>
+              <a:sym typeface="Segoe UI" panose="020B0502040204020203" pitchFamily="34" charset="0"/>
+            </a:endParaRPr>
+          </a:p>
+          <a:p>
+            <a:pPr marL="0" indent="0">
+              <a:buNone/>
+            </a:pPr>
+            <a:r>
+              <a:rPr lang="zh-CN" altLang="en-US" dirty="0">
+                <a:latin typeface="Segoe UI" panose="020B0502040204020203" pitchFamily="34" charset="0"/>
+                <a:ea typeface="DengXian" panose="02010600030101010101" pitchFamily="2" charset="-122"/>
+                <a:cs typeface="FZLanTingHei-L-GBK-M" panose="02010600010101010101" pitchFamily="2" charset="2"/>
+                <a:sym typeface="Segoe UI" panose="020B0502040204020203" pitchFamily="34" charset="0"/>
+              </a:rPr>
+              <a:t>的指导。她以丰富的研究经验以及敏锐的洞察力为我的研究提供了极有帮助的建议。感谢</a:t>
+            </a:r>
+            <a:endParaRPr lang="en-GB" altLang="zh-CN" dirty="0">
+              <a:latin typeface="Segoe UI" panose="020B0502040204020203" pitchFamily="34" charset="0"/>
+              <a:ea typeface="DengXian" panose="02010600030101010101" pitchFamily="2" charset="-122"/>
+              <a:cs typeface="FZLanTingHei-L-GBK-M" panose="02010600010101010101" pitchFamily="2" charset="2"/>
+              <a:sym typeface="Segoe UI" panose="020B0502040204020203" pitchFamily="34" charset="0"/>
+            </a:endParaRPr>
+          </a:p>
+          <a:p>
+            <a:pPr marL="0" indent="0" algn="ctr">
+              <a:buNone/>
+            </a:pPr>
+            <a:r>
+              <a:rPr lang="zh-CN" altLang="en-US" b="1" dirty="0">
+                <a:latin typeface="Segoe UI" panose="020B0502040204020203" pitchFamily="34" charset="0"/>
+                <a:ea typeface="DengXian" panose="02010600030101010101" pitchFamily="2" charset="-122"/>
+                <a:cs typeface="FZLanTingHei-L-GBK-M" panose="02010600010101010101" pitchFamily="2" charset="2"/>
+                <a:sym typeface="Segoe UI" panose="020B0502040204020203" pitchFamily="34" charset="0"/>
+              </a:rPr>
+              <a:t>骆观正</a:t>
+            </a:r>
+            <a:r>
+              <a:rPr lang="zh-CN" altLang="en-US" dirty="0">
+                <a:latin typeface="Segoe UI" panose="020B0502040204020203" pitchFamily="34" charset="0"/>
+                <a:ea typeface="DengXian" panose="02010600030101010101" pitchFamily="2" charset="-122"/>
+                <a:cs typeface="FZLanTingHei-L-GBK-M" panose="02010600010101010101" pitchFamily="2" charset="2"/>
+                <a:sym typeface="Segoe UI" panose="020B0502040204020203" pitchFamily="34" charset="0"/>
+              </a:rPr>
+              <a:t>老师</a:t>
+            </a:r>
+            <a:endParaRPr lang="en-GB" altLang="zh-CN" dirty="0">
+              <a:latin typeface="Segoe UI" panose="020B0502040204020203" pitchFamily="34" charset="0"/>
+              <a:ea typeface="DengXian" panose="02010600030101010101" pitchFamily="2" charset="-122"/>
+              <a:cs typeface="FZLanTingHei-L-GBK-M" panose="02010600010101010101" pitchFamily="2" charset="2"/>
+              <a:sym typeface="Segoe UI" panose="020B0502040204020203" pitchFamily="34" charset="0"/>
+            </a:endParaRPr>
+          </a:p>
+          <a:p>
+            <a:pPr marL="0" indent="0">
+              <a:buNone/>
+            </a:pPr>
+            <a:r>
+              <a:rPr lang="zh-CN" altLang="en-US" dirty="0">
+                <a:latin typeface="Segoe UI" panose="020B0502040204020203" pitchFamily="34" charset="0"/>
+                <a:ea typeface="DengXian" panose="02010600030101010101" pitchFamily="2" charset="-122"/>
+                <a:cs typeface="FZLanTingHei-L-GBK-M" panose="02010600010101010101" pitchFamily="2" charset="2"/>
+                <a:sym typeface="Segoe UI" panose="020B0502040204020203" pitchFamily="34" charset="0"/>
+              </a:rPr>
+              <a:t>作为校内指导老师，在管理审核上提供支持。</a:t>
+            </a:r>
+          </a:p>
+          <a:p>
+            <a:pPr marL="0" indent="0">
+              <a:buNone/>
+            </a:pPr>
+            <a:r>
+              <a:rPr lang="zh-CN" altLang="en-US" dirty="0">
+                <a:latin typeface="Segoe UI" panose="020B0502040204020203" pitchFamily="34" charset="0"/>
+                <a:ea typeface="DengXian" panose="02010600030101010101" pitchFamily="2" charset="-122"/>
+                <a:cs typeface="FZLanTingHei-L-GBK-M" panose="02010600010101010101" pitchFamily="2" charset="2"/>
+                <a:sym typeface="Segoe UI" panose="020B0502040204020203" pitchFamily="34" charset="0"/>
+              </a:rPr>
               <a:t>感谢家人，朋友，同学的陪伴。</a:t>
             </a:r>
           </a:p>
+          <a:p>
+            <a:endParaRPr lang="en-GB" dirty="0">
+              <a:latin typeface="Segoe UI" panose="020B0502040204020203" pitchFamily="34" charset="0"/>
+              <a:ea typeface="DengXian" panose="02010600030101010101" pitchFamily="2" charset="-122"/>
+              <a:sym typeface="Segoe UI" panose="020B0502040204020203" pitchFamily="34" charset="0"/>
+            </a:endParaRPr>
+          </a:p>
         </p:txBody>
       </p:sp>
     </p:spTree>
+  </p:cSld>
+  <p:clrMapOvr>
+    <a:masterClrMapping/>
+  </p:clrMapOvr>
+</p:sld>
+</file>
+
+<file path=ppt/slides/slide16.xml><?xml version="1.0" encoding="utf-8"?>
+<p:sld xmlns:a="http://schemas.openxmlformats.org/drawingml/2006/main" xmlns:r="http://schemas.openxmlformats.org/officeDocument/2006/relationships" xmlns:p="http://schemas.openxmlformats.org/presentationml/2006/main">
+  <p:cSld>
+    <p:spTree>
+      <p:nvGrpSpPr>
+        <p:cNvPr id="1" name=""/>
+        <p:cNvGrpSpPr/>
+        <p:nvPr/>
+      </p:nvGrpSpPr>
+      <p:grpSpPr>
+        <a:xfrm>
+          <a:off x="0" y="0"/>
+          <a:ext cx="0" cy="0"/>
+          <a:chOff x="0" y="0"/>
+          <a:chExt cx="0" cy="0"/>
+        </a:xfrm>
+      </p:grpSpPr>
+      <p:sp>
+        <p:nvSpPr>
+          <p:cNvPr id="7" name="文本框 6">
+            <a:extLst>
+              <a:ext uri="{FF2B5EF4-FFF2-40B4-BE49-F238E27FC236}">
+                <a16:creationId xmlns:a16="http://schemas.microsoft.com/office/drawing/2014/main" id="{AF07680A-86F1-42A9-9366-AE1D74FDDEDE}"/>
+              </a:ext>
+            </a:extLst>
+          </p:cNvPr>
+          <p:cNvSpPr txBox="1"/>
+          <p:nvPr/>
+        </p:nvSpPr>
+        <p:spPr>
+          <a:xfrm>
+            <a:off x="5234225" y="2921168"/>
+            <a:ext cx="1723549" cy="1015663"/>
+          </a:xfrm>
+          <a:prstGeom prst="rect">
+            <a:avLst/>
+          </a:prstGeom>
+          <a:noFill/>
+        </p:spPr>
+        <p:txBody>
+          <a:bodyPr wrap="none" rtlCol="0">
+            <a:spAutoFit/>
+          </a:bodyPr>
+          <a:lstStyle/>
+          <a:p>
+            <a:r>
+              <a:rPr lang="zh-CN" altLang="en-US" sz="6000" dirty="0">
+                <a:latin typeface="Segoe UI" panose="020B0502040204020203" pitchFamily="34" charset="0"/>
+                <a:ea typeface="DengXian" panose="02010600030101010101" pitchFamily="2" charset="-122"/>
+                <a:sym typeface="Segoe UI" panose="020B0502040204020203" pitchFamily="34" charset="0"/>
+              </a:rPr>
+              <a:t>谢谢</a:t>
+            </a:r>
+            <a:endParaRPr lang="en-GB" sz="6000" dirty="0">
+              <a:latin typeface="Segoe UI" panose="020B0502040204020203" pitchFamily="34" charset="0"/>
+              <a:ea typeface="DengXian" panose="02010600030101010101" pitchFamily="2" charset="-122"/>
+              <a:sym typeface="Segoe UI" panose="020B0502040204020203" pitchFamily="34" charset="0"/>
+            </a:endParaRPr>
+          </a:p>
+        </p:txBody>
+      </p:sp>
+    </p:spTree>
+    <p:extLst>
+      <p:ext uri="{BB962C8B-B14F-4D97-AF65-F5344CB8AC3E}">
+        <p14:creationId xmlns:p14="http://schemas.microsoft.com/office/powerpoint/2010/main" val="1710100500"/>
+      </p:ext>
+    </p:extLst>
   </p:cSld>
   <p:clrMapOvr>
     <a:masterClrMapping/>
@@ -6544,12 +10744,18 @@
       </p:grpSpPr>
       <p:sp>
         <p:nvSpPr>
-          <p:cNvPr id="2" name="Title 1"/>
-          <p:cNvSpPr>
-            <a:spLocks noGrp="1"/>
-          </p:cNvSpPr>
-          <p:nvPr>
-            <p:ph type="title"/>
+          <p:cNvPr id="4" name="文本占位符 3">
+            <a:extLst>
+              <a:ext uri="{FF2B5EF4-FFF2-40B4-BE49-F238E27FC236}">
+                <a16:creationId xmlns:a16="http://schemas.microsoft.com/office/drawing/2014/main" id="{D84AF8AC-CF4A-4F31-B5ED-01B2117CFC26}"/>
+              </a:ext>
+            </a:extLst>
+          </p:cNvPr>
+          <p:cNvSpPr>
+            <a:spLocks noGrp="1"/>
+          </p:cNvSpPr>
+          <p:nvPr>
+            <p:ph type="body" sz="quarter" idx="11"/>
           </p:nvPr>
         </p:nvSpPr>
         <p:spPr/>
@@ -6557,12 +10763,30 @@
           <a:bodyPr/>
           <a:lstStyle/>
           <a:p>
-            <a:pPr marL="0" lvl="0" indent="0">
-              <a:buNone/>
-            </a:pPr>
-            <a:r>
-              <a:t>1 研究背景</a:t>
-            </a:r>
+            <a:r>
+              <a:rPr lang="en-US" altLang="zh-CN" dirty="0">
+                <a:latin typeface="Segoe UI" panose="020B0502040204020203" pitchFamily="34" charset="0"/>
+                <a:ea typeface="DengXian" panose="02010600030101010101" pitchFamily="2" charset="-122"/>
+                <a:cs typeface="FZLanTingHei-L-GBK-M" panose="02010600010101010101" pitchFamily="2" charset="2"/>
+                <a:sym typeface="Segoe UI" panose="020B0502040204020203" pitchFamily="34" charset="0"/>
+              </a:rPr>
+              <a:t>1 </a:t>
+            </a:r>
+            <a:r>
+              <a:rPr lang="zh-CN" altLang="en-US" dirty="0">
+                <a:latin typeface="Segoe UI" panose="020B0502040204020203" pitchFamily="34" charset="0"/>
+                <a:ea typeface="DengXian" panose="02010600030101010101" pitchFamily="2" charset="-122"/>
+                <a:cs typeface="FZLanTingHei-L-GBK-M" panose="02010600010101010101" pitchFamily="2" charset="2"/>
+                <a:sym typeface="Segoe UI" panose="020B0502040204020203" pitchFamily="34" charset="0"/>
+              </a:rPr>
+              <a:t>研究背景</a:t>
+            </a:r>
+            <a:endParaRPr lang="en-GB" dirty="0">
+              <a:latin typeface="Segoe UI" panose="020B0502040204020203" pitchFamily="34" charset="0"/>
+              <a:ea typeface="DengXian" panose="02010600030101010101" pitchFamily="2" charset="-122"/>
+              <a:cs typeface="FZLanTingHei-L-GBK-M" panose="02010600010101010101" pitchFamily="2" charset="2"/>
+              <a:sym typeface="Segoe UI" panose="020B0502040204020203" pitchFamily="34" charset="0"/>
+            </a:endParaRPr>
           </a:p>
         </p:txBody>
       </p:sp>
@@ -6576,26 +10800,298 @@
             <p:ph idx="1"/>
           </p:nvPr>
         </p:nvSpPr>
-        <p:spPr/>
+        <p:spPr>
+          <a:xfrm>
+            <a:off x="881063" y="1239508"/>
+            <a:ext cx="10639425" cy="5019675"/>
+          </a:xfrm>
+        </p:spPr>
         <p:txBody>
           <a:bodyPr>
             <a:normAutofit/>
           </a:bodyPr>
           <a:lstStyle/>
           <a:p>
-            <a:pPr marL="0" lvl="0" indent="0">
+            <a:pPr marL="0" indent="0">
               <a:buNone/>
             </a:pPr>
             <a:r>
-              <a:t>在医学研究中，组织学成像为肿瘤诊断和治疗的提供了重要信息。 组织特征表现出分子层面改变所带来的总体影响。同时，组织能提供直观的视觉信息以帮助医疗人员判断癌症侵入性。然而，组织分析是高度主观、不能重复得到相同结果的。</a:t>
-            </a:r>
-          </a:p>
-          <a:p>
-            <a:pPr marL="0" lvl="0" indent="0">
+              <a:rPr dirty="0" err="1">
+                <a:latin typeface="Segoe UI" panose="020B0502040204020203" pitchFamily="34" charset="0"/>
+                <a:ea typeface="DengXian" panose="02010600030101010101" pitchFamily="2" charset="-122"/>
+                <a:cs typeface="FZLanTingHei-L-GBK-M" panose="02010600010101010101" pitchFamily="2" charset="2"/>
+                <a:sym typeface="Segoe UI" panose="020B0502040204020203" pitchFamily="34" charset="0"/>
+              </a:rPr>
+              <a:t>在医学研究中，组织学成像为肿瘤诊断和治疗的提供了重要信息</a:t>
+            </a:r>
+            <a:r>
+              <a:rPr dirty="0">
+                <a:latin typeface="Segoe UI" panose="020B0502040204020203" pitchFamily="34" charset="0"/>
+                <a:ea typeface="DengXian" panose="02010600030101010101" pitchFamily="2" charset="-122"/>
+                <a:cs typeface="FZLanTingHei-L-GBK-M" panose="02010600010101010101" pitchFamily="2" charset="2"/>
+                <a:sym typeface="Segoe UI" panose="020B0502040204020203" pitchFamily="34" charset="0"/>
+              </a:rPr>
+              <a:t>。 </a:t>
+            </a:r>
+            <a:r>
+              <a:rPr dirty="0" err="1">
+                <a:latin typeface="Segoe UI" panose="020B0502040204020203" pitchFamily="34" charset="0"/>
+                <a:ea typeface="DengXian" panose="02010600030101010101" pitchFamily="2" charset="-122"/>
+                <a:cs typeface="FZLanTingHei-L-GBK-M" panose="02010600010101010101" pitchFamily="2" charset="2"/>
+                <a:sym typeface="Segoe UI" panose="020B0502040204020203" pitchFamily="34" charset="0"/>
+              </a:rPr>
+              <a:t>组织特征表现出分子层面改变所带来的</a:t>
+            </a:r>
+            <a:r>
+              <a:rPr b="1" dirty="0" err="1">
+                <a:latin typeface="Segoe UI" panose="020B0502040204020203" pitchFamily="34" charset="0"/>
+                <a:ea typeface="DengXian" panose="02010600030101010101" pitchFamily="2" charset="-122"/>
+                <a:cs typeface="FZLanTingHei-L-GBK-M" panose="02010600010101010101" pitchFamily="2" charset="2"/>
+                <a:sym typeface="Segoe UI" panose="020B0502040204020203" pitchFamily="34" charset="0"/>
+              </a:rPr>
+              <a:t>总体影响</a:t>
+            </a:r>
+            <a:r>
+              <a:rPr dirty="0" err="1">
+                <a:latin typeface="Segoe UI" panose="020B0502040204020203" pitchFamily="34" charset="0"/>
+                <a:ea typeface="DengXian" panose="02010600030101010101" pitchFamily="2" charset="-122"/>
+                <a:cs typeface="FZLanTingHei-L-GBK-M" panose="02010600010101010101" pitchFamily="2" charset="2"/>
+                <a:sym typeface="Segoe UI" panose="020B0502040204020203" pitchFamily="34" charset="0"/>
+              </a:rPr>
+              <a:t>。同时，组织能提供直观的视觉信息以帮助医疗人员判断</a:t>
+            </a:r>
+            <a:r>
+              <a:rPr b="1" dirty="0" err="1">
+                <a:latin typeface="Segoe UI" panose="020B0502040204020203" pitchFamily="34" charset="0"/>
+                <a:ea typeface="DengXian" panose="02010600030101010101" pitchFamily="2" charset="-122"/>
+                <a:cs typeface="FZLanTingHei-L-GBK-M" panose="02010600010101010101" pitchFamily="2" charset="2"/>
+                <a:sym typeface="Segoe UI" panose="020B0502040204020203" pitchFamily="34" charset="0"/>
+              </a:rPr>
+              <a:t>癌症侵入性</a:t>
+            </a:r>
+            <a:r>
+              <a:rPr dirty="0">
+                <a:latin typeface="Segoe UI" panose="020B0502040204020203" pitchFamily="34" charset="0"/>
+                <a:ea typeface="DengXian" panose="02010600030101010101" pitchFamily="2" charset="-122"/>
+                <a:cs typeface="FZLanTingHei-L-GBK-M" panose="02010600010101010101" pitchFamily="2" charset="2"/>
+                <a:sym typeface="Segoe UI" panose="020B0502040204020203" pitchFamily="34" charset="0"/>
+              </a:rPr>
+              <a:t>。</a:t>
+            </a:r>
+            <a:endParaRPr lang="en-GB" dirty="0">
+              <a:latin typeface="Segoe UI" panose="020B0502040204020203" pitchFamily="34" charset="0"/>
+              <a:ea typeface="DengXian" panose="02010600030101010101" pitchFamily="2" charset="-122"/>
+              <a:cs typeface="FZLanTingHei-L-GBK-M" panose="02010600010101010101" pitchFamily="2" charset="2"/>
+              <a:sym typeface="Segoe UI" panose="020B0502040204020203" pitchFamily="34" charset="0"/>
+            </a:endParaRPr>
+          </a:p>
+          <a:p>
+            <a:pPr marL="0" indent="0">
               <a:buNone/>
             </a:pPr>
-            <a:r>
-              <a:t>计算机对组织学成像进行分析，不但能克服人工进行组织分析的缺陷，而且能提取人工进行组织分析忽略的信息。</a:t>
+            <a:endParaRPr lang="en-GB" dirty="0">
+              <a:latin typeface="Segoe UI" panose="020B0502040204020203" pitchFamily="34" charset="0"/>
+              <a:ea typeface="DengXian" panose="02010600030101010101" pitchFamily="2" charset="-122"/>
+              <a:cs typeface="FZLanTingHei-L-GBK-M" panose="02010600010101010101" pitchFamily="2" charset="2"/>
+              <a:sym typeface="Segoe UI" panose="020B0502040204020203" pitchFamily="34" charset="0"/>
+            </a:endParaRPr>
+          </a:p>
+          <a:p>
+            <a:pPr marL="0" indent="0">
+              <a:buNone/>
+            </a:pPr>
+            <a:r>
+              <a:rPr dirty="0" err="1">
+                <a:latin typeface="Segoe UI" panose="020B0502040204020203" pitchFamily="34" charset="0"/>
+                <a:ea typeface="DengXian" panose="02010600030101010101" pitchFamily="2" charset="-122"/>
+                <a:cs typeface="FZLanTingHei-L-GBK-M" panose="02010600010101010101" pitchFamily="2" charset="2"/>
+                <a:sym typeface="Segoe UI" panose="020B0502040204020203" pitchFamily="34" charset="0"/>
+              </a:rPr>
+              <a:t>组织分析</a:t>
+            </a:r>
+            <a:r>
+              <a:rPr b="1" dirty="0" err="1">
+                <a:latin typeface="Segoe UI" panose="020B0502040204020203" pitchFamily="34" charset="0"/>
+                <a:ea typeface="DengXian" panose="02010600030101010101" pitchFamily="2" charset="-122"/>
+                <a:cs typeface="FZLanTingHei-L-GBK-M" panose="02010600010101010101" pitchFamily="2" charset="2"/>
+                <a:sym typeface="Segoe UI" panose="020B0502040204020203" pitchFamily="34" charset="0"/>
+              </a:rPr>
+              <a:t>高度主观</a:t>
+            </a:r>
+            <a:r>
+              <a:rPr lang="zh-CN" altLang="en-US" dirty="0">
+                <a:latin typeface="Segoe UI" panose="020B0502040204020203" pitchFamily="34" charset="0"/>
+                <a:ea typeface="DengXian" panose="02010600030101010101" pitchFamily="2" charset="-122"/>
+                <a:cs typeface="FZLanTingHei-L-GBK-M" panose="02010600010101010101" pitchFamily="2" charset="2"/>
+                <a:sym typeface="Segoe UI" panose="020B0502040204020203" pitchFamily="34" charset="0"/>
+              </a:rPr>
+              <a:t>，</a:t>
+            </a:r>
+            <a:r>
+              <a:rPr b="1" dirty="0">
+                <a:latin typeface="Segoe UI" panose="020B0502040204020203" pitchFamily="34" charset="0"/>
+                <a:ea typeface="DengXian" panose="02010600030101010101" pitchFamily="2" charset="-122"/>
+                <a:cs typeface="FZLanTingHei-L-GBK-M" panose="02010600010101010101" pitchFamily="2" charset="2"/>
+                <a:sym typeface="Segoe UI" panose="020B0502040204020203" pitchFamily="34" charset="0"/>
+              </a:rPr>
+              <a:t>不</a:t>
+            </a:r>
+            <a:r>
+              <a:rPr lang="zh-CN" altLang="en-US" b="1" dirty="0">
+                <a:latin typeface="Segoe UI" panose="020B0502040204020203" pitchFamily="34" charset="0"/>
+                <a:ea typeface="DengXian" panose="02010600030101010101" pitchFamily="2" charset="-122"/>
+                <a:cs typeface="FZLanTingHei-L-GBK-M" panose="02010600010101010101" pitchFamily="2" charset="2"/>
+                <a:sym typeface="Segoe UI" panose="020B0502040204020203" pitchFamily="34" charset="0"/>
+              </a:rPr>
+              <a:t>易</a:t>
+            </a:r>
+            <a:r>
+              <a:rPr b="1" dirty="0" err="1">
+                <a:latin typeface="Segoe UI" panose="020B0502040204020203" pitchFamily="34" charset="0"/>
+                <a:ea typeface="DengXian" panose="02010600030101010101" pitchFamily="2" charset="-122"/>
+                <a:cs typeface="FZLanTingHei-L-GBK-M" panose="02010600010101010101" pitchFamily="2" charset="2"/>
+                <a:sym typeface="Segoe UI" panose="020B0502040204020203" pitchFamily="34" charset="0"/>
+              </a:rPr>
+              <a:t>重复</a:t>
+            </a:r>
+            <a:r>
+              <a:rPr dirty="0" err="1">
+                <a:latin typeface="Segoe UI" panose="020B0502040204020203" pitchFamily="34" charset="0"/>
+                <a:ea typeface="DengXian" panose="02010600030101010101" pitchFamily="2" charset="-122"/>
+                <a:cs typeface="FZLanTingHei-L-GBK-M" panose="02010600010101010101" pitchFamily="2" charset="2"/>
+                <a:sym typeface="Segoe UI" panose="020B0502040204020203" pitchFamily="34" charset="0"/>
+              </a:rPr>
+              <a:t>得到相同结果</a:t>
+            </a:r>
+            <a:r>
+              <a:rPr dirty="0">
+                <a:latin typeface="Segoe UI" panose="020B0502040204020203" pitchFamily="34" charset="0"/>
+                <a:ea typeface="DengXian" panose="02010600030101010101" pitchFamily="2" charset="-122"/>
+                <a:cs typeface="FZLanTingHei-L-GBK-M" panose="02010600010101010101" pitchFamily="2" charset="2"/>
+                <a:sym typeface="Segoe UI" panose="020B0502040204020203" pitchFamily="34" charset="0"/>
+              </a:rPr>
+              <a:t>。</a:t>
+            </a:r>
+            <a:endParaRPr lang="en-GB" dirty="0">
+              <a:latin typeface="Segoe UI" panose="020B0502040204020203" pitchFamily="34" charset="0"/>
+              <a:ea typeface="DengXian" panose="02010600030101010101" pitchFamily="2" charset="-122"/>
+              <a:cs typeface="FZLanTingHei-L-GBK-M" panose="02010600010101010101" pitchFamily="2" charset="2"/>
+              <a:sym typeface="Segoe UI" panose="020B0502040204020203" pitchFamily="34" charset="0"/>
+            </a:endParaRPr>
+          </a:p>
+          <a:p>
+            <a:pPr marL="0" indent="0">
+              <a:buNone/>
+            </a:pPr>
+            <a:endParaRPr dirty="0">
+              <a:latin typeface="Segoe UI" panose="020B0502040204020203" pitchFamily="34" charset="0"/>
+              <a:ea typeface="DengXian" panose="02010600030101010101" pitchFamily="2" charset="-122"/>
+              <a:cs typeface="FZLanTingHei-L-GBK-M" panose="02010600010101010101" pitchFamily="2" charset="2"/>
+              <a:sym typeface="Segoe UI" panose="020B0502040204020203" pitchFamily="34" charset="0"/>
+            </a:endParaRPr>
+          </a:p>
+          <a:p>
+            <a:pPr marL="0" indent="0">
+              <a:buNone/>
+            </a:pPr>
+            <a:r>
+              <a:rPr dirty="0" err="1">
+                <a:latin typeface="Segoe UI" panose="020B0502040204020203" pitchFamily="34" charset="0"/>
+                <a:ea typeface="DengXian" panose="02010600030101010101" pitchFamily="2" charset="-122"/>
+                <a:cs typeface="FZLanTingHei-L-GBK-M" panose="02010600010101010101" pitchFamily="2" charset="2"/>
+                <a:sym typeface="Segoe UI" panose="020B0502040204020203" pitchFamily="34" charset="0"/>
+              </a:rPr>
+              <a:t>计算机对组织学成像进行分析，不但能</a:t>
+            </a:r>
+            <a:r>
+              <a:rPr b="1" dirty="0" err="1">
+                <a:latin typeface="Segoe UI" panose="020B0502040204020203" pitchFamily="34" charset="0"/>
+                <a:ea typeface="DengXian" panose="02010600030101010101" pitchFamily="2" charset="-122"/>
+                <a:cs typeface="FZLanTingHei-L-GBK-M" panose="02010600010101010101" pitchFamily="2" charset="2"/>
+                <a:sym typeface="Segoe UI" panose="020B0502040204020203" pitchFamily="34" charset="0"/>
+              </a:rPr>
+              <a:t>克服人工</a:t>
+            </a:r>
+            <a:r>
+              <a:rPr dirty="0" err="1">
+                <a:latin typeface="Segoe UI" panose="020B0502040204020203" pitchFamily="34" charset="0"/>
+                <a:ea typeface="DengXian" panose="02010600030101010101" pitchFamily="2" charset="-122"/>
+                <a:cs typeface="FZLanTingHei-L-GBK-M" panose="02010600010101010101" pitchFamily="2" charset="2"/>
+                <a:sym typeface="Segoe UI" panose="020B0502040204020203" pitchFamily="34" charset="0"/>
+              </a:rPr>
+              <a:t>进行组织分析的</a:t>
+            </a:r>
+            <a:r>
+              <a:rPr b="1" dirty="0" err="1">
+                <a:latin typeface="Segoe UI" panose="020B0502040204020203" pitchFamily="34" charset="0"/>
+                <a:ea typeface="DengXian" panose="02010600030101010101" pitchFamily="2" charset="-122"/>
+                <a:cs typeface="FZLanTingHei-L-GBK-M" panose="02010600010101010101" pitchFamily="2" charset="2"/>
+                <a:sym typeface="Segoe UI" panose="020B0502040204020203" pitchFamily="34" charset="0"/>
+              </a:rPr>
+              <a:t>缺陷</a:t>
+            </a:r>
+            <a:r>
+              <a:rPr dirty="0" err="1">
+                <a:latin typeface="Segoe UI" panose="020B0502040204020203" pitchFamily="34" charset="0"/>
+                <a:ea typeface="DengXian" panose="02010600030101010101" pitchFamily="2" charset="-122"/>
+                <a:cs typeface="FZLanTingHei-L-GBK-M" panose="02010600010101010101" pitchFamily="2" charset="2"/>
+                <a:sym typeface="Segoe UI" panose="020B0502040204020203" pitchFamily="34" charset="0"/>
+              </a:rPr>
+              <a:t>，而且能</a:t>
+            </a:r>
+            <a:r>
+              <a:rPr b="1" dirty="0" err="1">
+                <a:latin typeface="Segoe UI" panose="020B0502040204020203" pitchFamily="34" charset="0"/>
+                <a:ea typeface="DengXian" panose="02010600030101010101" pitchFamily="2" charset="-122"/>
+                <a:cs typeface="FZLanTingHei-L-GBK-M" panose="02010600010101010101" pitchFamily="2" charset="2"/>
+                <a:sym typeface="Segoe UI" panose="020B0502040204020203" pitchFamily="34" charset="0"/>
+              </a:rPr>
+              <a:t>提取</a:t>
+            </a:r>
+            <a:r>
+              <a:rPr dirty="0" err="1">
+                <a:latin typeface="Segoe UI" panose="020B0502040204020203" pitchFamily="34" charset="0"/>
+                <a:ea typeface="DengXian" panose="02010600030101010101" pitchFamily="2" charset="-122"/>
+                <a:cs typeface="FZLanTingHei-L-GBK-M" panose="02010600010101010101" pitchFamily="2" charset="2"/>
+                <a:sym typeface="Segoe UI" panose="020B0502040204020203" pitchFamily="34" charset="0"/>
+              </a:rPr>
+              <a:t>人工进行组织分析</a:t>
+            </a:r>
+            <a:r>
+              <a:rPr b="1" dirty="0" err="1">
+                <a:latin typeface="Segoe UI" panose="020B0502040204020203" pitchFamily="34" charset="0"/>
+                <a:ea typeface="DengXian" panose="02010600030101010101" pitchFamily="2" charset="-122"/>
+                <a:cs typeface="FZLanTingHei-L-GBK-M" panose="02010600010101010101" pitchFamily="2" charset="2"/>
+                <a:sym typeface="Segoe UI" panose="020B0502040204020203" pitchFamily="34" charset="0"/>
+              </a:rPr>
+              <a:t>忽略</a:t>
+            </a:r>
+            <a:r>
+              <a:rPr dirty="0" err="1">
+                <a:latin typeface="Segoe UI" panose="020B0502040204020203" pitchFamily="34" charset="0"/>
+                <a:ea typeface="DengXian" panose="02010600030101010101" pitchFamily="2" charset="-122"/>
+                <a:cs typeface="FZLanTingHei-L-GBK-M" panose="02010600010101010101" pitchFamily="2" charset="2"/>
+                <a:sym typeface="Segoe UI" panose="020B0502040204020203" pitchFamily="34" charset="0"/>
+              </a:rPr>
+              <a:t>的</a:t>
+            </a:r>
+            <a:r>
+              <a:rPr b="1" dirty="0" err="1">
+                <a:latin typeface="Segoe UI" panose="020B0502040204020203" pitchFamily="34" charset="0"/>
+                <a:ea typeface="DengXian" panose="02010600030101010101" pitchFamily="2" charset="-122"/>
+                <a:cs typeface="FZLanTingHei-L-GBK-M" panose="02010600010101010101" pitchFamily="2" charset="2"/>
+                <a:sym typeface="Segoe UI" panose="020B0502040204020203" pitchFamily="34" charset="0"/>
+              </a:rPr>
+              <a:t>信息</a:t>
+            </a:r>
+            <a:r>
+              <a:rPr dirty="0">
+                <a:latin typeface="Segoe UI" panose="020B0502040204020203" pitchFamily="34" charset="0"/>
+                <a:ea typeface="DengXian" panose="02010600030101010101" pitchFamily="2" charset="-122"/>
+                <a:cs typeface="FZLanTingHei-L-GBK-M" panose="02010600010101010101" pitchFamily="2" charset="2"/>
+                <a:sym typeface="Segoe UI" panose="020B0502040204020203" pitchFamily="34" charset="0"/>
+              </a:rPr>
+              <a:t>。</a:t>
             </a:r>
           </a:p>
         </p:txBody>
@@ -6627,12 +11123,18 @@
       </p:grpSpPr>
       <p:sp>
         <p:nvSpPr>
-          <p:cNvPr id="2" name="Title 1"/>
-          <p:cNvSpPr>
-            <a:spLocks noGrp="1"/>
-          </p:cNvSpPr>
-          <p:nvPr>
-            <p:ph type="title"/>
+          <p:cNvPr id="4" name="文本占位符 3">
+            <a:extLst>
+              <a:ext uri="{FF2B5EF4-FFF2-40B4-BE49-F238E27FC236}">
+                <a16:creationId xmlns:a16="http://schemas.microsoft.com/office/drawing/2014/main" id="{590E2AC0-356F-4E82-A45D-F72D45D9A70C}"/>
+              </a:ext>
+            </a:extLst>
+          </p:cNvPr>
+          <p:cNvSpPr>
+            <a:spLocks noGrp="1"/>
+          </p:cNvSpPr>
+          <p:nvPr>
+            <p:ph type="body" sz="quarter" idx="10"/>
           </p:nvPr>
         </p:nvSpPr>
         <p:spPr/>
@@ -6640,12 +11142,40 @@
           <a:bodyPr/>
           <a:lstStyle/>
           <a:p>
-            <a:pPr marL="0" lvl="0" indent="0">
-              <a:buNone/>
-            </a:pPr>
-            <a:r>
-              <a:t>2 研究内容</a:t>
-            </a:r>
+            <a:pPr algn="l"/>
+            <a:r>
+              <a:rPr lang="en-US" altLang="zh-CN" sz="3600" dirty="0">
+                <a:solidFill>
+                  <a:schemeClr val="tx1"/>
+                </a:solidFill>
+                <a:latin typeface="Segoe UI" panose="020B0502040204020203" pitchFamily="34" charset="0"/>
+                <a:ea typeface="DengXian" panose="02010600030101010101" pitchFamily="2" charset="-122"/>
+                <a:cs typeface="FZLanTingHei-L-GBK-M" panose="02010600010101010101" pitchFamily="2" charset="2"/>
+                <a:sym typeface="Segoe UI" panose="020B0502040204020203" pitchFamily="34" charset="0"/>
+              </a:rPr>
+              <a:t>2 </a:t>
+            </a:r>
+            <a:r>
+              <a:rPr lang="zh-CN" altLang="en-US" sz="3600" dirty="0">
+                <a:solidFill>
+                  <a:schemeClr val="tx1"/>
+                </a:solidFill>
+                <a:latin typeface="Segoe UI" panose="020B0502040204020203" pitchFamily="34" charset="0"/>
+                <a:ea typeface="DengXian" panose="02010600030101010101" pitchFamily="2" charset="-122"/>
+                <a:cs typeface="FZLanTingHei-L-GBK-M" panose="02010600010101010101" pitchFamily="2" charset="2"/>
+                <a:sym typeface="Segoe UI" panose="020B0502040204020203" pitchFamily="34" charset="0"/>
+              </a:rPr>
+              <a:t>研究内容</a:t>
+            </a:r>
+            <a:endParaRPr lang="en-GB" sz="3600" dirty="0">
+              <a:solidFill>
+                <a:schemeClr val="tx1"/>
+              </a:solidFill>
+              <a:latin typeface="Segoe UI" panose="020B0502040204020203" pitchFamily="34" charset="0"/>
+              <a:ea typeface="DengXian" panose="02010600030101010101" pitchFamily="2" charset="-122"/>
+              <a:cs typeface="FZLanTingHei-L-GBK-M" panose="02010600010101010101" pitchFamily="2" charset="2"/>
+              <a:sym typeface="Segoe UI" panose="020B0502040204020203" pitchFamily="34" charset="0"/>
+            </a:endParaRPr>
           </a:p>
         </p:txBody>
       </p:sp>
@@ -6676,12 +11206,18 @@
       </p:grpSpPr>
       <p:sp>
         <p:nvSpPr>
-          <p:cNvPr id="2" name="Title 1"/>
-          <p:cNvSpPr>
-            <a:spLocks noGrp="1"/>
-          </p:cNvSpPr>
-          <p:nvPr>
-            <p:ph type="title"/>
+          <p:cNvPr id="4" name="文本占位符 3">
+            <a:extLst>
+              <a:ext uri="{FF2B5EF4-FFF2-40B4-BE49-F238E27FC236}">
+                <a16:creationId xmlns:a16="http://schemas.microsoft.com/office/drawing/2014/main" id="{7CD55DD4-FBAE-40F1-AB35-C780BAFC4A50}"/>
+              </a:ext>
+            </a:extLst>
+          </p:cNvPr>
+          <p:cNvSpPr>
+            <a:spLocks noGrp="1"/>
+          </p:cNvSpPr>
+          <p:nvPr>
+            <p:ph type="body" sz="quarter" idx="11"/>
           </p:nvPr>
         </p:nvSpPr>
         <p:spPr/>
@@ -6689,12 +11225,30 @@
           <a:bodyPr/>
           <a:lstStyle/>
           <a:p>
-            <a:pPr marL="0" lvl="0" indent="0">
-              <a:buNone/>
-            </a:pPr>
-            <a:r>
-              <a:t>2.1 研究亮点</a:t>
-            </a:r>
+            <a:r>
+              <a:rPr lang="en-US" altLang="zh-CN" dirty="0">
+                <a:latin typeface="Segoe UI" panose="020B0502040204020203" pitchFamily="34" charset="0"/>
+                <a:ea typeface="DengXian" panose="02010600030101010101" pitchFamily="2" charset="-122"/>
+                <a:cs typeface="FZLanTingHei-L-GBK-M" panose="02010600010101010101" pitchFamily="2" charset="2"/>
+                <a:sym typeface="Segoe UI" panose="020B0502040204020203" pitchFamily="34" charset="0"/>
+              </a:rPr>
+              <a:t>2.1 </a:t>
+            </a:r>
+            <a:r>
+              <a:rPr lang="zh-CN" altLang="en-US" dirty="0">
+                <a:latin typeface="Segoe UI" panose="020B0502040204020203" pitchFamily="34" charset="0"/>
+                <a:ea typeface="DengXian" panose="02010600030101010101" pitchFamily="2" charset="-122"/>
+                <a:cs typeface="FZLanTingHei-L-GBK-M" panose="02010600010101010101" pitchFamily="2" charset="2"/>
+                <a:sym typeface="Segoe UI" panose="020B0502040204020203" pitchFamily="34" charset="0"/>
+              </a:rPr>
+              <a:t>研究亮点</a:t>
+            </a:r>
+            <a:endParaRPr lang="en-GB" dirty="0">
+              <a:latin typeface="Segoe UI" panose="020B0502040204020203" pitchFamily="34" charset="0"/>
+              <a:ea typeface="DengXian" panose="02010600030101010101" pitchFamily="2" charset="-122"/>
+              <a:cs typeface="FZLanTingHei-L-GBK-M" panose="02010600010101010101" pitchFamily="2" charset="2"/>
+              <a:sym typeface="Segoe UI" panose="020B0502040204020203" pitchFamily="34" charset="0"/>
+            </a:endParaRPr>
           </a:p>
         </p:txBody>
       </p:sp>
@@ -6708,23 +11262,428 @@
             <p:ph idx="1"/>
           </p:nvPr>
         </p:nvSpPr>
-        <p:spPr/>
+        <p:spPr>
+          <a:xfrm>
+            <a:off x="881063" y="1420485"/>
+            <a:ext cx="10639425" cy="5019675"/>
+          </a:xfrm>
+        </p:spPr>
         <p:txBody>
           <a:bodyPr>
             <a:normAutofit/>
           </a:bodyPr>
           <a:lstStyle/>
           <a:p>
-            <a:pPr marL="0" lvl="0" indent="0">
-              <a:buNone/>
-            </a:pPr>
-            <a:r>
-              <a:rPr dirty="0" err="1"/>
-              <a:t>本文提出一种基于Nasnet的乳腺癌生存神经网络模型（SNAS</a:t>
-            </a:r>
-            <a:r>
-              <a:rPr dirty="0"/>
-              <a:t>）。它能分析乳腺癌组织学成像提供较为准确的“时间-事件”预测，即生存预测。该模型的预测能力能实现优于与使用专家分析同样图像提取的特征建立的生存分析模型的表现。同时，该模型能由文中搭建的全自动的由.svs病理切片图像到生存模型的“端到端”流水线（pipeline）生成。其中的所有环节均无需人为介入。此外，该模型大小中等，7.24e+07个参数，其中4.26e+07个参数为Nasnet以迁移Kaggle数据训练，故实际需要计算的参数量仅为2.97e+07个，一般能在个人计算机上无障碍地进行训练及使用。</a:t>
+            <a:r>
+              <a:rPr lang="zh-CN" altLang="en-US" dirty="0">
+                <a:latin typeface="Segoe UI" panose="020B0502040204020203" pitchFamily="34" charset="0"/>
+                <a:ea typeface="DengXian" panose="02010600030101010101" pitchFamily="2" charset="-122"/>
+                <a:cs typeface="FZLanTingHei-L-GBK-M" panose="02010600010101010101" pitchFamily="2" charset="2"/>
+                <a:sym typeface="Segoe UI" panose="020B0502040204020203" pitchFamily="34" charset="0"/>
+              </a:rPr>
+              <a:t>建立</a:t>
+            </a:r>
+            <a:r>
+              <a:rPr dirty="0" err="1">
+                <a:latin typeface="Segoe UI" panose="020B0502040204020203" pitchFamily="34" charset="0"/>
+                <a:ea typeface="DengXian" panose="02010600030101010101" pitchFamily="2" charset="-122"/>
+                <a:cs typeface="FZLanTingHei-L-GBK-M" panose="02010600010101010101" pitchFamily="2" charset="2"/>
+                <a:sym typeface="Segoe UI" panose="020B0502040204020203" pitchFamily="34" charset="0"/>
+              </a:rPr>
+              <a:t>基于</a:t>
+            </a:r>
+            <a:r>
+              <a:rPr b="1" dirty="0" err="1">
+                <a:latin typeface="Segoe UI" panose="020B0502040204020203" pitchFamily="34" charset="0"/>
+                <a:ea typeface="DengXian" panose="02010600030101010101" pitchFamily="2" charset="-122"/>
+                <a:cs typeface="FZLanTingHei-L-GBK-M" panose="02010600010101010101" pitchFamily="2" charset="2"/>
+                <a:sym typeface="Segoe UI" panose="020B0502040204020203" pitchFamily="34" charset="0"/>
+              </a:rPr>
+              <a:t>N</a:t>
+            </a:r>
+            <a:r>
+              <a:rPr lang="en-US" altLang="zh-CN" b="1" dirty="0" err="1">
+                <a:latin typeface="Segoe UI" panose="020B0502040204020203" pitchFamily="34" charset="0"/>
+                <a:ea typeface="DengXian" panose="02010600030101010101" pitchFamily="2" charset="-122"/>
+                <a:cs typeface="FZLanTingHei-L-GBK-M" panose="02010600010101010101" pitchFamily="2" charset="2"/>
+                <a:sym typeface="Segoe UI" panose="020B0502040204020203" pitchFamily="34" charset="0"/>
+              </a:rPr>
+              <a:t>ASN</a:t>
+            </a:r>
+            <a:r>
+              <a:rPr b="1" dirty="0" err="1">
+                <a:latin typeface="Segoe UI" panose="020B0502040204020203" pitchFamily="34" charset="0"/>
+                <a:ea typeface="DengXian" panose="02010600030101010101" pitchFamily="2" charset="-122"/>
+                <a:cs typeface="FZLanTingHei-L-GBK-M" panose="02010600010101010101" pitchFamily="2" charset="2"/>
+                <a:sym typeface="Segoe UI" panose="020B0502040204020203" pitchFamily="34" charset="0"/>
+              </a:rPr>
+              <a:t>et</a:t>
+            </a:r>
+            <a:r>
+              <a:rPr dirty="0" err="1">
+                <a:latin typeface="Segoe UI" panose="020B0502040204020203" pitchFamily="34" charset="0"/>
+                <a:ea typeface="DengXian" panose="02010600030101010101" pitchFamily="2" charset="-122"/>
+                <a:cs typeface="FZLanTingHei-L-GBK-M" panose="02010600010101010101" pitchFamily="2" charset="2"/>
+                <a:sym typeface="Segoe UI" panose="020B0502040204020203" pitchFamily="34" charset="0"/>
+              </a:rPr>
+              <a:t>的乳腺癌生存神经网络模型（SNAS</a:t>
+            </a:r>
+            <a:r>
+              <a:rPr dirty="0">
+                <a:latin typeface="Segoe UI" panose="020B0502040204020203" pitchFamily="34" charset="0"/>
+                <a:ea typeface="DengXian" panose="02010600030101010101" pitchFamily="2" charset="-122"/>
+                <a:cs typeface="FZLanTingHei-L-GBK-M" panose="02010600010101010101" pitchFamily="2" charset="2"/>
+                <a:sym typeface="Segoe UI" panose="020B0502040204020203" pitchFamily="34" charset="0"/>
+              </a:rPr>
+              <a:t>）</a:t>
+            </a:r>
+            <a:r>
+              <a:rPr lang="zh-CN" altLang="en-US" dirty="0">
+                <a:latin typeface="Segoe UI" panose="020B0502040204020203" pitchFamily="34" charset="0"/>
+                <a:ea typeface="DengXian" panose="02010600030101010101" pitchFamily="2" charset="-122"/>
+                <a:cs typeface="FZLanTingHei-L-GBK-M" panose="02010600010101010101" pitchFamily="2" charset="2"/>
+                <a:sym typeface="Segoe UI" panose="020B0502040204020203" pitchFamily="34" charset="0"/>
+              </a:rPr>
+              <a:t>，其</a:t>
+            </a:r>
+            <a:r>
+              <a:rPr dirty="0">
+                <a:latin typeface="Segoe UI" panose="020B0502040204020203" pitchFamily="34" charset="0"/>
+                <a:ea typeface="DengXian" panose="02010600030101010101" pitchFamily="2" charset="-122"/>
+                <a:cs typeface="FZLanTingHei-L-GBK-M" panose="02010600010101010101" pitchFamily="2" charset="2"/>
+                <a:sym typeface="Segoe UI" panose="020B0502040204020203" pitchFamily="34" charset="0"/>
+              </a:rPr>
+              <a:t>能</a:t>
+            </a:r>
+            <a:r>
+              <a:rPr lang="zh-CN" altLang="en-US" dirty="0">
+                <a:latin typeface="Segoe UI" panose="020B0502040204020203" pitchFamily="34" charset="0"/>
+                <a:ea typeface="DengXian" panose="02010600030101010101" pitchFamily="2" charset="-122"/>
+                <a:cs typeface="FZLanTingHei-L-GBK-M" panose="02010600010101010101" pitchFamily="2" charset="2"/>
+                <a:sym typeface="Segoe UI" panose="020B0502040204020203" pitchFamily="34" charset="0"/>
+              </a:rPr>
+              <a:t>通过</a:t>
+            </a:r>
+            <a:r>
+              <a:rPr dirty="0" err="1">
+                <a:latin typeface="Segoe UI" panose="020B0502040204020203" pitchFamily="34" charset="0"/>
+                <a:ea typeface="DengXian" panose="02010600030101010101" pitchFamily="2" charset="-122"/>
+                <a:cs typeface="FZLanTingHei-L-GBK-M" panose="02010600010101010101" pitchFamily="2" charset="2"/>
+                <a:sym typeface="Segoe UI" panose="020B0502040204020203" pitchFamily="34" charset="0"/>
+              </a:rPr>
+              <a:t>分析乳腺癌组织学成像提供</a:t>
+            </a:r>
+            <a:r>
+              <a:rPr lang="en-GB" dirty="0">
+                <a:latin typeface="Segoe UI" panose="020B0502040204020203" pitchFamily="34" charset="0"/>
+                <a:ea typeface="DengXian" panose="02010600030101010101" pitchFamily="2" charset="-122"/>
+                <a:cs typeface="FZLanTingHei-L-GBK-M" panose="02010600010101010101" pitchFamily="2" charset="2"/>
+                <a:sym typeface="Segoe UI" panose="020B0502040204020203" pitchFamily="34" charset="0"/>
+              </a:rPr>
+              <a:t> </a:t>
+            </a:r>
+            <a:r>
+              <a:rPr dirty="0">
+                <a:latin typeface="Segoe UI" panose="020B0502040204020203" pitchFamily="34" charset="0"/>
+                <a:ea typeface="DengXian" panose="02010600030101010101" pitchFamily="2" charset="-122"/>
+                <a:cs typeface="FZLanTingHei-L-GBK-M" panose="02010600010101010101" pitchFamily="2" charset="2"/>
+                <a:sym typeface="Segoe UI" panose="020B0502040204020203" pitchFamily="34" charset="0"/>
+              </a:rPr>
+              <a:t>“</a:t>
+            </a:r>
+            <a:r>
+              <a:rPr dirty="0" err="1">
+                <a:latin typeface="Segoe UI" panose="020B0502040204020203" pitchFamily="34" charset="0"/>
+                <a:ea typeface="DengXian" panose="02010600030101010101" pitchFamily="2" charset="-122"/>
+                <a:cs typeface="FZLanTingHei-L-GBK-M" panose="02010600010101010101" pitchFamily="2" charset="2"/>
+                <a:sym typeface="Segoe UI" panose="020B0502040204020203" pitchFamily="34" charset="0"/>
+              </a:rPr>
+              <a:t>时间-事件”预测</a:t>
+            </a:r>
+            <a:r>
+              <a:rPr dirty="0">
+                <a:latin typeface="Segoe UI" panose="020B0502040204020203" pitchFamily="34" charset="0"/>
+                <a:ea typeface="DengXian" panose="02010600030101010101" pitchFamily="2" charset="-122"/>
+                <a:cs typeface="FZLanTingHei-L-GBK-M" panose="02010600010101010101" pitchFamily="2" charset="2"/>
+                <a:sym typeface="Segoe UI" panose="020B0502040204020203" pitchFamily="34" charset="0"/>
+              </a:rPr>
+              <a:t>。</a:t>
+            </a:r>
+            <a:endParaRPr lang="en-GB" dirty="0">
+              <a:latin typeface="Segoe UI" panose="020B0502040204020203" pitchFamily="34" charset="0"/>
+              <a:ea typeface="DengXian" panose="02010600030101010101" pitchFamily="2" charset="-122"/>
+              <a:cs typeface="FZLanTingHei-L-GBK-M" panose="02010600010101010101" pitchFamily="2" charset="2"/>
+              <a:sym typeface="Segoe UI" panose="020B0502040204020203" pitchFamily="34" charset="0"/>
+            </a:endParaRPr>
+          </a:p>
+          <a:p>
+            <a:r>
+              <a:rPr lang="en-US" altLang="zh-CN" b="1" dirty="0">
+                <a:latin typeface="Segoe UI" panose="020B0502040204020203" pitchFamily="34" charset="0"/>
+                <a:ea typeface="DengXian" panose="02010600030101010101" pitchFamily="2" charset="-122"/>
+                <a:cs typeface="FZLanTingHei-L-GBK-M" panose="02010600010101010101" pitchFamily="2" charset="2"/>
+                <a:sym typeface="Segoe UI" panose="020B0502040204020203" pitchFamily="34" charset="0"/>
+              </a:rPr>
+              <a:t>50 </a:t>
+            </a:r>
+            <a:r>
+              <a:rPr lang="zh-CN" altLang="en-US" b="1" dirty="0">
+                <a:latin typeface="Segoe UI" panose="020B0502040204020203" pitchFamily="34" charset="0"/>
+                <a:ea typeface="DengXian" panose="02010600030101010101" pitchFamily="2" charset="-122"/>
+                <a:cs typeface="FZLanTingHei-L-GBK-M" panose="02010600010101010101" pitchFamily="2" charset="2"/>
+                <a:sym typeface="Segoe UI" panose="020B0502040204020203" pitchFamily="34" charset="0"/>
+              </a:rPr>
+              <a:t>次</a:t>
+            </a:r>
+            <a:r>
+              <a:rPr lang="zh-CN" altLang="en-US" dirty="0">
+                <a:latin typeface="Segoe UI" panose="020B0502040204020203" pitchFamily="34" charset="0"/>
+                <a:ea typeface="DengXian" panose="02010600030101010101" pitchFamily="2" charset="-122"/>
+                <a:cs typeface="FZLanTingHei-L-GBK-M" panose="02010600010101010101" pitchFamily="2" charset="2"/>
+                <a:sym typeface="Segoe UI" panose="020B0502040204020203" pitchFamily="34" charset="0"/>
+              </a:rPr>
+              <a:t>训练后</a:t>
+            </a:r>
+            <a:r>
+              <a:rPr lang="en-US" altLang="zh-CN" b="1" dirty="0">
+                <a:latin typeface="Segoe UI" panose="020B0502040204020203" pitchFamily="34" charset="0"/>
+                <a:ea typeface="DengXian" panose="02010600030101010101" pitchFamily="2" charset="-122"/>
+                <a:cs typeface="FZLanTingHei-L-GBK-M" panose="02010600010101010101" pitchFamily="2" charset="2"/>
+                <a:sym typeface="Segoe UI" panose="020B0502040204020203" pitchFamily="34" charset="0"/>
+              </a:rPr>
+              <a:t>99.9%</a:t>
+            </a:r>
+            <a:r>
+              <a:rPr lang="zh-CN" altLang="en-US" dirty="0">
+                <a:latin typeface="Segoe UI" panose="020B0502040204020203" pitchFamily="34" charset="0"/>
+                <a:ea typeface="DengXian" panose="02010600030101010101" pitchFamily="2" charset="-122"/>
+                <a:cs typeface="FZLanTingHei-L-GBK-M" panose="02010600010101010101" pitchFamily="2" charset="2"/>
+                <a:sym typeface="Segoe UI" panose="020B0502040204020203" pitchFamily="34" charset="0"/>
+              </a:rPr>
+              <a:t>的可能得到预测能力</a:t>
+            </a:r>
+            <a:r>
+              <a:rPr lang="zh-CN" altLang="en-US" b="1" dirty="0">
+                <a:latin typeface="Segoe UI" panose="020B0502040204020203" pitchFamily="34" charset="0"/>
+                <a:ea typeface="DengXian" panose="02010600030101010101" pitchFamily="2" charset="-122"/>
+                <a:cs typeface="FZLanTingHei-L-GBK-M" panose="02010600010101010101" pitchFamily="2" charset="2"/>
+                <a:sym typeface="Segoe UI" panose="020B0502040204020203" pitchFamily="34" charset="0"/>
+              </a:rPr>
+              <a:t>优于</a:t>
+            </a:r>
+            <a:r>
+              <a:rPr lang="zh-CN" altLang="en-US" dirty="0">
+                <a:latin typeface="Segoe UI" panose="020B0502040204020203" pitchFamily="34" charset="0"/>
+                <a:ea typeface="DengXian" panose="02010600030101010101" pitchFamily="2" charset="-122"/>
+                <a:cs typeface="FZLanTingHei-L-GBK-M" panose="02010600010101010101" pitchFamily="2" charset="2"/>
+                <a:sym typeface="Segoe UI" panose="020B0502040204020203" pitchFamily="34" charset="0"/>
+              </a:rPr>
+              <a:t>使用</a:t>
+            </a:r>
+            <a:r>
+              <a:rPr lang="zh-CN" altLang="en-US" b="1" dirty="0">
+                <a:latin typeface="Segoe UI" panose="020B0502040204020203" pitchFamily="34" charset="0"/>
+                <a:ea typeface="DengXian" panose="02010600030101010101" pitchFamily="2" charset="-122"/>
+                <a:cs typeface="FZLanTingHei-L-GBK-M" panose="02010600010101010101" pitchFamily="2" charset="2"/>
+                <a:sym typeface="Segoe UI" panose="020B0502040204020203" pitchFamily="34" charset="0"/>
+              </a:rPr>
+              <a:t>专家</a:t>
+            </a:r>
+            <a:r>
+              <a:rPr lang="zh-CN" altLang="en-US" dirty="0">
+                <a:latin typeface="Segoe UI" panose="020B0502040204020203" pitchFamily="34" charset="0"/>
+                <a:ea typeface="DengXian" panose="02010600030101010101" pitchFamily="2" charset="-122"/>
+                <a:cs typeface="FZLanTingHei-L-GBK-M" panose="02010600010101010101" pitchFamily="2" charset="2"/>
+                <a:sym typeface="Segoe UI" panose="020B0502040204020203" pitchFamily="34" charset="0"/>
+              </a:rPr>
+              <a:t>分析同样图像提取的特征建立的</a:t>
+            </a:r>
+            <a:r>
+              <a:rPr lang="en-US" altLang="zh-CN" b="1" dirty="0">
+                <a:latin typeface="Segoe UI" panose="020B0502040204020203" pitchFamily="34" charset="0"/>
+                <a:ea typeface="DengXian" panose="02010600030101010101" pitchFamily="2" charset="-122"/>
+                <a:cs typeface="FZLanTingHei-L-GBK-M" panose="02010600010101010101" pitchFamily="2" charset="2"/>
+                <a:sym typeface="Segoe UI" panose="020B0502040204020203" pitchFamily="34" charset="0"/>
+              </a:rPr>
+              <a:t>Cox HP </a:t>
+            </a:r>
+            <a:r>
+              <a:rPr lang="zh-CN" altLang="en-US" b="1" dirty="0">
+                <a:latin typeface="Segoe UI" panose="020B0502040204020203" pitchFamily="34" charset="0"/>
+                <a:ea typeface="DengXian" panose="02010600030101010101" pitchFamily="2" charset="-122"/>
+                <a:cs typeface="FZLanTingHei-L-GBK-M" panose="02010600010101010101" pitchFamily="2" charset="2"/>
+                <a:sym typeface="Segoe UI" panose="020B0502040204020203" pitchFamily="34" charset="0"/>
+              </a:rPr>
+              <a:t>模型</a:t>
+            </a:r>
+            <a:r>
+              <a:rPr lang="zh-CN" altLang="en-US" dirty="0">
+                <a:latin typeface="Segoe UI" panose="020B0502040204020203" pitchFamily="34" charset="0"/>
+                <a:ea typeface="DengXian" panose="02010600030101010101" pitchFamily="2" charset="-122"/>
+                <a:cs typeface="FZLanTingHei-L-GBK-M" panose="02010600010101010101" pitchFamily="2" charset="2"/>
+                <a:sym typeface="Segoe UI" panose="020B0502040204020203" pitchFamily="34" charset="0"/>
+              </a:rPr>
+              <a:t>的模型。</a:t>
+            </a:r>
+            <a:endParaRPr lang="en-GB" altLang="zh-CN" dirty="0">
+              <a:latin typeface="Segoe UI" panose="020B0502040204020203" pitchFamily="34" charset="0"/>
+              <a:ea typeface="DengXian" panose="02010600030101010101" pitchFamily="2" charset="-122"/>
+              <a:cs typeface="FZLanTingHei-L-GBK-M" panose="02010600010101010101" pitchFamily="2" charset="2"/>
+              <a:sym typeface="Segoe UI" panose="020B0502040204020203" pitchFamily="34" charset="0"/>
+            </a:endParaRPr>
+          </a:p>
+          <a:p>
+            <a:r>
+              <a:rPr lang="zh-CN" altLang="en-US" b="1" dirty="0">
+                <a:latin typeface="Segoe UI" panose="020B0502040204020203" pitchFamily="34" charset="0"/>
+                <a:ea typeface="DengXian" panose="02010600030101010101" pitchFamily="2" charset="-122"/>
+                <a:cs typeface="FZLanTingHei-L-GBK-M" panose="02010600010101010101" pitchFamily="2" charset="2"/>
+                <a:sym typeface="Segoe UI" panose="020B0502040204020203" pitchFamily="34" charset="0"/>
+              </a:rPr>
+              <a:t>首个</a:t>
+            </a:r>
+            <a:r>
+              <a:rPr b="1" dirty="0" err="1">
+                <a:latin typeface="Segoe UI" panose="020B0502040204020203" pitchFamily="34" charset="0"/>
+                <a:ea typeface="DengXian" panose="02010600030101010101" pitchFamily="2" charset="-122"/>
+                <a:cs typeface="FZLanTingHei-L-GBK-M" panose="02010600010101010101" pitchFamily="2" charset="2"/>
+                <a:sym typeface="Segoe UI" panose="020B0502040204020203" pitchFamily="34" charset="0"/>
+              </a:rPr>
+              <a:t>全自动</a:t>
+            </a:r>
+            <a:r>
+              <a:rPr dirty="0" err="1">
+                <a:latin typeface="Segoe UI" panose="020B0502040204020203" pitchFamily="34" charset="0"/>
+                <a:ea typeface="DengXian" panose="02010600030101010101" pitchFamily="2" charset="-122"/>
+                <a:cs typeface="FZLanTingHei-L-GBK-M" panose="02010600010101010101" pitchFamily="2" charset="2"/>
+                <a:sym typeface="Segoe UI" panose="020B0502040204020203" pitchFamily="34" charset="0"/>
+              </a:rPr>
+              <a:t>的由.svs病理切片图像到生存模型的“端到端</a:t>
+            </a:r>
+            <a:r>
+              <a:rPr dirty="0">
+                <a:latin typeface="Segoe UI" panose="020B0502040204020203" pitchFamily="34" charset="0"/>
+                <a:ea typeface="DengXian" panose="02010600030101010101" pitchFamily="2" charset="-122"/>
+                <a:cs typeface="FZLanTingHei-L-GBK-M" panose="02010600010101010101" pitchFamily="2" charset="2"/>
+                <a:sym typeface="Segoe UI" panose="020B0502040204020203" pitchFamily="34" charset="0"/>
+              </a:rPr>
+              <a:t>”</a:t>
+            </a:r>
+            <a:r>
+              <a:rPr lang="zh-CN" altLang="en-US" dirty="0">
+                <a:latin typeface="Segoe UI" panose="020B0502040204020203" pitchFamily="34" charset="0"/>
+                <a:ea typeface="DengXian" panose="02010600030101010101" pitchFamily="2" charset="-122"/>
+                <a:cs typeface="FZLanTingHei-L-GBK-M" panose="02010600010101010101" pitchFamily="2" charset="2"/>
+                <a:sym typeface="Segoe UI" panose="020B0502040204020203" pitchFamily="34" charset="0"/>
+              </a:rPr>
+              <a:t>批处理系统</a:t>
+            </a:r>
+            <a:r>
+              <a:rPr dirty="0">
+                <a:latin typeface="Segoe UI" panose="020B0502040204020203" pitchFamily="34" charset="0"/>
+                <a:ea typeface="DengXian" panose="02010600030101010101" pitchFamily="2" charset="-122"/>
+                <a:cs typeface="FZLanTingHei-L-GBK-M" panose="02010600010101010101" pitchFamily="2" charset="2"/>
+                <a:sym typeface="Segoe UI" panose="020B0502040204020203" pitchFamily="34" charset="0"/>
+              </a:rPr>
+              <a:t>。</a:t>
+            </a:r>
+            <a:endParaRPr lang="en-GB" dirty="0">
+              <a:latin typeface="Segoe UI" panose="020B0502040204020203" pitchFamily="34" charset="0"/>
+              <a:ea typeface="DengXian" panose="02010600030101010101" pitchFamily="2" charset="-122"/>
+              <a:cs typeface="FZLanTingHei-L-GBK-M" panose="02010600010101010101" pitchFamily="2" charset="2"/>
+              <a:sym typeface="Segoe UI" panose="020B0502040204020203" pitchFamily="34" charset="0"/>
+            </a:endParaRPr>
+          </a:p>
+          <a:p>
+            <a:r>
+              <a:rPr dirty="0">
+                <a:latin typeface="Segoe UI" panose="020B0502040204020203" pitchFamily="34" charset="0"/>
+                <a:ea typeface="DengXian" panose="02010600030101010101" pitchFamily="2" charset="-122"/>
+                <a:cs typeface="FZLanTingHei-L-GBK-M" panose="02010600010101010101" pitchFamily="2" charset="2"/>
+                <a:sym typeface="Segoe UI" panose="020B0502040204020203" pitchFamily="34" charset="0"/>
+              </a:rPr>
+              <a:t>该模型大小中等，7.24e+07个参数，</a:t>
+            </a:r>
+            <a:r>
+              <a:rPr lang="zh-CN" altLang="en-US" dirty="0">
+                <a:latin typeface="Segoe UI" panose="020B0502040204020203" pitchFamily="34" charset="0"/>
+                <a:ea typeface="DengXian" panose="02010600030101010101" pitchFamily="2" charset="-122"/>
+                <a:cs typeface="FZLanTingHei-L-GBK-M" panose="02010600010101010101" pitchFamily="2" charset="2"/>
+                <a:sym typeface="Segoe UI" panose="020B0502040204020203" pitchFamily="34" charset="0"/>
+              </a:rPr>
+              <a:t>其中</a:t>
+            </a:r>
+            <a:r>
+              <a:rPr dirty="0">
+                <a:latin typeface="Segoe UI" panose="020B0502040204020203" pitchFamily="34" charset="0"/>
+                <a:ea typeface="DengXian" panose="02010600030101010101" pitchFamily="2" charset="-122"/>
+                <a:cs typeface="FZLanTingHei-L-GBK-M" panose="02010600010101010101" pitchFamily="2" charset="2"/>
+                <a:sym typeface="Segoe UI" panose="020B0502040204020203" pitchFamily="34" charset="0"/>
+              </a:rPr>
+              <a:t>实际需要计算的参数量为</a:t>
+            </a:r>
+            <a:r>
+              <a:rPr b="1" dirty="0">
+                <a:latin typeface="Segoe UI" panose="020B0502040204020203" pitchFamily="34" charset="0"/>
+                <a:ea typeface="DengXian" panose="02010600030101010101" pitchFamily="2" charset="-122"/>
+                <a:cs typeface="FZLanTingHei-L-GBK-M" panose="02010600010101010101" pitchFamily="2" charset="2"/>
+                <a:sym typeface="Segoe UI" panose="020B0502040204020203" pitchFamily="34" charset="0"/>
+              </a:rPr>
+              <a:t>2.97e+07</a:t>
+            </a:r>
+            <a:r>
+              <a:rPr dirty="0">
+                <a:latin typeface="Segoe UI" panose="020B0502040204020203" pitchFamily="34" charset="0"/>
+                <a:ea typeface="DengXian" panose="02010600030101010101" pitchFamily="2" charset="-122"/>
+                <a:cs typeface="FZLanTingHei-L-GBK-M" panose="02010600010101010101" pitchFamily="2" charset="2"/>
+                <a:sym typeface="Segoe UI" panose="020B0502040204020203" pitchFamily="34" charset="0"/>
+              </a:rPr>
+              <a:t>个，</a:t>
+            </a:r>
+            <a:r>
+              <a:rPr lang="zh-CN" altLang="en-US" dirty="0">
+                <a:latin typeface="Segoe UI" panose="020B0502040204020203" pitchFamily="34" charset="0"/>
+                <a:ea typeface="DengXian" panose="02010600030101010101" pitchFamily="2" charset="-122"/>
+                <a:cs typeface="FZLanTingHei-L-GBK-M" panose="02010600010101010101" pitchFamily="2" charset="2"/>
+                <a:sym typeface="Segoe UI" panose="020B0502040204020203" pitchFamily="34" charset="0"/>
+              </a:rPr>
+              <a:t>一般</a:t>
+            </a:r>
+            <a:r>
+              <a:rPr dirty="0" err="1">
+                <a:latin typeface="Segoe UI" panose="020B0502040204020203" pitchFamily="34" charset="0"/>
+                <a:ea typeface="DengXian" panose="02010600030101010101" pitchFamily="2" charset="-122"/>
+                <a:cs typeface="FZLanTingHei-L-GBK-M" panose="02010600010101010101" pitchFamily="2" charset="2"/>
+                <a:sym typeface="Segoe UI" panose="020B0502040204020203" pitchFamily="34" charset="0"/>
+              </a:rPr>
+              <a:t>能在</a:t>
+            </a:r>
+            <a:r>
+              <a:rPr lang="zh-CN" altLang="en-US" dirty="0">
+                <a:latin typeface="Segoe UI" panose="020B0502040204020203" pitchFamily="34" charset="0"/>
+                <a:ea typeface="DengXian" panose="02010600030101010101" pitchFamily="2" charset="-122"/>
+                <a:cs typeface="FZLanTingHei-L-GBK-M" panose="02010600010101010101" pitchFamily="2" charset="2"/>
+                <a:sym typeface="Segoe UI" panose="020B0502040204020203" pitchFamily="34" charset="0"/>
+              </a:rPr>
+              <a:t>普通</a:t>
+            </a:r>
+            <a:r>
+              <a:rPr dirty="0" err="1">
+                <a:latin typeface="Segoe UI" panose="020B0502040204020203" pitchFamily="34" charset="0"/>
+                <a:ea typeface="DengXian" panose="02010600030101010101" pitchFamily="2" charset="-122"/>
+                <a:cs typeface="FZLanTingHei-L-GBK-M" panose="02010600010101010101" pitchFamily="2" charset="2"/>
+                <a:sym typeface="Segoe UI" panose="020B0502040204020203" pitchFamily="34" charset="0"/>
+              </a:rPr>
+              <a:t>计算机上进行训练及使用</a:t>
+            </a:r>
+            <a:r>
+              <a:rPr dirty="0">
+                <a:latin typeface="Segoe UI" panose="020B0502040204020203" pitchFamily="34" charset="0"/>
+                <a:ea typeface="DengXian" panose="02010600030101010101" pitchFamily="2" charset="-122"/>
+                <a:cs typeface="FZLanTingHei-L-GBK-M" panose="02010600010101010101" pitchFamily="2" charset="2"/>
+                <a:sym typeface="Segoe UI" panose="020B0502040204020203" pitchFamily="34" charset="0"/>
+              </a:rPr>
+              <a:t>。</a:t>
             </a:r>
           </a:p>
         </p:txBody>
@@ -6756,12 +11715,18 @@
       </p:grpSpPr>
       <p:sp>
         <p:nvSpPr>
-          <p:cNvPr id="2" name="Title 1"/>
-          <p:cNvSpPr>
-            <a:spLocks noGrp="1"/>
-          </p:cNvSpPr>
-          <p:nvPr>
-            <p:ph type="title"/>
+          <p:cNvPr id="5" name="文本占位符 4">
+            <a:extLst>
+              <a:ext uri="{FF2B5EF4-FFF2-40B4-BE49-F238E27FC236}">
+                <a16:creationId xmlns:a16="http://schemas.microsoft.com/office/drawing/2014/main" id="{E11A5317-C0D3-4280-9973-F48E169F78B8}"/>
+              </a:ext>
+            </a:extLst>
+          </p:cNvPr>
+          <p:cNvSpPr>
+            <a:spLocks noGrp="1"/>
+          </p:cNvSpPr>
+          <p:nvPr>
+            <p:ph type="body" sz="quarter" idx="11"/>
           </p:nvPr>
         </p:nvSpPr>
         <p:spPr/>
@@ -6769,12 +11734,30 @@
           <a:bodyPr/>
           <a:lstStyle/>
           <a:p>
-            <a:pPr marL="0" lvl="0" indent="0">
-              <a:buNone/>
-            </a:pPr>
-            <a:r>
-              <a:t>2.2 研究流程</a:t>
-            </a:r>
+            <a:r>
+              <a:rPr lang="en-US" altLang="zh-CN" dirty="0">
+                <a:latin typeface="Segoe UI" panose="020B0502040204020203" pitchFamily="34" charset="0"/>
+                <a:ea typeface="DengXian" panose="02010600030101010101" pitchFamily="2" charset="-122"/>
+                <a:cs typeface="FZLanTingHei-L-GBK-M" panose="02010600010101010101" pitchFamily="2" charset="2"/>
+                <a:sym typeface="Segoe UI" panose="020B0502040204020203" pitchFamily="34" charset="0"/>
+              </a:rPr>
+              <a:t>2.2 </a:t>
+            </a:r>
+            <a:r>
+              <a:rPr lang="zh-CN" altLang="en-US" dirty="0">
+                <a:latin typeface="Segoe UI" panose="020B0502040204020203" pitchFamily="34" charset="0"/>
+                <a:ea typeface="DengXian" panose="02010600030101010101" pitchFamily="2" charset="-122"/>
+                <a:cs typeface="FZLanTingHei-L-GBK-M" panose="02010600010101010101" pitchFamily="2" charset="2"/>
+                <a:sym typeface="Segoe UI" panose="020B0502040204020203" pitchFamily="34" charset="0"/>
+              </a:rPr>
+              <a:t>研究流程</a:t>
+            </a:r>
+            <a:endParaRPr lang="en-GB" dirty="0">
+              <a:latin typeface="Segoe UI" panose="020B0502040204020203" pitchFamily="34" charset="0"/>
+              <a:ea typeface="DengXian" panose="02010600030101010101" pitchFamily="2" charset="-122"/>
+              <a:cs typeface="FZLanTingHei-L-GBK-M" panose="02010600010101010101" pitchFamily="2" charset="2"/>
+              <a:sym typeface="Segoe UI" panose="020B0502040204020203" pitchFamily="34" charset="0"/>
+            </a:endParaRPr>
           </a:p>
         </p:txBody>
       </p:sp>
@@ -6794,7 +11777,7 @@
         </p:blipFill>
         <p:spPr bwMode="auto">
           <a:xfrm>
-            <a:off x="774700" y="1600200"/>
+            <a:off x="2298700" y="1600200"/>
             <a:ext cx="7594600" cy="4013200"/>
           </a:xfrm>
           <a:prstGeom prst="rect">
@@ -6816,7 +11799,7 @@
         </p:nvSpPr>
         <p:spPr>
           <a:xfrm>
-            <a:off x="457200" y="5613400"/>
+            <a:off x="1981200" y="5613400"/>
             <a:ext cx="8229600" cy="508000"/>
           </a:xfrm>
           <a:prstGeom prst="rect">
@@ -6828,10 +11811,14 @@
           <a:bodyPr/>
           <a:lstStyle/>
           <a:p>
-            <a:pPr marL="0" lvl="0" indent="0" algn="ctr">
-              <a:buNone/>
-            </a:pPr>
-            <a:r>
+            <a:pPr algn="ctr"/>
+            <a:r>
+              <a:rPr>
+                <a:latin typeface="Segoe UI" panose="020B0502040204020203" pitchFamily="34" charset="0"/>
+                <a:ea typeface="DengXian" panose="02010600030101010101" pitchFamily="2" charset="-122"/>
+                <a:cs typeface="FZLanTingHei-L-GBK-M" panose="02010600010101010101" pitchFamily="2" charset="2"/>
+                <a:sym typeface="Segoe UI" panose="020B0502040204020203" pitchFamily="34" charset="0"/>
+              </a:rPr>
               <a:t>图1 研究流程图</a:t>
             </a:r>
           </a:p>
@@ -6864,88 +11851,70 @@
       </p:grpSpPr>
       <p:sp>
         <p:nvSpPr>
-          <p:cNvPr id="2" name="Title 1"/>
-          <p:cNvSpPr>
-            <a:spLocks noGrp="1"/>
-          </p:cNvSpPr>
-          <p:nvPr>
-            <p:ph type="title"/>
-          </p:nvPr>
-        </p:nvSpPr>
-        <p:spPr/>
-        <p:txBody>
-          <a:bodyPr/>
-          <a:lstStyle/>
-          <a:p>
-            <a:pPr marL="0" lvl="0" indent="0">
-              <a:buNone/>
-            </a:pPr>
-            <a:r>
-              <a:t>3 研究结果</a:t>
-            </a:r>
-          </a:p>
-        </p:txBody>
-      </p:sp>
-      <p:pic>
-        <p:nvPicPr>
-          <p:cNvPr id="3" name="Picture 1" descr="D:\Project\Survival-Analysis-by-Breast-Cancer-Slides\imgs\modelg.png"/>
-          <p:cNvPicPr>
-            <a:picLocks noGrp="1" noChangeAspect="1"/>
-          </p:cNvPicPr>
-          <p:nvPr/>
-        </p:nvPicPr>
-        <p:blipFill>
-          <a:blip r:embed="rId2"/>
-          <a:stretch>
-            <a:fillRect/>
-          </a:stretch>
-        </p:blipFill>
-        <p:spPr bwMode="auto">
-          <a:xfrm>
-            <a:off x="1803400" y="1600200"/>
-            <a:ext cx="5537200" cy="4013200"/>
-          </a:xfrm>
-          <a:prstGeom prst="rect">
-            <a:avLst/>
-          </a:prstGeom>
-          <a:noFill/>
-          <a:ln w="9525">
-            <a:noFill/>
-            <a:headEnd/>
-            <a:tailEnd/>
-          </a:ln>
-        </p:spPr>
-      </p:pic>
-      <p:sp>
-        <p:nvSpPr>
-          <p:cNvPr id="4" name="TextBox 3"/>
-          <p:cNvSpPr txBox="1"/>
-          <p:nvPr/>
+          <p:cNvPr id="4" name="文本占位符 3">
+            <a:extLst>
+              <a:ext uri="{FF2B5EF4-FFF2-40B4-BE49-F238E27FC236}">
+                <a16:creationId xmlns:a16="http://schemas.microsoft.com/office/drawing/2014/main" id="{590E2AC0-356F-4E82-A45D-F72D45D9A70C}"/>
+              </a:ext>
+            </a:extLst>
+          </p:cNvPr>
+          <p:cNvSpPr>
+            <a:spLocks noGrp="1"/>
+          </p:cNvSpPr>
+          <p:nvPr>
+            <p:ph type="body" sz="quarter" idx="10"/>
+          </p:nvPr>
         </p:nvSpPr>
         <p:spPr>
           <a:xfrm>
-            <a:off x="457200" y="5613400"/>
-            <a:ext cx="8229600" cy="508000"/>
+            <a:off x="881063" y="3477158"/>
+            <a:ext cx="4487880" cy="725488"/>
           </a:xfrm>
-          <a:prstGeom prst="rect">
-            <a:avLst/>
-          </a:prstGeom>
-          <a:noFill/>
         </p:spPr>
         <p:txBody>
           <a:bodyPr/>
           <a:lstStyle/>
           <a:p>
-            <a:pPr marL="0" lvl="0" indent="0" algn="ctr">
-              <a:buNone/>
-            </a:pPr>
-            <a:r>
-              <a:t>图2 SNAS生存模型架构</a:t>
-            </a:r>
+            <a:pPr algn="l"/>
+            <a:r>
+              <a:rPr lang="en-US" altLang="zh-CN" sz="3600" dirty="0">
+                <a:solidFill>
+                  <a:schemeClr val="tx1"/>
+                </a:solidFill>
+                <a:latin typeface="Segoe UI" panose="020B0502040204020203" pitchFamily="34" charset="0"/>
+                <a:ea typeface="DengXian" panose="02010600030101010101" pitchFamily="2" charset="-122"/>
+                <a:cs typeface="FZLanTingHei-L-GBK-M" panose="02010600010101010101" pitchFamily="2" charset="2"/>
+                <a:sym typeface="Segoe UI" panose="020B0502040204020203" pitchFamily="34" charset="0"/>
+              </a:rPr>
+              <a:t>3 </a:t>
+            </a:r>
+            <a:r>
+              <a:rPr lang="zh-CN" altLang="en-US" sz="3600" dirty="0">
+                <a:latin typeface="Segoe UI" panose="020B0502040204020203" pitchFamily="34" charset="0"/>
+                <a:ea typeface="DengXian" panose="02010600030101010101" pitchFamily="2" charset="-122"/>
+                <a:cs typeface="FZLanTingHei-L-GBK-M" panose="02010600010101010101" pitchFamily="2" charset="2"/>
+                <a:sym typeface="Segoe UI" panose="020B0502040204020203" pitchFamily="34" charset="0"/>
+              </a:rPr>
+              <a:t>研究结果</a:t>
+            </a:r>
+            <a:endParaRPr lang="en-GB" sz="3600" dirty="0">
+              <a:solidFill>
+                <a:schemeClr val="tx1"/>
+              </a:solidFill>
+              <a:latin typeface="Segoe UI" panose="020B0502040204020203" pitchFamily="34" charset="0"/>
+              <a:ea typeface="DengXian" panose="02010600030101010101" pitchFamily="2" charset="-122"/>
+              <a:cs typeface="FZLanTingHei-L-GBK-M" panose="02010600010101010101" pitchFamily="2" charset="2"/>
+              <a:sym typeface="Segoe UI" panose="020B0502040204020203" pitchFamily="34" charset="0"/>
+            </a:endParaRPr>
           </a:p>
         </p:txBody>
       </p:sp>
     </p:spTree>
+    <p:extLst>
+      <p:ext uri="{BB962C8B-B14F-4D97-AF65-F5344CB8AC3E}">
+        <p14:creationId xmlns:p14="http://schemas.microsoft.com/office/powerpoint/2010/main" val="304322184"/>
+      </p:ext>
+    </p:extLst>
   </p:cSld>
   <p:clrMapOvr>
     <a:masterClrMapping/>
@@ -6970,14 +11939,123 @@
           <a:chExt cx="0" cy="0"/>
         </a:xfrm>
       </p:grpSpPr>
-      <p:sp>
-        <p:nvSpPr>
-          <p:cNvPr id="2" name="Title 1"/>
-          <p:cNvSpPr>
-            <a:spLocks noGrp="1"/>
-          </p:cNvSpPr>
-          <p:nvPr>
-            <p:ph type="title"/>
+      <p:pic>
+        <p:nvPicPr>
+          <p:cNvPr id="3" name="Picture 1"/>
+          <p:cNvPicPr>
+            <a:picLocks noGrp="1" noChangeAspect="1"/>
+          </p:cNvPicPr>
+          <p:nvPr/>
+        </p:nvPicPr>
+        <p:blipFill>
+          <a:blip r:embed="rId2"/>
+          <a:stretch>
+            <a:fillRect/>
+          </a:stretch>
+        </p:blipFill>
+        <p:spPr bwMode="auto">
+          <a:xfrm>
+            <a:off x="2336827" y="1253285"/>
+            <a:ext cx="7148624" cy="4501901"/>
+          </a:xfrm>
+          <a:prstGeom prst="rect">
+            <a:avLst/>
+          </a:prstGeom>
+          <a:noFill/>
+          <a:ln w="9525">
+            <a:noFill/>
+            <a:headEnd/>
+            <a:tailEnd/>
+          </a:ln>
+        </p:spPr>
+      </p:pic>
+      <p:sp>
+        <p:nvSpPr>
+          <p:cNvPr id="4" name="TextBox 3"/>
+          <p:cNvSpPr txBox="1"/>
+          <p:nvPr/>
+        </p:nvSpPr>
+        <p:spPr>
+          <a:xfrm>
+            <a:off x="1981200" y="5827531"/>
+            <a:ext cx="8229600" cy="508000"/>
+          </a:xfrm>
+          <a:prstGeom prst="rect">
+            <a:avLst/>
+          </a:prstGeom>
+          <a:noFill/>
+        </p:spPr>
+        <p:txBody>
+          <a:bodyPr/>
+          <a:lstStyle/>
+          <a:p>
+            <a:pPr algn="ctr"/>
+            <a:r>
+              <a:rPr dirty="0">
+                <a:latin typeface="Segoe UI" panose="020B0502040204020203" pitchFamily="34" charset="0"/>
+                <a:ea typeface="DengXian" panose="02010600030101010101" pitchFamily="2" charset="-122"/>
+                <a:cs typeface="FZLanTingHei-L-GBK-M" panose="02010600010101010101" pitchFamily="2" charset="2"/>
+                <a:sym typeface="Segoe UI" panose="020B0502040204020203" pitchFamily="34" charset="0"/>
+              </a:rPr>
+              <a:t>图2 </a:t>
+            </a:r>
+            <a:r>
+              <a:rPr dirty="0" err="1">
+                <a:latin typeface="Segoe UI" panose="020B0502040204020203" pitchFamily="34" charset="0"/>
+                <a:ea typeface="DengXian" panose="02010600030101010101" pitchFamily="2" charset="-122"/>
+                <a:cs typeface="FZLanTingHei-L-GBK-M" panose="02010600010101010101" pitchFamily="2" charset="2"/>
+                <a:sym typeface="Segoe UI" panose="020B0502040204020203" pitchFamily="34" charset="0"/>
+              </a:rPr>
+              <a:t>SNAS生存模型架构</a:t>
+            </a:r>
+            <a:endParaRPr dirty="0">
+              <a:latin typeface="Segoe UI" panose="020B0502040204020203" pitchFamily="34" charset="0"/>
+              <a:ea typeface="DengXian" panose="02010600030101010101" pitchFamily="2" charset="-122"/>
+              <a:cs typeface="FZLanTingHei-L-GBK-M" panose="02010600010101010101" pitchFamily="2" charset="2"/>
+              <a:sym typeface="Segoe UI" panose="020B0502040204020203" pitchFamily="34" charset="0"/>
+            </a:endParaRPr>
+          </a:p>
+        </p:txBody>
+      </p:sp>
+    </p:spTree>
+  </p:cSld>
+  <p:clrMapOvr>
+    <a:masterClrMapping/>
+  </p:clrMapOvr>
+</p:sld>
+</file>
+
+<file path=ppt/slides/slide8.xml><?xml version="1.0" encoding="utf-8"?>
+<p:sld xmlns:a="http://schemas.openxmlformats.org/drawingml/2006/main" xmlns:r="http://schemas.openxmlformats.org/officeDocument/2006/relationships" xmlns:p="http://schemas.openxmlformats.org/presentationml/2006/main">
+  <p:cSld>
+    <p:spTree>
+      <p:nvGrpSpPr>
+        <p:cNvPr id="1" name=""/>
+        <p:cNvGrpSpPr/>
+        <p:nvPr/>
+      </p:nvGrpSpPr>
+      <p:grpSpPr>
+        <a:xfrm>
+          <a:off x="0" y="0"/>
+          <a:ext cx="0" cy="0"/>
+          <a:chOff x="0" y="0"/>
+          <a:chExt cx="0" cy="0"/>
+        </a:xfrm>
+      </p:grpSpPr>
+      <p:sp>
+        <p:nvSpPr>
+          <p:cNvPr id="5" name="文本占位符 4">
+            <a:extLst>
+              <a:ext uri="{FF2B5EF4-FFF2-40B4-BE49-F238E27FC236}">
+                <a16:creationId xmlns:a16="http://schemas.microsoft.com/office/drawing/2014/main" id="{F18A1911-B97A-4F35-A664-4C49FF69C74A}"/>
+              </a:ext>
+            </a:extLst>
+          </p:cNvPr>
+          <p:cNvSpPr>
+            <a:spLocks noGrp="1"/>
+          </p:cNvSpPr>
+          <p:nvPr>
+            <p:ph type="body" sz="quarter" idx="11"/>
           </p:nvPr>
         </p:nvSpPr>
         <p:spPr/>
@@ -6985,12 +12063,30 @@
           <a:bodyPr/>
           <a:lstStyle/>
           <a:p>
-            <a:pPr marL="0" lvl="0" indent="0">
-              <a:buNone/>
-            </a:pPr>
-            <a:r>
-              <a:t>3.1 SNAS超参数</a:t>
-            </a:r>
+            <a:r>
+              <a:rPr lang="en-GB" dirty="0">
+                <a:latin typeface="Segoe UI" panose="020B0502040204020203" pitchFamily="34" charset="0"/>
+                <a:ea typeface="DengXian" panose="02010600030101010101" pitchFamily="2" charset="-122"/>
+                <a:cs typeface="FZLanTingHei-L-GBK-M" panose="02010600010101010101" pitchFamily="2" charset="2"/>
+                <a:sym typeface="Segoe UI" panose="020B0502040204020203" pitchFamily="34" charset="0"/>
+              </a:rPr>
+              <a:t>3.1 SNAS</a:t>
+            </a:r>
+            <a:r>
+              <a:rPr lang="zh-CN" altLang="en-US" dirty="0">
+                <a:latin typeface="Segoe UI" panose="020B0502040204020203" pitchFamily="34" charset="0"/>
+                <a:ea typeface="DengXian" panose="02010600030101010101" pitchFamily="2" charset="-122"/>
+                <a:cs typeface="FZLanTingHei-L-GBK-M" panose="02010600010101010101" pitchFamily="2" charset="2"/>
+                <a:sym typeface="Segoe UI" panose="020B0502040204020203" pitchFamily="34" charset="0"/>
+              </a:rPr>
+              <a:t>超参数</a:t>
+            </a:r>
+            <a:endParaRPr lang="en-GB" dirty="0">
+              <a:latin typeface="Segoe UI" panose="020B0502040204020203" pitchFamily="34" charset="0"/>
+              <a:ea typeface="DengXian" panose="02010600030101010101" pitchFamily="2" charset="-122"/>
+              <a:cs typeface="FZLanTingHei-L-GBK-M" panose="02010600010101010101" pitchFamily="2" charset="2"/>
+              <a:sym typeface="Segoe UI" panose="020B0502040204020203" pitchFamily="34" charset="0"/>
+            </a:endParaRPr>
           </a:p>
         </p:txBody>
       </p:sp>
@@ -7010,8 +12106,8 @@
         </p:blipFill>
         <p:spPr bwMode="auto">
           <a:xfrm>
-            <a:off x="596900" y="1600200"/>
-            <a:ext cx="7937500" cy="4013200"/>
+            <a:off x="2030232" y="1477305"/>
+            <a:ext cx="8180568" cy="4136095"/>
           </a:xfrm>
           <a:prstGeom prst="rect">
             <a:avLst/>
@@ -7032,7 +12128,7 @@
         </p:nvSpPr>
         <p:spPr>
           <a:xfrm>
-            <a:off x="457200" y="5613400"/>
+            <a:off x="1981200" y="5613400"/>
             <a:ext cx="8229600" cy="508000"/>
           </a:xfrm>
           <a:prstGeom prst="rect">
@@ -7044,10 +12140,14 @@
           <a:bodyPr/>
           <a:lstStyle/>
           <a:p>
-            <a:pPr marL="0" lvl="0" indent="0" algn="ctr">
-              <a:buNone/>
-            </a:pPr>
-            <a:r>
+            <a:pPr algn="ctr"/>
+            <a:r>
+              <a:rPr>
+                <a:latin typeface="Segoe UI" panose="020B0502040204020203" pitchFamily="34" charset="0"/>
+                <a:ea typeface="DengXian" panose="02010600030101010101" pitchFamily="2" charset="-122"/>
+                <a:cs typeface="FZLanTingHei-L-GBK-M" panose="02010600010101010101" pitchFamily="2" charset="2"/>
+                <a:sym typeface="Segoe UI" panose="020B0502040204020203" pitchFamily="34" charset="0"/>
+              </a:rPr>
               <a:t>图3 数据增强影响</a:t>
             </a:r>
           </a:p>
@@ -7061,7 +12161,7 @@
 </p:sld>
 </file>
 
-<file path=ppt/slides/slide8.xml><?xml version="1.0" encoding="utf-8"?>
+<file path=ppt/slides/slide9.xml><?xml version="1.0" encoding="utf-8"?>
 <p:sld xmlns:a="http://schemas.openxmlformats.org/drawingml/2006/main" xmlns:r="http://schemas.openxmlformats.org/officeDocument/2006/relationships" xmlns:p="http://schemas.openxmlformats.org/presentationml/2006/main">
   <p:cSld>
     <p:spTree>
@@ -7094,8 +12194,8 @@
         </p:blipFill>
         <p:spPr bwMode="auto">
           <a:xfrm>
-            <a:off x="1803400" y="1600200"/>
-            <a:ext cx="5537200" cy="4013200"/>
+            <a:off x="2858626" y="1255086"/>
+            <a:ext cx="6013370" cy="4358314"/>
           </a:xfrm>
           <a:prstGeom prst="rect">
             <a:avLst/>
@@ -7116,7 +12216,7 @@
         </p:nvSpPr>
         <p:spPr>
           <a:xfrm>
-            <a:off x="457200" y="5613400"/>
+            <a:off x="1981200" y="5613400"/>
             <a:ext cx="8229600" cy="508000"/>
           </a:xfrm>
           <a:prstGeom prst="rect">
@@ -7128,119 +12228,15 @@
           <a:bodyPr/>
           <a:lstStyle/>
           <a:p>
-            <a:pPr marL="0" lvl="0" indent="0" algn="ctr">
-              <a:buNone/>
-            </a:pPr>
-            <a:r>
+            <a:pPr algn="ctr"/>
+            <a:r>
+              <a:rPr>
+                <a:latin typeface="Segoe UI" panose="020B0502040204020203" pitchFamily="34" charset="0"/>
+                <a:ea typeface="DengXian" panose="02010600030101010101" pitchFamily="2" charset="-122"/>
+                <a:cs typeface="FZLanTingHei-L-GBK-M" panose="02010600010101010101" pitchFamily="2" charset="2"/>
+                <a:sym typeface="Segoe UI" panose="020B0502040204020203" pitchFamily="34" charset="0"/>
+              </a:rPr>
               <a:t>图4 全连接层节点数量的影响</a:t>
-            </a:r>
-          </a:p>
-        </p:txBody>
-      </p:sp>
-    </p:spTree>
-  </p:cSld>
-  <p:clrMapOvr>
-    <a:masterClrMapping/>
-  </p:clrMapOvr>
-</p:sld>
-</file>
-
-<file path=ppt/slides/slide9.xml><?xml version="1.0" encoding="utf-8"?>
-<p:sld xmlns:a="http://schemas.openxmlformats.org/drawingml/2006/main" xmlns:r="http://schemas.openxmlformats.org/officeDocument/2006/relationships" xmlns:p="http://schemas.openxmlformats.org/presentationml/2006/main">
-  <p:cSld>
-    <p:spTree>
-      <p:nvGrpSpPr>
-        <p:cNvPr id="1" name=""/>
-        <p:cNvGrpSpPr/>
-        <p:nvPr/>
-      </p:nvGrpSpPr>
-      <p:grpSpPr>
-        <a:xfrm>
-          <a:off x="0" y="0"/>
-          <a:ext cx="0" cy="0"/>
-          <a:chOff x="0" y="0"/>
-          <a:chExt cx="0" cy="0"/>
-        </a:xfrm>
-      </p:grpSpPr>
-      <p:sp>
-        <p:nvSpPr>
-          <p:cNvPr id="2" name="Title 1"/>
-          <p:cNvSpPr>
-            <a:spLocks noGrp="1"/>
-          </p:cNvSpPr>
-          <p:nvPr>
-            <p:ph type="title"/>
-          </p:nvPr>
-        </p:nvSpPr>
-        <p:spPr/>
-        <p:txBody>
-          <a:bodyPr/>
-          <a:lstStyle/>
-          <a:p>
-            <a:pPr marL="0" lvl="0" indent="0">
-              <a:buNone/>
-            </a:pPr>
-            <a:r>
-              <a:t>3.2 SNAS生存模型表现</a:t>
-            </a:r>
-          </a:p>
-        </p:txBody>
-      </p:sp>
-      <p:pic>
-        <p:nvPicPr>
-          <p:cNvPr id="3" name="Picture 1" descr="D:\Project\Survival-Analysis-by-Breast-Cancer-Slides\imgs\result.png"/>
-          <p:cNvPicPr>
-            <a:picLocks noGrp="1" noChangeAspect="1"/>
-          </p:cNvPicPr>
-          <p:nvPr/>
-        </p:nvPicPr>
-        <p:blipFill>
-          <a:blip r:embed="rId2"/>
-          <a:stretch>
-            <a:fillRect/>
-          </a:stretch>
-        </p:blipFill>
-        <p:spPr bwMode="auto">
-          <a:xfrm>
-            <a:off x="457200" y="2146300"/>
-            <a:ext cx="8229600" cy="2908300"/>
-          </a:xfrm>
-          <a:prstGeom prst="rect">
-            <a:avLst/>
-          </a:prstGeom>
-          <a:noFill/>
-          <a:ln w="9525">
-            <a:noFill/>
-            <a:headEnd/>
-            <a:tailEnd/>
-          </a:ln>
-        </p:spPr>
-      </p:pic>
-      <p:sp>
-        <p:nvSpPr>
-          <p:cNvPr id="4" name="TextBox 3"/>
-          <p:cNvSpPr txBox="1"/>
-          <p:nvPr/>
-        </p:nvSpPr>
-        <p:spPr>
-          <a:xfrm>
-            <a:off x="457200" y="5613400"/>
-            <a:ext cx="8229600" cy="508000"/>
-          </a:xfrm>
-          <a:prstGeom prst="rect">
-            <a:avLst/>
-          </a:prstGeom>
-          <a:noFill/>
-        </p:spPr>
-        <p:txBody>
-          <a:bodyPr/>
-          <a:lstStyle/>
-          <a:p>
-            <a:pPr marL="0" lvl="0" indent="0" algn="ctr">
-              <a:buNone/>
-            </a:pPr>
-            <a:r>
-              <a:t>图5 SNAS生存模型表现</a:t>
             </a:r>
           </a:p>
         </p:txBody>
@@ -7757,4 +12753,205 @@
   <a:objectDefaults/>
   <a:extraClrSchemeLst/>
 </a:theme>
+</file>
+
+<file path=ppt/theme/theme3.xml><?xml version="1.0" encoding="utf-8"?>
+<a:theme xmlns:a="http://schemas.openxmlformats.org/drawingml/2006/main" name="主题1">
+  <a:themeElements>
+    <a:clrScheme name="紫罗兰色">
+      <a:dk1>
+        <a:sysClr val="windowText" lastClr="000000"/>
+      </a:dk1>
+      <a:lt1>
+        <a:sysClr val="window" lastClr="C7EDCC"/>
+      </a:lt1>
+      <a:dk2>
+        <a:srgbClr val="373545"/>
+      </a:dk2>
+      <a:lt2>
+        <a:srgbClr val="DCD8DC"/>
+      </a:lt2>
+      <a:accent1>
+        <a:srgbClr val="AD84C6"/>
+      </a:accent1>
+      <a:accent2>
+        <a:srgbClr val="8784C7"/>
+      </a:accent2>
+      <a:accent3>
+        <a:srgbClr val="5D739A"/>
+      </a:accent3>
+      <a:accent4>
+        <a:srgbClr val="6997AF"/>
+      </a:accent4>
+      <a:accent5>
+        <a:srgbClr val="84ACB6"/>
+      </a:accent5>
+      <a:accent6>
+        <a:srgbClr val="6F8183"/>
+      </a:accent6>
+      <a:hlink>
+        <a:srgbClr val="69A020"/>
+      </a:hlink>
+      <a:folHlink>
+        <a:srgbClr val="8C8C8C"/>
+      </a:folHlink>
+    </a:clrScheme>
+    <a:fontScheme name="Temp">
+      <a:majorFont>
+        <a:latin typeface="Arial"/>
+        <a:ea typeface="微软雅黑"/>
+        <a:cs typeface=""/>
+      </a:majorFont>
+      <a:minorFont>
+        <a:latin typeface="Arial"/>
+        <a:ea typeface="微软雅黑"/>
+        <a:cs typeface=""/>
+      </a:minorFont>
+    </a:fontScheme>
+    <a:fmtScheme name="Office">
+      <a:fillStyleLst>
+        <a:solidFill>
+          <a:schemeClr val="phClr"/>
+        </a:solidFill>
+        <a:gradFill rotWithShape="1">
+          <a:gsLst>
+            <a:gs pos="0">
+              <a:schemeClr val="phClr">
+                <a:lumMod val="110000"/>
+                <a:satMod val="105000"/>
+                <a:tint val="67000"/>
+              </a:schemeClr>
+            </a:gs>
+            <a:gs pos="50000">
+              <a:schemeClr val="phClr">
+                <a:lumMod val="105000"/>
+                <a:satMod val="103000"/>
+                <a:tint val="73000"/>
+              </a:schemeClr>
+            </a:gs>
+            <a:gs pos="100000">
+              <a:schemeClr val="phClr">
+                <a:lumMod val="105000"/>
+                <a:satMod val="109000"/>
+                <a:tint val="81000"/>
+              </a:schemeClr>
+            </a:gs>
+          </a:gsLst>
+          <a:lin ang="5400000" scaled="0"/>
+        </a:gradFill>
+        <a:gradFill rotWithShape="1">
+          <a:gsLst>
+            <a:gs pos="0">
+              <a:schemeClr val="phClr">
+                <a:satMod val="103000"/>
+                <a:lumMod val="102000"/>
+                <a:tint val="94000"/>
+              </a:schemeClr>
+            </a:gs>
+            <a:gs pos="50000">
+              <a:schemeClr val="phClr">
+                <a:satMod val="110000"/>
+                <a:lumMod val="100000"/>
+                <a:shade val="100000"/>
+              </a:schemeClr>
+            </a:gs>
+            <a:gs pos="100000">
+              <a:schemeClr val="phClr">
+                <a:lumMod val="99000"/>
+                <a:satMod val="120000"/>
+                <a:shade val="78000"/>
+              </a:schemeClr>
+            </a:gs>
+          </a:gsLst>
+          <a:lin ang="5400000" scaled="0"/>
+        </a:gradFill>
+      </a:fillStyleLst>
+      <a:lnStyleLst>
+        <a:ln w="6350" cap="flat" cmpd="sng" algn="ctr">
+          <a:solidFill>
+            <a:schemeClr val="phClr"/>
+          </a:solidFill>
+          <a:prstDash val="solid"/>
+          <a:miter lim="800000"/>
+        </a:ln>
+        <a:ln w="12700" cap="flat" cmpd="sng" algn="ctr">
+          <a:solidFill>
+            <a:schemeClr val="phClr"/>
+          </a:solidFill>
+          <a:prstDash val="solid"/>
+          <a:miter lim="800000"/>
+        </a:ln>
+        <a:ln w="19050" cap="flat" cmpd="sng" algn="ctr">
+          <a:solidFill>
+            <a:schemeClr val="phClr"/>
+          </a:solidFill>
+          <a:prstDash val="solid"/>
+          <a:miter lim="800000"/>
+        </a:ln>
+      </a:lnStyleLst>
+      <a:effectStyleLst>
+        <a:effectStyle>
+          <a:effectLst/>
+        </a:effectStyle>
+        <a:effectStyle>
+          <a:effectLst/>
+        </a:effectStyle>
+        <a:effectStyle>
+          <a:effectLst>
+            <a:outerShdw blurRad="57150" dist="19050" dir="5400000" algn="ctr" rotWithShape="0">
+              <a:srgbClr val="000000">
+                <a:alpha val="63000"/>
+              </a:srgbClr>
+            </a:outerShdw>
+          </a:effectLst>
+        </a:effectStyle>
+      </a:effectStyleLst>
+      <a:bgFillStyleLst>
+        <a:solidFill>
+          <a:schemeClr val="phClr"/>
+        </a:solidFill>
+        <a:solidFill>
+          <a:schemeClr val="phClr">
+            <a:tint val="95000"/>
+            <a:satMod val="170000"/>
+          </a:schemeClr>
+        </a:solidFill>
+        <a:gradFill rotWithShape="1">
+          <a:gsLst>
+            <a:gs pos="0">
+              <a:schemeClr val="phClr">
+                <a:tint val="93000"/>
+                <a:satMod val="150000"/>
+                <a:shade val="98000"/>
+                <a:lumMod val="102000"/>
+              </a:schemeClr>
+            </a:gs>
+            <a:gs pos="50000">
+              <a:schemeClr val="phClr">
+                <a:tint val="98000"/>
+                <a:satMod val="130000"/>
+                <a:shade val="90000"/>
+                <a:lumMod val="103000"/>
+              </a:schemeClr>
+            </a:gs>
+            <a:gs pos="100000">
+              <a:schemeClr val="phClr">
+                <a:shade val="63000"/>
+                <a:satMod val="120000"/>
+              </a:schemeClr>
+            </a:gs>
+          </a:gsLst>
+          <a:lin ang="5400000" scaled="0"/>
+        </a:gradFill>
+      </a:bgFillStyleLst>
+    </a:fmtScheme>
+  </a:themeElements>
+  <a:objectDefaults/>
+  <a:extraClrSchemeLst/>
+  <a:extLst>
+    <a:ext uri="{05A4C25C-085E-4340-85A3-A5531E510DB2}">
+      <thm15:themeFamily xmlns:thm15="http://schemas.microsoft.com/office/thememl/2012/main" name="主题1" id="{821E5BAD-EF7A-4F84-A4A4-2E413E1582A3}" vid="{64F3B68E-6D21-4066-859E-88C192950A27}"/>
+    </a:ext>
+  </a:extLst>
+</a:theme>
 </file>
--- a/data/pre.pptx
+++ b/data/pre.pptx
@@ -6,23 +6,29 @@
     <p:sldMasterId id="2147483672" r:id="rId2"/>
     <p:sldMasterId id="2147483684" r:id="rId3"/>
   </p:sldMasterIdLst>
+  <p:notesMasterIdLst>
+    <p:notesMasterId r:id="rId23"/>
+  </p:notesMasterIdLst>
   <p:sldIdLst>
     <p:sldId id="256" r:id="rId4"/>
-    <p:sldId id="257" r:id="rId5"/>
-    <p:sldId id="258" r:id="rId6"/>
-    <p:sldId id="259" r:id="rId7"/>
-    <p:sldId id="260" r:id="rId8"/>
-    <p:sldId id="279" r:id="rId9"/>
-    <p:sldId id="262" r:id="rId10"/>
-    <p:sldId id="264" r:id="rId11"/>
-    <p:sldId id="266" r:id="rId12"/>
-    <p:sldId id="268" r:id="rId13"/>
-    <p:sldId id="270" r:id="rId14"/>
-    <p:sldId id="272" r:id="rId15"/>
-    <p:sldId id="274" r:id="rId16"/>
-    <p:sldId id="278" r:id="rId17"/>
-    <p:sldId id="277" r:id="rId18"/>
-    <p:sldId id="280" r:id="rId19"/>
+    <p:sldId id="281" r:id="rId5"/>
+    <p:sldId id="257" r:id="rId6"/>
+    <p:sldId id="258" r:id="rId7"/>
+    <p:sldId id="259" r:id="rId8"/>
+    <p:sldId id="260" r:id="rId9"/>
+    <p:sldId id="279" r:id="rId10"/>
+    <p:sldId id="283" r:id="rId11"/>
+    <p:sldId id="262" r:id="rId12"/>
+    <p:sldId id="264" r:id="rId13"/>
+    <p:sldId id="266" r:id="rId14"/>
+    <p:sldId id="268" r:id="rId15"/>
+    <p:sldId id="270" r:id="rId16"/>
+    <p:sldId id="272" r:id="rId17"/>
+    <p:sldId id="274" r:id="rId18"/>
+    <p:sldId id="282" r:id="rId19"/>
+    <p:sldId id="278" r:id="rId20"/>
+    <p:sldId id="277" r:id="rId21"/>
+    <p:sldId id="280" r:id="rId22"/>
   </p:sldIdLst>
   <p:sldSz cx="12192000" cy="6858000"/>
   <p:notesSz cx="6858000" cy="9144000"/>
@@ -140,6 +146,821 @@
 </p:presentation>
 </file>
 
+<file path=ppt/notesMasters/notesMaster1.xml><?xml version="1.0" encoding="utf-8"?>
+<p:notesMaster xmlns:a="http://schemas.openxmlformats.org/drawingml/2006/main" xmlns:r="http://schemas.openxmlformats.org/officeDocument/2006/relationships" xmlns:p="http://schemas.openxmlformats.org/presentationml/2006/main">
+  <p:cSld>
+    <p:bg>
+      <p:bgRef idx="1001">
+        <a:schemeClr val="bg1"/>
+      </p:bgRef>
+    </p:bg>
+    <p:spTree>
+      <p:nvGrpSpPr>
+        <p:cNvPr id="1" name=""/>
+        <p:cNvGrpSpPr/>
+        <p:nvPr/>
+      </p:nvGrpSpPr>
+      <p:grpSpPr>
+        <a:xfrm>
+          <a:off x="0" y="0"/>
+          <a:ext cx="0" cy="0"/>
+          <a:chOff x="0" y="0"/>
+          <a:chExt cx="0" cy="0"/>
+        </a:xfrm>
+      </p:grpSpPr>
+      <p:sp>
+        <p:nvSpPr>
+          <p:cNvPr id="2" name="页眉占位符 1"/>
+          <p:cNvSpPr>
+            <a:spLocks noGrp="1"/>
+          </p:cNvSpPr>
+          <p:nvPr>
+            <p:ph type="hdr" sz="quarter"/>
+          </p:nvPr>
+        </p:nvSpPr>
+        <p:spPr>
+          <a:xfrm>
+            <a:off x="0" y="0"/>
+            <a:ext cx="2971800" cy="458788"/>
+          </a:xfrm>
+          <a:prstGeom prst="rect">
+            <a:avLst/>
+          </a:prstGeom>
+        </p:spPr>
+        <p:txBody>
+          <a:bodyPr vert="horz" lIns="91440" tIns="45720" rIns="91440" bIns="45720" rtlCol="0"/>
+          <a:lstStyle>
+            <a:lvl1pPr algn="l">
+              <a:defRPr sz="1200"/>
+            </a:lvl1pPr>
+          </a:lstStyle>
+          <a:p>
+            <a:endParaRPr lang="en-GB"/>
+          </a:p>
+        </p:txBody>
+      </p:sp>
+      <p:sp>
+        <p:nvSpPr>
+          <p:cNvPr id="3" name="日期占位符 2"/>
+          <p:cNvSpPr>
+            <a:spLocks noGrp="1"/>
+          </p:cNvSpPr>
+          <p:nvPr>
+            <p:ph type="dt" idx="1"/>
+          </p:nvPr>
+        </p:nvSpPr>
+        <p:spPr>
+          <a:xfrm>
+            <a:off x="3884613" y="0"/>
+            <a:ext cx="2971800" cy="458788"/>
+          </a:xfrm>
+          <a:prstGeom prst="rect">
+            <a:avLst/>
+          </a:prstGeom>
+        </p:spPr>
+        <p:txBody>
+          <a:bodyPr vert="horz" lIns="91440" tIns="45720" rIns="91440" bIns="45720" rtlCol="0"/>
+          <a:lstStyle>
+            <a:lvl1pPr algn="r">
+              <a:defRPr sz="1200"/>
+            </a:lvl1pPr>
+          </a:lstStyle>
+          <a:p>
+            <a:fld id="{A130EAD6-965B-4D26-8280-78EC83F95E3B}" type="datetimeFigureOut">
+              <a:rPr lang="en-GB" smtClean="0"/>
+              <a:t>13/05/2019</a:t>
+            </a:fld>
+            <a:endParaRPr lang="en-GB"/>
+          </a:p>
+        </p:txBody>
+      </p:sp>
+      <p:sp>
+        <p:nvSpPr>
+          <p:cNvPr id="4" name="幻灯片图像占位符 3"/>
+          <p:cNvSpPr>
+            <a:spLocks noGrp="1" noRot="1" noChangeAspect="1"/>
+          </p:cNvSpPr>
+          <p:nvPr>
+            <p:ph type="sldImg" idx="2"/>
+          </p:nvPr>
+        </p:nvSpPr>
+        <p:spPr>
+          <a:xfrm>
+            <a:off x="685800" y="1143000"/>
+            <a:ext cx="5486400" cy="3086100"/>
+          </a:xfrm>
+          <a:prstGeom prst="rect">
+            <a:avLst/>
+          </a:prstGeom>
+          <a:noFill/>
+          <a:ln w="12700">
+            <a:solidFill>
+              <a:prstClr val="black"/>
+            </a:solidFill>
+          </a:ln>
+        </p:spPr>
+        <p:txBody>
+          <a:bodyPr vert="horz" lIns="91440" tIns="45720" rIns="91440" bIns="45720" rtlCol="0" anchor="ctr"/>
+          <a:lstStyle/>
+          <a:p>
+            <a:endParaRPr lang="en-GB"/>
+          </a:p>
+        </p:txBody>
+      </p:sp>
+      <p:sp>
+        <p:nvSpPr>
+          <p:cNvPr id="5" name="备注占位符 4"/>
+          <p:cNvSpPr>
+            <a:spLocks noGrp="1"/>
+          </p:cNvSpPr>
+          <p:nvPr>
+            <p:ph type="body" sz="quarter" idx="3"/>
+          </p:nvPr>
+        </p:nvSpPr>
+        <p:spPr>
+          <a:xfrm>
+            <a:off x="685800" y="4400550"/>
+            <a:ext cx="5486400" cy="3600450"/>
+          </a:xfrm>
+          <a:prstGeom prst="rect">
+            <a:avLst/>
+          </a:prstGeom>
+        </p:spPr>
+        <p:txBody>
+          <a:bodyPr vert="horz" lIns="91440" tIns="45720" rIns="91440" bIns="45720" rtlCol="0"/>
+          <a:lstStyle/>
+          <a:p>
+            <a:pPr lvl="0"/>
+            <a:r>
+              <a:rPr lang="zh-CN" altLang="en-US"/>
+              <a:t>单击此处编辑母版文本样式</a:t>
+            </a:r>
+          </a:p>
+          <a:p>
+            <a:pPr lvl="1"/>
+            <a:r>
+              <a:rPr lang="zh-CN" altLang="en-US"/>
+              <a:t>二级</a:t>
+            </a:r>
+          </a:p>
+          <a:p>
+            <a:pPr lvl="2"/>
+            <a:r>
+              <a:rPr lang="zh-CN" altLang="en-US"/>
+              <a:t>三级</a:t>
+            </a:r>
+          </a:p>
+          <a:p>
+            <a:pPr lvl="3"/>
+            <a:r>
+              <a:rPr lang="zh-CN" altLang="en-US"/>
+              <a:t>四级</a:t>
+            </a:r>
+          </a:p>
+          <a:p>
+            <a:pPr lvl="4"/>
+            <a:r>
+              <a:rPr lang="zh-CN" altLang="en-US"/>
+              <a:t>五级</a:t>
+            </a:r>
+            <a:endParaRPr lang="en-GB"/>
+          </a:p>
+        </p:txBody>
+      </p:sp>
+      <p:sp>
+        <p:nvSpPr>
+          <p:cNvPr id="6" name="页脚占位符 5"/>
+          <p:cNvSpPr>
+            <a:spLocks noGrp="1"/>
+          </p:cNvSpPr>
+          <p:nvPr>
+            <p:ph type="ftr" sz="quarter" idx="4"/>
+          </p:nvPr>
+        </p:nvSpPr>
+        <p:spPr>
+          <a:xfrm>
+            <a:off x="0" y="8685213"/>
+            <a:ext cx="2971800" cy="458787"/>
+          </a:xfrm>
+          <a:prstGeom prst="rect">
+            <a:avLst/>
+          </a:prstGeom>
+        </p:spPr>
+        <p:txBody>
+          <a:bodyPr vert="horz" lIns="91440" tIns="45720" rIns="91440" bIns="45720" rtlCol="0" anchor="b"/>
+          <a:lstStyle>
+            <a:lvl1pPr algn="l">
+              <a:defRPr sz="1200"/>
+            </a:lvl1pPr>
+          </a:lstStyle>
+          <a:p>
+            <a:endParaRPr lang="en-GB"/>
+          </a:p>
+        </p:txBody>
+      </p:sp>
+      <p:sp>
+        <p:nvSpPr>
+          <p:cNvPr id="7" name="灯片编号占位符 6"/>
+          <p:cNvSpPr>
+            <a:spLocks noGrp="1"/>
+          </p:cNvSpPr>
+          <p:nvPr>
+            <p:ph type="sldNum" sz="quarter" idx="5"/>
+          </p:nvPr>
+        </p:nvSpPr>
+        <p:spPr>
+          <a:xfrm>
+            <a:off x="3884613" y="8685213"/>
+            <a:ext cx="2971800" cy="458787"/>
+          </a:xfrm>
+          <a:prstGeom prst="rect">
+            <a:avLst/>
+          </a:prstGeom>
+        </p:spPr>
+        <p:txBody>
+          <a:bodyPr vert="horz" lIns="91440" tIns="45720" rIns="91440" bIns="45720" rtlCol="0" anchor="b"/>
+          <a:lstStyle>
+            <a:lvl1pPr algn="r">
+              <a:defRPr sz="1200"/>
+            </a:lvl1pPr>
+          </a:lstStyle>
+          <a:p>
+            <a:fld id="{B2249E98-DE20-4092-BD76-3E5410BEB73F}" type="slidenum">
+              <a:rPr lang="en-GB" smtClean="0"/>
+              <a:t>‹#›</a:t>
+            </a:fld>
+            <a:endParaRPr lang="en-GB"/>
+          </a:p>
+        </p:txBody>
+      </p:sp>
+    </p:spTree>
+    <p:extLst>
+      <p:ext uri="{BB962C8B-B14F-4D97-AF65-F5344CB8AC3E}">
+        <p14:creationId xmlns:p14="http://schemas.microsoft.com/office/powerpoint/2010/main" val="3235258903"/>
+      </p:ext>
+    </p:extLst>
+  </p:cSld>
+  <p:clrMap bg1="lt1" tx1="dk1" bg2="lt2" tx2="dk2" accent1="accent1" accent2="accent2" accent3="accent3" accent4="accent4" accent5="accent5" accent6="accent6" hlink="hlink" folHlink="folHlink"/>
+  <p:notesStyle>
+    <a:lvl1pPr marL="0" algn="l" defTabSz="914400" rtl="0" eaLnBrk="1" latinLnBrk="0" hangingPunct="1">
+      <a:defRPr sz="1200" kern="1200">
+        <a:solidFill>
+          <a:schemeClr val="tx1"/>
+        </a:solidFill>
+        <a:latin typeface="+mn-lt"/>
+        <a:ea typeface="+mn-ea"/>
+        <a:cs typeface="+mn-cs"/>
+      </a:defRPr>
+    </a:lvl1pPr>
+    <a:lvl2pPr marL="457200" algn="l" defTabSz="914400" rtl="0" eaLnBrk="1" latinLnBrk="0" hangingPunct="1">
+      <a:defRPr sz="1200" kern="1200">
+        <a:solidFill>
+          <a:schemeClr val="tx1"/>
+        </a:solidFill>
+        <a:latin typeface="+mn-lt"/>
+        <a:ea typeface="+mn-ea"/>
+        <a:cs typeface="+mn-cs"/>
+      </a:defRPr>
+    </a:lvl2pPr>
+    <a:lvl3pPr marL="914400" algn="l" defTabSz="914400" rtl="0" eaLnBrk="1" latinLnBrk="0" hangingPunct="1">
+      <a:defRPr sz="1200" kern="1200">
+        <a:solidFill>
+          <a:schemeClr val="tx1"/>
+        </a:solidFill>
+        <a:latin typeface="+mn-lt"/>
+        <a:ea typeface="+mn-ea"/>
+        <a:cs typeface="+mn-cs"/>
+      </a:defRPr>
+    </a:lvl3pPr>
+    <a:lvl4pPr marL="1371600" algn="l" defTabSz="914400" rtl="0" eaLnBrk="1" latinLnBrk="0" hangingPunct="1">
+      <a:defRPr sz="1200" kern="1200">
+        <a:solidFill>
+          <a:schemeClr val="tx1"/>
+        </a:solidFill>
+        <a:latin typeface="+mn-lt"/>
+        <a:ea typeface="+mn-ea"/>
+        <a:cs typeface="+mn-cs"/>
+      </a:defRPr>
+    </a:lvl4pPr>
+    <a:lvl5pPr marL="1828800" algn="l" defTabSz="914400" rtl="0" eaLnBrk="1" latinLnBrk="0" hangingPunct="1">
+      <a:defRPr sz="1200" kern="1200">
+        <a:solidFill>
+          <a:schemeClr val="tx1"/>
+        </a:solidFill>
+        <a:latin typeface="+mn-lt"/>
+        <a:ea typeface="+mn-ea"/>
+        <a:cs typeface="+mn-cs"/>
+      </a:defRPr>
+    </a:lvl5pPr>
+    <a:lvl6pPr marL="2286000" algn="l" defTabSz="914400" rtl="0" eaLnBrk="1" latinLnBrk="0" hangingPunct="1">
+      <a:defRPr sz="1200" kern="1200">
+        <a:solidFill>
+          <a:schemeClr val="tx1"/>
+        </a:solidFill>
+        <a:latin typeface="+mn-lt"/>
+        <a:ea typeface="+mn-ea"/>
+        <a:cs typeface="+mn-cs"/>
+      </a:defRPr>
+    </a:lvl6pPr>
+    <a:lvl7pPr marL="2743200" algn="l" defTabSz="914400" rtl="0" eaLnBrk="1" latinLnBrk="0" hangingPunct="1">
+      <a:defRPr sz="1200" kern="1200">
+        <a:solidFill>
+          <a:schemeClr val="tx1"/>
+        </a:solidFill>
+        <a:latin typeface="+mn-lt"/>
+        <a:ea typeface="+mn-ea"/>
+        <a:cs typeface="+mn-cs"/>
+      </a:defRPr>
+    </a:lvl7pPr>
+    <a:lvl8pPr marL="3200400" algn="l" defTabSz="914400" rtl="0" eaLnBrk="1" latinLnBrk="0" hangingPunct="1">
+      <a:defRPr sz="1200" kern="1200">
+        <a:solidFill>
+          <a:schemeClr val="tx1"/>
+        </a:solidFill>
+        <a:latin typeface="+mn-lt"/>
+        <a:ea typeface="+mn-ea"/>
+        <a:cs typeface="+mn-cs"/>
+      </a:defRPr>
+    </a:lvl8pPr>
+    <a:lvl9pPr marL="3657600" algn="l" defTabSz="914400" rtl="0" eaLnBrk="1" latinLnBrk="0" hangingPunct="1">
+      <a:defRPr sz="1200" kern="1200">
+        <a:solidFill>
+          <a:schemeClr val="tx1"/>
+        </a:solidFill>
+        <a:latin typeface="+mn-lt"/>
+        <a:ea typeface="+mn-ea"/>
+        <a:cs typeface="+mn-cs"/>
+      </a:defRPr>
+    </a:lvl9pPr>
+  </p:notesStyle>
+</p:notesMaster>
+</file>
+
+<file path=ppt/notesSlides/notesSlide1.xml><?xml version="1.0" encoding="utf-8"?>
+<p:notes xmlns:a="http://schemas.openxmlformats.org/drawingml/2006/main" xmlns:r="http://schemas.openxmlformats.org/officeDocument/2006/relationships" xmlns:p="http://schemas.openxmlformats.org/presentationml/2006/main">
+  <p:cSld>
+    <p:spTree>
+      <p:nvGrpSpPr>
+        <p:cNvPr id="1" name=""/>
+        <p:cNvGrpSpPr/>
+        <p:nvPr/>
+      </p:nvGrpSpPr>
+      <p:grpSpPr>
+        <a:xfrm>
+          <a:off x="0" y="0"/>
+          <a:ext cx="0" cy="0"/>
+          <a:chOff x="0" y="0"/>
+          <a:chExt cx="0" cy="0"/>
+        </a:xfrm>
+      </p:grpSpPr>
+      <p:sp>
+        <p:nvSpPr>
+          <p:cNvPr id="2" name="幻灯片图像占位符 1"/>
+          <p:cNvSpPr>
+            <a:spLocks noGrp="1" noRot="1" noChangeAspect="1"/>
+          </p:cNvSpPr>
+          <p:nvPr>
+            <p:ph type="sldImg"/>
+          </p:nvPr>
+        </p:nvSpPr>
+        <p:spPr/>
+      </p:sp>
+      <p:sp>
+        <p:nvSpPr>
+          <p:cNvPr id="3" name="备注占位符 2"/>
+          <p:cNvSpPr>
+            <a:spLocks noGrp="1"/>
+          </p:cNvSpPr>
+          <p:nvPr>
+            <p:ph type="body" idx="1"/>
+          </p:nvPr>
+        </p:nvSpPr>
+        <p:spPr/>
+        <p:txBody>
+          <a:bodyPr/>
+          <a:lstStyle/>
+          <a:p>
+            <a:endParaRPr lang="en-GB" dirty="0"/>
+          </a:p>
+        </p:txBody>
+      </p:sp>
+      <p:sp>
+        <p:nvSpPr>
+          <p:cNvPr id="4" name="灯片编号占位符 3"/>
+          <p:cNvSpPr>
+            <a:spLocks noGrp="1"/>
+          </p:cNvSpPr>
+          <p:nvPr>
+            <p:ph type="sldNum" sz="quarter" idx="5"/>
+          </p:nvPr>
+        </p:nvSpPr>
+        <p:spPr/>
+        <p:txBody>
+          <a:bodyPr/>
+          <a:lstStyle/>
+          <a:p>
+            <a:fld id="{B2249E98-DE20-4092-BD76-3E5410BEB73F}" type="slidenum">
+              <a:rPr lang="en-GB" smtClean="0"/>
+              <a:t>1</a:t>
+            </a:fld>
+            <a:endParaRPr lang="en-GB"/>
+          </a:p>
+        </p:txBody>
+      </p:sp>
+    </p:spTree>
+    <p:extLst>
+      <p:ext uri="{BB962C8B-B14F-4D97-AF65-F5344CB8AC3E}">
+        <p14:creationId xmlns:p14="http://schemas.microsoft.com/office/powerpoint/2010/main" val="838670453"/>
+      </p:ext>
+    </p:extLst>
+  </p:cSld>
+  <p:clrMapOvr>
+    <a:masterClrMapping/>
+  </p:clrMapOvr>
+</p:notes>
+</file>
+
+<file path=ppt/notesSlides/notesSlide2.xml><?xml version="1.0" encoding="utf-8"?>
+<p:notes xmlns:a="http://schemas.openxmlformats.org/drawingml/2006/main" xmlns:r="http://schemas.openxmlformats.org/officeDocument/2006/relationships" xmlns:p="http://schemas.openxmlformats.org/presentationml/2006/main">
+  <p:cSld>
+    <p:spTree>
+      <p:nvGrpSpPr>
+        <p:cNvPr id="1" name=""/>
+        <p:cNvGrpSpPr/>
+        <p:nvPr/>
+      </p:nvGrpSpPr>
+      <p:grpSpPr>
+        <a:xfrm>
+          <a:off x="0" y="0"/>
+          <a:ext cx="0" cy="0"/>
+          <a:chOff x="0" y="0"/>
+          <a:chExt cx="0" cy="0"/>
+        </a:xfrm>
+      </p:grpSpPr>
+      <p:sp>
+        <p:nvSpPr>
+          <p:cNvPr id="2" name="幻灯片图像占位符 1"/>
+          <p:cNvSpPr>
+            <a:spLocks noGrp="1" noRot="1" noChangeAspect="1"/>
+          </p:cNvSpPr>
+          <p:nvPr>
+            <p:ph type="sldImg"/>
+          </p:nvPr>
+        </p:nvSpPr>
+        <p:spPr/>
+      </p:sp>
+      <p:sp>
+        <p:nvSpPr>
+          <p:cNvPr id="3" name="备注占位符 2"/>
+          <p:cNvSpPr>
+            <a:spLocks noGrp="1"/>
+          </p:cNvSpPr>
+          <p:nvPr>
+            <p:ph type="body" idx="1"/>
+          </p:nvPr>
+        </p:nvSpPr>
+        <p:spPr/>
+        <p:txBody>
+          <a:bodyPr/>
+          <a:lstStyle/>
+          <a:p>
+            <a:r>
+              <a:rPr lang="zh-CN" altLang="en-US" sz="1200" b="0" i="0" u="none" strike="noStrike" kern="1200" baseline="0" dirty="0">
+                <a:solidFill>
+                  <a:schemeClr val="tx1"/>
+                </a:solidFill>
+                <a:latin typeface="+mn-lt"/>
+                <a:ea typeface="+mn-ea"/>
+                <a:cs typeface="+mn-cs"/>
+              </a:rPr>
+              <a:t>有</a:t>
+            </a:r>
+            <a:r>
+              <a:rPr lang="en-US" altLang="zh-CN" sz="1200" b="0" i="0" u="none" strike="noStrike" kern="1200" baseline="0" dirty="0">
+                <a:solidFill>
+                  <a:schemeClr val="tx1"/>
+                </a:solidFill>
+                <a:latin typeface="+mn-lt"/>
+                <a:ea typeface="+mn-ea"/>
+                <a:cs typeface="+mn-cs"/>
+              </a:rPr>
+              <a:t>78</a:t>
+            </a:r>
+            <a:r>
+              <a:rPr lang="zh-CN" altLang="en-US" sz="1200" b="0" i="0" u="none" strike="noStrike" kern="1200" baseline="0" dirty="0">
+                <a:solidFill>
+                  <a:schemeClr val="tx1"/>
+                </a:solidFill>
+                <a:latin typeface="+mn-lt"/>
+                <a:ea typeface="+mn-ea"/>
+                <a:cs typeface="+mn-cs"/>
+              </a:rPr>
+              <a:t>个优于同等条件下得到的</a:t>
+            </a:r>
+            <a:r>
+              <a:rPr lang="en-US" altLang="zh-CN" sz="1200" b="0" i="0" u="none" strike="noStrike" kern="1200" baseline="0" dirty="0">
+                <a:solidFill>
+                  <a:schemeClr val="tx1"/>
+                </a:solidFill>
+                <a:latin typeface="+mn-lt"/>
+                <a:ea typeface="+mn-ea"/>
+                <a:cs typeface="+mn-cs"/>
+              </a:rPr>
+              <a:t>Cox HP</a:t>
+            </a:r>
+            <a:r>
+              <a:rPr lang="zh-CN" altLang="en-US" sz="1200" b="0" i="0" u="none" strike="noStrike" kern="1200" baseline="0" dirty="0">
+                <a:solidFill>
+                  <a:schemeClr val="tx1"/>
+                </a:solidFill>
+                <a:latin typeface="+mn-lt"/>
+                <a:ea typeface="+mn-ea"/>
+                <a:cs typeface="+mn-cs"/>
+              </a:rPr>
+              <a:t>基础模型。从图 </a:t>
+            </a:r>
+            <a:r>
+              <a:rPr lang="en-US" altLang="zh-CN" sz="1200" b="0" i="0" u="none" strike="noStrike" kern="1200" baseline="0" dirty="0">
+                <a:solidFill>
+                  <a:schemeClr val="tx1"/>
+                </a:solidFill>
+                <a:latin typeface="+mn-lt"/>
+                <a:ea typeface="+mn-ea"/>
+                <a:cs typeface="+mn-cs"/>
+              </a:rPr>
+              <a:t>10</a:t>
+            </a:r>
+            <a:r>
+              <a:rPr lang="zh-CN" altLang="en-US" sz="1200" b="0" i="0" u="none" strike="noStrike" kern="1200" baseline="0" dirty="0">
+                <a:solidFill>
+                  <a:schemeClr val="tx1"/>
+                </a:solidFill>
+                <a:latin typeface="+mn-lt"/>
+                <a:ea typeface="+mn-ea"/>
+                <a:cs typeface="+mn-cs"/>
+              </a:rPr>
+              <a:t>，</a:t>
+            </a:r>
+            <a:r>
+              <a:rPr lang="en-US" altLang="zh-CN" sz="1200" b="0" i="0" u="none" strike="noStrike" kern="1200" baseline="0" dirty="0">
+                <a:solidFill>
+                  <a:schemeClr val="tx1"/>
+                </a:solidFill>
+                <a:latin typeface="+mn-lt"/>
+                <a:ea typeface="+mn-ea"/>
+                <a:cs typeface="+mn-cs"/>
+              </a:rPr>
+              <a:t>600</a:t>
+            </a:r>
+            <a:r>
+              <a:rPr lang="zh-CN" altLang="en-US" sz="1200" b="0" i="0" u="none" strike="noStrike" kern="1200" baseline="0" dirty="0">
+                <a:solidFill>
+                  <a:schemeClr val="tx1"/>
+                </a:solidFill>
+                <a:latin typeface="+mn-lt"/>
+                <a:ea typeface="+mn-ea"/>
+                <a:cs typeface="+mn-cs"/>
+              </a:rPr>
+              <a:t>个模型表现的记录可见，其表现变化是随机无序的。因为每一次训练均是从</a:t>
+            </a:r>
+            <a:r>
+              <a:rPr lang="en-US" altLang="zh-CN" sz="1200" b="0" i="0" u="none" strike="noStrike" kern="1200" baseline="0" dirty="0">
+                <a:solidFill>
+                  <a:schemeClr val="tx1"/>
+                </a:solidFill>
+                <a:latin typeface="+mn-lt"/>
+                <a:ea typeface="+mn-ea"/>
+                <a:cs typeface="+mn-cs"/>
+              </a:rPr>
+              <a:t>607</a:t>
+            </a:r>
+            <a:r>
+              <a:rPr lang="zh-CN" altLang="en-US" sz="1200" b="0" i="0" u="none" strike="noStrike" kern="1200" baseline="0" dirty="0">
+                <a:solidFill>
+                  <a:schemeClr val="tx1"/>
+                </a:solidFill>
+                <a:latin typeface="+mn-lt"/>
+                <a:ea typeface="+mn-ea"/>
+                <a:cs typeface="+mn-cs"/>
+              </a:rPr>
+              <a:t>样本中随机选取一个区域，有时该区域包含有效的信息，有时该区域不包含有效的信息，所以，虽然每一次模型的参数训练均基于上次的模型，后一个训练出的模型却不一定会优于前一个。总体而言，一次随机训练得到预测能力优于</a:t>
+            </a:r>
+            <a:r>
+              <a:rPr lang="en-US" altLang="zh-CN" sz="1200" b="0" i="0" u="none" strike="noStrike" kern="1200" baseline="0" dirty="0">
+                <a:solidFill>
+                  <a:schemeClr val="tx1"/>
+                </a:solidFill>
+                <a:latin typeface="+mn-lt"/>
+                <a:ea typeface="+mn-ea"/>
+                <a:cs typeface="+mn-cs"/>
+              </a:rPr>
+              <a:t>Cox HP</a:t>
+            </a:r>
+            <a:r>
+              <a:rPr lang="zh-CN" altLang="en-US" sz="1200" b="0" i="0" u="none" strike="noStrike" kern="1200" baseline="0" dirty="0">
+                <a:solidFill>
+                  <a:schemeClr val="tx1"/>
+                </a:solidFill>
+                <a:latin typeface="+mn-lt"/>
+                <a:ea typeface="+mn-ea"/>
+                <a:cs typeface="+mn-cs"/>
+              </a:rPr>
+              <a:t>基础模型的概率是</a:t>
+            </a:r>
+            <a:r>
+              <a:rPr lang="en-US" altLang="zh-CN" sz="1200" b="0" i="0" u="none" strike="noStrike" kern="1200" baseline="0" dirty="0">
+                <a:solidFill>
+                  <a:schemeClr val="tx1"/>
+                </a:solidFill>
+                <a:latin typeface="+mn-lt"/>
+                <a:ea typeface="+mn-ea"/>
+                <a:cs typeface="+mn-cs"/>
+              </a:rPr>
+              <a:t>13%</a:t>
+            </a:r>
+            <a:r>
+              <a:rPr lang="zh-CN" altLang="en-US" sz="1200" b="0" i="0" u="none" strike="noStrike" kern="1200" baseline="0" dirty="0">
+                <a:solidFill>
+                  <a:schemeClr val="tx1"/>
+                </a:solidFill>
+                <a:latin typeface="+mn-lt"/>
+                <a:ea typeface="+mn-ea"/>
+                <a:cs typeface="+mn-cs"/>
+              </a:rPr>
+              <a:t>，由</a:t>
+            </a:r>
+            <a:r>
+              <a:rPr lang="en-US" altLang="zh-CN" sz="1200" b="0" i="0" u="none" strike="noStrike" kern="1200" baseline="0" dirty="0">
+                <a:solidFill>
+                  <a:schemeClr val="tx1"/>
+                </a:solidFill>
+                <a:latin typeface="+mn-lt"/>
+                <a:ea typeface="+mn-ea"/>
+                <a:cs typeface="+mn-cs"/>
+              </a:rPr>
+              <a:t>1−(1−0.13)</a:t>
+            </a:r>
+            <a:r>
+              <a:rPr lang="zh-CN" altLang="en-US" sz="1200" b="0" i="0" u="none" strike="noStrike" kern="1200" baseline="0" dirty="0">
+                <a:solidFill>
+                  <a:schemeClr val="tx1"/>
+                </a:solidFill>
+                <a:latin typeface="+mn-lt"/>
+                <a:ea typeface="+mn-ea"/>
+                <a:cs typeface="+mn-cs"/>
+              </a:rPr>
+              <a:t>𝑛≤</a:t>
+            </a:r>
+            <a:r>
+              <a:rPr lang="en-US" altLang="zh-CN" sz="1200" b="0" i="0" u="none" strike="noStrike" kern="1200" baseline="0" dirty="0">
+                <a:solidFill>
+                  <a:schemeClr val="tx1"/>
+                </a:solidFill>
+                <a:latin typeface="+mn-lt"/>
+                <a:ea typeface="+mn-ea"/>
+                <a:cs typeface="+mn-cs"/>
+              </a:rPr>
+              <a:t>0.999</a:t>
+            </a:r>
+            <a:r>
+              <a:rPr lang="zh-CN" altLang="en-US" sz="1200" b="0" i="0" u="none" strike="noStrike" kern="1200" baseline="0" dirty="0">
+                <a:solidFill>
+                  <a:schemeClr val="tx1"/>
+                </a:solidFill>
+                <a:latin typeface="+mn-lt"/>
+                <a:ea typeface="+mn-ea"/>
+                <a:cs typeface="+mn-cs"/>
+              </a:rPr>
+              <a:t>可得</a:t>
+            </a:r>
+            <a:r>
+              <a:rPr lang="en-US" altLang="zh-CN" sz="1200" b="0" i="0" u="none" strike="noStrike" kern="1200" baseline="0" dirty="0">
+                <a:solidFill>
+                  <a:schemeClr val="tx1"/>
+                </a:solidFill>
+                <a:latin typeface="+mn-lt"/>
+                <a:ea typeface="+mn-ea"/>
+                <a:cs typeface="+mn-cs"/>
+              </a:rPr>
+              <a:t>n≥50</a:t>
+            </a:r>
+            <a:r>
+              <a:rPr lang="zh-CN" altLang="en-US" sz="1200" b="0" i="0" u="none" strike="noStrike" kern="1200" baseline="0" dirty="0">
+                <a:solidFill>
+                  <a:schemeClr val="tx1"/>
+                </a:solidFill>
+                <a:latin typeface="+mn-lt"/>
+                <a:ea typeface="+mn-ea"/>
+                <a:cs typeface="+mn-cs"/>
+              </a:rPr>
+              <a:t>，即训练</a:t>
+            </a:r>
+            <a:r>
+              <a:rPr lang="en-US" altLang="zh-CN" sz="1200" b="0" i="0" u="none" strike="noStrike" kern="1200" baseline="0" dirty="0">
+                <a:solidFill>
+                  <a:schemeClr val="tx1"/>
+                </a:solidFill>
+                <a:latin typeface="+mn-lt"/>
+                <a:ea typeface="+mn-ea"/>
+                <a:cs typeface="+mn-cs"/>
+              </a:rPr>
+              <a:t>50</a:t>
+            </a:r>
+            <a:r>
+              <a:rPr lang="zh-CN" altLang="en-US" sz="1200" b="0" i="0" u="none" strike="noStrike" kern="1200" baseline="0" dirty="0">
+                <a:solidFill>
+                  <a:schemeClr val="tx1"/>
+                </a:solidFill>
+                <a:latin typeface="+mn-lt"/>
+                <a:ea typeface="+mn-ea"/>
+                <a:cs typeface="+mn-cs"/>
+              </a:rPr>
+              <a:t>次及以上，有高于</a:t>
+            </a:r>
+            <a:r>
+              <a:rPr lang="en-US" altLang="zh-CN" sz="1200" b="0" i="0" u="none" strike="noStrike" kern="1200" baseline="0" dirty="0">
+                <a:solidFill>
+                  <a:schemeClr val="tx1"/>
+                </a:solidFill>
+                <a:latin typeface="+mn-lt"/>
+                <a:ea typeface="+mn-ea"/>
+                <a:cs typeface="+mn-cs"/>
+              </a:rPr>
+              <a:t>99.9%</a:t>
+            </a:r>
+            <a:r>
+              <a:rPr lang="zh-CN" altLang="en-US" sz="1200" b="0" i="0" u="none" strike="noStrike" kern="1200" baseline="0" dirty="0">
+                <a:solidFill>
+                  <a:schemeClr val="tx1"/>
+                </a:solidFill>
+                <a:latin typeface="+mn-lt"/>
+                <a:ea typeface="+mn-ea"/>
+                <a:cs typeface="+mn-cs"/>
+              </a:rPr>
+              <a:t>的可能性得到预测能力优于</a:t>
+            </a:r>
+            <a:r>
+              <a:rPr lang="en-US" altLang="zh-CN" sz="1200" b="0" i="0" u="none" strike="noStrike" kern="1200" baseline="0" dirty="0">
+                <a:solidFill>
+                  <a:schemeClr val="tx1"/>
+                </a:solidFill>
+                <a:latin typeface="+mn-lt"/>
+                <a:ea typeface="+mn-ea"/>
+                <a:cs typeface="+mn-cs"/>
+              </a:rPr>
+              <a:t>Cox HP</a:t>
+            </a:r>
+            <a:r>
+              <a:rPr lang="zh-CN" altLang="en-US" sz="1200" b="0" i="0" u="none" strike="noStrike" kern="1200" baseline="0" dirty="0">
+                <a:solidFill>
+                  <a:schemeClr val="tx1"/>
+                </a:solidFill>
+                <a:latin typeface="+mn-lt"/>
+                <a:ea typeface="+mn-ea"/>
+                <a:cs typeface="+mn-cs"/>
+              </a:rPr>
+              <a:t>基础模型的模型</a:t>
+            </a:r>
+            <a:endParaRPr lang="en-GB" dirty="0"/>
+          </a:p>
+        </p:txBody>
+      </p:sp>
+      <p:sp>
+        <p:nvSpPr>
+          <p:cNvPr id="4" name="灯片编号占位符 3"/>
+          <p:cNvSpPr>
+            <a:spLocks noGrp="1"/>
+          </p:cNvSpPr>
+          <p:nvPr>
+            <p:ph type="sldNum" sz="quarter" idx="5"/>
+          </p:nvPr>
+        </p:nvSpPr>
+        <p:spPr/>
+        <p:txBody>
+          <a:bodyPr/>
+          <a:lstStyle/>
+          <a:p>
+            <a:fld id="{B2249E98-DE20-4092-BD76-3E5410BEB73F}" type="slidenum">
+              <a:rPr lang="en-GB" smtClean="0"/>
+              <a:t>12</a:t>
+            </a:fld>
+            <a:endParaRPr lang="en-GB"/>
+          </a:p>
+        </p:txBody>
+      </p:sp>
+    </p:spTree>
+    <p:extLst>
+      <p:ext uri="{BB962C8B-B14F-4D97-AF65-F5344CB8AC3E}">
+        <p14:creationId xmlns:p14="http://schemas.microsoft.com/office/powerpoint/2010/main" val="4252828975"/>
+      </p:ext>
+    </p:extLst>
+  </p:cSld>
+  <p:clrMapOvr>
+    <a:masterClrMapping/>
+  </p:clrMapOvr>
+</p:notes>
+</file>
+
 <file path=ppt/slideLayouts/slideLayout1.xml><?xml version="1.0" encoding="utf-8"?>
 <p:sldLayout xmlns:a="http://schemas.openxmlformats.org/drawingml/2006/main" xmlns:r="http://schemas.openxmlformats.org/officeDocument/2006/relationships" xmlns:p="http://schemas.openxmlformats.org/presentationml/2006/main" type="title" preserve="1">
   <p:cSld name="标题幻灯片">
@@ -282,7 +1103,7 @@
           <a:p>
             <a:fld id="{241EB5C9-1307-BA42-ABA2-0BC069CD8E7F}" type="datetimeFigureOut">
               <a:rPr lang="en-US" smtClean="0"/>
-              <a:t>5/12/2019</a:t>
+              <a:t>5/13/2019</a:t>
             </a:fld>
             <a:endParaRPr lang="en-US"/>
           </a:p>
@@ -452,7 +1273,7 @@
           <a:p>
             <a:fld id="{241EB5C9-1307-BA42-ABA2-0BC069CD8E7F}" type="datetimeFigureOut">
               <a:rPr lang="en-US" smtClean="0"/>
-              <a:t>5/12/2019</a:t>
+              <a:t>5/13/2019</a:t>
             </a:fld>
             <a:endParaRPr lang="en-US"/>
           </a:p>
@@ -632,7 +1453,7 @@
           <a:p>
             <a:fld id="{241EB5C9-1307-BA42-ABA2-0BC069CD8E7F}" type="datetimeFigureOut">
               <a:rPr lang="en-US" smtClean="0"/>
-              <a:t>5/12/2019</a:t>
+              <a:t>5/13/2019</a:t>
             </a:fld>
             <a:endParaRPr lang="en-US"/>
           </a:p>
@@ -835,7 +1656,7 @@
           <a:p>
             <a:fld id="{241EB5C9-1307-BA42-ABA2-0BC069CD8E7F}" type="datetimeFigureOut">
               <a:rPr lang="en-US" smtClean="0"/>
-              <a:t>5/12/2019</a:t>
+              <a:t>5/13/2019</a:t>
             </a:fld>
             <a:endParaRPr lang="en-US"/>
           </a:p>
@@ -1005,7 +1826,7 @@
           <a:p>
             <a:fld id="{241EB5C9-1307-BA42-ABA2-0BC069CD8E7F}" type="datetimeFigureOut">
               <a:rPr lang="en-US" smtClean="0"/>
-              <a:t>5/12/2019</a:t>
+              <a:t>5/13/2019</a:t>
             </a:fld>
             <a:endParaRPr lang="en-US"/>
           </a:p>
@@ -1256,7 +2077,7 @@
           <a:p>
             <a:fld id="{241EB5C9-1307-BA42-ABA2-0BC069CD8E7F}" type="datetimeFigureOut">
               <a:rPr lang="en-US" smtClean="0"/>
-              <a:t>5/12/2019</a:t>
+              <a:t>5/13/2019</a:t>
             </a:fld>
             <a:endParaRPr lang="en-US"/>
           </a:p>
@@ -1488,7 +2309,7 @@
           <a:p>
             <a:fld id="{241EB5C9-1307-BA42-ABA2-0BC069CD8E7F}" type="datetimeFigureOut">
               <a:rPr lang="en-US" smtClean="0"/>
-              <a:t>5/12/2019</a:t>
+              <a:t>5/13/2019</a:t>
             </a:fld>
             <a:endParaRPr lang="en-US"/>
           </a:p>
@@ -1835,7 +2656,7 @@
           <a:p>
             <a:fld id="{241EB5C9-1307-BA42-ABA2-0BC069CD8E7F}" type="datetimeFigureOut">
               <a:rPr lang="en-US" smtClean="0"/>
-              <a:t>5/12/2019</a:t>
+              <a:t>5/13/2019</a:t>
             </a:fld>
             <a:endParaRPr lang="en-US"/>
           </a:p>
@@ -1953,7 +2774,7 @@
           <a:p>
             <a:fld id="{241EB5C9-1307-BA42-ABA2-0BC069CD8E7F}" type="datetimeFigureOut">
               <a:rPr lang="en-US" smtClean="0"/>
-              <a:t>5/12/2019</a:t>
+              <a:t>5/13/2019</a:t>
             </a:fld>
             <a:endParaRPr lang="en-US"/>
           </a:p>
@@ -2071,7 +2892,7 @@
           <a:p>
             <a:fld id="{241EB5C9-1307-BA42-ABA2-0BC069CD8E7F}" type="datetimeFigureOut">
               <a:rPr lang="en-US" smtClean="0"/>
-              <a:t>5/12/2019</a:t>
+              <a:t>5/13/2019</a:t>
             </a:fld>
             <a:endParaRPr lang="en-US"/>
           </a:p>
@@ -2355,7 +3176,7 @@
           <a:p>
             <a:fld id="{241EB5C9-1307-BA42-ABA2-0BC069CD8E7F}" type="datetimeFigureOut">
               <a:rPr lang="en-US" smtClean="0"/>
-              <a:t>5/12/2019</a:t>
+              <a:t>5/13/2019</a:t>
             </a:fld>
             <a:endParaRPr lang="en-US"/>
           </a:p>
@@ -2525,7 +3346,7 @@
           <a:p>
             <a:fld id="{241EB5C9-1307-BA42-ABA2-0BC069CD8E7F}" type="datetimeFigureOut">
               <a:rPr lang="en-US" smtClean="0"/>
-              <a:t>5/12/2019</a:t>
+              <a:t>5/13/2019</a:t>
             </a:fld>
             <a:endParaRPr lang="en-US"/>
           </a:p>
@@ -2789,7 +3610,7 @@
           <a:p>
             <a:fld id="{241EB5C9-1307-BA42-ABA2-0BC069CD8E7F}" type="datetimeFigureOut">
               <a:rPr lang="en-US" smtClean="0"/>
-              <a:t>5/12/2019</a:t>
+              <a:t>5/13/2019</a:t>
             </a:fld>
             <a:endParaRPr lang="en-US"/>
           </a:p>
@@ -2959,7 +3780,7 @@
           <a:p>
             <a:fld id="{241EB5C9-1307-BA42-ABA2-0BC069CD8E7F}" type="datetimeFigureOut">
               <a:rPr lang="en-US" smtClean="0"/>
-              <a:t>5/12/2019</a:t>
+              <a:t>5/13/2019</a:t>
             </a:fld>
             <a:endParaRPr lang="en-US"/>
           </a:p>
@@ -3139,7 +3960,7 @@
           <a:p>
             <a:fld id="{241EB5C9-1307-BA42-ABA2-0BC069CD8E7F}" type="datetimeFigureOut">
               <a:rPr lang="en-US" smtClean="0"/>
-              <a:t>5/12/2019</a:t>
+              <a:t>5/13/2019</a:t>
             </a:fld>
             <a:endParaRPr lang="en-US"/>
           </a:p>
@@ -5437,7 +6258,7 @@
           <a:p>
             <a:fld id="{241EB5C9-1307-BA42-ABA2-0BC069CD8E7F}" type="datetimeFigureOut">
               <a:rPr lang="en-US" smtClean="0"/>
-              <a:t>5/12/2019</a:t>
+              <a:t>5/13/2019</a:t>
             </a:fld>
             <a:endParaRPr lang="en-US"/>
           </a:p>
@@ -5734,7 +6555,7 @@
           <a:p>
             <a:fld id="{241EB5C9-1307-BA42-ABA2-0BC069CD8E7F}" type="datetimeFigureOut">
               <a:rPr lang="en-US" smtClean="0"/>
-              <a:t>5/12/2019</a:t>
+              <a:t>5/13/2019</a:t>
             </a:fld>
             <a:endParaRPr lang="en-US"/>
           </a:p>
@@ -5904,7 +6725,7 @@
           <a:p>
             <a:fld id="{241EB5C9-1307-BA42-ABA2-0BC069CD8E7F}" type="datetimeFigureOut">
               <a:rPr lang="en-US" smtClean="0"/>
-              <a:t>5/12/2019</a:t>
+              <a:t>5/13/2019</a:t>
             </a:fld>
             <a:endParaRPr lang="en-US"/>
           </a:p>
@@ -6136,7 +6957,7 @@
           <a:p>
             <a:fld id="{241EB5C9-1307-BA42-ABA2-0BC069CD8E7F}" type="datetimeFigureOut">
               <a:rPr lang="en-US" smtClean="0"/>
-              <a:t>5/12/2019</a:t>
+              <a:t>5/13/2019</a:t>
             </a:fld>
             <a:endParaRPr lang="en-US"/>
           </a:p>
@@ -6483,7 +7304,7 @@
           <a:p>
             <a:fld id="{241EB5C9-1307-BA42-ABA2-0BC069CD8E7F}" type="datetimeFigureOut">
               <a:rPr lang="en-US" smtClean="0"/>
-              <a:t>5/12/2019</a:t>
+              <a:t>5/13/2019</a:t>
             </a:fld>
             <a:endParaRPr lang="en-US"/>
           </a:p>
@@ -6601,7 +7422,7 @@
           <a:p>
             <a:fld id="{241EB5C9-1307-BA42-ABA2-0BC069CD8E7F}" type="datetimeFigureOut">
               <a:rPr lang="en-US" smtClean="0"/>
-              <a:t>5/12/2019</a:t>
+              <a:t>5/13/2019</a:t>
             </a:fld>
             <a:endParaRPr lang="en-US"/>
           </a:p>
@@ -6719,7 +7540,7 @@
           <a:p>
             <a:fld id="{241EB5C9-1307-BA42-ABA2-0BC069CD8E7F}" type="datetimeFigureOut">
               <a:rPr lang="en-US" smtClean="0"/>
-              <a:t>5/12/2019</a:t>
+              <a:t>5/13/2019</a:t>
             </a:fld>
             <a:endParaRPr lang="en-US"/>
           </a:p>
@@ -7003,7 +7824,7 @@
           <a:p>
             <a:fld id="{241EB5C9-1307-BA42-ABA2-0BC069CD8E7F}" type="datetimeFigureOut">
               <a:rPr lang="en-US" smtClean="0"/>
-              <a:t>5/12/2019</a:t>
+              <a:t>5/13/2019</a:t>
             </a:fld>
             <a:endParaRPr lang="en-US"/>
           </a:p>
@@ -7267,7 +8088,7 @@
           <a:p>
             <a:fld id="{241EB5C9-1307-BA42-ABA2-0BC069CD8E7F}" type="datetimeFigureOut">
               <a:rPr lang="en-US" smtClean="0"/>
-              <a:t>5/12/2019</a:t>
+              <a:t>5/13/2019</a:t>
             </a:fld>
             <a:endParaRPr lang="en-US"/>
           </a:p>
@@ -7481,7 +8302,7 @@
           <a:p>
             <a:fld id="{241EB5C9-1307-BA42-ABA2-0BC069CD8E7F}" type="datetimeFigureOut">
               <a:rPr lang="en-US" smtClean="0"/>
-              <a:t>5/12/2019</a:t>
+              <a:t>5/13/2019</a:t>
             </a:fld>
             <a:endParaRPr lang="en-US"/>
           </a:p>
@@ -8011,7 +8832,7 @@
           <a:p>
             <a:fld id="{241EB5C9-1307-BA42-ABA2-0BC069CD8E7F}" type="datetimeFigureOut">
               <a:rPr lang="en-US" smtClean="0"/>
-              <a:t>5/12/2019</a:t>
+              <a:t>5/13/2019</a:t>
             </a:fld>
             <a:endParaRPr lang="en-US"/>
           </a:p>
@@ -8465,7 +9286,7 @@
           <a:p>
             <a:fld id="{241EB5C9-1307-BA42-ABA2-0BC069CD8E7F}" type="datetimeFigureOut">
               <a:rPr lang="en-US" smtClean="0"/>
-              <a:t>5/12/2019</a:t>
+              <a:t>5/13/2019</a:t>
             </a:fld>
             <a:endParaRPr lang="en-US"/>
           </a:p>
@@ -9187,7 +10008,24 @@
                 <a:cs typeface="FZLanTingHei-L-GBK-M" panose="02010600010101010101" pitchFamily="2" charset="2"/>
                 <a:sym typeface="Segoe UI" panose="020B0502040204020203" pitchFamily="34" charset="0"/>
               </a:rPr>
-              <a:t>以卷积网络方法利用组织和基因组数据</a:t>
+              <a:t>以卷积网络方法</a:t>
+            </a:r>
+            <a:endParaRPr lang="en-GB" altLang="zh-CN" dirty="0">
+              <a:latin typeface="Segoe UI" panose="020B0502040204020203" pitchFamily="34" charset="0"/>
+              <a:ea typeface="DengXian" panose="02010600030101010101" pitchFamily="2" charset="-122"/>
+              <a:cs typeface="FZLanTingHei-L-GBK-M" panose="02010600010101010101" pitchFamily="2" charset="2"/>
+              <a:sym typeface="Segoe UI" panose="020B0502040204020203" pitchFamily="34" charset="0"/>
+            </a:endParaRPr>
+          </a:p>
+          <a:p>
+            <a:r>
+              <a:rPr lang="zh-CN" altLang="en-US" dirty="0">
+                <a:latin typeface="Segoe UI" panose="020B0502040204020203" pitchFamily="34" charset="0"/>
+                <a:ea typeface="DengXian" panose="02010600030101010101" pitchFamily="2" charset="-122"/>
+                <a:cs typeface="FZLanTingHei-L-GBK-M" panose="02010600010101010101" pitchFamily="2" charset="2"/>
+                <a:sym typeface="Segoe UI" panose="020B0502040204020203" pitchFamily="34" charset="0"/>
+              </a:rPr>
+              <a:t>利用组织和基因组数据</a:t>
             </a:r>
             <a:br>
               <a:rPr lang="en-GB" altLang="zh-CN" dirty="0">
@@ -9220,6 +10058,18 @@
   <p:clrMapOvr>
     <a:masterClrMapping/>
   </p:clrMapOvr>
+  <mc:AlternateContent xmlns:mc="http://schemas.openxmlformats.org/markup-compatibility/2006">
+    <mc:Choice xmlns:p14="http://schemas.microsoft.com/office/powerpoint/2010/main" Requires="p14">
+      <p:transition spd="med" p14:dur="700">
+        <p:fade/>
+      </p:transition>
+    </mc:Choice>
+    <mc:Fallback>
+      <p:transition spd="med">
+        <p:fade/>
+      </p:transition>
+    </mc:Fallback>
+  </mc:AlternateContent>
 </p:sld>
 </file>
 
@@ -9245,6 +10095,284 @@
           <p:cNvPr id="5" name="文本占位符 4">
             <a:extLst>
               <a:ext uri="{FF2B5EF4-FFF2-40B4-BE49-F238E27FC236}">
+                <a16:creationId xmlns:a16="http://schemas.microsoft.com/office/drawing/2014/main" id="{F18A1911-B97A-4F35-A664-4C49FF69C74A}"/>
+              </a:ext>
+            </a:extLst>
+          </p:cNvPr>
+          <p:cNvSpPr>
+            <a:spLocks noGrp="1"/>
+          </p:cNvSpPr>
+          <p:nvPr>
+            <p:ph type="body" sz="quarter" idx="11"/>
+          </p:nvPr>
+        </p:nvSpPr>
+        <p:spPr/>
+        <p:txBody>
+          <a:bodyPr/>
+          <a:lstStyle/>
+          <a:p>
+            <a:r>
+              <a:rPr lang="en-GB" dirty="0">
+                <a:latin typeface="Segoe UI" panose="020B0502040204020203" pitchFamily="34" charset="0"/>
+                <a:ea typeface="DengXian" panose="02010600030101010101" pitchFamily="2" charset="-122"/>
+                <a:cs typeface="FZLanTingHei-L-GBK-M" panose="02010600010101010101" pitchFamily="2" charset="2"/>
+                <a:sym typeface="Segoe UI" panose="020B0502040204020203" pitchFamily="34" charset="0"/>
+              </a:rPr>
+              <a:t>3.2 SNAS</a:t>
+            </a:r>
+            <a:r>
+              <a:rPr lang="zh-CN" altLang="en-US" dirty="0">
+                <a:latin typeface="Segoe UI" panose="020B0502040204020203" pitchFamily="34" charset="0"/>
+                <a:ea typeface="DengXian" panose="02010600030101010101" pitchFamily="2" charset="-122"/>
+                <a:cs typeface="FZLanTingHei-L-GBK-M" panose="02010600010101010101" pitchFamily="2" charset="2"/>
+                <a:sym typeface="Segoe UI" panose="020B0502040204020203" pitchFamily="34" charset="0"/>
+              </a:rPr>
+              <a:t>超参数</a:t>
+            </a:r>
+            <a:endParaRPr lang="en-GB" dirty="0">
+              <a:latin typeface="Segoe UI" panose="020B0502040204020203" pitchFamily="34" charset="0"/>
+              <a:ea typeface="DengXian" panose="02010600030101010101" pitchFamily="2" charset="-122"/>
+              <a:cs typeface="FZLanTingHei-L-GBK-M" panose="02010600010101010101" pitchFamily="2" charset="2"/>
+              <a:sym typeface="Segoe UI" panose="020B0502040204020203" pitchFamily="34" charset="0"/>
+            </a:endParaRPr>
+          </a:p>
+        </p:txBody>
+      </p:sp>
+      <p:pic>
+        <p:nvPicPr>
+          <p:cNvPr id="3" name="Picture 1" descr="D:\Project\Survival-Analysis-by-Breast-Cancer-Slides\imgs\fig8.png"/>
+          <p:cNvPicPr>
+            <a:picLocks noGrp="1" noChangeAspect="1"/>
+          </p:cNvPicPr>
+          <p:nvPr/>
+        </p:nvPicPr>
+        <p:blipFill>
+          <a:blip r:embed="rId2"/>
+          <a:stretch>
+            <a:fillRect/>
+          </a:stretch>
+        </p:blipFill>
+        <p:spPr bwMode="auto">
+          <a:xfrm>
+            <a:off x="1868187" y="1252973"/>
+            <a:ext cx="8624264" cy="4360428"/>
+          </a:xfrm>
+          <a:prstGeom prst="rect">
+            <a:avLst/>
+          </a:prstGeom>
+          <a:noFill/>
+          <a:ln w="9525">
+            <a:noFill/>
+            <a:headEnd/>
+            <a:tailEnd/>
+          </a:ln>
+        </p:spPr>
+      </p:pic>
+      <p:sp>
+        <p:nvSpPr>
+          <p:cNvPr id="4" name="TextBox 3"/>
+          <p:cNvSpPr txBox="1"/>
+          <p:nvPr/>
+        </p:nvSpPr>
+        <p:spPr>
+          <a:xfrm>
+            <a:off x="1981200" y="5613400"/>
+            <a:ext cx="8229600" cy="508000"/>
+          </a:xfrm>
+          <a:prstGeom prst="rect">
+            <a:avLst/>
+          </a:prstGeom>
+          <a:noFill/>
+        </p:spPr>
+        <p:txBody>
+          <a:bodyPr/>
+          <a:lstStyle/>
+          <a:p>
+            <a:pPr algn="ctr"/>
+            <a:r>
+              <a:rPr sz="2400" dirty="0">
+                <a:latin typeface="Segoe UI" panose="020B0502040204020203" pitchFamily="34" charset="0"/>
+                <a:ea typeface="DengXian" panose="02010600030101010101" pitchFamily="2" charset="-122"/>
+                <a:cs typeface="FZLanTingHei-L-GBK-M" panose="02010600010101010101" pitchFamily="2" charset="2"/>
+                <a:sym typeface="Segoe UI" panose="020B0502040204020203" pitchFamily="34" charset="0"/>
+              </a:rPr>
+              <a:t>图3 </a:t>
+            </a:r>
+            <a:r>
+              <a:rPr sz="2400" dirty="0" err="1">
+                <a:latin typeface="Segoe UI" panose="020B0502040204020203" pitchFamily="34" charset="0"/>
+                <a:ea typeface="DengXian" panose="02010600030101010101" pitchFamily="2" charset="-122"/>
+                <a:cs typeface="FZLanTingHei-L-GBK-M" panose="02010600010101010101" pitchFamily="2" charset="2"/>
+                <a:sym typeface="Segoe UI" panose="020B0502040204020203" pitchFamily="34" charset="0"/>
+              </a:rPr>
+              <a:t>数据增强影响</a:t>
+            </a:r>
+            <a:endParaRPr sz="2400" dirty="0">
+              <a:latin typeface="Segoe UI" panose="020B0502040204020203" pitchFamily="34" charset="0"/>
+              <a:ea typeface="DengXian" panose="02010600030101010101" pitchFamily="2" charset="-122"/>
+              <a:cs typeface="FZLanTingHei-L-GBK-M" panose="02010600010101010101" pitchFamily="2" charset="2"/>
+              <a:sym typeface="Segoe UI" panose="020B0502040204020203" pitchFamily="34" charset="0"/>
+            </a:endParaRPr>
+          </a:p>
+        </p:txBody>
+      </p:sp>
+    </p:spTree>
+  </p:cSld>
+  <p:clrMapOvr>
+    <a:masterClrMapping/>
+  </p:clrMapOvr>
+  <mc:AlternateContent xmlns:mc="http://schemas.openxmlformats.org/markup-compatibility/2006">
+    <mc:Choice xmlns:p14="http://schemas.microsoft.com/office/powerpoint/2010/main" Requires="p14">
+      <p:transition spd="med" p14:dur="700">
+        <p:fade/>
+      </p:transition>
+    </mc:Choice>
+    <mc:Fallback>
+      <p:transition spd="med">
+        <p:fade/>
+      </p:transition>
+    </mc:Fallback>
+  </mc:AlternateContent>
+</p:sld>
+</file>
+
+<file path=ppt/slides/slide11.xml><?xml version="1.0" encoding="utf-8"?>
+<p:sld xmlns:a="http://schemas.openxmlformats.org/drawingml/2006/main" xmlns:r="http://schemas.openxmlformats.org/officeDocument/2006/relationships" xmlns:p="http://schemas.openxmlformats.org/presentationml/2006/main">
+  <p:cSld>
+    <p:spTree>
+      <p:nvGrpSpPr>
+        <p:cNvPr id="1" name=""/>
+        <p:cNvGrpSpPr/>
+        <p:nvPr/>
+      </p:nvGrpSpPr>
+      <p:grpSpPr>
+        <a:xfrm>
+          <a:off x="0" y="0"/>
+          <a:ext cx="0" cy="0"/>
+          <a:chOff x="0" y="0"/>
+          <a:chExt cx="0" cy="0"/>
+        </a:xfrm>
+      </p:grpSpPr>
+      <p:pic>
+        <p:nvPicPr>
+          <p:cNvPr id="2" name="Picture 1" descr="D:\Project\Survival-Analysis-by-Breast-Cancer-Slides\imgs\fig9.png"/>
+          <p:cNvPicPr>
+            <a:picLocks noGrp="1" noChangeAspect="1"/>
+          </p:cNvPicPr>
+          <p:nvPr/>
+        </p:nvPicPr>
+        <p:blipFill>
+          <a:blip r:embed="rId2"/>
+          <a:stretch>
+            <a:fillRect/>
+          </a:stretch>
+        </p:blipFill>
+        <p:spPr bwMode="auto">
+          <a:xfrm>
+            <a:off x="2794966" y="1200559"/>
+            <a:ext cx="6088604" cy="4412841"/>
+          </a:xfrm>
+          <a:prstGeom prst="rect">
+            <a:avLst/>
+          </a:prstGeom>
+          <a:noFill/>
+          <a:ln w="9525">
+            <a:noFill/>
+            <a:headEnd/>
+            <a:tailEnd/>
+          </a:ln>
+        </p:spPr>
+      </p:pic>
+      <p:sp>
+        <p:nvSpPr>
+          <p:cNvPr id="3" name="TextBox 3"/>
+          <p:cNvSpPr txBox="1"/>
+          <p:nvPr/>
+        </p:nvSpPr>
+        <p:spPr>
+          <a:xfrm>
+            <a:off x="1981200" y="5613400"/>
+            <a:ext cx="8229600" cy="508000"/>
+          </a:xfrm>
+          <a:prstGeom prst="rect">
+            <a:avLst/>
+          </a:prstGeom>
+          <a:noFill/>
+        </p:spPr>
+        <p:txBody>
+          <a:bodyPr/>
+          <a:lstStyle/>
+          <a:p>
+            <a:pPr algn="ctr"/>
+            <a:r>
+              <a:rPr sz="2400" dirty="0">
+                <a:latin typeface="Segoe UI" panose="020B0502040204020203" pitchFamily="34" charset="0"/>
+                <a:ea typeface="DengXian" panose="02010600030101010101" pitchFamily="2" charset="-122"/>
+                <a:cs typeface="FZLanTingHei-L-GBK-M" panose="02010600010101010101" pitchFamily="2" charset="2"/>
+                <a:sym typeface="Segoe UI" panose="020B0502040204020203" pitchFamily="34" charset="0"/>
+              </a:rPr>
+              <a:t>图4 </a:t>
+            </a:r>
+            <a:r>
+              <a:rPr sz="2400" dirty="0" err="1">
+                <a:latin typeface="Segoe UI" panose="020B0502040204020203" pitchFamily="34" charset="0"/>
+                <a:ea typeface="DengXian" panose="02010600030101010101" pitchFamily="2" charset="-122"/>
+                <a:cs typeface="FZLanTingHei-L-GBK-M" panose="02010600010101010101" pitchFamily="2" charset="2"/>
+                <a:sym typeface="Segoe UI" panose="020B0502040204020203" pitchFamily="34" charset="0"/>
+              </a:rPr>
+              <a:t>全连接层节点数量的影响</a:t>
+            </a:r>
+            <a:endParaRPr sz="2400" dirty="0">
+              <a:latin typeface="Segoe UI" panose="020B0502040204020203" pitchFamily="34" charset="0"/>
+              <a:ea typeface="DengXian" panose="02010600030101010101" pitchFamily="2" charset="-122"/>
+              <a:cs typeface="FZLanTingHei-L-GBK-M" panose="02010600010101010101" pitchFamily="2" charset="2"/>
+              <a:sym typeface="Segoe UI" panose="020B0502040204020203" pitchFamily="34" charset="0"/>
+            </a:endParaRPr>
+          </a:p>
+        </p:txBody>
+      </p:sp>
+    </p:spTree>
+  </p:cSld>
+  <p:clrMapOvr>
+    <a:masterClrMapping/>
+  </p:clrMapOvr>
+  <mc:AlternateContent xmlns:mc="http://schemas.openxmlformats.org/markup-compatibility/2006">
+    <mc:Choice xmlns:p14="http://schemas.microsoft.com/office/powerpoint/2010/main" Requires="p14">
+      <p:transition spd="med" p14:dur="700">
+        <p:fade/>
+      </p:transition>
+    </mc:Choice>
+    <mc:Fallback>
+      <p:transition spd="med">
+        <p:fade/>
+      </p:transition>
+    </mc:Fallback>
+  </mc:AlternateContent>
+</p:sld>
+</file>
+
+<file path=ppt/slides/slide12.xml><?xml version="1.0" encoding="utf-8"?>
+<p:sld xmlns:a="http://schemas.openxmlformats.org/drawingml/2006/main" xmlns:r="http://schemas.openxmlformats.org/officeDocument/2006/relationships" xmlns:p="http://schemas.openxmlformats.org/presentationml/2006/main">
+  <p:cSld>
+    <p:spTree>
+      <p:nvGrpSpPr>
+        <p:cNvPr id="1" name=""/>
+        <p:cNvGrpSpPr/>
+        <p:nvPr/>
+      </p:nvGrpSpPr>
+      <p:grpSpPr>
+        <a:xfrm>
+          <a:off x="0" y="0"/>
+          <a:ext cx="0" cy="0"/>
+          <a:chOff x="0" y="0"/>
+          <a:chExt cx="0" cy="0"/>
+        </a:xfrm>
+      </p:grpSpPr>
+      <p:sp>
+        <p:nvSpPr>
+          <p:cNvPr id="5" name="文本占位符 4">
+            <a:extLst>
+              <a:ext uri="{FF2B5EF4-FFF2-40B4-BE49-F238E27FC236}">
                 <a16:creationId xmlns:a16="http://schemas.microsoft.com/office/drawing/2014/main" id="{F95FE575-2D63-4C85-B15F-6662154ABD73}"/>
               </a:ext>
             </a:extLst>
@@ -9268,7 +10396,7 @@
                 <a:cs typeface="FZLanTingHei-L-GBK-M" panose="02010600010101010101" pitchFamily="2" charset="2"/>
                 <a:sym typeface="Segoe UI" panose="020B0502040204020203" pitchFamily="34" charset="0"/>
               </a:rPr>
-              <a:t>3.2 SNAS</a:t>
+              <a:t>3.3 SNAS</a:t>
             </a:r>
             <a:r>
               <a:rPr lang="zh-CN" altLang="en-US" dirty="0">
@@ -9297,7 +10425,7 @@
           <p:nvPr/>
         </p:nvPicPr>
         <p:blipFill>
-          <a:blip r:embed="rId2"/>
+          <a:blip r:embed="rId3"/>
           <a:stretch>
             <a:fillRect/>
           </a:stretch>
@@ -9326,8 +10454,8 @@
         </p:nvSpPr>
         <p:spPr>
           <a:xfrm>
-            <a:off x="1981200" y="5613400"/>
-            <a:ext cx="8229600" cy="508000"/>
+            <a:off x="1981200" y="5521124"/>
+            <a:ext cx="8229600" cy="600276"/>
           </a:xfrm>
           <a:prstGeom prst="rect">
             <a:avLst/>
@@ -9340,14 +10468,29 @@
           <a:p>
             <a:pPr algn="ctr"/>
             <a:r>
-              <a:rPr>
-                <a:latin typeface="Segoe UI" panose="020B0502040204020203" pitchFamily="34" charset="0"/>
-                <a:ea typeface="DengXian" panose="02010600030101010101" pitchFamily="2" charset="-122"/>
-                <a:cs typeface="FZLanTingHei-L-GBK-M" panose="02010600010101010101" pitchFamily="2" charset="2"/>
-                <a:sym typeface="Segoe UI" panose="020B0502040204020203" pitchFamily="34" charset="0"/>
-              </a:rPr>
-              <a:t>图5 SNAS生存模型表现</a:t>
-            </a:r>
+              <a:rPr sz="2400" dirty="0">
+                <a:latin typeface="Segoe UI" panose="020B0502040204020203" pitchFamily="34" charset="0"/>
+                <a:ea typeface="DengXian" panose="02010600030101010101" pitchFamily="2" charset="-122"/>
+                <a:cs typeface="FZLanTingHei-L-GBK-M" panose="02010600010101010101" pitchFamily="2" charset="2"/>
+                <a:sym typeface="Segoe UI" panose="020B0502040204020203" pitchFamily="34" charset="0"/>
+              </a:rPr>
+              <a:t>图5 </a:t>
+            </a:r>
+            <a:r>
+              <a:rPr sz="2400" dirty="0" err="1">
+                <a:latin typeface="Segoe UI" panose="020B0502040204020203" pitchFamily="34" charset="0"/>
+                <a:ea typeface="DengXian" panose="02010600030101010101" pitchFamily="2" charset="-122"/>
+                <a:cs typeface="FZLanTingHei-L-GBK-M" panose="02010600010101010101" pitchFamily="2" charset="2"/>
+                <a:sym typeface="Segoe UI" panose="020B0502040204020203" pitchFamily="34" charset="0"/>
+              </a:rPr>
+              <a:t>SNAS生存模型表现</a:t>
+            </a:r>
+            <a:endParaRPr sz="2400" dirty="0">
+              <a:latin typeface="Segoe UI" panose="020B0502040204020203" pitchFamily="34" charset="0"/>
+              <a:ea typeface="DengXian" panose="02010600030101010101" pitchFamily="2" charset="-122"/>
+              <a:cs typeface="FZLanTingHei-L-GBK-M" panose="02010600010101010101" pitchFamily="2" charset="2"/>
+              <a:sym typeface="Segoe UI" panose="020B0502040204020203" pitchFamily="34" charset="0"/>
+            </a:endParaRPr>
           </a:p>
         </p:txBody>
       </p:sp>
@@ -9356,10 +10499,22 @@
   <p:clrMapOvr>
     <a:masterClrMapping/>
   </p:clrMapOvr>
+  <mc:AlternateContent xmlns:mc="http://schemas.openxmlformats.org/markup-compatibility/2006">
+    <mc:Choice xmlns:p14="http://schemas.microsoft.com/office/powerpoint/2010/main" Requires="p14">
+      <p:transition spd="med" p14:dur="700">
+        <p:fade/>
+      </p:transition>
+    </mc:Choice>
+    <mc:Fallback>
+      <p:transition spd="med">
+        <p:fade/>
+      </p:transition>
+    </mc:Fallback>
+  </mc:AlternateContent>
 </p:sld>
 </file>
 
-<file path=ppt/slides/slide11.xml><?xml version="1.0" encoding="utf-8"?>
+<file path=ppt/slides/slide13.xml><?xml version="1.0" encoding="utf-8"?>
 <p:sld xmlns:a="http://schemas.openxmlformats.org/drawingml/2006/main" xmlns:r="http://schemas.openxmlformats.org/officeDocument/2006/relationships" xmlns:p="http://schemas.openxmlformats.org/presentationml/2006/main">
   <p:cSld>
     <p:spTree>
@@ -9404,7 +10559,7 @@
                 <a:cs typeface="FZLanTingHei-L-GBK-M" panose="02010600010101010101" pitchFamily="2" charset="2"/>
                 <a:sym typeface="Segoe UI" panose="020B0502040204020203" pitchFamily="34" charset="0"/>
               </a:rPr>
-              <a:t>3.3 </a:t>
+              <a:t>3.4.1 </a:t>
             </a:r>
             <a:r>
               <a:rPr lang="zh-CN" altLang="en-US" dirty="0">
@@ -9440,8 +10595,8 @@
         </p:blipFill>
         <p:spPr bwMode="auto">
           <a:xfrm>
-            <a:off x="3096308" y="1333930"/>
-            <a:ext cx="5999384" cy="4279470"/>
+            <a:off x="2915603" y="1174792"/>
+            <a:ext cx="6222479" cy="4438608"/>
           </a:xfrm>
           <a:prstGeom prst="rect">
             <a:avLst/>
@@ -9476,14 +10631,29 @@
           <a:p>
             <a:pPr algn="ctr"/>
             <a:r>
-              <a:rPr>
-                <a:latin typeface="Segoe UI" panose="020B0502040204020203" pitchFamily="34" charset="0"/>
-                <a:ea typeface="DengXian" panose="02010600030101010101" pitchFamily="2" charset="-122"/>
-                <a:cs typeface="FZLanTingHei-L-GBK-M" panose="02010600010101010101" pitchFamily="2" charset="2"/>
-                <a:sym typeface="Segoe UI" panose="020B0502040204020203" pitchFamily="34" charset="0"/>
-              </a:rPr>
-              <a:t>图6 训练集大小与模型表现</a:t>
-            </a:r>
+              <a:rPr sz="2400" dirty="0">
+                <a:latin typeface="Segoe UI" panose="020B0502040204020203" pitchFamily="34" charset="0"/>
+                <a:ea typeface="DengXian" panose="02010600030101010101" pitchFamily="2" charset="-122"/>
+                <a:cs typeface="FZLanTingHei-L-GBK-M" panose="02010600010101010101" pitchFamily="2" charset="2"/>
+                <a:sym typeface="Segoe UI" panose="020B0502040204020203" pitchFamily="34" charset="0"/>
+              </a:rPr>
+              <a:t>图6 </a:t>
+            </a:r>
+            <a:r>
+              <a:rPr sz="2400" dirty="0" err="1">
+                <a:latin typeface="Segoe UI" panose="020B0502040204020203" pitchFamily="34" charset="0"/>
+                <a:ea typeface="DengXian" panose="02010600030101010101" pitchFamily="2" charset="-122"/>
+                <a:cs typeface="FZLanTingHei-L-GBK-M" panose="02010600010101010101" pitchFamily="2" charset="2"/>
+                <a:sym typeface="Segoe UI" panose="020B0502040204020203" pitchFamily="34" charset="0"/>
+              </a:rPr>
+              <a:t>训练集大小与模型表现</a:t>
+            </a:r>
+            <a:endParaRPr sz="2400" dirty="0">
+              <a:latin typeface="Segoe UI" panose="020B0502040204020203" pitchFamily="34" charset="0"/>
+              <a:ea typeface="DengXian" panose="02010600030101010101" pitchFamily="2" charset="-122"/>
+              <a:cs typeface="FZLanTingHei-L-GBK-M" panose="02010600010101010101" pitchFamily="2" charset="2"/>
+              <a:sym typeface="Segoe UI" panose="020B0502040204020203" pitchFamily="34" charset="0"/>
+            </a:endParaRPr>
           </a:p>
         </p:txBody>
       </p:sp>
@@ -9492,10 +10662,22 @@
   <p:clrMapOvr>
     <a:masterClrMapping/>
   </p:clrMapOvr>
+  <mc:AlternateContent xmlns:mc="http://schemas.openxmlformats.org/markup-compatibility/2006">
+    <mc:Choice xmlns:p14="http://schemas.microsoft.com/office/powerpoint/2010/main" Requires="p14">
+      <p:transition spd="med" p14:dur="700">
+        <p:fade/>
+      </p:transition>
+    </mc:Choice>
+    <mc:Fallback>
+      <p:transition spd="med">
+        <p:fade/>
+      </p:transition>
+    </mc:Fallback>
+  </mc:AlternateContent>
 </p:sld>
 </file>
 
-<file path=ppt/slides/slide12.xml><?xml version="1.0" encoding="utf-8"?>
+<file path=ppt/slides/slide14.xml><?xml version="1.0" encoding="utf-8"?>
 <p:sld xmlns:a="http://schemas.openxmlformats.org/drawingml/2006/main" xmlns:r="http://schemas.openxmlformats.org/officeDocument/2006/relationships" xmlns:p="http://schemas.openxmlformats.org/presentationml/2006/main">
   <p:cSld>
     <p:spTree>
@@ -9540,7 +10722,7 @@
                 <a:cs typeface="FZLanTingHei-L-GBK-M" panose="02010600010101010101" pitchFamily="2" charset="2"/>
                 <a:sym typeface="Segoe UI" panose="020B0502040204020203" pitchFamily="34" charset="0"/>
               </a:rPr>
-              <a:t>3.4 </a:t>
+              <a:t>3.4.2 </a:t>
             </a:r>
             <a:r>
               <a:rPr lang="zh-CN" altLang="en-US" dirty="0">
@@ -9612,14 +10794,29 @@
           <a:p>
             <a:pPr algn="ctr"/>
             <a:r>
-              <a:rPr>
-                <a:latin typeface="Segoe UI" panose="020B0502040204020203" pitchFamily="34" charset="0"/>
-                <a:ea typeface="DengXian" panose="02010600030101010101" pitchFamily="2" charset="-122"/>
-                <a:cs typeface="FZLanTingHei-L-GBK-M" panose="02010600010101010101" pitchFamily="2" charset="2"/>
-                <a:sym typeface="Segoe UI" panose="020B0502040204020203" pitchFamily="34" charset="0"/>
-              </a:rPr>
-              <a:t>图7 基因组学信息影响</a:t>
-            </a:r>
+              <a:rPr sz="2400" dirty="0">
+                <a:latin typeface="Segoe UI" panose="020B0502040204020203" pitchFamily="34" charset="0"/>
+                <a:ea typeface="DengXian" panose="02010600030101010101" pitchFamily="2" charset="-122"/>
+                <a:cs typeface="FZLanTingHei-L-GBK-M" panose="02010600010101010101" pitchFamily="2" charset="2"/>
+                <a:sym typeface="Segoe UI" panose="020B0502040204020203" pitchFamily="34" charset="0"/>
+              </a:rPr>
+              <a:t>图7 </a:t>
+            </a:r>
+            <a:r>
+              <a:rPr sz="2400" dirty="0" err="1">
+                <a:latin typeface="Segoe UI" panose="020B0502040204020203" pitchFamily="34" charset="0"/>
+                <a:ea typeface="DengXian" panose="02010600030101010101" pitchFamily="2" charset="-122"/>
+                <a:cs typeface="FZLanTingHei-L-GBK-M" panose="02010600010101010101" pitchFamily="2" charset="2"/>
+                <a:sym typeface="Segoe UI" panose="020B0502040204020203" pitchFamily="34" charset="0"/>
+              </a:rPr>
+              <a:t>基因组学信息影响</a:t>
+            </a:r>
+            <a:endParaRPr sz="2400" dirty="0">
+              <a:latin typeface="Segoe UI" panose="020B0502040204020203" pitchFamily="34" charset="0"/>
+              <a:ea typeface="DengXian" panose="02010600030101010101" pitchFamily="2" charset="-122"/>
+              <a:cs typeface="FZLanTingHei-L-GBK-M" panose="02010600010101010101" pitchFamily="2" charset="2"/>
+              <a:sym typeface="Segoe UI" panose="020B0502040204020203" pitchFamily="34" charset="0"/>
+            </a:endParaRPr>
           </a:p>
         </p:txBody>
       </p:sp>
@@ -9628,799 +10825,18 @@
   <p:clrMapOvr>
     <a:masterClrMapping/>
   </p:clrMapOvr>
-</p:sld>
-</file>
-
-<file path=ppt/slides/slide13.xml><?xml version="1.0" encoding="utf-8"?>
-<p:sld xmlns:a="http://schemas.openxmlformats.org/drawingml/2006/main" xmlns:r="http://schemas.openxmlformats.org/officeDocument/2006/relationships" xmlns:p="http://schemas.openxmlformats.org/presentationml/2006/main">
-  <p:cSld>
-    <p:spTree>
-      <p:nvGrpSpPr>
-        <p:cNvPr id="1" name=""/>
-        <p:cNvGrpSpPr/>
-        <p:nvPr/>
-      </p:nvGrpSpPr>
-      <p:grpSpPr>
-        <a:xfrm>
-          <a:off x="0" y="0"/>
-          <a:ext cx="0" cy="0"/>
-          <a:chOff x="0" y="0"/>
-          <a:chExt cx="0" cy="0"/>
-        </a:xfrm>
-      </p:grpSpPr>
-      <p:sp>
-        <p:nvSpPr>
-          <p:cNvPr id="5" name="文本占位符 4">
-            <a:extLst>
-              <a:ext uri="{FF2B5EF4-FFF2-40B4-BE49-F238E27FC236}">
-                <a16:creationId xmlns:a16="http://schemas.microsoft.com/office/drawing/2014/main" id="{9A0E6BCD-4C5D-4938-A0AF-0BC9DE91967C}"/>
-              </a:ext>
-            </a:extLst>
-          </p:cNvPr>
-          <p:cNvSpPr>
-            <a:spLocks noGrp="1"/>
-          </p:cNvSpPr>
-          <p:nvPr>
-            <p:ph type="body" sz="quarter" idx="11"/>
-          </p:nvPr>
-        </p:nvSpPr>
-        <p:spPr/>
-        <p:txBody>
-          <a:bodyPr/>
-          <a:lstStyle/>
-          <a:p>
-            <a:r>
-              <a:rPr lang="en-US" altLang="zh-CN" dirty="0">
-                <a:latin typeface="Segoe UI" panose="020B0502040204020203" pitchFamily="34" charset="0"/>
-                <a:ea typeface="DengXian" panose="02010600030101010101" pitchFamily="2" charset="-122"/>
-                <a:cs typeface="FZLanTingHei-L-GBK-M" panose="02010600010101010101" pitchFamily="2" charset="2"/>
-                <a:sym typeface="Segoe UI" panose="020B0502040204020203" pitchFamily="34" charset="0"/>
-              </a:rPr>
-              <a:t>3.5 </a:t>
-            </a:r>
-            <a:r>
-              <a:rPr lang="zh-CN" altLang="en-US" dirty="0">
-                <a:latin typeface="Segoe UI" panose="020B0502040204020203" pitchFamily="34" charset="0"/>
-                <a:ea typeface="DengXian" panose="02010600030101010101" pitchFamily="2" charset="-122"/>
-                <a:cs typeface="FZLanTingHei-L-GBK-M" panose="02010600010101010101" pitchFamily="2" charset="2"/>
-                <a:sym typeface="Segoe UI" panose="020B0502040204020203" pitchFamily="34" charset="0"/>
-              </a:rPr>
-              <a:t>端到端系统</a:t>
-            </a:r>
-            <a:endParaRPr lang="en-GB" dirty="0">
-              <a:latin typeface="Segoe UI" panose="020B0502040204020203" pitchFamily="34" charset="0"/>
-              <a:ea typeface="DengXian" panose="02010600030101010101" pitchFamily="2" charset="-122"/>
-              <a:cs typeface="FZLanTingHei-L-GBK-M" panose="02010600010101010101" pitchFamily="2" charset="2"/>
-              <a:sym typeface="Segoe UI" panose="020B0502040204020203" pitchFamily="34" charset="0"/>
-            </a:endParaRPr>
-          </a:p>
-        </p:txBody>
-      </p:sp>
-      <p:pic>
-        <p:nvPicPr>
-          <p:cNvPr id="3" name="Picture 1" descr="D:\Project\Survival-Analysis-by-Breast-Cancer-Slides\imgs\site.png"/>
-          <p:cNvPicPr>
-            <a:picLocks noGrp="1" noChangeAspect="1"/>
-          </p:cNvPicPr>
-          <p:nvPr/>
-        </p:nvPicPr>
-        <p:blipFill>
-          <a:blip r:embed="rId2"/>
-          <a:stretch>
-            <a:fillRect/>
-          </a:stretch>
-        </p:blipFill>
-        <p:spPr bwMode="auto">
-          <a:xfrm>
-            <a:off x="7604567" y="1443841"/>
-            <a:ext cx="4013200" cy="4013200"/>
-          </a:xfrm>
-          <a:prstGeom prst="rect">
-            <a:avLst/>
-          </a:prstGeom>
-          <a:noFill/>
-          <a:ln w="9525">
-            <a:noFill/>
-            <a:headEnd/>
-            <a:tailEnd/>
-          </a:ln>
-        </p:spPr>
-      </p:pic>
-      <p:sp>
-        <p:nvSpPr>
-          <p:cNvPr id="4" name="TextBox 3"/>
-          <p:cNvSpPr txBox="1"/>
-          <p:nvPr/>
-        </p:nvSpPr>
-        <p:spPr>
-          <a:xfrm>
-            <a:off x="5496367" y="5266920"/>
-            <a:ext cx="8229600" cy="508000"/>
-          </a:xfrm>
-          <a:prstGeom prst="rect">
-            <a:avLst/>
-          </a:prstGeom>
-          <a:noFill/>
-        </p:spPr>
-        <p:txBody>
-          <a:bodyPr/>
-          <a:lstStyle/>
-          <a:p>
-            <a:pPr algn="ctr"/>
-            <a:r>
-              <a:rPr dirty="0">
-                <a:latin typeface="Segoe UI" panose="020B0502040204020203" pitchFamily="34" charset="0"/>
-                <a:ea typeface="DengXian" panose="02010600030101010101" pitchFamily="2" charset="-122"/>
-                <a:cs typeface="FZLanTingHei-L-GBK-M" panose="02010600010101010101" pitchFamily="2" charset="2"/>
-                <a:sym typeface="Segoe UI" panose="020B0502040204020203" pitchFamily="34" charset="0"/>
-              </a:rPr>
-              <a:t>图8 </a:t>
-            </a:r>
-            <a:r>
-              <a:rPr dirty="0" err="1">
-                <a:latin typeface="Segoe UI" panose="020B0502040204020203" pitchFamily="34" charset="0"/>
-                <a:ea typeface="DengXian" panose="02010600030101010101" pitchFamily="2" charset="-122"/>
-                <a:cs typeface="FZLanTingHei-L-GBK-M" panose="02010600010101010101" pitchFamily="2" charset="2"/>
-                <a:sym typeface="Segoe UI" panose="020B0502040204020203" pitchFamily="34" charset="0"/>
-              </a:rPr>
-              <a:t>端到端系统</a:t>
-            </a:r>
-            <a:endParaRPr dirty="0">
-              <a:latin typeface="Segoe UI" panose="020B0502040204020203" pitchFamily="34" charset="0"/>
-              <a:ea typeface="DengXian" panose="02010600030101010101" pitchFamily="2" charset="-122"/>
-              <a:cs typeface="FZLanTingHei-L-GBK-M" panose="02010600010101010101" pitchFamily="2" charset="2"/>
-              <a:sym typeface="Segoe UI" panose="020B0502040204020203" pitchFamily="34" charset="0"/>
-            </a:endParaRPr>
-          </a:p>
-        </p:txBody>
-      </p:sp>
-      <p:sp>
-        <p:nvSpPr>
-          <p:cNvPr id="8" name="矩形 7">
-            <a:extLst>
-              <a:ext uri="{FF2B5EF4-FFF2-40B4-BE49-F238E27FC236}">
-                <a16:creationId xmlns:a16="http://schemas.microsoft.com/office/drawing/2014/main" id="{92F65A03-FE4F-4CA9-9CE8-8DA8BA501612}"/>
-              </a:ext>
-            </a:extLst>
-          </p:cNvPr>
-          <p:cNvSpPr/>
-          <p:nvPr/>
-        </p:nvSpPr>
-        <p:spPr>
-          <a:xfrm>
-            <a:off x="1034005" y="1443841"/>
-            <a:ext cx="6622648" cy="4401205"/>
-          </a:xfrm>
-          <a:prstGeom prst="rect">
-            <a:avLst/>
-          </a:prstGeom>
-        </p:spPr>
-        <p:txBody>
-          <a:bodyPr wrap="square">
-            <a:spAutoFit/>
-          </a:bodyPr>
-          <a:lstStyle/>
-          <a:p>
-            <a:r>
-              <a:rPr lang="zh-CN" altLang="en-US" sz="2800" dirty="0">
-                <a:latin typeface="Segoe UI" panose="020B0502040204020203" pitchFamily="34" charset="0"/>
-                <a:ea typeface="DengXian" panose="02010600030101010101" pitchFamily="2" charset="-122"/>
-                <a:cs typeface="FZLanTingHei-L-GBK-M" panose="02010600010101010101" pitchFamily="2" charset="2"/>
-                <a:sym typeface="Segoe UI" panose="020B0502040204020203" pitchFamily="34" charset="0"/>
-              </a:rPr>
-              <a:t>乳腺癌生存神经网络模型（</a:t>
-            </a:r>
-            <a:r>
-              <a:rPr lang="en-US" altLang="zh-CN" sz="2800" dirty="0">
-                <a:latin typeface="Segoe UI" panose="020B0502040204020203" pitchFamily="34" charset="0"/>
-                <a:ea typeface="DengXian" panose="02010600030101010101" pitchFamily="2" charset="-122"/>
-                <a:cs typeface="FZLanTingHei-L-GBK-M" panose="02010600010101010101" pitchFamily="2" charset="2"/>
-                <a:sym typeface="Segoe UI" panose="020B0502040204020203" pitchFamily="34" charset="0"/>
-              </a:rPr>
-              <a:t>SNAS</a:t>
-            </a:r>
-            <a:r>
-              <a:rPr lang="zh-CN" altLang="en-US" sz="2800" dirty="0">
-                <a:latin typeface="Segoe UI" panose="020B0502040204020203" pitchFamily="34" charset="0"/>
-                <a:ea typeface="DengXian" panose="02010600030101010101" pitchFamily="2" charset="-122"/>
-                <a:cs typeface="FZLanTingHei-L-GBK-M" panose="02010600010101010101" pitchFamily="2" charset="2"/>
-                <a:sym typeface="Segoe UI" panose="020B0502040204020203" pitchFamily="34" charset="0"/>
-              </a:rPr>
-              <a:t>）基于</a:t>
-            </a:r>
-            <a:r>
-              <a:rPr lang="en-US" altLang="zh-CN" sz="2800" dirty="0" err="1">
-                <a:latin typeface="Segoe UI" panose="020B0502040204020203" pitchFamily="34" charset="0"/>
-                <a:ea typeface="DengXian" panose="02010600030101010101" pitchFamily="2" charset="-122"/>
-                <a:cs typeface="FZLanTingHei-L-GBK-M" panose="02010600010101010101" pitchFamily="2" charset="2"/>
-                <a:sym typeface="Segoe UI" panose="020B0502040204020203" pitchFamily="34" charset="0"/>
-              </a:rPr>
-              <a:t>NASNet</a:t>
-            </a:r>
-            <a:r>
-              <a:rPr lang="en-US" altLang="zh-CN" sz="2800" dirty="0">
-                <a:latin typeface="Segoe UI" panose="020B0502040204020203" pitchFamily="34" charset="0"/>
-                <a:ea typeface="DengXian" panose="02010600030101010101" pitchFamily="2" charset="-122"/>
-                <a:cs typeface="FZLanTingHei-L-GBK-M" panose="02010600010101010101" pitchFamily="2" charset="2"/>
-                <a:sym typeface="Segoe UI" panose="020B0502040204020203" pitchFamily="34" charset="0"/>
-              </a:rPr>
-              <a:t> mobile</a:t>
-            </a:r>
-            <a:r>
-              <a:rPr lang="zh-CN" altLang="en-US" sz="2800" dirty="0">
-                <a:latin typeface="Segoe UI" panose="020B0502040204020203" pitchFamily="34" charset="0"/>
-                <a:ea typeface="DengXian" panose="02010600030101010101" pitchFamily="2" charset="-122"/>
-                <a:cs typeface="FZLanTingHei-L-GBK-M" panose="02010600010101010101" pitchFamily="2" charset="2"/>
-                <a:sym typeface="Segoe UI" panose="020B0502040204020203" pitchFamily="34" charset="0"/>
-              </a:rPr>
-              <a:t>，全连接层有</a:t>
-            </a:r>
-            <a:r>
-              <a:rPr lang="en-GB" altLang="zh-CN" sz="2800" b="1" dirty="0">
-                <a:latin typeface="Segoe UI" panose="020B0502040204020203" pitchFamily="34" charset="0"/>
-                <a:ea typeface="DengXian" panose="02010600030101010101" pitchFamily="2" charset="-122"/>
-                <a:cs typeface="FZLanTingHei-L-GBK-M" panose="02010600010101010101" pitchFamily="2" charset="2"/>
-                <a:sym typeface="Segoe UI" panose="020B0502040204020203" pitchFamily="34" charset="0"/>
-              </a:rPr>
-              <a:t>256</a:t>
-            </a:r>
-            <a:r>
-              <a:rPr lang="zh-CN" altLang="en-US" sz="2800" b="1" dirty="0">
-                <a:latin typeface="Segoe UI" panose="020B0502040204020203" pitchFamily="34" charset="0"/>
-                <a:ea typeface="DengXian" panose="02010600030101010101" pitchFamily="2" charset="-122"/>
-                <a:cs typeface="FZLanTingHei-L-GBK-M" panose="02010600010101010101" pitchFamily="2" charset="2"/>
-                <a:sym typeface="Segoe UI" panose="020B0502040204020203" pitchFamily="34" charset="0"/>
-              </a:rPr>
-              <a:t>节点</a:t>
-            </a:r>
-            <a:r>
-              <a:rPr lang="zh-CN" altLang="en-US" sz="2800" dirty="0">
-                <a:latin typeface="Segoe UI" panose="020B0502040204020203" pitchFamily="34" charset="0"/>
-                <a:ea typeface="DengXian" panose="02010600030101010101" pitchFamily="2" charset="-122"/>
-                <a:cs typeface="FZLanTingHei-L-GBK-M" panose="02010600010101010101" pitchFamily="2" charset="2"/>
-                <a:sym typeface="Segoe UI" panose="020B0502040204020203" pitchFamily="34" charset="0"/>
-              </a:rPr>
-              <a:t>，</a:t>
-            </a:r>
-            <a:r>
-              <a:rPr lang="zh-CN" altLang="en-US" sz="2800" b="1" dirty="0">
-                <a:latin typeface="Segoe UI" panose="020B0502040204020203" pitchFamily="34" charset="0"/>
-                <a:ea typeface="DengXian" panose="02010600030101010101" pitchFamily="2" charset="-122"/>
-                <a:cs typeface="FZLanTingHei-L-GBK-M" panose="02010600010101010101" pitchFamily="2" charset="2"/>
-                <a:sym typeface="Segoe UI" panose="020B0502040204020203" pitchFamily="34" charset="0"/>
-              </a:rPr>
-              <a:t>不使用</a:t>
-            </a:r>
-            <a:r>
-              <a:rPr lang="zh-CN" altLang="en-US" sz="2800" dirty="0">
-                <a:latin typeface="Segoe UI" panose="020B0502040204020203" pitchFamily="34" charset="0"/>
-                <a:ea typeface="DengXian" panose="02010600030101010101" pitchFamily="2" charset="-122"/>
-                <a:cs typeface="FZLanTingHei-L-GBK-M" panose="02010600010101010101" pitchFamily="2" charset="2"/>
-                <a:sym typeface="Segoe UI" panose="020B0502040204020203" pitchFamily="34" charset="0"/>
-              </a:rPr>
-              <a:t>数据增强，</a:t>
-            </a:r>
-            <a:r>
-              <a:rPr lang="zh-CN" altLang="en-US" sz="2800" b="1" dirty="0">
-                <a:latin typeface="Segoe UI" panose="020B0502040204020203" pitchFamily="34" charset="0"/>
-                <a:ea typeface="DengXian" panose="02010600030101010101" pitchFamily="2" charset="-122"/>
-                <a:cs typeface="FZLanTingHei-L-GBK-M" panose="02010600010101010101" pitchFamily="2" charset="2"/>
-                <a:sym typeface="Segoe UI" panose="020B0502040204020203" pitchFamily="34" charset="0"/>
-              </a:rPr>
-              <a:t>未使用</a:t>
-            </a:r>
-            <a:r>
-              <a:rPr lang="zh-CN" altLang="en-US" sz="2800" dirty="0">
-                <a:latin typeface="Segoe UI" panose="020B0502040204020203" pitchFamily="34" charset="0"/>
-                <a:ea typeface="DengXian" panose="02010600030101010101" pitchFamily="2" charset="-122"/>
-                <a:cs typeface="FZLanTingHei-L-GBK-M" panose="02010600010101010101" pitchFamily="2" charset="2"/>
-                <a:sym typeface="Segoe UI" panose="020B0502040204020203" pitchFamily="34" charset="0"/>
-              </a:rPr>
-              <a:t>基因数据。</a:t>
-            </a:r>
-            <a:endParaRPr lang="en-GB" altLang="zh-CN" sz="2800" dirty="0">
-              <a:latin typeface="Segoe UI" panose="020B0502040204020203" pitchFamily="34" charset="0"/>
-              <a:ea typeface="DengXian" panose="02010600030101010101" pitchFamily="2" charset="-122"/>
-              <a:cs typeface="FZLanTingHei-L-GBK-M" panose="02010600010101010101" pitchFamily="2" charset="2"/>
-              <a:sym typeface="Segoe UI" panose="020B0502040204020203" pitchFamily="34" charset="0"/>
-            </a:endParaRPr>
-          </a:p>
-          <a:p>
-            <a:endParaRPr lang="zh-CN" altLang="en-US" sz="2800" dirty="0">
-              <a:latin typeface="Segoe UI" panose="020B0502040204020203" pitchFamily="34" charset="0"/>
-              <a:ea typeface="DengXian" panose="02010600030101010101" pitchFamily="2" charset="-122"/>
-              <a:cs typeface="FZLanTingHei-L-GBK-M" panose="02010600010101010101" pitchFamily="2" charset="2"/>
-              <a:sym typeface="Segoe UI" panose="020B0502040204020203" pitchFamily="34" charset="0"/>
-            </a:endParaRPr>
-          </a:p>
-          <a:p>
-            <a:r>
-              <a:rPr lang="en-US" altLang="zh-CN" sz="2800" b="1" dirty="0">
-                <a:latin typeface="Segoe UI" panose="020B0502040204020203" pitchFamily="34" charset="0"/>
-                <a:ea typeface="DengXian" panose="02010600030101010101" pitchFamily="2" charset="-122"/>
-                <a:cs typeface="FZLanTingHei-L-GBK-M" panose="02010600010101010101" pitchFamily="2" charset="2"/>
-                <a:sym typeface="Segoe UI" panose="020B0502040204020203" pitchFamily="34" charset="0"/>
-              </a:rPr>
-              <a:t>50 </a:t>
-            </a:r>
-            <a:r>
-              <a:rPr lang="zh-CN" altLang="en-US" sz="2800" b="1" dirty="0">
-                <a:latin typeface="Segoe UI" panose="020B0502040204020203" pitchFamily="34" charset="0"/>
-                <a:ea typeface="DengXian" panose="02010600030101010101" pitchFamily="2" charset="-122"/>
-                <a:cs typeface="FZLanTingHei-L-GBK-M" panose="02010600010101010101" pitchFamily="2" charset="2"/>
-                <a:sym typeface="Segoe UI" panose="020B0502040204020203" pitchFamily="34" charset="0"/>
-              </a:rPr>
-              <a:t>次</a:t>
-            </a:r>
-            <a:r>
-              <a:rPr lang="zh-CN" altLang="en-US" sz="2800" dirty="0">
-                <a:latin typeface="Segoe UI" panose="020B0502040204020203" pitchFamily="34" charset="0"/>
-                <a:ea typeface="DengXian" panose="02010600030101010101" pitchFamily="2" charset="-122"/>
-                <a:cs typeface="FZLanTingHei-L-GBK-M" panose="02010600010101010101" pitchFamily="2" charset="2"/>
-                <a:sym typeface="Segoe UI" panose="020B0502040204020203" pitchFamily="34" charset="0"/>
-              </a:rPr>
-              <a:t>训练后</a:t>
-            </a:r>
-            <a:r>
-              <a:rPr lang="en-US" altLang="zh-CN" sz="2800" b="1" dirty="0">
-                <a:latin typeface="Segoe UI" panose="020B0502040204020203" pitchFamily="34" charset="0"/>
-                <a:ea typeface="DengXian" panose="02010600030101010101" pitchFamily="2" charset="-122"/>
-                <a:cs typeface="FZLanTingHei-L-GBK-M" panose="02010600010101010101" pitchFamily="2" charset="2"/>
-                <a:sym typeface="Segoe UI" panose="020B0502040204020203" pitchFamily="34" charset="0"/>
-              </a:rPr>
-              <a:t>99.9%</a:t>
-            </a:r>
-            <a:r>
-              <a:rPr lang="zh-CN" altLang="en-US" sz="2800" dirty="0">
-                <a:latin typeface="Segoe UI" panose="020B0502040204020203" pitchFamily="34" charset="0"/>
-                <a:ea typeface="DengXian" panose="02010600030101010101" pitchFamily="2" charset="-122"/>
-                <a:cs typeface="FZLanTingHei-L-GBK-M" panose="02010600010101010101" pitchFamily="2" charset="2"/>
-                <a:sym typeface="Segoe UI" panose="020B0502040204020203" pitchFamily="34" charset="0"/>
-              </a:rPr>
-              <a:t>的可能得到预测能力</a:t>
-            </a:r>
-            <a:r>
-              <a:rPr lang="zh-CN" altLang="en-US" sz="2800" b="1" dirty="0">
-                <a:latin typeface="Segoe UI" panose="020B0502040204020203" pitchFamily="34" charset="0"/>
-                <a:ea typeface="DengXian" panose="02010600030101010101" pitchFamily="2" charset="-122"/>
-                <a:cs typeface="FZLanTingHei-L-GBK-M" panose="02010600010101010101" pitchFamily="2" charset="2"/>
-                <a:sym typeface="Segoe UI" panose="020B0502040204020203" pitchFamily="34" charset="0"/>
-              </a:rPr>
-              <a:t>优于</a:t>
-            </a:r>
-            <a:r>
-              <a:rPr lang="zh-CN" altLang="en-US" sz="2800" dirty="0">
-                <a:latin typeface="Segoe UI" panose="020B0502040204020203" pitchFamily="34" charset="0"/>
-                <a:ea typeface="DengXian" panose="02010600030101010101" pitchFamily="2" charset="-122"/>
-                <a:cs typeface="FZLanTingHei-L-GBK-M" panose="02010600010101010101" pitchFamily="2" charset="2"/>
-                <a:sym typeface="Segoe UI" panose="020B0502040204020203" pitchFamily="34" charset="0"/>
-              </a:rPr>
-              <a:t>手工</a:t>
-            </a:r>
-            <a:r>
-              <a:rPr lang="en-US" altLang="zh-CN" sz="2800" b="1" dirty="0">
-                <a:latin typeface="Segoe UI" panose="020B0502040204020203" pitchFamily="34" charset="0"/>
-                <a:ea typeface="DengXian" panose="02010600030101010101" pitchFamily="2" charset="-122"/>
-                <a:cs typeface="FZLanTingHei-L-GBK-M" panose="02010600010101010101" pitchFamily="2" charset="2"/>
-                <a:sym typeface="Segoe UI" panose="020B0502040204020203" pitchFamily="34" charset="0"/>
-              </a:rPr>
-              <a:t>Cox HP </a:t>
-            </a:r>
-            <a:r>
-              <a:rPr lang="zh-CN" altLang="en-US" sz="2800" b="1" dirty="0">
-                <a:latin typeface="Segoe UI" panose="020B0502040204020203" pitchFamily="34" charset="0"/>
-                <a:ea typeface="DengXian" panose="02010600030101010101" pitchFamily="2" charset="-122"/>
-                <a:cs typeface="FZLanTingHei-L-GBK-M" panose="02010600010101010101" pitchFamily="2" charset="2"/>
-                <a:sym typeface="Segoe UI" panose="020B0502040204020203" pitchFamily="34" charset="0"/>
-              </a:rPr>
-              <a:t>模型</a:t>
-            </a:r>
-            <a:r>
-              <a:rPr lang="zh-CN" altLang="en-US" sz="2800" dirty="0">
-                <a:latin typeface="Segoe UI" panose="020B0502040204020203" pitchFamily="34" charset="0"/>
-                <a:ea typeface="DengXian" panose="02010600030101010101" pitchFamily="2" charset="-122"/>
-                <a:cs typeface="FZLanTingHei-L-GBK-M" panose="02010600010101010101" pitchFamily="2" charset="2"/>
-                <a:sym typeface="Segoe UI" panose="020B0502040204020203" pitchFamily="34" charset="0"/>
-              </a:rPr>
-              <a:t>的模型，且其能力随数据增多而增强。</a:t>
-            </a:r>
-            <a:endParaRPr lang="en-GB" altLang="zh-CN" sz="2800" dirty="0">
-              <a:latin typeface="Segoe UI" panose="020B0502040204020203" pitchFamily="34" charset="0"/>
-              <a:ea typeface="DengXian" panose="02010600030101010101" pitchFamily="2" charset="-122"/>
-              <a:cs typeface="FZLanTingHei-L-GBK-M" panose="02010600010101010101" pitchFamily="2" charset="2"/>
-              <a:sym typeface="Segoe UI" panose="020B0502040204020203" pitchFamily="34" charset="0"/>
-            </a:endParaRPr>
-          </a:p>
-          <a:p>
-            <a:endParaRPr lang="zh-CN" altLang="en-US" sz="2800" dirty="0">
-              <a:latin typeface="Segoe UI" panose="020B0502040204020203" pitchFamily="34" charset="0"/>
-              <a:ea typeface="DengXian" panose="02010600030101010101" pitchFamily="2" charset="-122"/>
-              <a:cs typeface="FZLanTingHei-L-GBK-M" panose="02010600010101010101" pitchFamily="2" charset="2"/>
-              <a:sym typeface="Segoe UI" panose="020B0502040204020203" pitchFamily="34" charset="0"/>
-            </a:endParaRPr>
-          </a:p>
-          <a:p>
-            <a:r>
-              <a:rPr lang="zh-CN" altLang="en-US" sz="2800" b="1" dirty="0">
-                <a:latin typeface="Segoe UI" panose="020B0502040204020203" pitchFamily="34" charset="0"/>
-                <a:ea typeface="DengXian" panose="02010600030101010101" pitchFamily="2" charset="-122"/>
-                <a:cs typeface="FZLanTingHei-L-GBK-M" panose="02010600010101010101" pitchFamily="2" charset="2"/>
-                <a:sym typeface="Segoe UI" panose="020B0502040204020203" pitchFamily="34" charset="0"/>
-              </a:rPr>
-              <a:t>首个全自动</a:t>
-            </a:r>
-            <a:r>
-              <a:rPr lang="zh-CN" altLang="en-US" sz="2800" dirty="0">
-                <a:latin typeface="Segoe UI" panose="020B0502040204020203" pitchFamily="34" charset="0"/>
-                <a:ea typeface="DengXian" panose="02010600030101010101" pitchFamily="2" charset="-122"/>
-                <a:cs typeface="FZLanTingHei-L-GBK-M" panose="02010600010101010101" pitchFamily="2" charset="2"/>
-                <a:sym typeface="Segoe UI" panose="020B0502040204020203" pitchFamily="34" charset="0"/>
-              </a:rPr>
-              <a:t>的由</a:t>
-            </a:r>
-            <a:r>
-              <a:rPr lang="en-US" altLang="zh-CN" sz="2800" dirty="0">
-                <a:latin typeface="Segoe UI" panose="020B0502040204020203" pitchFamily="34" charset="0"/>
-                <a:ea typeface="DengXian" panose="02010600030101010101" pitchFamily="2" charset="-122"/>
-                <a:cs typeface="FZLanTingHei-L-GBK-M" panose="02010600010101010101" pitchFamily="2" charset="2"/>
-                <a:sym typeface="Segoe UI" panose="020B0502040204020203" pitchFamily="34" charset="0"/>
-              </a:rPr>
-              <a:t>.</a:t>
-            </a:r>
-            <a:r>
-              <a:rPr lang="en-US" altLang="zh-CN" sz="2800" dirty="0" err="1">
-                <a:latin typeface="Segoe UI" panose="020B0502040204020203" pitchFamily="34" charset="0"/>
-                <a:ea typeface="DengXian" panose="02010600030101010101" pitchFamily="2" charset="-122"/>
-                <a:cs typeface="FZLanTingHei-L-GBK-M" panose="02010600010101010101" pitchFamily="2" charset="2"/>
-                <a:sym typeface="Segoe UI" panose="020B0502040204020203" pitchFamily="34" charset="0"/>
-              </a:rPr>
-              <a:t>svs</a:t>
-            </a:r>
-            <a:r>
-              <a:rPr lang="zh-CN" altLang="en-US" sz="2800" dirty="0">
-                <a:latin typeface="Segoe UI" panose="020B0502040204020203" pitchFamily="34" charset="0"/>
-                <a:ea typeface="DengXian" panose="02010600030101010101" pitchFamily="2" charset="-122"/>
-                <a:cs typeface="FZLanTingHei-L-GBK-M" panose="02010600010101010101" pitchFamily="2" charset="2"/>
-                <a:sym typeface="Segoe UI" panose="020B0502040204020203" pitchFamily="34" charset="0"/>
-              </a:rPr>
-              <a:t>病理切片图像到生存模型的“端到端”批处理系统。</a:t>
-            </a:r>
-          </a:p>
-        </p:txBody>
-      </p:sp>
-    </p:spTree>
-  </p:cSld>
-  <p:clrMapOvr>
-    <a:masterClrMapping/>
-  </p:clrMapOvr>
-</p:sld>
-</file>
-
-<file path=ppt/slides/slide14.xml><?xml version="1.0" encoding="utf-8"?>
-<p:sld xmlns:a="http://schemas.openxmlformats.org/drawingml/2006/main" xmlns:r="http://schemas.openxmlformats.org/officeDocument/2006/relationships" xmlns:p="http://schemas.openxmlformats.org/presentationml/2006/main">
-  <p:cSld>
-    <p:spTree>
-      <p:nvGrpSpPr>
-        <p:cNvPr id="1" name=""/>
-        <p:cNvGrpSpPr/>
-        <p:nvPr/>
-      </p:nvGrpSpPr>
-      <p:grpSpPr>
-        <a:xfrm>
-          <a:off x="0" y="0"/>
-          <a:ext cx="0" cy="0"/>
-          <a:chOff x="0" y="0"/>
-          <a:chExt cx="0" cy="0"/>
-        </a:xfrm>
-      </p:grpSpPr>
-      <p:sp>
-        <p:nvSpPr>
-          <p:cNvPr id="3" name="文本占位符 2">
-            <a:extLst>
-              <a:ext uri="{FF2B5EF4-FFF2-40B4-BE49-F238E27FC236}">
-                <a16:creationId xmlns:a16="http://schemas.microsoft.com/office/drawing/2014/main" id="{EB2FCADE-D877-4AC8-91EC-EC981DD365FB}"/>
-              </a:ext>
-            </a:extLst>
-          </p:cNvPr>
-          <p:cNvSpPr>
-            <a:spLocks noGrp="1"/>
-          </p:cNvSpPr>
-          <p:nvPr>
-            <p:ph type="body" sz="quarter" idx="11"/>
-          </p:nvPr>
-        </p:nvSpPr>
-        <p:spPr/>
-        <p:txBody>
-          <a:bodyPr/>
-          <a:lstStyle/>
-          <a:p>
-            <a:r>
-              <a:rPr lang="en-US" altLang="zh-CN" dirty="0">
-                <a:latin typeface="Segoe UI" panose="020B0502040204020203" pitchFamily="34" charset="0"/>
-                <a:ea typeface="DengXian" panose="02010600030101010101" pitchFamily="2" charset="-122"/>
-                <a:cs typeface="FZLanTingHei-L-GBK-M" panose="02010600010101010101" pitchFamily="2" charset="2"/>
-                <a:sym typeface="Segoe UI" panose="020B0502040204020203" pitchFamily="34" charset="0"/>
-              </a:rPr>
-              <a:t>4 </a:t>
-            </a:r>
-            <a:r>
-              <a:rPr lang="zh-CN" altLang="en-US" dirty="0">
-                <a:latin typeface="Segoe UI" panose="020B0502040204020203" pitchFamily="34" charset="0"/>
-                <a:ea typeface="DengXian" panose="02010600030101010101" pitchFamily="2" charset="-122"/>
-                <a:cs typeface="FZLanTingHei-L-GBK-M" panose="02010600010101010101" pitchFamily="2" charset="2"/>
-                <a:sym typeface="Segoe UI" panose="020B0502040204020203" pitchFamily="34" charset="0"/>
-              </a:rPr>
-              <a:t>参考文献</a:t>
-            </a:r>
-            <a:endParaRPr lang="en-GB" dirty="0">
-              <a:latin typeface="Segoe UI" panose="020B0502040204020203" pitchFamily="34" charset="0"/>
-              <a:ea typeface="DengXian" panose="02010600030101010101" pitchFamily="2" charset="-122"/>
-              <a:cs typeface="FZLanTingHei-L-GBK-M" panose="02010600010101010101" pitchFamily="2" charset="2"/>
-              <a:sym typeface="Segoe UI" panose="020B0502040204020203" pitchFamily="34" charset="0"/>
-            </a:endParaRPr>
-          </a:p>
-        </p:txBody>
-      </p:sp>
-      <p:sp>
-        <p:nvSpPr>
-          <p:cNvPr id="6" name="内容占位符 5">
-            <a:extLst>
-              <a:ext uri="{FF2B5EF4-FFF2-40B4-BE49-F238E27FC236}">
-                <a16:creationId xmlns:a16="http://schemas.microsoft.com/office/drawing/2014/main" id="{36AFB2F7-AF02-4FDE-A1D6-EEABEC5230C7}"/>
-              </a:ext>
-            </a:extLst>
-          </p:cNvPr>
-          <p:cNvSpPr>
-            <a:spLocks noGrp="1"/>
-          </p:cNvSpPr>
-          <p:nvPr>
-            <p:ph idx="1"/>
-          </p:nvPr>
-        </p:nvSpPr>
-        <p:spPr/>
-        <p:txBody>
-          <a:bodyPr/>
-          <a:lstStyle/>
-          <a:p>
-            <a:pPr marL="0" indent="0">
-              <a:buNone/>
-            </a:pPr>
-            <a:r>
-              <a:rPr lang="en-GB" sz="1100" dirty="0">
-                <a:latin typeface="Segoe UI" panose="020B0502040204020203" pitchFamily="34" charset="0"/>
-                <a:ea typeface="DengXian" panose="02010600030101010101" pitchFamily="2" charset="-122"/>
-                <a:cs typeface="FZLanTingHei-L-GBK-M" panose="02010600010101010101" pitchFamily="2" charset="2"/>
-                <a:sym typeface="Segoe UI" panose="020B0502040204020203" pitchFamily="34" charset="0"/>
-              </a:rPr>
-              <a:t>[1] JIAN R, SADIMIN E T, WANG D, et al. Computer aided analysis of prostate histopathology images Gleason grading especially for Gleason score 7; proceedings of the Engineering in Medicine &amp; Biology Society, F, 2015 [C].</a:t>
-            </a:r>
-          </a:p>
-          <a:p>
-            <a:pPr marL="0" indent="0">
-              <a:buNone/>
-            </a:pPr>
-            <a:r>
-              <a:rPr lang="en-GB" sz="1100" dirty="0">
-                <a:latin typeface="Segoe UI" panose="020B0502040204020203" pitchFamily="34" charset="0"/>
-                <a:ea typeface="DengXian" panose="02010600030101010101" pitchFamily="2" charset="-122"/>
-                <a:cs typeface="FZLanTingHei-L-GBK-M" panose="02010600010101010101" pitchFamily="2" charset="2"/>
-                <a:sym typeface="Segoe UI" panose="020B0502040204020203" pitchFamily="34" charset="0"/>
-              </a:rPr>
-              <a:t>[2] NIAZI M K, YAO K, ZYNGER D, et al. Visually Meaningful Histopathological Features for Automatic Grading of Prostate Cancer [J]. IEEE Journal of Biomedical &amp; Health Informatics, 2016, PP(99): 1-.</a:t>
-            </a:r>
-          </a:p>
-          <a:p>
-            <a:pPr marL="0" indent="0">
-              <a:buNone/>
-            </a:pPr>
-            <a:r>
-              <a:rPr lang="en-GB" sz="1100" dirty="0">
-                <a:latin typeface="Segoe UI" panose="020B0502040204020203" pitchFamily="34" charset="0"/>
-                <a:ea typeface="DengXian" panose="02010600030101010101" pitchFamily="2" charset="-122"/>
-                <a:cs typeface="FZLanTingHei-L-GBK-M" panose="02010600010101010101" pitchFamily="2" charset="2"/>
-                <a:sym typeface="Segoe UI" panose="020B0502040204020203" pitchFamily="34" charset="0"/>
-              </a:rPr>
-              <a:t>[3] FAUZI M F A, PENNELL M, SAHINER B, et al. Classification of follicular lymphoma: the effect of computer aid on pathologists grading [J]. </a:t>
-            </a:r>
-            <a:r>
-              <a:rPr lang="en-GB" sz="1100" dirty="0" err="1">
-                <a:latin typeface="Segoe UI" panose="020B0502040204020203" pitchFamily="34" charset="0"/>
-                <a:ea typeface="DengXian" panose="02010600030101010101" pitchFamily="2" charset="-122"/>
-                <a:cs typeface="FZLanTingHei-L-GBK-M" panose="02010600010101010101" pitchFamily="2" charset="2"/>
-                <a:sym typeface="Segoe UI" panose="020B0502040204020203" pitchFamily="34" charset="0"/>
-              </a:rPr>
-              <a:t>Bmc</a:t>
-            </a:r>
-            <a:r>
-              <a:rPr lang="en-GB" sz="1100" dirty="0">
-                <a:latin typeface="Segoe UI" panose="020B0502040204020203" pitchFamily="34" charset="0"/>
-                <a:ea typeface="DengXian" panose="02010600030101010101" pitchFamily="2" charset="-122"/>
-                <a:cs typeface="FZLanTingHei-L-GBK-M" panose="02010600010101010101" pitchFamily="2" charset="2"/>
-                <a:sym typeface="Segoe UI" panose="020B0502040204020203" pitchFamily="34" charset="0"/>
-              </a:rPr>
-              <a:t> Medical Informatics &amp; Decision Making, 2015, 15(1): 1-10.</a:t>
-            </a:r>
-          </a:p>
-          <a:p>
-            <a:pPr marL="0" indent="0">
-              <a:buNone/>
-            </a:pPr>
-            <a:r>
-              <a:rPr lang="en-GB" sz="1100" dirty="0">
-                <a:latin typeface="Segoe UI" panose="020B0502040204020203" pitchFamily="34" charset="0"/>
-                <a:ea typeface="DengXian" panose="02010600030101010101" pitchFamily="2" charset="-122"/>
-                <a:cs typeface="FZLanTingHei-L-GBK-M" panose="02010600010101010101" pitchFamily="2" charset="2"/>
-                <a:sym typeface="Segoe UI" panose="020B0502040204020203" pitchFamily="34" charset="0"/>
-              </a:rPr>
-              <a:t>[4] WANG D, KHOSLA A, GARGEYA R, et al. Deep Learning for Identifying Metastatic Breast Cancer [J]. 2016, </a:t>
-            </a:r>
-          </a:p>
-          <a:p>
-            <a:pPr marL="0" indent="0">
-              <a:buNone/>
-            </a:pPr>
-            <a:r>
-              <a:rPr lang="en-GB" sz="1100" dirty="0">
-                <a:latin typeface="Segoe UI" panose="020B0502040204020203" pitchFamily="34" charset="0"/>
-                <a:ea typeface="DengXian" panose="02010600030101010101" pitchFamily="2" charset="-122"/>
-                <a:cs typeface="FZLanTingHei-L-GBK-M" panose="02010600010101010101" pitchFamily="2" charset="2"/>
-                <a:sym typeface="Segoe UI" panose="020B0502040204020203" pitchFamily="34" charset="0"/>
-              </a:rPr>
-              <a:t>[5] LECUN Y, BENGIO Y, HINTON G. Deep learning [J]. Nature, 2015, 521(7553): 436.</a:t>
-            </a:r>
-          </a:p>
-          <a:p>
-            <a:pPr marL="0" indent="0">
-              <a:buNone/>
-            </a:pPr>
-            <a:r>
-              <a:rPr lang="en-GB" sz="1100" dirty="0">
-                <a:latin typeface="Segoe UI" panose="020B0502040204020203" pitchFamily="34" charset="0"/>
-                <a:ea typeface="DengXian" panose="02010600030101010101" pitchFamily="2" charset="-122"/>
-                <a:cs typeface="FZLanTingHei-L-GBK-M" panose="02010600010101010101" pitchFamily="2" charset="2"/>
-                <a:sym typeface="Segoe UI" panose="020B0502040204020203" pitchFamily="34" charset="0"/>
-              </a:rPr>
-              <a:t>[6] ZOPH B, VASUDEVAN V, SHLENS J, et al. Learning Transferable Architectures for Scalable Image Recognition [J]. 2017, </a:t>
-            </a:r>
-          </a:p>
-          <a:p>
-            <a:pPr marL="0" indent="0">
-              <a:buNone/>
-            </a:pPr>
-            <a:r>
-              <a:rPr lang="en-GB" sz="1100" dirty="0">
-                <a:latin typeface="Segoe UI" panose="020B0502040204020203" pitchFamily="34" charset="0"/>
-                <a:ea typeface="DengXian" panose="02010600030101010101" pitchFamily="2" charset="-122"/>
-                <a:cs typeface="FZLanTingHei-L-GBK-M" panose="02010600010101010101" pitchFamily="2" charset="2"/>
-                <a:sym typeface="Segoe UI" panose="020B0502040204020203" pitchFamily="34" charset="0"/>
-              </a:rPr>
-              <a:t>[7] PRENTICE R L. Introduction to Cox (1972) Regression Models and Life-Tables [M]. 1992.</a:t>
-            </a:r>
-          </a:p>
-          <a:p>
-            <a:pPr marL="0" indent="0">
-              <a:buNone/>
-            </a:pPr>
-            <a:r>
-              <a:rPr lang="en-GB" sz="1100" dirty="0">
-                <a:latin typeface="Segoe UI" panose="020B0502040204020203" pitchFamily="34" charset="0"/>
-                <a:ea typeface="DengXian" panose="02010600030101010101" pitchFamily="2" charset="-122"/>
-                <a:cs typeface="FZLanTingHei-L-GBK-M" panose="02010600010101010101" pitchFamily="2" charset="2"/>
-                <a:sym typeface="Segoe UI" panose="020B0502040204020203" pitchFamily="34" charset="0"/>
-              </a:rPr>
-              <a:t>[8] STANLEY A P D, ANNIE X P D, LAPUERTA P, et al. Comparison of Predictive Accuracy of Neural Network Methods and Cox Regression for Censored Survival Data [J]. Computational Statistics &amp; Data Analysis, 2000, 34(2): 243-57.</a:t>
-            </a:r>
-          </a:p>
-          <a:p>
-            <a:pPr marL="0" indent="0">
-              <a:buNone/>
-            </a:pPr>
-            <a:r>
-              <a:rPr lang="en-GB" sz="1100" dirty="0">
-                <a:latin typeface="Segoe UI" panose="020B0502040204020203" pitchFamily="34" charset="0"/>
-                <a:ea typeface="DengXian" panose="02010600030101010101" pitchFamily="2" charset="-122"/>
-                <a:cs typeface="FZLanTingHei-L-GBK-M" panose="02010600010101010101" pitchFamily="2" charset="2"/>
-                <a:sym typeface="Segoe UI" panose="020B0502040204020203" pitchFamily="34" charset="0"/>
-              </a:rPr>
-              <a:t>[9] KATZMAN J L, SHAHAM U, CLONINGER A, et al. </a:t>
-            </a:r>
-            <a:r>
-              <a:rPr lang="en-GB" sz="1100" dirty="0" err="1">
-                <a:latin typeface="Segoe UI" panose="020B0502040204020203" pitchFamily="34" charset="0"/>
-                <a:ea typeface="DengXian" panose="02010600030101010101" pitchFamily="2" charset="-122"/>
-                <a:cs typeface="FZLanTingHei-L-GBK-M" panose="02010600010101010101" pitchFamily="2" charset="2"/>
-                <a:sym typeface="Segoe UI" panose="020B0502040204020203" pitchFamily="34" charset="0"/>
-              </a:rPr>
-              <a:t>DeepSurv</a:t>
-            </a:r>
-            <a:r>
-              <a:rPr lang="en-GB" sz="1100" dirty="0">
-                <a:latin typeface="Segoe UI" panose="020B0502040204020203" pitchFamily="34" charset="0"/>
-                <a:ea typeface="DengXian" panose="02010600030101010101" pitchFamily="2" charset="-122"/>
-                <a:cs typeface="FZLanTingHei-L-GBK-M" panose="02010600010101010101" pitchFamily="2" charset="2"/>
-                <a:sym typeface="Segoe UI" panose="020B0502040204020203" pitchFamily="34" charset="0"/>
-              </a:rPr>
-              <a:t>: personalized treatment recommender system using a Cox proportional hazards deep neural network [J]. </a:t>
-            </a:r>
-            <a:r>
-              <a:rPr lang="en-GB" sz="1100" dirty="0" err="1">
-                <a:latin typeface="Segoe UI" panose="020B0502040204020203" pitchFamily="34" charset="0"/>
-                <a:ea typeface="DengXian" panose="02010600030101010101" pitchFamily="2" charset="-122"/>
-                <a:cs typeface="FZLanTingHei-L-GBK-M" panose="02010600010101010101" pitchFamily="2" charset="2"/>
-                <a:sym typeface="Segoe UI" panose="020B0502040204020203" pitchFamily="34" charset="0"/>
-              </a:rPr>
-              <a:t>Bmc</a:t>
-            </a:r>
-            <a:r>
-              <a:rPr lang="en-GB" sz="1100" dirty="0">
-                <a:latin typeface="Segoe UI" panose="020B0502040204020203" pitchFamily="34" charset="0"/>
-                <a:ea typeface="DengXian" panose="02010600030101010101" pitchFamily="2" charset="-122"/>
-                <a:cs typeface="FZLanTingHei-L-GBK-M" panose="02010600010101010101" pitchFamily="2" charset="2"/>
-                <a:sym typeface="Segoe UI" panose="020B0502040204020203" pitchFamily="34" charset="0"/>
-              </a:rPr>
-              <a:t> Medical Research Methodology, 2016, 18(1): 24.</a:t>
-            </a:r>
-          </a:p>
-          <a:p>
-            <a:pPr marL="0" indent="0">
-              <a:buNone/>
-            </a:pPr>
-            <a:r>
-              <a:rPr lang="en-GB" sz="1100" dirty="0">
-                <a:latin typeface="Segoe UI" panose="020B0502040204020203" pitchFamily="34" charset="0"/>
-                <a:ea typeface="DengXian" panose="02010600030101010101" pitchFamily="2" charset="-122"/>
-                <a:cs typeface="FZLanTingHei-L-GBK-M" panose="02010600010101010101" pitchFamily="2" charset="2"/>
-                <a:sym typeface="Segoe UI" panose="020B0502040204020203" pitchFamily="34" charset="0"/>
-              </a:rPr>
-              <a:t>[10] MOBADERSANY P, YOUSEFI S, AMGAD M, et al. Predicting cancer outcomes from histology and genomics using convolutional networks [J]. Proceedings of the National Academy of Sciences of the United States of America, 2018, 115(13): 201717139.</a:t>
-            </a:r>
-          </a:p>
-          <a:p>
-            <a:pPr marL="0" indent="0">
-              <a:buNone/>
-            </a:pPr>
-            <a:r>
-              <a:rPr lang="zh-CN" altLang="en-US" sz="1100" dirty="0">
-                <a:latin typeface="Segoe UI" panose="020B0502040204020203" pitchFamily="34" charset="0"/>
-                <a:ea typeface="DengXian" panose="02010600030101010101" pitchFamily="2" charset="-122"/>
-                <a:cs typeface="FZLanTingHei-L-GBK-M" panose="02010600010101010101" pitchFamily="2" charset="2"/>
-                <a:sym typeface="Segoe UI" panose="020B0502040204020203" pitchFamily="34" charset="0"/>
-              </a:rPr>
-              <a:t>。。。</a:t>
-            </a:r>
-            <a:endParaRPr lang="en-GB" altLang="zh-CN" sz="1100" dirty="0">
-              <a:latin typeface="Segoe UI" panose="020B0502040204020203" pitchFamily="34" charset="0"/>
-              <a:ea typeface="DengXian" panose="02010600030101010101" pitchFamily="2" charset="-122"/>
-              <a:cs typeface="FZLanTingHei-L-GBK-M" panose="02010600010101010101" pitchFamily="2" charset="2"/>
-              <a:sym typeface="Segoe UI" panose="020B0502040204020203" pitchFamily="34" charset="0"/>
-            </a:endParaRPr>
-          </a:p>
-          <a:p>
-            <a:pPr marL="0" indent="0">
-              <a:buNone/>
-            </a:pPr>
-            <a:r>
-              <a:rPr lang="en-GB" sz="1100" dirty="0">
-                <a:latin typeface="Segoe UI" panose="020B0502040204020203" pitchFamily="34" charset="0"/>
-                <a:ea typeface="DengXian" panose="02010600030101010101" pitchFamily="2" charset="-122"/>
-                <a:cs typeface="FZLanTingHei-L-GBK-M" panose="02010600010101010101" pitchFamily="2" charset="2"/>
-                <a:sym typeface="Segoe UI" panose="020B0502040204020203" pitchFamily="34" charset="0"/>
-              </a:rPr>
-              <a:t>[46] BECK A H, SANGOI A R, LEUNG S, et al. Systematic Analysis of Breast Cancer Morphology Uncovers Stromal Features Associated with Survival [J]. Science Translational Medicine, 2011, 3(108): 108ra13.</a:t>
-            </a:r>
-          </a:p>
-        </p:txBody>
-      </p:sp>
-    </p:spTree>
-    <p:extLst>
-      <p:ext uri="{BB962C8B-B14F-4D97-AF65-F5344CB8AC3E}">
-        <p14:creationId xmlns:p14="http://schemas.microsoft.com/office/powerpoint/2010/main" val="2253791741"/>
-      </p:ext>
-    </p:extLst>
-  </p:cSld>
-  <p:clrMapOvr>
-    <a:masterClrMapping/>
-  </p:clrMapOvr>
+  <mc:AlternateContent xmlns:mc="http://schemas.openxmlformats.org/markup-compatibility/2006">
+    <mc:Choice xmlns:p14="http://schemas.microsoft.com/office/powerpoint/2010/main" Requires="p14">
+      <p:transition spd="med" p14:dur="700">
+        <p:fade/>
+      </p:transition>
+    </mc:Choice>
+    <mc:Fallback>
+      <p:transition spd="med">
+        <p:fade/>
+      </p:transition>
+    </mc:Fallback>
+  </mc:AlternateContent>
 </p:sld>
 </file>
 
@@ -10443,7 +10859,13 @@
       </p:grpSpPr>
       <p:sp>
         <p:nvSpPr>
-          <p:cNvPr id="3" name="Content Placeholder 2"/>
+          <p:cNvPr id="5" name="文本占位符 4">
+            <a:extLst>
+              <a:ext uri="{FF2B5EF4-FFF2-40B4-BE49-F238E27FC236}">
+                <a16:creationId xmlns:a16="http://schemas.microsoft.com/office/drawing/2014/main" id="{9A0E6BCD-4C5D-4938-A0AF-0BC9DE91967C}"/>
+              </a:ext>
+            </a:extLst>
+          </p:cNvPr>
           <p:cNvSpPr>
             <a:spLocks noGrp="1"/>
           </p:cNvSpPr>
@@ -10463,7 +10885,7 @@
                 <a:cs typeface="FZLanTingHei-L-GBK-M" panose="02010600010101010101" pitchFamily="2" charset="2"/>
                 <a:sym typeface="Segoe UI" panose="020B0502040204020203" pitchFamily="34" charset="0"/>
               </a:rPr>
-              <a:t>5. </a:t>
+              <a:t>3.5 </a:t>
             </a:r>
             <a:r>
               <a:rPr lang="zh-CN" altLang="en-US" dirty="0">
@@ -10472,9 +10894,9 @@
                 <a:cs typeface="FZLanTingHei-L-GBK-M" panose="02010600010101010101" pitchFamily="2" charset="2"/>
                 <a:sym typeface="Segoe UI" panose="020B0502040204020203" pitchFamily="34" charset="0"/>
               </a:rPr>
-              <a:t>致谢</a:t>
-            </a:r>
-            <a:endParaRPr dirty="0">
+              <a:t>端到端系统</a:t>
+            </a:r>
+            <a:endParaRPr lang="en-GB" dirty="0">
               <a:latin typeface="Segoe UI" panose="020B0502040204020203" pitchFamily="34" charset="0"/>
               <a:ea typeface="DengXian" panose="02010600030101010101" pitchFamily="2" charset="-122"/>
               <a:cs typeface="FZLanTingHei-L-GBK-M" panose="02010600010101010101" pitchFamily="2" charset="2"/>
@@ -10483,164 +10905,82 @@
           </a:p>
         </p:txBody>
       </p:sp>
-      <p:sp>
-        <p:nvSpPr>
-          <p:cNvPr id="4" name="内容占位符 3">
-            <a:extLst>
-              <a:ext uri="{FF2B5EF4-FFF2-40B4-BE49-F238E27FC236}">
-                <a16:creationId xmlns:a16="http://schemas.microsoft.com/office/drawing/2014/main" id="{E64E7F8A-FFF3-474F-9553-B0F3D1CBEE6D}"/>
-              </a:ext>
-            </a:extLst>
-          </p:cNvPr>
-          <p:cNvSpPr>
-            <a:spLocks noGrp="1"/>
-          </p:cNvSpPr>
-          <p:nvPr>
-            <p:ph idx="1"/>
-          </p:nvPr>
+      <p:pic>
+        <p:nvPicPr>
+          <p:cNvPr id="3" name="Picture 1" descr="D:\Project\Survival-Analysis-by-Breast-Cancer-Slides\imgs\site.png"/>
+          <p:cNvPicPr>
+            <a:picLocks noGrp="1" noChangeAspect="1"/>
+          </p:cNvPicPr>
+          <p:nvPr/>
+        </p:nvPicPr>
+        <p:blipFill>
+          <a:blip r:embed="rId2"/>
+          <a:stretch>
+            <a:fillRect/>
+          </a:stretch>
+        </p:blipFill>
+        <p:spPr bwMode="auto">
+          <a:xfrm>
+            <a:off x="4015290" y="1211705"/>
+            <a:ext cx="4161420" cy="4161420"/>
+          </a:xfrm>
+          <a:prstGeom prst="rect">
+            <a:avLst/>
+          </a:prstGeom>
+          <a:noFill/>
+          <a:ln w="9525">
+            <a:noFill/>
+            <a:headEnd/>
+            <a:tailEnd/>
+          </a:ln>
+        </p:spPr>
+      </p:pic>
+      <p:sp>
+        <p:nvSpPr>
+          <p:cNvPr id="4" name="TextBox 3"/>
+          <p:cNvSpPr txBox="1"/>
+          <p:nvPr/>
         </p:nvSpPr>
         <p:spPr>
           <a:xfrm>
-            <a:off x="1452622" y="1580279"/>
-            <a:ext cx="9554901" cy="5019675"/>
+            <a:off x="1981200" y="5266920"/>
+            <a:ext cx="8229600" cy="508000"/>
           </a:xfrm>
+          <a:prstGeom prst="rect">
+            <a:avLst/>
+          </a:prstGeom>
+          <a:noFill/>
         </p:spPr>
         <p:txBody>
           <a:bodyPr/>
           <a:lstStyle/>
           <a:p>
-            <a:pPr marL="0" indent="0">
-              <a:buNone/>
-            </a:pPr>
-            <a:r>
-              <a:rPr lang="zh-CN" altLang="en-US" dirty="0">
-                <a:latin typeface="Segoe UI" panose="020B0502040204020203" pitchFamily="34" charset="0"/>
-                <a:ea typeface="DengXian" panose="02010600030101010101" pitchFamily="2" charset="-122"/>
-                <a:cs typeface="FZLanTingHei-L-GBK-M" panose="02010600010101010101" pitchFamily="2" charset="2"/>
-                <a:sym typeface="Segoe UI" panose="020B0502040204020203" pitchFamily="34" charset="0"/>
-              </a:rPr>
-              <a:t>这篇论文的完成离不开孙逸仙纪念医院研究中心</a:t>
-            </a:r>
-            <a:endParaRPr lang="en-GB" altLang="zh-CN" dirty="0">
+            <a:pPr algn="ctr"/>
+            <a:r>
+              <a:rPr sz="2400" dirty="0">
+                <a:latin typeface="Segoe UI" panose="020B0502040204020203" pitchFamily="34" charset="0"/>
+                <a:ea typeface="DengXian" panose="02010600030101010101" pitchFamily="2" charset="-122"/>
+                <a:cs typeface="FZLanTingHei-L-GBK-M" panose="02010600010101010101" pitchFamily="2" charset="2"/>
+                <a:sym typeface="Segoe UI" panose="020B0502040204020203" pitchFamily="34" charset="0"/>
+              </a:rPr>
+              <a:t>图8 </a:t>
+            </a:r>
+            <a:r>
+              <a:rPr sz="2400" dirty="0" err="1">
+                <a:latin typeface="Segoe UI" panose="020B0502040204020203" pitchFamily="34" charset="0"/>
+                <a:ea typeface="DengXian" panose="02010600030101010101" pitchFamily="2" charset="-122"/>
+                <a:cs typeface="FZLanTingHei-L-GBK-M" panose="02010600010101010101" pitchFamily="2" charset="2"/>
+                <a:sym typeface="Segoe UI" panose="020B0502040204020203" pitchFamily="34" charset="0"/>
+              </a:rPr>
+              <a:t>端到端系统</a:t>
+            </a:r>
+            <a:endParaRPr sz="2400" dirty="0">
               <a:latin typeface="Segoe UI" panose="020B0502040204020203" pitchFamily="34" charset="0"/>
               <a:ea typeface="DengXian" panose="02010600030101010101" pitchFamily="2" charset="-122"/>
               <a:cs typeface="FZLanTingHei-L-GBK-M" panose="02010600010101010101" pitchFamily="2" charset="2"/>
               <a:sym typeface="Segoe UI" panose="020B0502040204020203" pitchFamily="34" charset="0"/>
             </a:endParaRPr>
           </a:p>
-          <a:p>
-            <a:pPr marL="0" indent="0" algn="ctr">
-              <a:buNone/>
-            </a:pPr>
-            <a:r>
-              <a:rPr lang="zh-CN" altLang="en-US" b="1" dirty="0">
-                <a:latin typeface="Segoe UI" panose="020B0502040204020203" pitchFamily="34" charset="0"/>
-                <a:ea typeface="DengXian" panose="02010600030101010101" pitchFamily="2" charset="-122"/>
-                <a:cs typeface="FZLanTingHei-L-GBK-M" panose="02010600010101010101" pitchFamily="2" charset="2"/>
-                <a:sym typeface="Segoe UI" panose="020B0502040204020203" pitchFamily="34" charset="0"/>
-              </a:rPr>
-              <a:t>赵慧英</a:t>
-            </a:r>
-            <a:r>
-              <a:rPr lang="zh-CN" altLang="en-US" dirty="0">
-                <a:latin typeface="Segoe UI" panose="020B0502040204020203" pitchFamily="34" charset="0"/>
-                <a:ea typeface="DengXian" panose="02010600030101010101" pitchFamily="2" charset="-122"/>
-                <a:cs typeface="FZLanTingHei-L-GBK-M" panose="02010600010101010101" pitchFamily="2" charset="2"/>
-                <a:sym typeface="Segoe UI" panose="020B0502040204020203" pitchFamily="34" charset="0"/>
-              </a:rPr>
-              <a:t>老师</a:t>
-            </a:r>
-            <a:endParaRPr lang="en-GB" altLang="zh-CN" dirty="0">
-              <a:latin typeface="Segoe UI" panose="020B0502040204020203" pitchFamily="34" charset="0"/>
-              <a:ea typeface="DengXian" panose="02010600030101010101" pitchFamily="2" charset="-122"/>
-              <a:cs typeface="FZLanTingHei-L-GBK-M" panose="02010600010101010101" pitchFamily="2" charset="2"/>
-              <a:sym typeface="Segoe UI" panose="020B0502040204020203" pitchFamily="34" charset="0"/>
-            </a:endParaRPr>
-          </a:p>
-          <a:p>
-            <a:pPr marL="0" indent="0">
-              <a:buNone/>
-            </a:pPr>
-            <a:r>
-              <a:rPr lang="zh-CN" altLang="en-US" dirty="0">
-                <a:latin typeface="Segoe UI" panose="020B0502040204020203" pitchFamily="34" charset="0"/>
-                <a:ea typeface="DengXian" panose="02010600030101010101" pitchFamily="2" charset="-122"/>
-                <a:cs typeface="FZLanTingHei-L-GBK-M" panose="02010600010101010101" pitchFamily="2" charset="2"/>
-                <a:sym typeface="Segoe UI" panose="020B0502040204020203" pitchFamily="34" charset="0"/>
-              </a:rPr>
-              <a:t>的指导。她以丰富的研究经验以及敏锐的洞察力为我的研究提供了极有帮助的建议。感谢</a:t>
-            </a:r>
-            <a:endParaRPr lang="en-GB" altLang="zh-CN" dirty="0">
-              <a:latin typeface="Segoe UI" panose="020B0502040204020203" pitchFamily="34" charset="0"/>
-              <a:ea typeface="DengXian" panose="02010600030101010101" pitchFamily="2" charset="-122"/>
-              <a:cs typeface="FZLanTingHei-L-GBK-M" panose="02010600010101010101" pitchFamily="2" charset="2"/>
-              <a:sym typeface="Segoe UI" panose="020B0502040204020203" pitchFamily="34" charset="0"/>
-            </a:endParaRPr>
-          </a:p>
-          <a:p>
-            <a:pPr marL="0" indent="0" algn="ctr">
-              <a:buNone/>
-            </a:pPr>
-            <a:r>
-              <a:rPr lang="zh-CN" altLang="en-US" b="1" dirty="0">
-                <a:latin typeface="Segoe UI" panose="020B0502040204020203" pitchFamily="34" charset="0"/>
-                <a:ea typeface="DengXian" panose="02010600030101010101" pitchFamily="2" charset="-122"/>
-                <a:cs typeface="FZLanTingHei-L-GBK-M" panose="02010600010101010101" pitchFamily="2" charset="2"/>
-                <a:sym typeface="Segoe UI" panose="020B0502040204020203" pitchFamily="34" charset="0"/>
-              </a:rPr>
-              <a:t>骆观正</a:t>
-            </a:r>
-            <a:r>
-              <a:rPr lang="zh-CN" altLang="en-US" dirty="0">
-                <a:latin typeface="Segoe UI" panose="020B0502040204020203" pitchFamily="34" charset="0"/>
-                <a:ea typeface="DengXian" panose="02010600030101010101" pitchFamily="2" charset="-122"/>
-                <a:cs typeface="FZLanTingHei-L-GBK-M" panose="02010600010101010101" pitchFamily="2" charset="2"/>
-                <a:sym typeface="Segoe UI" panose="020B0502040204020203" pitchFamily="34" charset="0"/>
-              </a:rPr>
-              <a:t>老师</a:t>
-            </a:r>
-            <a:endParaRPr lang="en-GB" altLang="zh-CN" dirty="0">
-              <a:latin typeface="Segoe UI" panose="020B0502040204020203" pitchFamily="34" charset="0"/>
-              <a:ea typeface="DengXian" panose="02010600030101010101" pitchFamily="2" charset="-122"/>
-              <a:cs typeface="FZLanTingHei-L-GBK-M" panose="02010600010101010101" pitchFamily="2" charset="2"/>
-              <a:sym typeface="Segoe UI" panose="020B0502040204020203" pitchFamily="34" charset="0"/>
-            </a:endParaRPr>
-          </a:p>
-          <a:p>
-            <a:pPr marL="0" indent="0">
-              <a:buNone/>
-            </a:pPr>
-            <a:r>
-              <a:rPr lang="zh-CN" altLang="en-US" dirty="0">
-                <a:latin typeface="Segoe UI" panose="020B0502040204020203" pitchFamily="34" charset="0"/>
-                <a:ea typeface="DengXian" panose="02010600030101010101" pitchFamily="2" charset="-122"/>
-                <a:cs typeface="FZLanTingHei-L-GBK-M" panose="02010600010101010101" pitchFamily="2" charset="2"/>
-                <a:sym typeface="Segoe UI" panose="020B0502040204020203" pitchFamily="34" charset="0"/>
-              </a:rPr>
-              <a:t>作为校内指导老师，在管理审核上提供支持。</a:t>
-            </a:r>
-          </a:p>
-          <a:p>
-            <a:pPr marL="0" indent="0">
-              <a:buNone/>
-            </a:pPr>
-            <a:r>
-              <a:rPr lang="zh-CN" altLang="en-US" dirty="0">
-                <a:latin typeface="Segoe UI" panose="020B0502040204020203" pitchFamily="34" charset="0"/>
-                <a:ea typeface="DengXian" panose="02010600030101010101" pitchFamily="2" charset="-122"/>
-                <a:cs typeface="FZLanTingHei-L-GBK-M" panose="02010600010101010101" pitchFamily="2" charset="2"/>
-                <a:sym typeface="Segoe UI" panose="020B0502040204020203" pitchFamily="34" charset="0"/>
-              </a:rPr>
-              <a:t>感谢家人，朋友，同学的陪伴。</a:t>
-            </a:r>
-          </a:p>
-          <a:p>
-            <a:endParaRPr lang="en-GB" dirty="0">
-              <a:latin typeface="Segoe UI" panose="020B0502040204020203" pitchFamily="34" charset="0"/>
-              <a:ea typeface="DengXian" panose="02010600030101010101" pitchFamily="2" charset="-122"/>
-              <a:sym typeface="Segoe UI" panose="020B0502040204020203" pitchFamily="34" charset="0"/>
-            </a:endParaRPr>
-          </a:p>
         </p:txBody>
       </p:sp>
     </p:spTree>
@@ -10648,6 +10988,18 @@
   <p:clrMapOvr>
     <a:masterClrMapping/>
   </p:clrMapOvr>
+  <mc:AlternateContent xmlns:mc="http://schemas.openxmlformats.org/markup-compatibility/2006">
+    <mc:Choice xmlns:p14="http://schemas.microsoft.com/office/powerpoint/2010/main" Requires="p14">
+      <p:transition spd="med" p14:dur="700">
+        <p:fade/>
+      </p:transition>
+    </mc:Choice>
+    <mc:Fallback>
+      <p:transition spd="med">
+        <p:fade/>
+      </p:transition>
+    </mc:Fallback>
+  </mc:AlternateContent>
 </p:sld>
 </file>
 
@@ -10670,6 +11022,1096 @@
       </p:grpSpPr>
       <p:sp>
         <p:nvSpPr>
+          <p:cNvPr id="3" name="Content Placeholder 2"/>
+          <p:cNvSpPr>
+            <a:spLocks noGrp="1"/>
+          </p:cNvSpPr>
+          <p:nvPr>
+            <p:ph idx="1"/>
+          </p:nvPr>
+        </p:nvSpPr>
+        <p:spPr>
+          <a:xfrm>
+            <a:off x="881063" y="1420485"/>
+            <a:ext cx="10639425" cy="5019675"/>
+          </a:xfrm>
+        </p:spPr>
+        <p:txBody>
+          <a:bodyPr>
+            <a:normAutofit/>
+          </a:bodyPr>
+          <a:lstStyle/>
+          <a:p>
+            <a:r>
+              <a:rPr lang="zh-CN" altLang="en-US" dirty="0">
+                <a:solidFill>
+                  <a:prstClr val="black"/>
+                </a:solidFill>
+                <a:latin typeface="Segoe UI" panose="020B0502040204020203" pitchFamily="34" charset="0"/>
+                <a:ea typeface="DengXian" panose="02010600030101010101" pitchFamily="2" charset="-122"/>
+                <a:cs typeface="FZLanTingHei-L-GBK-M" panose="02010600010101010101" pitchFamily="2" charset="2"/>
+                <a:sym typeface="Segoe UI" panose="020B0502040204020203" pitchFamily="34" charset="0"/>
+              </a:rPr>
+              <a:t>乳腺癌生存神经网络模型（</a:t>
+            </a:r>
+            <a:r>
+              <a:rPr lang="en-US" altLang="zh-CN" dirty="0">
+                <a:solidFill>
+                  <a:prstClr val="black"/>
+                </a:solidFill>
+                <a:latin typeface="Segoe UI" panose="020B0502040204020203" pitchFamily="34" charset="0"/>
+                <a:ea typeface="DengXian" panose="02010600030101010101" pitchFamily="2" charset="-122"/>
+                <a:cs typeface="FZLanTingHei-L-GBK-M" panose="02010600010101010101" pitchFamily="2" charset="2"/>
+                <a:sym typeface="Segoe UI" panose="020B0502040204020203" pitchFamily="34" charset="0"/>
+              </a:rPr>
+              <a:t>SNAS</a:t>
+            </a:r>
+            <a:r>
+              <a:rPr lang="zh-CN" altLang="en-US" dirty="0">
+                <a:solidFill>
+                  <a:prstClr val="black"/>
+                </a:solidFill>
+                <a:latin typeface="Segoe UI" panose="020B0502040204020203" pitchFamily="34" charset="0"/>
+                <a:ea typeface="DengXian" panose="02010600030101010101" pitchFamily="2" charset="-122"/>
+                <a:cs typeface="FZLanTingHei-L-GBK-M" panose="02010600010101010101" pitchFamily="2" charset="2"/>
+                <a:sym typeface="Segoe UI" panose="020B0502040204020203" pitchFamily="34" charset="0"/>
+              </a:rPr>
+              <a:t>）基于</a:t>
+            </a:r>
+            <a:r>
+              <a:rPr lang="en-US" altLang="zh-CN" dirty="0" err="1">
+                <a:solidFill>
+                  <a:prstClr val="black"/>
+                </a:solidFill>
+                <a:latin typeface="Segoe UI" panose="020B0502040204020203" pitchFamily="34" charset="0"/>
+                <a:ea typeface="DengXian" panose="02010600030101010101" pitchFamily="2" charset="-122"/>
+                <a:cs typeface="FZLanTingHei-L-GBK-M" panose="02010600010101010101" pitchFamily="2" charset="2"/>
+                <a:sym typeface="Segoe UI" panose="020B0502040204020203" pitchFamily="34" charset="0"/>
+              </a:rPr>
+              <a:t>NASNet</a:t>
+            </a:r>
+            <a:r>
+              <a:rPr lang="en-US" altLang="zh-CN" dirty="0">
+                <a:solidFill>
+                  <a:prstClr val="black"/>
+                </a:solidFill>
+                <a:latin typeface="Segoe UI" panose="020B0502040204020203" pitchFamily="34" charset="0"/>
+                <a:ea typeface="DengXian" panose="02010600030101010101" pitchFamily="2" charset="-122"/>
+                <a:cs typeface="FZLanTingHei-L-GBK-M" panose="02010600010101010101" pitchFamily="2" charset="2"/>
+                <a:sym typeface="Segoe UI" panose="020B0502040204020203" pitchFamily="34" charset="0"/>
+              </a:rPr>
+              <a:t> mobile</a:t>
+            </a:r>
+            <a:r>
+              <a:rPr lang="zh-CN" altLang="en-US" dirty="0">
+                <a:solidFill>
+                  <a:prstClr val="black"/>
+                </a:solidFill>
+                <a:latin typeface="Segoe UI" panose="020B0502040204020203" pitchFamily="34" charset="0"/>
+                <a:ea typeface="DengXian" panose="02010600030101010101" pitchFamily="2" charset="-122"/>
+                <a:cs typeface="FZLanTingHei-L-GBK-M" panose="02010600010101010101" pitchFamily="2" charset="2"/>
+                <a:sym typeface="Segoe UI" panose="020B0502040204020203" pitchFamily="34" charset="0"/>
+              </a:rPr>
+              <a:t>，</a:t>
+            </a:r>
+            <a:r>
+              <a:rPr lang="en-GB" altLang="zh-CN" b="1" dirty="0">
+                <a:solidFill>
+                  <a:prstClr val="black"/>
+                </a:solidFill>
+                <a:latin typeface="Segoe UI" panose="020B0502040204020203" pitchFamily="34" charset="0"/>
+                <a:ea typeface="DengXian" panose="02010600030101010101" pitchFamily="2" charset="-122"/>
+                <a:cs typeface="FZLanTingHei-L-GBK-M" panose="02010600010101010101" pitchFamily="2" charset="2"/>
+                <a:sym typeface="Segoe UI" panose="020B0502040204020203" pitchFamily="34" charset="0"/>
+              </a:rPr>
+              <a:t> 256</a:t>
+            </a:r>
+            <a:r>
+              <a:rPr lang="zh-CN" altLang="en-US" b="1" dirty="0">
+                <a:solidFill>
+                  <a:prstClr val="black"/>
+                </a:solidFill>
+                <a:latin typeface="Segoe UI" panose="020B0502040204020203" pitchFamily="34" charset="0"/>
+                <a:ea typeface="DengXian" panose="02010600030101010101" pitchFamily="2" charset="-122"/>
+                <a:cs typeface="FZLanTingHei-L-GBK-M" panose="02010600010101010101" pitchFamily="2" charset="2"/>
+                <a:sym typeface="Segoe UI" panose="020B0502040204020203" pitchFamily="34" charset="0"/>
+              </a:rPr>
+              <a:t>节点</a:t>
+            </a:r>
+            <a:r>
+              <a:rPr lang="zh-CN" altLang="en-US" dirty="0">
+                <a:solidFill>
+                  <a:prstClr val="black"/>
+                </a:solidFill>
+                <a:latin typeface="Segoe UI" panose="020B0502040204020203" pitchFamily="34" charset="0"/>
+                <a:ea typeface="DengXian" panose="02010600030101010101" pitchFamily="2" charset="-122"/>
+                <a:cs typeface="FZLanTingHei-L-GBK-M" panose="02010600010101010101" pitchFamily="2" charset="2"/>
+                <a:sym typeface="Segoe UI" panose="020B0502040204020203" pitchFamily="34" charset="0"/>
+              </a:rPr>
+              <a:t>全连接层，</a:t>
+            </a:r>
+            <a:r>
+              <a:rPr lang="zh-CN" altLang="en-US" b="1" dirty="0">
+                <a:solidFill>
+                  <a:prstClr val="black"/>
+                </a:solidFill>
+                <a:latin typeface="Segoe UI" panose="020B0502040204020203" pitchFamily="34" charset="0"/>
+                <a:ea typeface="DengXian" panose="02010600030101010101" pitchFamily="2" charset="-122"/>
+                <a:cs typeface="FZLanTingHei-L-GBK-M" panose="02010600010101010101" pitchFamily="2" charset="2"/>
+                <a:sym typeface="Segoe UI" panose="020B0502040204020203" pitchFamily="34" charset="0"/>
+              </a:rPr>
+              <a:t>不使用</a:t>
+            </a:r>
+            <a:r>
+              <a:rPr lang="zh-CN" altLang="en-US" dirty="0">
+                <a:solidFill>
+                  <a:prstClr val="black"/>
+                </a:solidFill>
+                <a:latin typeface="Segoe UI" panose="020B0502040204020203" pitchFamily="34" charset="0"/>
+                <a:ea typeface="DengXian" panose="02010600030101010101" pitchFamily="2" charset="-122"/>
+                <a:cs typeface="FZLanTingHei-L-GBK-M" panose="02010600010101010101" pitchFamily="2" charset="2"/>
+                <a:sym typeface="Segoe UI" panose="020B0502040204020203" pitchFamily="34" charset="0"/>
+              </a:rPr>
+              <a:t>数据增强，</a:t>
+            </a:r>
+            <a:r>
+              <a:rPr lang="zh-CN" altLang="en-US" b="1" dirty="0">
+                <a:solidFill>
+                  <a:prstClr val="black"/>
+                </a:solidFill>
+                <a:latin typeface="Segoe UI" panose="020B0502040204020203" pitchFamily="34" charset="0"/>
+                <a:ea typeface="DengXian" panose="02010600030101010101" pitchFamily="2" charset="-122"/>
+                <a:cs typeface="FZLanTingHei-L-GBK-M" panose="02010600010101010101" pitchFamily="2" charset="2"/>
+                <a:sym typeface="Segoe UI" panose="020B0502040204020203" pitchFamily="34" charset="0"/>
+              </a:rPr>
+              <a:t>未使用</a:t>
+            </a:r>
+            <a:r>
+              <a:rPr lang="zh-CN" altLang="en-US" dirty="0">
+                <a:solidFill>
+                  <a:prstClr val="black"/>
+                </a:solidFill>
+                <a:latin typeface="Segoe UI" panose="020B0502040204020203" pitchFamily="34" charset="0"/>
+                <a:ea typeface="DengXian" panose="02010600030101010101" pitchFamily="2" charset="-122"/>
+                <a:cs typeface="FZLanTingHei-L-GBK-M" panose="02010600010101010101" pitchFamily="2" charset="2"/>
+                <a:sym typeface="Segoe UI" panose="020B0502040204020203" pitchFamily="34" charset="0"/>
+              </a:rPr>
+              <a:t>基因数据。</a:t>
+            </a:r>
+            <a:endParaRPr lang="en-GB" altLang="zh-CN" dirty="0">
+              <a:solidFill>
+                <a:prstClr val="black"/>
+              </a:solidFill>
+              <a:latin typeface="Segoe UI" panose="020B0502040204020203" pitchFamily="34" charset="0"/>
+              <a:ea typeface="DengXian" panose="02010600030101010101" pitchFamily="2" charset="-122"/>
+              <a:cs typeface="FZLanTingHei-L-GBK-M" panose="02010600010101010101" pitchFamily="2" charset="2"/>
+              <a:sym typeface="Segoe UI" panose="020B0502040204020203" pitchFamily="34" charset="0"/>
+            </a:endParaRPr>
+          </a:p>
+          <a:p>
+            <a:r>
+              <a:rPr lang="en-US" altLang="zh-CN" b="1" dirty="0">
+                <a:latin typeface="Segoe UI" panose="020B0502040204020203" pitchFamily="34" charset="0"/>
+                <a:ea typeface="DengXian" panose="02010600030101010101" pitchFamily="2" charset="-122"/>
+                <a:cs typeface="FZLanTingHei-L-GBK-M" panose="02010600010101010101" pitchFamily="2" charset="2"/>
+                <a:sym typeface="Segoe UI" panose="020B0502040204020203" pitchFamily="34" charset="0"/>
+              </a:rPr>
+              <a:t>50 </a:t>
+            </a:r>
+            <a:r>
+              <a:rPr lang="zh-CN" altLang="en-US" b="1" dirty="0">
+                <a:latin typeface="Segoe UI" panose="020B0502040204020203" pitchFamily="34" charset="0"/>
+                <a:ea typeface="DengXian" panose="02010600030101010101" pitchFamily="2" charset="-122"/>
+                <a:cs typeface="FZLanTingHei-L-GBK-M" panose="02010600010101010101" pitchFamily="2" charset="2"/>
+                <a:sym typeface="Segoe UI" panose="020B0502040204020203" pitchFamily="34" charset="0"/>
+              </a:rPr>
+              <a:t>次</a:t>
+            </a:r>
+            <a:r>
+              <a:rPr lang="zh-CN" altLang="en-US" dirty="0">
+                <a:latin typeface="Segoe UI" panose="020B0502040204020203" pitchFamily="34" charset="0"/>
+                <a:ea typeface="DengXian" panose="02010600030101010101" pitchFamily="2" charset="-122"/>
+                <a:cs typeface="FZLanTingHei-L-GBK-M" panose="02010600010101010101" pitchFamily="2" charset="2"/>
+                <a:sym typeface="Segoe UI" panose="020B0502040204020203" pitchFamily="34" charset="0"/>
+              </a:rPr>
+              <a:t>训练后</a:t>
+            </a:r>
+            <a:r>
+              <a:rPr lang="en-US" altLang="zh-CN" b="1" dirty="0">
+                <a:latin typeface="Segoe UI" panose="020B0502040204020203" pitchFamily="34" charset="0"/>
+                <a:ea typeface="DengXian" panose="02010600030101010101" pitchFamily="2" charset="-122"/>
+                <a:cs typeface="FZLanTingHei-L-GBK-M" panose="02010600010101010101" pitchFamily="2" charset="2"/>
+                <a:sym typeface="Segoe UI" panose="020B0502040204020203" pitchFamily="34" charset="0"/>
+              </a:rPr>
+              <a:t>99.9%</a:t>
+            </a:r>
+            <a:r>
+              <a:rPr lang="zh-CN" altLang="en-US" dirty="0">
+                <a:latin typeface="Segoe UI" panose="020B0502040204020203" pitchFamily="34" charset="0"/>
+                <a:ea typeface="DengXian" panose="02010600030101010101" pitchFamily="2" charset="-122"/>
+                <a:cs typeface="FZLanTingHei-L-GBK-M" panose="02010600010101010101" pitchFamily="2" charset="2"/>
+                <a:sym typeface="Segoe UI" panose="020B0502040204020203" pitchFamily="34" charset="0"/>
+              </a:rPr>
+              <a:t>的可能得到预测能力</a:t>
+            </a:r>
+            <a:r>
+              <a:rPr lang="zh-CN" altLang="en-US" b="1" dirty="0">
+                <a:latin typeface="Segoe UI" panose="020B0502040204020203" pitchFamily="34" charset="0"/>
+                <a:ea typeface="DengXian" panose="02010600030101010101" pitchFamily="2" charset="-122"/>
+                <a:cs typeface="FZLanTingHei-L-GBK-M" panose="02010600010101010101" pitchFamily="2" charset="2"/>
+                <a:sym typeface="Segoe UI" panose="020B0502040204020203" pitchFamily="34" charset="0"/>
+              </a:rPr>
+              <a:t>优于</a:t>
+            </a:r>
+            <a:r>
+              <a:rPr lang="zh-CN" altLang="en-US" dirty="0">
+                <a:latin typeface="Segoe UI" panose="020B0502040204020203" pitchFamily="34" charset="0"/>
+                <a:ea typeface="DengXian" panose="02010600030101010101" pitchFamily="2" charset="-122"/>
+                <a:cs typeface="FZLanTingHei-L-GBK-M" panose="02010600010101010101" pitchFamily="2" charset="2"/>
+                <a:sym typeface="Segoe UI" panose="020B0502040204020203" pitchFamily="34" charset="0"/>
+              </a:rPr>
+              <a:t>使用</a:t>
+            </a:r>
+            <a:r>
+              <a:rPr lang="zh-CN" altLang="en-US" b="1" dirty="0">
+                <a:latin typeface="Segoe UI" panose="020B0502040204020203" pitchFamily="34" charset="0"/>
+                <a:ea typeface="DengXian" panose="02010600030101010101" pitchFamily="2" charset="-122"/>
+                <a:cs typeface="FZLanTingHei-L-GBK-M" panose="02010600010101010101" pitchFamily="2" charset="2"/>
+                <a:sym typeface="Segoe UI" panose="020B0502040204020203" pitchFamily="34" charset="0"/>
+              </a:rPr>
+              <a:t>专家</a:t>
+            </a:r>
+            <a:r>
+              <a:rPr lang="zh-CN" altLang="en-US" dirty="0">
+                <a:latin typeface="Segoe UI" panose="020B0502040204020203" pitchFamily="34" charset="0"/>
+                <a:ea typeface="DengXian" panose="02010600030101010101" pitchFamily="2" charset="-122"/>
+                <a:cs typeface="FZLanTingHei-L-GBK-M" panose="02010600010101010101" pitchFamily="2" charset="2"/>
+                <a:sym typeface="Segoe UI" panose="020B0502040204020203" pitchFamily="34" charset="0"/>
+              </a:rPr>
+              <a:t>分析同样图像提取的特征建立的</a:t>
+            </a:r>
+            <a:r>
+              <a:rPr lang="en-US" altLang="zh-CN" b="1" dirty="0">
+                <a:latin typeface="Segoe UI" panose="020B0502040204020203" pitchFamily="34" charset="0"/>
+                <a:ea typeface="DengXian" panose="02010600030101010101" pitchFamily="2" charset="-122"/>
+                <a:cs typeface="FZLanTingHei-L-GBK-M" panose="02010600010101010101" pitchFamily="2" charset="2"/>
+                <a:sym typeface="Segoe UI" panose="020B0502040204020203" pitchFamily="34" charset="0"/>
+              </a:rPr>
+              <a:t>Cox HP </a:t>
+            </a:r>
+            <a:r>
+              <a:rPr lang="zh-CN" altLang="en-US" b="1" dirty="0">
+                <a:latin typeface="Segoe UI" panose="020B0502040204020203" pitchFamily="34" charset="0"/>
+                <a:ea typeface="DengXian" panose="02010600030101010101" pitchFamily="2" charset="-122"/>
+                <a:cs typeface="FZLanTingHei-L-GBK-M" panose="02010600010101010101" pitchFamily="2" charset="2"/>
+                <a:sym typeface="Segoe UI" panose="020B0502040204020203" pitchFamily="34" charset="0"/>
+              </a:rPr>
+              <a:t>模型</a:t>
+            </a:r>
+            <a:r>
+              <a:rPr lang="zh-CN" altLang="en-US" dirty="0">
+                <a:latin typeface="Segoe UI" panose="020B0502040204020203" pitchFamily="34" charset="0"/>
+                <a:ea typeface="DengXian" panose="02010600030101010101" pitchFamily="2" charset="-122"/>
+                <a:cs typeface="FZLanTingHei-L-GBK-M" panose="02010600010101010101" pitchFamily="2" charset="2"/>
+                <a:sym typeface="Segoe UI" panose="020B0502040204020203" pitchFamily="34" charset="0"/>
+              </a:rPr>
+              <a:t>的模型。</a:t>
+            </a:r>
+            <a:endParaRPr lang="en-GB" altLang="zh-CN" dirty="0">
+              <a:latin typeface="Segoe UI" panose="020B0502040204020203" pitchFamily="34" charset="0"/>
+              <a:ea typeface="DengXian" panose="02010600030101010101" pitchFamily="2" charset="-122"/>
+              <a:cs typeface="FZLanTingHei-L-GBK-M" panose="02010600010101010101" pitchFamily="2" charset="2"/>
+              <a:sym typeface="Segoe UI" panose="020B0502040204020203" pitchFamily="34" charset="0"/>
+            </a:endParaRPr>
+          </a:p>
+          <a:p>
+            <a:r>
+              <a:rPr lang="zh-CN" altLang="en-US" b="1" dirty="0">
+                <a:latin typeface="Segoe UI" panose="020B0502040204020203" pitchFamily="34" charset="0"/>
+                <a:ea typeface="DengXian" panose="02010600030101010101" pitchFamily="2" charset="-122"/>
+                <a:cs typeface="FZLanTingHei-L-GBK-M" panose="02010600010101010101" pitchFamily="2" charset="2"/>
+                <a:sym typeface="Segoe UI" panose="020B0502040204020203" pitchFamily="34" charset="0"/>
+              </a:rPr>
+              <a:t>首个</a:t>
+            </a:r>
+            <a:r>
+              <a:rPr b="1" dirty="0" err="1">
+                <a:latin typeface="Segoe UI" panose="020B0502040204020203" pitchFamily="34" charset="0"/>
+                <a:ea typeface="DengXian" panose="02010600030101010101" pitchFamily="2" charset="-122"/>
+                <a:cs typeface="FZLanTingHei-L-GBK-M" panose="02010600010101010101" pitchFamily="2" charset="2"/>
+                <a:sym typeface="Segoe UI" panose="020B0502040204020203" pitchFamily="34" charset="0"/>
+              </a:rPr>
+              <a:t>全自动</a:t>
+            </a:r>
+            <a:r>
+              <a:rPr dirty="0" err="1">
+                <a:latin typeface="Segoe UI" panose="020B0502040204020203" pitchFamily="34" charset="0"/>
+                <a:ea typeface="DengXian" panose="02010600030101010101" pitchFamily="2" charset="-122"/>
+                <a:cs typeface="FZLanTingHei-L-GBK-M" panose="02010600010101010101" pitchFamily="2" charset="2"/>
+                <a:sym typeface="Segoe UI" panose="020B0502040204020203" pitchFamily="34" charset="0"/>
+              </a:rPr>
+              <a:t>的由.svs病理切片图像到生存模型的“端到端</a:t>
+            </a:r>
+            <a:r>
+              <a:rPr dirty="0">
+                <a:latin typeface="Segoe UI" panose="020B0502040204020203" pitchFamily="34" charset="0"/>
+                <a:ea typeface="DengXian" panose="02010600030101010101" pitchFamily="2" charset="-122"/>
+                <a:cs typeface="FZLanTingHei-L-GBK-M" panose="02010600010101010101" pitchFamily="2" charset="2"/>
+                <a:sym typeface="Segoe UI" panose="020B0502040204020203" pitchFamily="34" charset="0"/>
+              </a:rPr>
+              <a:t>”</a:t>
+            </a:r>
+            <a:r>
+              <a:rPr lang="zh-CN" altLang="en-US" dirty="0">
+                <a:latin typeface="Segoe UI" panose="020B0502040204020203" pitchFamily="34" charset="0"/>
+                <a:ea typeface="DengXian" panose="02010600030101010101" pitchFamily="2" charset="-122"/>
+                <a:cs typeface="FZLanTingHei-L-GBK-M" panose="02010600010101010101" pitchFamily="2" charset="2"/>
+                <a:sym typeface="Segoe UI" panose="020B0502040204020203" pitchFamily="34" charset="0"/>
+              </a:rPr>
+              <a:t>批处理系统</a:t>
+            </a:r>
+            <a:r>
+              <a:rPr dirty="0">
+                <a:latin typeface="Segoe UI" panose="020B0502040204020203" pitchFamily="34" charset="0"/>
+                <a:ea typeface="DengXian" panose="02010600030101010101" pitchFamily="2" charset="-122"/>
+                <a:cs typeface="FZLanTingHei-L-GBK-M" panose="02010600010101010101" pitchFamily="2" charset="2"/>
+                <a:sym typeface="Segoe UI" panose="020B0502040204020203" pitchFamily="34" charset="0"/>
+              </a:rPr>
+              <a:t>。</a:t>
+            </a:r>
+            <a:endParaRPr lang="en-GB" dirty="0">
+              <a:latin typeface="Segoe UI" panose="020B0502040204020203" pitchFamily="34" charset="0"/>
+              <a:ea typeface="DengXian" panose="02010600030101010101" pitchFamily="2" charset="-122"/>
+              <a:cs typeface="FZLanTingHei-L-GBK-M" panose="02010600010101010101" pitchFamily="2" charset="2"/>
+              <a:sym typeface="Segoe UI" panose="020B0502040204020203" pitchFamily="34" charset="0"/>
+            </a:endParaRPr>
+          </a:p>
+          <a:p>
+            <a:r>
+              <a:rPr lang="zh-CN" altLang="en-US" dirty="0">
+                <a:latin typeface="Segoe UI" panose="020B0502040204020203" pitchFamily="34" charset="0"/>
+                <a:ea typeface="DengXian" panose="02010600030101010101" pitchFamily="2" charset="-122"/>
+                <a:cs typeface="FZLanTingHei-L-GBK-M" panose="02010600010101010101" pitchFamily="2" charset="2"/>
+                <a:sym typeface="Segoe UI" panose="020B0502040204020203" pitchFamily="34" charset="0"/>
+              </a:rPr>
+              <a:t>输出</a:t>
+            </a:r>
+            <a:r>
+              <a:rPr dirty="0">
+                <a:latin typeface="Segoe UI" panose="020B0502040204020203" pitchFamily="34" charset="0"/>
+                <a:ea typeface="DengXian" panose="02010600030101010101" pitchFamily="2" charset="-122"/>
+                <a:cs typeface="FZLanTingHei-L-GBK-M" panose="02010600010101010101" pitchFamily="2" charset="2"/>
+                <a:sym typeface="Segoe UI" panose="020B0502040204020203" pitchFamily="34" charset="0"/>
+              </a:rPr>
+              <a:t>模型大小中等，7.24e+07个参数，</a:t>
+            </a:r>
+            <a:r>
+              <a:rPr lang="zh-CN" altLang="en-US" dirty="0">
+                <a:latin typeface="Segoe UI" panose="020B0502040204020203" pitchFamily="34" charset="0"/>
+                <a:ea typeface="DengXian" panose="02010600030101010101" pitchFamily="2" charset="-122"/>
+                <a:cs typeface="FZLanTingHei-L-GBK-M" panose="02010600010101010101" pitchFamily="2" charset="2"/>
+                <a:sym typeface="Segoe UI" panose="020B0502040204020203" pitchFamily="34" charset="0"/>
+              </a:rPr>
+              <a:t>其中</a:t>
+            </a:r>
+            <a:r>
+              <a:rPr dirty="0">
+                <a:latin typeface="Segoe UI" panose="020B0502040204020203" pitchFamily="34" charset="0"/>
+                <a:ea typeface="DengXian" panose="02010600030101010101" pitchFamily="2" charset="-122"/>
+                <a:cs typeface="FZLanTingHei-L-GBK-M" panose="02010600010101010101" pitchFamily="2" charset="2"/>
+                <a:sym typeface="Segoe UI" panose="020B0502040204020203" pitchFamily="34" charset="0"/>
+              </a:rPr>
+              <a:t>实际需要计算的参数量为</a:t>
+            </a:r>
+            <a:r>
+              <a:rPr b="1" dirty="0">
+                <a:latin typeface="Segoe UI" panose="020B0502040204020203" pitchFamily="34" charset="0"/>
+                <a:ea typeface="DengXian" panose="02010600030101010101" pitchFamily="2" charset="-122"/>
+                <a:cs typeface="FZLanTingHei-L-GBK-M" panose="02010600010101010101" pitchFamily="2" charset="2"/>
+                <a:sym typeface="Segoe UI" panose="020B0502040204020203" pitchFamily="34" charset="0"/>
+              </a:rPr>
+              <a:t>2.97e+07</a:t>
+            </a:r>
+            <a:r>
+              <a:rPr dirty="0">
+                <a:latin typeface="Segoe UI" panose="020B0502040204020203" pitchFamily="34" charset="0"/>
+                <a:ea typeface="DengXian" panose="02010600030101010101" pitchFamily="2" charset="-122"/>
+                <a:cs typeface="FZLanTingHei-L-GBK-M" panose="02010600010101010101" pitchFamily="2" charset="2"/>
+                <a:sym typeface="Segoe UI" panose="020B0502040204020203" pitchFamily="34" charset="0"/>
+              </a:rPr>
+              <a:t>个，</a:t>
+            </a:r>
+            <a:r>
+              <a:rPr lang="zh-CN" altLang="en-US" dirty="0">
+                <a:latin typeface="Segoe UI" panose="020B0502040204020203" pitchFamily="34" charset="0"/>
+                <a:ea typeface="DengXian" panose="02010600030101010101" pitchFamily="2" charset="-122"/>
+                <a:cs typeface="FZLanTingHei-L-GBK-M" panose="02010600010101010101" pitchFamily="2" charset="2"/>
+                <a:sym typeface="Segoe UI" panose="020B0502040204020203" pitchFamily="34" charset="0"/>
+              </a:rPr>
+              <a:t>一般</a:t>
+            </a:r>
+            <a:r>
+              <a:rPr dirty="0" err="1">
+                <a:latin typeface="Segoe UI" panose="020B0502040204020203" pitchFamily="34" charset="0"/>
+                <a:ea typeface="DengXian" panose="02010600030101010101" pitchFamily="2" charset="-122"/>
+                <a:cs typeface="FZLanTingHei-L-GBK-M" panose="02010600010101010101" pitchFamily="2" charset="2"/>
+                <a:sym typeface="Segoe UI" panose="020B0502040204020203" pitchFamily="34" charset="0"/>
+              </a:rPr>
+              <a:t>能在</a:t>
+            </a:r>
+            <a:r>
+              <a:rPr lang="zh-CN" altLang="en-US" dirty="0">
+                <a:latin typeface="Segoe UI" panose="020B0502040204020203" pitchFamily="34" charset="0"/>
+                <a:ea typeface="DengXian" panose="02010600030101010101" pitchFamily="2" charset="-122"/>
+                <a:cs typeface="FZLanTingHei-L-GBK-M" panose="02010600010101010101" pitchFamily="2" charset="2"/>
+                <a:sym typeface="Segoe UI" panose="020B0502040204020203" pitchFamily="34" charset="0"/>
+              </a:rPr>
+              <a:t>普通</a:t>
+            </a:r>
+            <a:r>
+              <a:rPr dirty="0" err="1">
+                <a:latin typeface="Segoe UI" panose="020B0502040204020203" pitchFamily="34" charset="0"/>
+                <a:ea typeface="DengXian" panose="02010600030101010101" pitchFamily="2" charset="-122"/>
+                <a:cs typeface="FZLanTingHei-L-GBK-M" panose="02010600010101010101" pitchFamily="2" charset="2"/>
+                <a:sym typeface="Segoe UI" panose="020B0502040204020203" pitchFamily="34" charset="0"/>
+              </a:rPr>
+              <a:t>计算机上进行训练及使用</a:t>
+            </a:r>
+            <a:r>
+              <a:rPr dirty="0">
+                <a:latin typeface="Segoe UI" panose="020B0502040204020203" pitchFamily="34" charset="0"/>
+                <a:ea typeface="DengXian" panose="02010600030101010101" pitchFamily="2" charset="-122"/>
+                <a:cs typeface="FZLanTingHei-L-GBK-M" panose="02010600010101010101" pitchFamily="2" charset="2"/>
+                <a:sym typeface="Segoe UI" panose="020B0502040204020203" pitchFamily="34" charset="0"/>
+              </a:rPr>
+              <a:t>。</a:t>
+            </a:r>
+          </a:p>
+        </p:txBody>
+      </p:sp>
+    </p:spTree>
+    <p:extLst>
+      <p:ext uri="{BB962C8B-B14F-4D97-AF65-F5344CB8AC3E}">
+        <p14:creationId xmlns:p14="http://schemas.microsoft.com/office/powerpoint/2010/main" val="3328939134"/>
+      </p:ext>
+    </p:extLst>
+  </p:cSld>
+  <p:clrMapOvr>
+    <a:masterClrMapping/>
+  </p:clrMapOvr>
+  <mc:AlternateContent xmlns:mc="http://schemas.openxmlformats.org/markup-compatibility/2006">
+    <mc:Choice xmlns:p14="http://schemas.microsoft.com/office/powerpoint/2010/main" Requires="p14">
+      <p:transition spd="med" p14:dur="700">
+        <p:fade/>
+      </p:transition>
+    </mc:Choice>
+    <mc:Fallback>
+      <p:transition spd="med">
+        <p:fade/>
+      </p:transition>
+    </mc:Fallback>
+  </mc:AlternateContent>
+</p:sld>
+</file>
+
+<file path=ppt/slides/slide17.xml><?xml version="1.0" encoding="utf-8"?>
+<p:sld xmlns:a="http://schemas.openxmlformats.org/drawingml/2006/main" xmlns:r="http://schemas.openxmlformats.org/officeDocument/2006/relationships" xmlns:p="http://schemas.openxmlformats.org/presentationml/2006/main">
+  <p:cSld>
+    <p:spTree>
+      <p:nvGrpSpPr>
+        <p:cNvPr id="1" name=""/>
+        <p:cNvGrpSpPr/>
+        <p:nvPr/>
+      </p:nvGrpSpPr>
+      <p:grpSpPr>
+        <a:xfrm>
+          <a:off x="0" y="0"/>
+          <a:ext cx="0" cy="0"/>
+          <a:chOff x="0" y="0"/>
+          <a:chExt cx="0" cy="0"/>
+        </a:xfrm>
+      </p:grpSpPr>
+      <p:sp>
+        <p:nvSpPr>
+          <p:cNvPr id="3" name="文本占位符 2">
+            <a:extLst>
+              <a:ext uri="{FF2B5EF4-FFF2-40B4-BE49-F238E27FC236}">
+                <a16:creationId xmlns:a16="http://schemas.microsoft.com/office/drawing/2014/main" id="{EB2FCADE-D877-4AC8-91EC-EC981DD365FB}"/>
+              </a:ext>
+            </a:extLst>
+          </p:cNvPr>
+          <p:cNvSpPr>
+            <a:spLocks noGrp="1"/>
+          </p:cNvSpPr>
+          <p:nvPr>
+            <p:ph type="body" sz="quarter" idx="11"/>
+          </p:nvPr>
+        </p:nvSpPr>
+        <p:spPr/>
+        <p:txBody>
+          <a:bodyPr/>
+          <a:lstStyle/>
+          <a:p>
+            <a:r>
+              <a:rPr lang="en-US" altLang="zh-CN" dirty="0">
+                <a:latin typeface="Segoe UI" panose="020B0502040204020203" pitchFamily="34" charset="0"/>
+                <a:ea typeface="DengXian" panose="02010600030101010101" pitchFamily="2" charset="-122"/>
+                <a:cs typeface="FZLanTingHei-L-GBK-M" panose="02010600010101010101" pitchFamily="2" charset="2"/>
+                <a:sym typeface="Segoe UI" panose="020B0502040204020203" pitchFamily="34" charset="0"/>
+              </a:rPr>
+              <a:t>4 </a:t>
+            </a:r>
+            <a:r>
+              <a:rPr lang="zh-CN" altLang="en-US" dirty="0">
+                <a:latin typeface="Segoe UI" panose="020B0502040204020203" pitchFamily="34" charset="0"/>
+                <a:ea typeface="DengXian" panose="02010600030101010101" pitchFamily="2" charset="-122"/>
+                <a:cs typeface="FZLanTingHei-L-GBK-M" panose="02010600010101010101" pitchFamily="2" charset="2"/>
+                <a:sym typeface="Segoe UI" panose="020B0502040204020203" pitchFamily="34" charset="0"/>
+              </a:rPr>
+              <a:t>参考文献</a:t>
+            </a:r>
+            <a:endParaRPr lang="en-GB" dirty="0">
+              <a:latin typeface="Segoe UI" panose="020B0502040204020203" pitchFamily="34" charset="0"/>
+              <a:ea typeface="DengXian" panose="02010600030101010101" pitchFamily="2" charset="-122"/>
+              <a:cs typeface="FZLanTingHei-L-GBK-M" panose="02010600010101010101" pitchFamily="2" charset="2"/>
+              <a:sym typeface="Segoe UI" panose="020B0502040204020203" pitchFamily="34" charset="0"/>
+            </a:endParaRPr>
+          </a:p>
+        </p:txBody>
+      </p:sp>
+      <p:sp>
+        <p:nvSpPr>
+          <p:cNvPr id="6" name="内容占位符 5">
+            <a:extLst>
+              <a:ext uri="{FF2B5EF4-FFF2-40B4-BE49-F238E27FC236}">
+                <a16:creationId xmlns:a16="http://schemas.microsoft.com/office/drawing/2014/main" id="{36AFB2F7-AF02-4FDE-A1D6-EEABEC5230C7}"/>
+              </a:ext>
+            </a:extLst>
+          </p:cNvPr>
+          <p:cNvSpPr>
+            <a:spLocks noGrp="1"/>
+          </p:cNvSpPr>
+          <p:nvPr>
+            <p:ph idx="1"/>
+          </p:nvPr>
+        </p:nvSpPr>
+        <p:spPr/>
+        <p:txBody>
+          <a:bodyPr/>
+          <a:lstStyle/>
+          <a:p>
+            <a:pPr marL="0" indent="0">
+              <a:buNone/>
+            </a:pPr>
+            <a:r>
+              <a:rPr lang="en-GB" sz="1100" dirty="0">
+                <a:latin typeface="Segoe UI" panose="020B0502040204020203" pitchFamily="34" charset="0"/>
+                <a:ea typeface="DengXian" panose="02010600030101010101" pitchFamily="2" charset="-122"/>
+                <a:cs typeface="FZLanTingHei-L-GBK-M" panose="02010600010101010101" pitchFamily="2" charset="2"/>
+                <a:sym typeface="Segoe UI" panose="020B0502040204020203" pitchFamily="34" charset="0"/>
+              </a:rPr>
+              <a:t>[1] JIAN R, SADIMIN E T, WANG D, et al. Computer aided analysis of prostate histopathology images Gleason grading especially for Gleason score 7; proceedings of the Engineering in Medicine &amp; Biology Society, F, 2015 [C].</a:t>
+            </a:r>
+          </a:p>
+          <a:p>
+            <a:pPr marL="0" indent="0">
+              <a:buNone/>
+            </a:pPr>
+            <a:r>
+              <a:rPr lang="en-GB" sz="1100" dirty="0">
+                <a:latin typeface="Segoe UI" panose="020B0502040204020203" pitchFamily="34" charset="0"/>
+                <a:ea typeface="DengXian" panose="02010600030101010101" pitchFamily="2" charset="-122"/>
+                <a:cs typeface="FZLanTingHei-L-GBK-M" panose="02010600010101010101" pitchFamily="2" charset="2"/>
+                <a:sym typeface="Segoe UI" panose="020B0502040204020203" pitchFamily="34" charset="0"/>
+              </a:rPr>
+              <a:t>[2] NIAZI M K, YAO K, ZYNGER D, et al. Visually Meaningful Histopathological Features for Automatic Grading of Prostate Cancer [J]. IEEE Journal of Biomedical &amp; Health Informatics, 2016, PP(99): 1-.</a:t>
+            </a:r>
+          </a:p>
+          <a:p>
+            <a:pPr marL="0" indent="0">
+              <a:buNone/>
+            </a:pPr>
+            <a:r>
+              <a:rPr lang="en-GB" sz="1100" dirty="0">
+                <a:latin typeface="Segoe UI" panose="020B0502040204020203" pitchFamily="34" charset="0"/>
+                <a:ea typeface="DengXian" panose="02010600030101010101" pitchFamily="2" charset="-122"/>
+                <a:cs typeface="FZLanTingHei-L-GBK-M" panose="02010600010101010101" pitchFamily="2" charset="2"/>
+                <a:sym typeface="Segoe UI" panose="020B0502040204020203" pitchFamily="34" charset="0"/>
+              </a:rPr>
+              <a:t>[3] FAUZI M F A, PENNELL M, SAHINER B, et al. Classification of follicular lymphoma: the effect of computer aid on pathologists grading [J]. </a:t>
+            </a:r>
+            <a:r>
+              <a:rPr lang="en-GB" sz="1100" dirty="0" err="1">
+                <a:latin typeface="Segoe UI" panose="020B0502040204020203" pitchFamily="34" charset="0"/>
+                <a:ea typeface="DengXian" panose="02010600030101010101" pitchFamily="2" charset="-122"/>
+                <a:cs typeface="FZLanTingHei-L-GBK-M" panose="02010600010101010101" pitchFamily="2" charset="2"/>
+                <a:sym typeface="Segoe UI" panose="020B0502040204020203" pitchFamily="34" charset="0"/>
+              </a:rPr>
+              <a:t>Bmc</a:t>
+            </a:r>
+            <a:r>
+              <a:rPr lang="en-GB" sz="1100" dirty="0">
+                <a:latin typeface="Segoe UI" panose="020B0502040204020203" pitchFamily="34" charset="0"/>
+                <a:ea typeface="DengXian" panose="02010600030101010101" pitchFamily="2" charset="-122"/>
+                <a:cs typeface="FZLanTingHei-L-GBK-M" panose="02010600010101010101" pitchFamily="2" charset="2"/>
+                <a:sym typeface="Segoe UI" panose="020B0502040204020203" pitchFamily="34" charset="0"/>
+              </a:rPr>
+              <a:t> Medical Informatics &amp; Decision Making, 2015, 15(1): 1-10.</a:t>
+            </a:r>
+          </a:p>
+          <a:p>
+            <a:pPr marL="0" indent="0">
+              <a:buNone/>
+            </a:pPr>
+            <a:r>
+              <a:rPr lang="en-GB" sz="1100" dirty="0">
+                <a:latin typeface="Segoe UI" panose="020B0502040204020203" pitchFamily="34" charset="0"/>
+                <a:ea typeface="DengXian" panose="02010600030101010101" pitchFamily="2" charset="-122"/>
+                <a:cs typeface="FZLanTingHei-L-GBK-M" panose="02010600010101010101" pitchFamily="2" charset="2"/>
+                <a:sym typeface="Segoe UI" panose="020B0502040204020203" pitchFamily="34" charset="0"/>
+              </a:rPr>
+              <a:t>[4] WANG D, KHOSLA A, GARGEYA R, et al. Deep Learning for Identifying Metastatic Breast Cancer [J]. 2016, </a:t>
+            </a:r>
+          </a:p>
+          <a:p>
+            <a:pPr marL="0" indent="0">
+              <a:buNone/>
+            </a:pPr>
+            <a:r>
+              <a:rPr lang="en-GB" sz="1100" dirty="0">
+                <a:latin typeface="Segoe UI" panose="020B0502040204020203" pitchFamily="34" charset="0"/>
+                <a:ea typeface="DengXian" panose="02010600030101010101" pitchFamily="2" charset="-122"/>
+                <a:cs typeface="FZLanTingHei-L-GBK-M" panose="02010600010101010101" pitchFamily="2" charset="2"/>
+                <a:sym typeface="Segoe UI" panose="020B0502040204020203" pitchFamily="34" charset="0"/>
+              </a:rPr>
+              <a:t>[5] LECUN Y, BENGIO Y, HINTON G. Deep learning [J]. Nature, 2015, 521(7553): 436.</a:t>
+            </a:r>
+          </a:p>
+          <a:p>
+            <a:pPr marL="0" indent="0">
+              <a:buNone/>
+            </a:pPr>
+            <a:r>
+              <a:rPr lang="en-GB" sz="1100" dirty="0">
+                <a:latin typeface="Segoe UI" panose="020B0502040204020203" pitchFamily="34" charset="0"/>
+                <a:ea typeface="DengXian" panose="02010600030101010101" pitchFamily="2" charset="-122"/>
+                <a:cs typeface="FZLanTingHei-L-GBK-M" panose="02010600010101010101" pitchFamily="2" charset="2"/>
+                <a:sym typeface="Segoe UI" panose="020B0502040204020203" pitchFamily="34" charset="0"/>
+              </a:rPr>
+              <a:t>[6] ZOPH B, VASUDEVAN V, SHLENS J, et al. Learning Transferable Architectures for Scalable Image Recognition [J]. 2017, </a:t>
+            </a:r>
+          </a:p>
+          <a:p>
+            <a:pPr marL="0" indent="0">
+              <a:buNone/>
+            </a:pPr>
+            <a:r>
+              <a:rPr lang="en-GB" sz="1100" dirty="0">
+                <a:latin typeface="Segoe UI" panose="020B0502040204020203" pitchFamily="34" charset="0"/>
+                <a:ea typeface="DengXian" panose="02010600030101010101" pitchFamily="2" charset="-122"/>
+                <a:cs typeface="FZLanTingHei-L-GBK-M" panose="02010600010101010101" pitchFamily="2" charset="2"/>
+                <a:sym typeface="Segoe UI" panose="020B0502040204020203" pitchFamily="34" charset="0"/>
+              </a:rPr>
+              <a:t>[7] PRENTICE R L. Introduction to Cox (1972) Regression Models and Life-Tables [M]. 1992.</a:t>
+            </a:r>
+          </a:p>
+          <a:p>
+            <a:pPr marL="0" indent="0">
+              <a:buNone/>
+            </a:pPr>
+            <a:r>
+              <a:rPr lang="en-GB" sz="1100" dirty="0">
+                <a:latin typeface="Segoe UI" panose="020B0502040204020203" pitchFamily="34" charset="0"/>
+                <a:ea typeface="DengXian" panose="02010600030101010101" pitchFamily="2" charset="-122"/>
+                <a:cs typeface="FZLanTingHei-L-GBK-M" panose="02010600010101010101" pitchFamily="2" charset="2"/>
+                <a:sym typeface="Segoe UI" panose="020B0502040204020203" pitchFamily="34" charset="0"/>
+              </a:rPr>
+              <a:t>[8] STANLEY A P D, ANNIE X P D, LAPUERTA P, et al. Comparison of Predictive Accuracy of Neural Network Methods and Cox Regression for Censored Survival Data [J]. Computational Statistics &amp; Data Analysis, 2000, 34(2): 243-57.</a:t>
+            </a:r>
+          </a:p>
+          <a:p>
+            <a:pPr marL="0" indent="0">
+              <a:buNone/>
+            </a:pPr>
+            <a:r>
+              <a:rPr lang="en-GB" sz="1100" dirty="0">
+                <a:latin typeface="Segoe UI" panose="020B0502040204020203" pitchFamily="34" charset="0"/>
+                <a:ea typeface="DengXian" panose="02010600030101010101" pitchFamily="2" charset="-122"/>
+                <a:cs typeface="FZLanTingHei-L-GBK-M" panose="02010600010101010101" pitchFamily="2" charset="2"/>
+                <a:sym typeface="Segoe UI" panose="020B0502040204020203" pitchFamily="34" charset="0"/>
+              </a:rPr>
+              <a:t>[9] KATZMAN J L, SHAHAM U, CLONINGER A, et al. </a:t>
+            </a:r>
+            <a:r>
+              <a:rPr lang="en-GB" sz="1100" dirty="0" err="1">
+                <a:latin typeface="Segoe UI" panose="020B0502040204020203" pitchFamily="34" charset="0"/>
+                <a:ea typeface="DengXian" panose="02010600030101010101" pitchFamily="2" charset="-122"/>
+                <a:cs typeface="FZLanTingHei-L-GBK-M" panose="02010600010101010101" pitchFamily="2" charset="2"/>
+                <a:sym typeface="Segoe UI" panose="020B0502040204020203" pitchFamily="34" charset="0"/>
+              </a:rPr>
+              <a:t>DeepSurv</a:t>
+            </a:r>
+            <a:r>
+              <a:rPr lang="en-GB" sz="1100" dirty="0">
+                <a:latin typeface="Segoe UI" panose="020B0502040204020203" pitchFamily="34" charset="0"/>
+                <a:ea typeface="DengXian" panose="02010600030101010101" pitchFamily="2" charset="-122"/>
+                <a:cs typeface="FZLanTingHei-L-GBK-M" panose="02010600010101010101" pitchFamily="2" charset="2"/>
+                <a:sym typeface="Segoe UI" panose="020B0502040204020203" pitchFamily="34" charset="0"/>
+              </a:rPr>
+              <a:t>: personalized treatment recommender system using a Cox proportional hazards deep neural network [J]. </a:t>
+            </a:r>
+            <a:r>
+              <a:rPr lang="en-GB" sz="1100" dirty="0" err="1">
+                <a:latin typeface="Segoe UI" panose="020B0502040204020203" pitchFamily="34" charset="0"/>
+                <a:ea typeface="DengXian" panose="02010600030101010101" pitchFamily="2" charset="-122"/>
+                <a:cs typeface="FZLanTingHei-L-GBK-M" panose="02010600010101010101" pitchFamily="2" charset="2"/>
+                <a:sym typeface="Segoe UI" panose="020B0502040204020203" pitchFamily="34" charset="0"/>
+              </a:rPr>
+              <a:t>Bmc</a:t>
+            </a:r>
+            <a:r>
+              <a:rPr lang="en-GB" sz="1100" dirty="0">
+                <a:latin typeface="Segoe UI" panose="020B0502040204020203" pitchFamily="34" charset="0"/>
+                <a:ea typeface="DengXian" panose="02010600030101010101" pitchFamily="2" charset="-122"/>
+                <a:cs typeface="FZLanTingHei-L-GBK-M" panose="02010600010101010101" pitchFamily="2" charset="2"/>
+                <a:sym typeface="Segoe UI" panose="020B0502040204020203" pitchFamily="34" charset="0"/>
+              </a:rPr>
+              <a:t> Medical Research Methodology, 2016, 18(1): 24.</a:t>
+            </a:r>
+          </a:p>
+          <a:p>
+            <a:pPr marL="0" indent="0">
+              <a:buNone/>
+            </a:pPr>
+            <a:r>
+              <a:rPr lang="en-GB" sz="1100" dirty="0">
+                <a:latin typeface="Segoe UI" panose="020B0502040204020203" pitchFamily="34" charset="0"/>
+                <a:ea typeface="DengXian" panose="02010600030101010101" pitchFamily="2" charset="-122"/>
+                <a:cs typeface="FZLanTingHei-L-GBK-M" panose="02010600010101010101" pitchFamily="2" charset="2"/>
+                <a:sym typeface="Segoe UI" panose="020B0502040204020203" pitchFamily="34" charset="0"/>
+              </a:rPr>
+              <a:t>[10] MOBADERSANY P, YOUSEFI S, AMGAD M, et al. Predicting cancer outcomes from histology and genomics using convolutional networks [J]. Proceedings of the National Academy of Sciences of the United States of America, 2018, 115(13): 201717139.</a:t>
+            </a:r>
+          </a:p>
+          <a:p>
+            <a:pPr marL="0" indent="0">
+              <a:buNone/>
+            </a:pPr>
+            <a:r>
+              <a:rPr lang="zh-CN" altLang="en-US" sz="1100" dirty="0">
+                <a:latin typeface="Segoe UI" panose="020B0502040204020203" pitchFamily="34" charset="0"/>
+                <a:ea typeface="DengXian" panose="02010600030101010101" pitchFamily="2" charset="-122"/>
+                <a:cs typeface="FZLanTingHei-L-GBK-M" panose="02010600010101010101" pitchFamily="2" charset="2"/>
+                <a:sym typeface="Segoe UI" panose="020B0502040204020203" pitchFamily="34" charset="0"/>
+              </a:rPr>
+              <a:t>。。。</a:t>
+            </a:r>
+            <a:endParaRPr lang="en-GB" altLang="zh-CN" sz="1100" dirty="0">
+              <a:latin typeface="Segoe UI" panose="020B0502040204020203" pitchFamily="34" charset="0"/>
+              <a:ea typeface="DengXian" panose="02010600030101010101" pitchFamily="2" charset="-122"/>
+              <a:cs typeface="FZLanTingHei-L-GBK-M" panose="02010600010101010101" pitchFamily="2" charset="2"/>
+              <a:sym typeface="Segoe UI" panose="020B0502040204020203" pitchFamily="34" charset="0"/>
+            </a:endParaRPr>
+          </a:p>
+          <a:p>
+            <a:pPr marL="0" indent="0">
+              <a:buNone/>
+            </a:pPr>
+            <a:r>
+              <a:rPr lang="en-GB" sz="1100" dirty="0">
+                <a:latin typeface="Segoe UI" panose="020B0502040204020203" pitchFamily="34" charset="0"/>
+                <a:ea typeface="DengXian" panose="02010600030101010101" pitchFamily="2" charset="-122"/>
+                <a:cs typeface="FZLanTingHei-L-GBK-M" panose="02010600010101010101" pitchFamily="2" charset="2"/>
+                <a:sym typeface="Segoe UI" panose="020B0502040204020203" pitchFamily="34" charset="0"/>
+              </a:rPr>
+              <a:t>[46] BECK A H, SANGOI A R, LEUNG S, et al. Systematic Analysis of Breast Cancer Morphology Uncovers Stromal Features Associated with Survival [J]. Science Translational Medicine, 2011, 3(108): 108ra13.</a:t>
+            </a:r>
+          </a:p>
+        </p:txBody>
+      </p:sp>
+    </p:spTree>
+    <p:extLst>
+      <p:ext uri="{BB962C8B-B14F-4D97-AF65-F5344CB8AC3E}">
+        <p14:creationId xmlns:p14="http://schemas.microsoft.com/office/powerpoint/2010/main" val="2253791741"/>
+      </p:ext>
+    </p:extLst>
+  </p:cSld>
+  <p:clrMapOvr>
+    <a:masterClrMapping/>
+  </p:clrMapOvr>
+  <mc:AlternateContent xmlns:mc="http://schemas.openxmlformats.org/markup-compatibility/2006">
+    <mc:Choice xmlns:p14="http://schemas.microsoft.com/office/powerpoint/2010/main" Requires="p14">
+      <p:transition spd="med" p14:dur="700">
+        <p:fade/>
+      </p:transition>
+    </mc:Choice>
+    <mc:Fallback>
+      <p:transition spd="med">
+        <p:fade/>
+      </p:transition>
+    </mc:Fallback>
+  </mc:AlternateContent>
+</p:sld>
+</file>
+
+<file path=ppt/slides/slide18.xml><?xml version="1.0" encoding="utf-8"?>
+<p:sld xmlns:a="http://schemas.openxmlformats.org/drawingml/2006/main" xmlns:r="http://schemas.openxmlformats.org/officeDocument/2006/relationships" xmlns:p="http://schemas.openxmlformats.org/presentationml/2006/main">
+  <p:cSld>
+    <p:spTree>
+      <p:nvGrpSpPr>
+        <p:cNvPr id="1" name=""/>
+        <p:cNvGrpSpPr/>
+        <p:nvPr/>
+      </p:nvGrpSpPr>
+      <p:grpSpPr>
+        <a:xfrm>
+          <a:off x="0" y="0"/>
+          <a:ext cx="0" cy="0"/>
+          <a:chOff x="0" y="0"/>
+          <a:chExt cx="0" cy="0"/>
+        </a:xfrm>
+      </p:grpSpPr>
+      <p:sp>
+        <p:nvSpPr>
+          <p:cNvPr id="3" name="Content Placeholder 2"/>
+          <p:cNvSpPr>
+            <a:spLocks noGrp="1"/>
+          </p:cNvSpPr>
+          <p:nvPr>
+            <p:ph type="body" sz="quarter" idx="11"/>
+          </p:nvPr>
+        </p:nvSpPr>
+        <p:spPr/>
+        <p:txBody>
+          <a:bodyPr/>
+          <a:lstStyle/>
+          <a:p>
+            <a:r>
+              <a:rPr lang="en-US" altLang="zh-CN" dirty="0">
+                <a:latin typeface="Segoe UI" panose="020B0502040204020203" pitchFamily="34" charset="0"/>
+                <a:ea typeface="DengXian" panose="02010600030101010101" pitchFamily="2" charset="-122"/>
+                <a:cs typeface="FZLanTingHei-L-GBK-M" panose="02010600010101010101" pitchFamily="2" charset="2"/>
+                <a:sym typeface="Segoe UI" panose="020B0502040204020203" pitchFamily="34" charset="0"/>
+              </a:rPr>
+              <a:t>5. </a:t>
+            </a:r>
+            <a:r>
+              <a:rPr lang="zh-CN" altLang="en-US" dirty="0">
+                <a:latin typeface="Segoe UI" panose="020B0502040204020203" pitchFamily="34" charset="0"/>
+                <a:ea typeface="DengXian" panose="02010600030101010101" pitchFamily="2" charset="-122"/>
+                <a:cs typeface="FZLanTingHei-L-GBK-M" panose="02010600010101010101" pitchFamily="2" charset="2"/>
+                <a:sym typeface="Segoe UI" panose="020B0502040204020203" pitchFamily="34" charset="0"/>
+              </a:rPr>
+              <a:t>致谢</a:t>
+            </a:r>
+            <a:endParaRPr dirty="0">
+              <a:latin typeface="Segoe UI" panose="020B0502040204020203" pitchFamily="34" charset="0"/>
+              <a:ea typeface="DengXian" panose="02010600030101010101" pitchFamily="2" charset="-122"/>
+              <a:cs typeface="FZLanTingHei-L-GBK-M" panose="02010600010101010101" pitchFamily="2" charset="2"/>
+              <a:sym typeface="Segoe UI" panose="020B0502040204020203" pitchFamily="34" charset="0"/>
+            </a:endParaRPr>
+          </a:p>
+        </p:txBody>
+      </p:sp>
+      <p:sp>
+        <p:nvSpPr>
+          <p:cNvPr id="4" name="内容占位符 3">
+            <a:extLst>
+              <a:ext uri="{FF2B5EF4-FFF2-40B4-BE49-F238E27FC236}">
+                <a16:creationId xmlns:a16="http://schemas.microsoft.com/office/drawing/2014/main" id="{E64E7F8A-FFF3-474F-9553-B0F3D1CBEE6D}"/>
+              </a:ext>
+            </a:extLst>
+          </p:cNvPr>
+          <p:cNvSpPr>
+            <a:spLocks noGrp="1"/>
+          </p:cNvSpPr>
+          <p:nvPr>
+            <p:ph idx="1"/>
+          </p:nvPr>
+        </p:nvSpPr>
+        <p:spPr>
+          <a:xfrm>
+            <a:off x="1452622" y="1580279"/>
+            <a:ext cx="9554901" cy="5019675"/>
+          </a:xfrm>
+        </p:spPr>
+        <p:txBody>
+          <a:bodyPr/>
+          <a:lstStyle/>
+          <a:p>
+            <a:pPr marL="0" indent="0">
+              <a:buNone/>
+            </a:pPr>
+            <a:r>
+              <a:rPr lang="zh-CN" altLang="en-US" dirty="0">
+                <a:latin typeface="Segoe UI" panose="020B0502040204020203" pitchFamily="34" charset="0"/>
+                <a:ea typeface="DengXian" panose="02010600030101010101" pitchFamily="2" charset="-122"/>
+                <a:cs typeface="FZLanTingHei-L-GBK-M" panose="02010600010101010101" pitchFamily="2" charset="2"/>
+                <a:sym typeface="Segoe UI" panose="020B0502040204020203" pitchFamily="34" charset="0"/>
+              </a:rPr>
+              <a:t>这篇论文的完成离不开孙逸仙纪念医院研究中心</a:t>
+            </a:r>
+            <a:endParaRPr lang="en-GB" altLang="zh-CN" dirty="0">
+              <a:latin typeface="Segoe UI" panose="020B0502040204020203" pitchFamily="34" charset="0"/>
+              <a:ea typeface="DengXian" panose="02010600030101010101" pitchFamily="2" charset="-122"/>
+              <a:cs typeface="FZLanTingHei-L-GBK-M" panose="02010600010101010101" pitchFamily="2" charset="2"/>
+              <a:sym typeface="Segoe UI" panose="020B0502040204020203" pitchFamily="34" charset="0"/>
+            </a:endParaRPr>
+          </a:p>
+          <a:p>
+            <a:pPr marL="0" indent="0" algn="ctr">
+              <a:buNone/>
+            </a:pPr>
+            <a:r>
+              <a:rPr lang="zh-CN" altLang="en-US" b="1" dirty="0">
+                <a:latin typeface="Segoe UI" panose="020B0502040204020203" pitchFamily="34" charset="0"/>
+                <a:ea typeface="DengXian" panose="02010600030101010101" pitchFamily="2" charset="-122"/>
+                <a:cs typeface="FZLanTingHei-L-GBK-M" panose="02010600010101010101" pitchFamily="2" charset="2"/>
+                <a:sym typeface="Segoe UI" panose="020B0502040204020203" pitchFamily="34" charset="0"/>
+              </a:rPr>
+              <a:t>赵慧英</a:t>
+            </a:r>
+            <a:r>
+              <a:rPr lang="zh-CN" altLang="en-US" dirty="0">
+                <a:latin typeface="Segoe UI" panose="020B0502040204020203" pitchFamily="34" charset="0"/>
+                <a:ea typeface="DengXian" panose="02010600030101010101" pitchFamily="2" charset="-122"/>
+                <a:cs typeface="FZLanTingHei-L-GBK-M" panose="02010600010101010101" pitchFamily="2" charset="2"/>
+                <a:sym typeface="Segoe UI" panose="020B0502040204020203" pitchFamily="34" charset="0"/>
+              </a:rPr>
+              <a:t>老师</a:t>
+            </a:r>
+            <a:endParaRPr lang="en-GB" altLang="zh-CN" dirty="0">
+              <a:latin typeface="Segoe UI" panose="020B0502040204020203" pitchFamily="34" charset="0"/>
+              <a:ea typeface="DengXian" panose="02010600030101010101" pitchFamily="2" charset="-122"/>
+              <a:cs typeface="FZLanTingHei-L-GBK-M" panose="02010600010101010101" pitchFamily="2" charset="2"/>
+              <a:sym typeface="Segoe UI" panose="020B0502040204020203" pitchFamily="34" charset="0"/>
+            </a:endParaRPr>
+          </a:p>
+          <a:p>
+            <a:pPr marL="0" indent="0">
+              <a:buNone/>
+            </a:pPr>
+            <a:r>
+              <a:rPr lang="zh-CN" altLang="en-US" dirty="0">
+                <a:latin typeface="Segoe UI" panose="020B0502040204020203" pitchFamily="34" charset="0"/>
+                <a:ea typeface="DengXian" panose="02010600030101010101" pitchFamily="2" charset="-122"/>
+                <a:cs typeface="FZLanTingHei-L-GBK-M" panose="02010600010101010101" pitchFamily="2" charset="2"/>
+                <a:sym typeface="Segoe UI" panose="020B0502040204020203" pitchFamily="34" charset="0"/>
+              </a:rPr>
+              <a:t>的指导。她以丰富的研究经验以及敏锐的洞察力为我的研究提供了极有帮助的建议。感谢</a:t>
+            </a:r>
+            <a:endParaRPr lang="en-GB" altLang="zh-CN" dirty="0">
+              <a:latin typeface="Segoe UI" panose="020B0502040204020203" pitchFamily="34" charset="0"/>
+              <a:ea typeface="DengXian" panose="02010600030101010101" pitchFamily="2" charset="-122"/>
+              <a:cs typeface="FZLanTingHei-L-GBK-M" panose="02010600010101010101" pitchFamily="2" charset="2"/>
+              <a:sym typeface="Segoe UI" panose="020B0502040204020203" pitchFamily="34" charset="0"/>
+            </a:endParaRPr>
+          </a:p>
+          <a:p>
+            <a:pPr marL="0" indent="0" algn="ctr">
+              <a:buNone/>
+            </a:pPr>
+            <a:r>
+              <a:rPr lang="zh-CN" altLang="en-US" b="1" dirty="0">
+                <a:latin typeface="Segoe UI" panose="020B0502040204020203" pitchFamily="34" charset="0"/>
+                <a:ea typeface="DengXian" panose="02010600030101010101" pitchFamily="2" charset="-122"/>
+                <a:cs typeface="FZLanTingHei-L-GBK-M" panose="02010600010101010101" pitchFamily="2" charset="2"/>
+                <a:sym typeface="Segoe UI" panose="020B0502040204020203" pitchFamily="34" charset="0"/>
+              </a:rPr>
+              <a:t>骆观正</a:t>
+            </a:r>
+            <a:r>
+              <a:rPr lang="zh-CN" altLang="en-US" dirty="0">
+                <a:latin typeface="Segoe UI" panose="020B0502040204020203" pitchFamily="34" charset="0"/>
+                <a:ea typeface="DengXian" panose="02010600030101010101" pitchFamily="2" charset="-122"/>
+                <a:cs typeface="FZLanTingHei-L-GBK-M" panose="02010600010101010101" pitchFamily="2" charset="2"/>
+                <a:sym typeface="Segoe UI" panose="020B0502040204020203" pitchFamily="34" charset="0"/>
+              </a:rPr>
+              <a:t>老师</a:t>
+            </a:r>
+            <a:endParaRPr lang="en-GB" altLang="zh-CN" dirty="0">
+              <a:latin typeface="Segoe UI" panose="020B0502040204020203" pitchFamily="34" charset="0"/>
+              <a:ea typeface="DengXian" panose="02010600030101010101" pitchFamily="2" charset="-122"/>
+              <a:cs typeface="FZLanTingHei-L-GBK-M" panose="02010600010101010101" pitchFamily="2" charset="2"/>
+              <a:sym typeface="Segoe UI" panose="020B0502040204020203" pitchFamily="34" charset="0"/>
+            </a:endParaRPr>
+          </a:p>
+          <a:p>
+            <a:pPr marL="0" indent="0">
+              <a:buNone/>
+            </a:pPr>
+            <a:r>
+              <a:rPr lang="zh-CN" altLang="en-US" dirty="0">
+                <a:latin typeface="Segoe UI" panose="020B0502040204020203" pitchFamily="34" charset="0"/>
+                <a:ea typeface="DengXian" panose="02010600030101010101" pitchFamily="2" charset="-122"/>
+                <a:cs typeface="FZLanTingHei-L-GBK-M" panose="02010600010101010101" pitchFamily="2" charset="2"/>
+                <a:sym typeface="Segoe UI" panose="020B0502040204020203" pitchFamily="34" charset="0"/>
+              </a:rPr>
+              <a:t>作为校内指导老师，在管理审核上提供支持。</a:t>
+            </a:r>
+          </a:p>
+          <a:p>
+            <a:pPr marL="0" indent="0">
+              <a:buNone/>
+            </a:pPr>
+            <a:r>
+              <a:rPr lang="zh-CN" altLang="en-US" dirty="0">
+                <a:latin typeface="Segoe UI" panose="020B0502040204020203" pitchFamily="34" charset="0"/>
+                <a:ea typeface="DengXian" panose="02010600030101010101" pitchFamily="2" charset="-122"/>
+                <a:cs typeface="FZLanTingHei-L-GBK-M" panose="02010600010101010101" pitchFamily="2" charset="2"/>
+                <a:sym typeface="Segoe UI" panose="020B0502040204020203" pitchFamily="34" charset="0"/>
+              </a:rPr>
+              <a:t>感谢家人，朋友，同学的陪伴。</a:t>
+            </a:r>
+          </a:p>
+          <a:p>
+            <a:endParaRPr lang="en-GB" dirty="0">
+              <a:latin typeface="Segoe UI" panose="020B0502040204020203" pitchFamily="34" charset="0"/>
+              <a:ea typeface="DengXian" panose="02010600030101010101" pitchFamily="2" charset="-122"/>
+              <a:sym typeface="Segoe UI" panose="020B0502040204020203" pitchFamily="34" charset="0"/>
+            </a:endParaRPr>
+          </a:p>
+        </p:txBody>
+      </p:sp>
+    </p:spTree>
+  </p:cSld>
+  <p:clrMapOvr>
+    <a:masterClrMapping/>
+  </p:clrMapOvr>
+  <mc:AlternateContent xmlns:mc="http://schemas.openxmlformats.org/markup-compatibility/2006">
+    <mc:Choice xmlns:p14="http://schemas.microsoft.com/office/powerpoint/2010/main" Requires="p14">
+      <p:transition spd="med" p14:dur="700">
+        <p:fade/>
+      </p:transition>
+    </mc:Choice>
+    <mc:Fallback>
+      <p:transition spd="med">
+        <p:fade/>
+      </p:transition>
+    </mc:Fallback>
+  </mc:AlternateContent>
+</p:sld>
+</file>
+
+<file path=ppt/slides/slide19.xml><?xml version="1.0" encoding="utf-8"?>
+<p:sld xmlns:a="http://schemas.openxmlformats.org/drawingml/2006/main" xmlns:r="http://schemas.openxmlformats.org/officeDocument/2006/relationships" xmlns:p="http://schemas.openxmlformats.org/presentationml/2006/main">
+  <p:cSld>
+    <p:spTree>
+      <p:nvGrpSpPr>
+        <p:cNvPr id="1" name=""/>
+        <p:cNvGrpSpPr/>
+        <p:nvPr/>
+      </p:nvGrpSpPr>
+      <p:grpSpPr>
+        <a:xfrm>
+          <a:off x="0" y="0"/>
+          <a:ext cx="0" cy="0"/>
+          <a:chOff x="0" y="0"/>
+          <a:chExt cx="0" cy="0"/>
+        </a:xfrm>
+      </p:grpSpPr>
+      <p:sp>
+        <p:nvSpPr>
           <p:cNvPr id="7" name="文本框 6">
             <a:extLst>
               <a:ext uri="{FF2B5EF4-FFF2-40B4-BE49-F238E27FC236}">
@@ -10722,6 +12164,18 @@
   <p:clrMapOvr>
     <a:masterClrMapping/>
   </p:clrMapOvr>
+  <mc:AlternateContent xmlns:mc="http://schemas.openxmlformats.org/markup-compatibility/2006">
+    <mc:Choice xmlns:p14="http://schemas.microsoft.com/office/powerpoint/2010/main" Requires="p14">
+      <p:transition spd="slow" p14:dur="2000">
+        <p14:reveal/>
+      </p:transition>
+    </mc:Choice>
+    <mc:Fallback>
+      <p:transition spd="slow">
+        <p:fade/>
+      </p:transition>
+    </mc:Fallback>
+  </mc:AlternateContent>
 </p:sld>
 </file>
 
@@ -10747,7 +12201,7 @@
           <p:cNvPr id="4" name="文本占位符 3">
             <a:extLst>
               <a:ext uri="{FF2B5EF4-FFF2-40B4-BE49-F238E27FC236}">
-                <a16:creationId xmlns:a16="http://schemas.microsoft.com/office/drawing/2014/main" id="{D84AF8AC-CF4A-4F31-B5ED-01B2117CFC26}"/>
+                <a16:creationId xmlns:a16="http://schemas.microsoft.com/office/drawing/2014/main" id="{95122CAB-0831-4254-AAE5-FCEF32ECB661}"/>
               </a:ext>
             </a:extLst>
           </p:cNvPr>
@@ -10758,349 +12212,108 @@
             <p:ph type="body" sz="quarter" idx="11"/>
           </p:nvPr>
         </p:nvSpPr>
-        <p:spPr/>
+        <p:spPr>
+          <a:xfrm>
+            <a:off x="1998591" y="2367545"/>
+            <a:ext cx="5798383" cy="878840"/>
+          </a:xfrm>
+        </p:spPr>
         <p:txBody>
           <a:bodyPr/>
           <a:lstStyle/>
           <a:p>
             <a:r>
-              <a:rPr lang="en-US" altLang="zh-CN" dirty="0">
-                <a:latin typeface="Segoe UI" panose="020B0502040204020203" pitchFamily="34" charset="0"/>
-                <a:ea typeface="DengXian" panose="02010600030101010101" pitchFamily="2" charset="-122"/>
-                <a:cs typeface="FZLanTingHei-L-GBK-M" panose="02010600010101010101" pitchFamily="2" charset="2"/>
-                <a:sym typeface="Segoe UI" panose="020B0502040204020203" pitchFamily="34" charset="0"/>
-              </a:rPr>
-              <a:t>1 </a:t>
+              <a:rPr lang="en-GB" dirty="0">
+                <a:latin typeface="Segoe UI" panose="020B0502040204020203" pitchFamily="34" charset="0"/>
+                <a:ea typeface="DengXian" panose="02010600030101010101" pitchFamily="2" charset="-122"/>
+                <a:sym typeface="Segoe UI" panose="020B0502040204020203" pitchFamily="34" charset="0"/>
+              </a:rPr>
+              <a:t>1.</a:t>
             </a:r>
             <a:r>
               <a:rPr lang="zh-CN" altLang="en-US" dirty="0">
                 <a:latin typeface="Segoe UI" panose="020B0502040204020203" pitchFamily="34" charset="0"/>
                 <a:ea typeface="DengXian" panose="02010600030101010101" pitchFamily="2" charset="-122"/>
-                <a:cs typeface="FZLanTingHei-L-GBK-M" panose="02010600010101010101" pitchFamily="2" charset="2"/>
                 <a:sym typeface="Segoe UI" panose="020B0502040204020203" pitchFamily="34" charset="0"/>
               </a:rPr>
               <a:t>研究背景</a:t>
+            </a:r>
+            <a:endParaRPr lang="en-GB" altLang="zh-CN" dirty="0">
+              <a:latin typeface="Segoe UI" panose="020B0502040204020203" pitchFamily="34" charset="0"/>
+              <a:ea typeface="DengXian" panose="02010600030101010101" pitchFamily="2" charset="-122"/>
+              <a:sym typeface="Segoe UI" panose="020B0502040204020203" pitchFamily="34" charset="0"/>
+            </a:endParaRPr>
+          </a:p>
+          <a:p>
+            <a:r>
+              <a:rPr lang="en-GB" dirty="0">
+                <a:latin typeface="Segoe UI" panose="020B0502040204020203" pitchFamily="34" charset="0"/>
+                <a:ea typeface="DengXian" panose="02010600030101010101" pitchFamily="2" charset="-122"/>
+                <a:sym typeface="Segoe UI" panose="020B0502040204020203" pitchFamily="34" charset="0"/>
+              </a:rPr>
+              <a:t>2.</a:t>
+            </a:r>
+            <a:r>
+              <a:rPr lang="zh-CN" altLang="en-US" dirty="0">
+                <a:latin typeface="Segoe UI" panose="020B0502040204020203" pitchFamily="34" charset="0"/>
+                <a:ea typeface="DengXian" panose="02010600030101010101" pitchFamily="2" charset="-122"/>
+                <a:sym typeface="Segoe UI" panose="020B0502040204020203" pitchFamily="34" charset="0"/>
+              </a:rPr>
+              <a:t>研究内容</a:t>
+            </a:r>
+            <a:endParaRPr lang="en-GB" altLang="zh-CN" dirty="0">
+              <a:latin typeface="Segoe UI" panose="020B0502040204020203" pitchFamily="34" charset="0"/>
+              <a:ea typeface="DengXian" panose="02010600030101010101" pitchFamily="2" charset="-122"/>
+              <a:sym typeface="Segoe UI" panose="020B0502040204020203" pitchFamily="34" charset="0"/>
+            </a:endParaRPr>
+          </a:p>
+          <a:p>
+            <a:r>
+              <a:rPr lang="en-GB" dirty="0">
+                <a:latin typeface="Segoe UI" panose="020B0502040204020203" pitchFamily="34" charset="0"/>
+                <a:ea typeface="DengXian" panose="02010600030101010101" pitchFamily="2" charset="-122"/>
+                <a:sym typeface="Segoe UI" panose="020B0502040204020203" pitchFamily="34" charset="0"/>
+              </a:rPr>
+              <a:t>3.</a:t>
+            </a:r>
+            <a:r>
+              <a:rPr lang="zh-CN" altLang="en-US" dirty="0">
+                <a:latin typeface="Segoe UI" panose="020B0502040204020203" pitchFamily="34" charset="0"/>
+                <a:ea typeface="DengXian" panose="02010600030101010101" pitchFamily="2" charset="-122"/>
+                <a:sym typeface="Segoe UI" panose="020B0502040204020203" pitchFamily="34" charset="0"/>
+              </a:rPr>
+              <a:t>研究结果</a:t>
             </a:r>
             <a:endParaRPr lang="en-GB" dirty="0">
               <a:latin typeface="Segoe UI" panose="020B0502040204020203" pitchFamily="34" charset="0"/>
               <a:ea typeface="DengXian" panose="02010600030101010101" pitchFamily="2" charset="-122"/>
-              <a:cs typeface="FZLanTingHei-L-GBK-M" panose="02010600010101010101" pitchFamily="2" charset="2"/>
               <a:sym typeface="Segoe UI" panose="020B0502040204020203" pitchFamily="34" charset="0"/>
             </a:endParaRPr>
           </a:p>
         </p:txBody>
       </p:sp>
-      <p:sp>
-        <p:nvSpPr>
-          <p:cNvPr id="3" name="Content Placeholder 2"/>
-          <p:cNvSpPr>
-            <a:spLocks noGrp="1"/>
-          </p:cNvSpPr>
-          <p:nvPr>
-            <p:ph idx="1"/>
-          </p:nvPr>
-        </p:nvSpPr>
-        <p:spPr>
-          <a:xfrm>
-            <a:off x="881063" y="1239508"/>
-            <a:ext cx="10639425" cy="5019675"/>
-          </a:xfrm>
-        </p:spPr>
-        <p:txBody>
-          <a:bodyPr>
-            <a:normAutofit/>
-          </a:bodyPr>
-          <a:lstStyle/>
-          <a:p>
-            <a:pPr marL="0" indent="0">
-              <a:buNone/>
-            </a:pPr>
-            <a:r>
-              <a:rPr dirty="0" err="1">
-                <a:latin typeface="Segoe UI" panose="020B0502040204020203" pitchFamily="34" charset="0"/>
-                <a:ea typeface="DengXian" panose="02010600030101010101" pitchFamily="2" charset="-122"/>
-                <a:cs typeface="FZLanTingHei-L-GBK-M" panose="02010600010101010101" pitchFamily="2" charset="2"/>
-                <a:sym typeface="Segoe UI" panose="020B0502040204020203" pitchFamily="34" charset="0"/>
-              </a:rPr>
-              <a:t>在医学研究中，组织学成像为肿瘤诊断和治疗的提供了重要信息</a:t>
-            </a:r>
-            <a:r>
-              <a:rPr dirty="0">
-                <a:latin typeface="Segoe UI" panose="020B0502040204020203" pitchFamily="34" charset="0"/>
-                <a:ea typeface="DengXian" panose="02010600030101010101" pitchFamily="2" charset="-122"/>
-                <a:cs typeface="FZLanTingHei-L-GBK-M" panose="02010600010101010101" pitchFamily="2" charset="2"/>
-                <a:sym typeface="Segoe UI" panose="020B0502040204020203" pitchFamily="34" charset="0"/>
-              </a:rPr>
-              <a:t>。 </a:t>
-            </a:r>
-            <a:r>
-              <a:rPr dirty="0" err="1">
-                <a:latin typeface="Segoe UI" panose="020B0502040204020203" pitchFamily="34" charset="0"/>
-                <a:ea typeface="DengXian" panose="02010600030101010101" pitchFamily="2" charset="-122"/>
-                <a:cs typeface="FZLanTingHei-L-GBK-M" panose="02010600010101010101" pitchFamily="2" charset="2"/>
-                <a:sym typeface="Segoe UI" panose="020B0502040204020203" pitchFamily="34" charset="0"/>
-              </a:rPr>
-              <a:t>组织特征表现出分子层面改变所带来的</a:t>
-            </a:r>
-            <a:r>
-              <a:rPr b="1" dirty="0" err="1">
-                <a:latin typeface="Segoe UI" panose="020B0502040204020203" pitchFamily="34" charset="0"/>
-                <a:ea typeface="DengXian" panose="02010600030101010101" pitchFamily="2" charset="-122"/>
-                <a:cs typeface="FZLanTingHei-L-GBK-M" panose="02010600010101010101" pitchFamily="2" charset="2"/>
-                <a:sym typeface="Segoe UI" panose="020B0502040204020203" pitchFamily="34" charset="0"/>
-              </a:rPr>
-              <a:t>总体影响</a:t>
-            </a:r>
-            <a:r>
-              <a:rPr dirty="0" err="1">
-                <a:latin typeface="Segoe UI" panose="020B0502040204020203" pitchFamily="34" charset="0"/>
-                <a:ea typeface="DengXian" panose="02010600030101010101" pitchFamily="2" charset="-122"/>
-                <a:cs typeface="FZLanTingHei-L-GBK-M" panose="02010600010101010101" pitchFamily="2" charset="2"/>
-                <a:sym typeface="Segoe UI" panose="020B0502040204020203" pitchFamily="34" charset="0"/>
-              </a:rPr>
-              <a:t>。同时，组织能提供直观的视觉信息以帮助医疗人员判断</a:t>
-            </a:r>
-            <a:r>
-              <a:rPr b="1" dirty="0" err="1">
-                <a:latin typeface="Segoe UI" panose="020B0502040204020203" pitchFamily="34" charset="0"/>
-                <a:ea typeface="DengXian" panose="02010600030101010101" pitchFamily="2" charset="-122"/>
-                <a:cs typeface="FZLanTingHei-L-GBK-M" panose="02010600010101010101" pitchFamily="2" charset="2"/>
-                <a:sym typeface="Segoe UI" panose="020B0502040204020203" pitchFamily="34" charset="0"/>
-              </a:rPr>
-              <a:t>癌症侵入性</a:t>
-            </a:r>
-            <a:r>
-              <a:rPr dirty="0">
-                <a:latin typeface="Segoe UI" panose="020B0502040204020203" pitchFamily="34" charset="0"/>
-                <a:ea typeface="DengXian" panose="02010600030101010101" pitchFamily="2" charset="-122"/>
-                <a:cs typeface="FZLanTingHei-L-GBK-M" panose="02010600010101010101" pitchFamily="2" charset="2"/>
-                <a:sym typeface="Segoe UI" panose="020B0502040204020203" pitchFamily="34" charset="0"/>
-              </a:rPr>
-              <a:t>。</a:t>
-            </a:r>
-            <a:endParaRPr lang="en-GB" dirty="0">
-              <a:latin typeface="Segoe UI" panose="020B0502040204020203" pitchFamily="34" charset="0"/>
-              <a:ea typeface="DengXian" panose="02010600030101010101" pitchFamily="2" charset="-122"/>
-              <a:cs typeface="FZLanTingHei-L-GBK-M" panose="02010600010101010101" pitchFamily="2" charset="2"/>
-              <a:sym typeface="Segoe UI" panose="020B0502040204020203" pitchFamily="34" charset="0"/>
-            </a:endParaRPr>
-          </a:p>
-          <a:p>
-            <a:pPr marL="0" indent="0">
-              <a:buNone/>
-            </a:pPr>
-            <a:endParaRPr lang="en-GB" dirty="0">
-              <a:latin typeface="Segoe UI" panose="020B0502040204020203" pitchFamily="34" charset="0"/>
-              <a:ea typeface="DengXian" panose="02010600030101010101" pitchFamily="2" charset="-122"/>
-              <a:cs typeface="FZLanTingHei-L-GBK-M" panose="02010600010101010101" pitchFamily="2" charset="2"/>
-              <a:sym typeface="Segoe UI" panose="020B0502040204020203" pitchFamily="34" charset="0"/>
-            </a:endParaRPr>
-          </a:p>
-          <a:p>
-            <a:pPr marL="0" indent="0">
-              <a:buNone/>
-            </a:pPr>
-            <a:r>
-              <a:rPr dirty="0" err="1">
-                <a:latin typeface="Segoe UI" panose="020B0502040204020203" pitchFamily="34" charset="0"/>
-                <a:ea typeface="DengXian" panose="02010600030101010101" pitchFamily="2" charset="-122"/>
-                <a:cs typeface="FZLanTingHei-L-GBK-M" panose="02010600010101010101" pitchFamily="2" charset="2"/>
-                <a:sym typeface="Segoe UI" panose="020B0502040204020203" pitchFamily="34" charset="0"/>
-              </a:rPr>
-              <a:t>组织分析</a:t>
-            </a:r>
-            <a:r>
-              <a:rPr b="1" dirty="0" err="1">
-                <a:latin typeface="Segoe UI" panose="020B0502040204020203" pitchFamily="34" charset="0"/>
-                <a:ea typeface="DengXian" panose="02010600030101010101" pitchFamily="2" charset="-122"/>
-                <a:cs typeface="FZLanTingHei-L-GBK-M" panose="02010600010101010101" pitchFamily="2" charset="2"/>
-                <a:sym typeface="Segoe UI" panose="020B0502040204020203" pitchFamily="34" charset="0"/>
-              </a:rPr>
-              <a:t>高度主观</a:t>
-            </a:r>
-            <a:r>
-              <a:rPr lang="zh-CN" altLang="en-US" dirty="0">
-                <a:latin typeface="Segoe UI" panose="020B0502040204020203" pitchFamily="34" charset="0"/>
-                <a:ea typeface="DengXian" panose="02010600030101010101" pitchFamily="2" charset="-122"/>
-                <a:cs typeface="FZLanTingHei-L-GBK-M" panose="02010600010101010101" pitchFamily="2" charset="2"/>
-                <a:sym typeface="Segoe UI" panose="020B0502040204020203" pitchFamily="34" charset="0"/>
-              </a:rPr>
-              <a:t>，</a:t>
-            </a:r>
-            <a:r>
-              <a:rPr b="1" dirty="0">
-                <a:latin typeface="Segoe UI" panose="020B0502040204020203" pitchFamily="34" charset="0"/>
-                <a:ea typeface="DengXian" panose="02010600030101010101" pitchFamily="2" charset="-122"/>
-                <a:cs typeface="FZLanTingHei-L-GBK-M" panose="02010600010101010101" pitchFamily="2" charset="2"/>
-                <a:sym typeface="Segoe UI" panose="020B0502040204020203" pitchFamily="34" charset="0"/>
-              </a:rPr>
-              <a:t>不</a:t>
-            </a:r>
-            <a:r>
-              <a:rPr lang="zh-CN" altLang="en-US" b="1" dirty="0">
-                <a:latin typeface="Segoe UI" panose="020B0502040204020203" pitchFamily="34" charset="0"/>
-                <a:ea typeface="DengXian" panose="02010600030101010101" pitchFamily="2" charset="-122"/>
-                <a:cs typeface="FZLanTingHei-L-GBK-M" panose="02010600010101010101" pitchFamily="2" charset="2"/>
-                <a:sym typeface="Segoe UI" panose="020B0502040204020203" pitchFamily="34" charset="0"/>
-              </a:rPr>
-              <a:t>易</a:t>
-            </a:r>
-            <a:r>
-              <a:rPr b="1" dirty="0" err="1">
-                <a:latin typeface="Segoe UI" panose="020B0502040204020203" pitchFamily="34" charset="0"/>
-                <a:ea typeface="DengXian" panose="02010600030101010101" pitchFamily="2" charset="-122"/>
-                <a:cs typeface="FZLanTingHei-L-GBK-M" panose="02010600010101010101" pitchFamily="2" charset="2"/>
-                <a:sym typeface="Segoe UI" panose="020B0502040204020203" pitchFamily="34" charset="0"/>
-              </a:rPr>
-              <a:t>重复</a:t>
-            </a:r>
-            <a:r>
-              <a:rPr dirty="0" err="1">
-                <a:latin typeface="Segoe UI" panose="020B0502040204020203" pitchFamily="34" charset="0"/>
-                <a:ea typeface="DengXian" panose="02010600030101010101" pitchFamily="2" charset="-122"/>
-                <a:cs typeface="FZLanTingHei-L-GBK-M" panose="02010600010101010101" pitchFamily="2" charset="2"/>
-                <a:sym typeface="Segoe UI" panose="020B0502040204020203" pitchFamily="34" charset="0"/>
-              </a:rPr>
-              <a:t>得到相同结果</a:t>
-            </a:r>
-            <a:r>
-              <a:rPr dirty="0">
-                <a:latin typeface="Segoe UI" panose="020B0502040204020203" pitchFamily="34" charset="0"/>
-                <a:ea typeface="DengXian" panose="02010600030101010101" pitchFamily="2" charset="-122"/>
-                <a:cs typeface="FZLanTingHei-L-GBK-M" panose="02010600010101010101" pitchFamily="2" charset="2"/>
-                <a:sym typeface="Segoe UI" panose="020B0502040204020203" pitchFamily="34" charset="0"/>
-              </a:rPr>
-              <a:t>。</a:t>
-            </a:r>
-            <a:endParaRPr lang="en-GB" dirty="0">
-              <a:latin typeface="Segoe UI" panose="020B0502040204020203" pitchFamily="34" charset="0"/>
-              <a:ea typeface="DengXian" panose="02010600030101010101" pitchFamily="2" charset="-122"/>
-              <a:cs typeface="FZLanTingHei-L-GBK-M" panose="02010600010101010101" pitchFamily="2" charset="2"/>
-              <a:sym typeface="Segoe UI" panose="020B0502040204020203" pitchFamily="34" charset="0"/>
-            </a:endParaRPr>
-          </a:p>
-          <a:p>
-            <a:pPr marL="0" indent="0">
-              <a:buNone/>
-            </a:pPr>
-            <a:endParaRPr dirty="0">
-              <a:latin typeface="Segoe UI" panose="020B0502040204020203" pitchFamily="34" charset="0"/>
-              <a:ea typeface="DengXian" panose="02010600030101010101" pitchFamily="2" charset="-122"/>
-              <a:cs typeface="FZLanTingHei-L-GBK-M" panose="02010600010101010101" pitchFamily="2" charset="2"/>
-              <a:sym typeface="Segoe UI" panose="020B0502040204020203" pitchFamily="34" charset="0"/>
-            </a:endParaRPr>
-          </a:p>
-          <a:p>
-            <a:pPr marL="0" indent="0">
-              <a:buNone/>
-            </a:pPr>
-            <a:r>
-              <a:rPr dirty="0" err="1">
-                <a:latin typeface="Segoe UI" panose="020B0502040204020203" pitchFamily="34" charset="0"/>
-                <a:ea typeface="DengXian" panose="02010600030101010101" pitchFamily="2" charset="-122"/>
-                <a:cs typeface="FZLanTingHei-L-GBK-M" panose="02010600010101010101" pitchFamily="2" charset="2"/>
-                <a:sym typeface="Segoe UI" panose="020B0502040204020203" pitchFamily="34" charset="0"/>
-              </a:rPr>
-              <a:t>计算机对组织学成像进行分析，不但能</a:t>
-            </a:r>
-            <a:r>
-              <a:rPr b="1" dirty="0" err="1">
-                <a:latin typeface="Segoe UI" panose="020B0502040204020203" pitchFamily="34" charset="0"/>
-                <a:ea typeface="DengXian" panose="02010600030101010101" pitchFamily="2" charset="-122"/>
-                <a:cs typeface="FZLanTingHei-L-GBK-M" panose="02010600010101010101" pitchFamily="2" charset="2"/>
-                <a:sym typeface="Segoe UI" panose="020B0502040204020203" pitchFamily="34" charset="0"/>
-              </a:rPr>
-              <a:t>克服人工</a:t>
-            </a:r>
-            <a:r>
-              <a:rPr dirty="0" err="1">
-                <a:latin typeface="Segoe UI" panose="020B0502040204020203" pitchFamily="34" charset="0"/>
-                <a:ea typeface="DengXian" panose="02010600030101010101" pitchFamily="2" charset="-122"/>
-                <a:cs typeface="FZLanTingHei-L-GBK-M" panose="02010600010101010101" pitchFamily="2" charset="2"/>
-                <a:sym typeface="Segoe UI" panose="020B0502040204020203" pitchFamily="34" charset="0"/>
-              </a:rPr>
-              <a:t>进行组织分析的</a:t>
-            </a:r>
-            <a:r>
-              <a:rPr b="1" dirty="0" err="1">
-                <a:latin typeface="Segoe UI" panose="020B0502040204020203" pitchFamily="34" charset="0"/>
-                <a:ea typeface="DengXian" panose="02010600030101010101" pitchFamily="2" charset="-122"/>
-                <a:cs typeface="FZLanTingHei-L-GBK-M" panose="02010600010101010101" pitchFamily="2" charset="2"/>
-                <a:sym typeface="Segoe UI" panose="020B0502040204020203" pitchFamily="34" charset="0"/>
-              </a:rPr>
-              <a:t>缺陷</a:t>
-            </a:r>
-            <a:r>
-              <a:rPr dirty="0" err="1">
-                <a:latin typeface="Segoe UI" panose="020B0502040204020203" pitchFamily="34" charset="0"/>
-                <a:ea typeface="DengXian" panose="02010600030101010101" pitchFamily="2" charset="-122"/>
-                <a:cs typeface="FZLanTingHei-L-GBK-M" panose="02010600010101010101" pitchFamily="2" charset="2"/>
-                <a:sym typeface="Segoe UI" panose="020B0502040204020203" pitchFamily="34" charset="0"/>
-              </a:rPr>
-              <a:t>，而且能</a:t>
-            </a:r>
-            <a:r>
-              <a:rPr b="1" dirty="0" err="1">
-                <a:latin typeface="Segoe UI" panose="020B0502040204020203" pitchFamily="34" charset="0"/>
-                <a:ea typeface="DengXian" panose="02010600030101010101" pitchFamily="2" charset="-122"/>
-                <a:cs typeface="FZLanTingHei-L-GBK-M" panose="02010600010101010101" pitchFamily="2" charset="2"/>
-                <a:sym typeface="Segoe UI" panose="020B0502040204020203" pitchFamily="34" charset="0"/>
-              </a:rPr>
-              <a:t>提取</a:t>
-            </a:r>
-            <a:r>
-              <a:rPr dirty="0" err="1">
-                <a:latin typeface="Segoe UI" panose="020B0502040204020203" pitchFamily="34" charset="0"/>
-                <a:ea typeface="DengXian" panose="02010600030101010101" pitchFamily="2" charset="-122"/>
-                <a:cs typeface="FZLanTingHei-L-GBK-M" panose="02010600010101010101" pitchFamily="2" charset="2"/>
-                <a:sym typeface="Segoe UI" panose="020B0502040204020203" pitchFamily="34" charset="0"/>
-              </a:rPr>
-              <a:t>人工进行组织分析</a:t>
-            </a:r>
-            <a:r>
-              <a:rPr b="1" dirty="0" err="1">
-                <a:latin typeface="Segoe UI" panose="020B0502040204020203" pitchFamily="34" charset="0"/>
-                <a:ea typeface="DengXian" panose="02010600030101010101" pitchFamily="2" charset="-122"/>
-                <a:cs typeface="FZLanTingHei-L-GBK-M" panose="02010600010101010101" pitchFamily="2" charset="2"/>
-                <a:sym typeface="Segoe UI" panose="020B0502040204020203" pitchFamily="34" charset="0"/>
-              </a:rPr>
-              <a:t>忽略</a:t>
-            </a:r>
-            <a:r>
-              <a:rPr dirty="0" err="1">
-                <a:latin typeface="Segoe UI" panose="020B0502040204020203" pitchFamily="34" charset="0"/>
-                <a:ea typeface="DengXian" panose="02010600030101010101" pitchFamily="2" charset="-122"/>
-                <a:cs typeface="FZLanTingHei-L-GBK-M" panose="02010600010101010101" pitchFamily="2" charset="2"/>
-                <a:sym typeface="Segoe UI" panose="020B0502040204020203" pitchFamily="34" charset="0"/>
-              </a:rPr>
-              <a:t>的</a:t>
-            </a:r>
-            <a:r>
-              <a:rPr b="1" dirty="0" err="1">
-                <a:latin typeface="Segoe UI" panose="020B0502040204020203" pitchFamily="34" charset="0"/>
-                <a:ea typeface="DengXian" panose="02010600030101010101" pitchFamily="2" charset="-122"/>
-                <a:cs typeface="FZLanTingHei-L-GBK-M" panose="02010600010101010101" pitchFamily="2" charset="2"/>
-                <a:sym typeface="Segoe UI" panose="020B0502040204020203" pitchFamily="34" charset="0"/>
-              </a:rPr>
-              <a:t>信息</a:t>
-            </a:r>
-            <a:r>
-              <a:rPr dirty="0">
-                <a:latin typeface="Segoe UI" panose="020B0502040204020203" pitchFamily="34" charset="0"/>
-                <a:ea typeface="DengXian" panose="02010600030101010101" pitchFamily="2" charset="-122"/>
-                <a:cs typeface="FZLanTingHei-L-GBK-M" panose="02010600010101010101" pitchFamily="2" charset="2"/>
-                <a:sym typeface="Segoe UI" panose="020B0502040204020203" pitchFamily="34" charset="0"/>
-              </a:rPr>
-              <a:t>。</a:t>
-            </a:r>
-          </a:p>
-        </p:txBody>
-      </p:sp>
     </p:spTree>
+    <p:extLst>
+      <p:ext uri="{BB962C8B-B14F-4D97-AF65-F5344CB8AC3E}">
+        <p14:creationId xmlns:p14="http://schemas.microsoft.com/office/powerpoint/2010/main" val="2376816316"/>
+      </p:ext>
+    </p:extLst>
   </p:cSld>
   <p:clrMapOvr>
     <a:masterClrMapping/>
   </p:clrMapOvr>
+  <mc:AlternateContent xmlns:mc="http://schemas.openxmlformats.org/markup-compatibility/2006">
+    <mc:Choice xmlns:p14="http://schemas.microsoft.com/office/powerpoint/2010/main" Requires="p14">
+      <p:transition spd="med" p14:dur="700">
+        <p:fade/>
+      </p:transition>
+    </mc:Choice>
+    <mc:Fallback>
+      <p:transition spd="med">
+        <p:fade/>
+      </p:transition>
+    </mc:Fallback>
+  </mc:AlternateContent>
 </p:sld>
 </file>
 
@@ -11126,7 +12339,7 @@
           <p:cNvPr id="4" name="文本占位符 3">
             <a:extLst>
               <a:ext uri="{FF2B5EF4-FFF2-40B4-BE49-F238E27FC236}">
-                <a16:creationId xmlns:a16="http://schemas.microsoft.com/office/drawing/2014/main" id="{590E2AC0-356F-4E82-A45D-F72D45D9A70C}"/>
+                <a16:creationId xmlns:a16="http://schemas.microsoft.com/office/drawing/2014/main" id="{D84AF8AC-CF4A-4F31-B5ED-01B2117CFC26}"/>
               </a:ext>
             </a:extLst>
           </p:cNvPr>
@@ -11134,7 +12347,7 @@
             <a:spLocks noGrp="1"/>
           </p:cNvSpPr>
           <p:nvPr>
-            <p:ph type="body" sz="quarter" idx="10"/>
+            <p:ph type="body" sz="quarter" idx="11"/>
           </p:nvPr>
         </p:nvSpPr>
         <p:spPr/>
@@ -11142,35 +12355,25 @@
           <a:bodyPr/>
           <a:lstStyle/>
           <a:p>
-            <a:pPr algn="l"/>
-            <a:r>
-              <a:rPr lang="en-US" altLang="zh-CN" sz="3600" dirty="0">
-                <a:solidFill>
-                  <a:schemeClr val="tx1"/>
-                </a:solidFill>
-                <a:latin typeface="Segoe UI" panose="020B0502040204020203" pitchFamily="34" charset="0"/>
-                <a:ea typeface="DengXian" panose="02010600030101010101" pitchFamily="2" charset="-122"/>
-                <a:cs typeface="FZLanTingHei-L-GBK-M" panose="02010600010101010101" pitchFamily="2" charset="2"/>
-                <a:sym typeface="Segoe UI" panose="020B0502040204020203" pitchFamily="34" charset="0"/>
-              </a:rPr>
-              <a:t>2 </a:t>
-            </a:r>
-            <a:r>
-              <a:rPr lang="zh-CN" altLang="en-US" sz="3600" dirty="0">
-                <a:solidFill>
-                  <a:schemeClr val="tx1"/>
-                </a:solidFill>
-                <a:latin typeface="Segoe UI" panose="020B0502040204020203" pitchFamily="34" charset="0"/>
-                <a:ea typeface="DengXian" panose="02010600030101010101" pitchFamily="2" charset="-122"/>
-                <a:cs typeface="FZLanTingHei-L-GBK-M" panose="02010600010101010101" pitchFamily="2" charset="2"/>
-                <a:sym typeface="Segoe UI" panose="020B0502040204020203" pitchFamily="34" charset="0"/>
-              </a:rPr>
-              <a:t>研究内容</a:t>
-            </a:r>
-            <a:endParaRPr lang="en-GB" sz="3600" dirty="0">
-              <a:solidFill>
-                <a:schemeClr val="tx1"/>
-              </a:solidFill>
+            <a:r>
+              <a:rPr lang="en-US" altLang="zh-CN" dirty="0">
+                <a:latin typeface="Segoe UI" panose="020B0502040204020203" pitchFamily="34" charset="0"/>
+                <a:ea typeface="DengXian" panose="02010600030101010101" pitchFamily="2" charset="-122"/>
+                <a:cs typeface="FZLanTingHei-L-GBK-M" panose="02010600010101010101" pitchFamily="2" charset="2"/>
+                <a:sym typeface="Segoe UI" panose="020B0502040204020203" pitchFamily="34" charset="0"/>
+              </a:rPr>
+              <a:t>1 </a:t>
+            </a:r>
+            <a:r>
+              <a:rPr lang="zh-CN" altLang="en-US" dirty="0">
+                <a:latin typeface="Segoe UI" panose="020B0502040204020203" pitchFamily="34" charset="0"/>
+                <a:ea typeface="DengXian" panose="02010600030101010101" pitchFamily="2" charset="-122"/>
+                <a:cs typeface="FZLanTingHei-L-GBK-M" panose="02010600010101010101" pitchFamily="2" charset="2"/>
+                <a:sym typeface="Segoe UI" panose="020B0502040204020203" pitchFamily="34" charset="0"/>
+              </a:rPr>
+              <a:t>研究背景</a:t>
+            </a:r>
+            <a:endParaRPr lang="en-GB" dirty="0">
               <a:latin typeface="Segoe UI" panose="020B0502040204020203" pitchFamily="34" charset="0"/>
               <a:ea typeface="DengXian" panose="02010600030101010101" pitchFamily="2" charset="-122"/>
               <a:cs typeface="FZLanTingHei-L-GBK-M" panose="02010600010101010101" pitchFamily="2" charset="2"/>
@@ -11179,11 +12382,329 @@
           </a:p>
         </p:txBody>
       </p:sp>
+      <p:sp>
+        <p:nvSpPr>
+          <p:cNvPr id="3" name="Content Placeholder 2"/>
+          <p:cNvSpPr>
+            <a:spLocks noGrp="1"/>
+          </p:cNvSpPr>
+          <p:nvPr>
+            <p:ph idx="1"/>
+          </p:nvPr>
+        </p:nvSpPr>
+        <p:spPr>
+          <a:xfrm>
+            <a:off x="881063" y="1239508"/>
+            <a:ext cx="10639425" cy="5019675"/>
+          </a:xfrm>
+        </p:spPr>
+        <p:txBody>
+          <a:bodyPr>
+            <a:normAutofit/>
+          </a:bodyPr>
+          <a:lstStyle/>
+          <a:p>
+            <a:pPr marL="0" indent="0">
+              <a:buNone/>
+            </a:pPr>
+            <a:r>
+              <a:rPr dirty="0" err="1">
+                <a:latin typeface="Segoe UI" panose="020B0502040204020203" pitchFamily="34" charset="0"/>
+                <a:ea typeface="DengXian" panose="02010600030101010101" pitchFamily="2" charset="-122"/>
+                <a:cs typeface="FZLanTingHei-L-GBK-M" panose="02010600010101010101" pitchFamily="2" charset="2"/>
+                <a:sym typeface="Segoe UI" panose="020B0502040204020203" pitchFamily="34" charset="0"/>
+              </a:rPr>
+              <a:t>组织特征表现出分子层面改变所带来的</a:t>
+            </a:r>
+            <a:r>
+              <a:rPr b="1" dirty="0" err="1">
+                <a:latin typeface="Segoe UI" panose="020B0502040204020203" pitchFamily="34" charset="0"/>
+                <a:ea typeface="DengXian" panose="02010600030101010101" pitchFamily="2" charset="-122"/>
+                <a:cs typeface="FZLanTingHei-L-GBK-M" panose="02010600010101010101" pitchFamily="2" charset="2"/>
+                <a:sym typeface="Segoe UI" panose="020B0502040204020203" pitchFamily="34" charset="0"/>
+              </a:rPr>
+              <a:t>总体影响</a:t>
+            </a:r>
+            <a:r>
+              <a:rPr dirty="0" err="1">
+                <a:latin typeface="Segoe UI" panose="020B0502040204020203" pitchFamily="34" charset="0"/>
+                <a:ea typeface="DengXian" panose="02010600030101010101" pitchFamily="2" charset="-122"/>
+                <a:cs typeface="FZLanTingHei-L-GBK-M" panose="02010600010101010101" pitchFamily="2" charset="2"/>
+                <a:sym typeface="Segoe UI" panose="020B0502040204020203" pitchFamily="34" charset="0"/>
+              </a:rPr>
+              <a:t>。组织能提供直观的视觉信息以帮助医疗人员判断</a:t>
+            </a:r>
+            <a:r>
+              <a:rPr b="1" dirty="0" err="1">
+                <a:latin typeface="Segoe UI" panose="020B0502040204020203" pitchFamily="34" charset="0"/>
+                <a:ea typeface="DengXian" panose="02010600030101010101" pitchFamily="2" charset="-122"/>
+                <a:cs typeface="FZLanTingHei-L-GBK-M" panose="02010600010101010101" pitchFamily="2" charset="2"/>
+                <a:sym typeface="Segoe UI" panose="020B0502040204020203" pitchFamily="34" charset="0"/>
+              </a:rPr>
+              <a:t>癌症侵入性</a:t>
+            </a:r>
+            <a:r>
+              <a:rPr dirty="0">
+                <a:latin typeface="Segoe UI" panose="020B0502040204020203" pitchFamily="34" charset="0"/>
+                <a:ea typeface="DengXian" panose="02010600030101010101" pitchFamily="2" charset="-122"/>
+                <a:cs typeface="FZLanTingHei-L-GBK-M" panose="02010600010101010101" pitchFamily="2" charset="2"/>
+                <a:sym typeface="Segoe UI" panose="020B0502040204020203" pitchFamily="34" charset="0"/>
+              </a:rPr>
+              <a:t>。</a:t>
+            </a:r>
+            <a:r>
+              <a:rPr lang="zh-CN" altLang="en-US" dirty="0">
+                <a:latin typeface="Segoe UI" panose="020B0502040204020203" pitchFamily="34" charset="0"/>
+                <a:ea typeface="DengXian" panose="02010600030101010101" pitchFamily="2" charset="-122"/>
+                <a:cs typeface="FZLanTingHei-L-GBK-M" panose="02010600010101010101" pitchFamily="2" charset="2"/>
+                <a:sym typeface="Segoe UI" panose="020B0502040204020203" pitchFamily="34" charset="0"/>
+              </a:rPr>
+              <a:t>因此，组织学成像为肿瘤诊断和治疗的提供了重要信息。</a:t>
+            </a:r>
+            <a:endParaRPr lang="en-GB" dirty="0">
+              <a:latin typeface="Segoe UI" panose="020B0502040204020203" pitchFamily="34" charset="0"/>
+              <a:ea typeface="DengXian" panose="02010600030101010101" pitchFamily="2" charset="-122"/>
+              <a:cs typeface="FZLanTingHei-L-GBK-M" panose="02010600010101010101" pitchFamily="2" charset="2"/>
+              <a:sym typeface="Segoe UI" panose="020B0502040204020203" pitchFamily="34" charset="0"/>
+            </a:endParaRPr>
+          </a:p>
+          <a:p>
+            <a:pPr marL="0" indent="0">
+              <a:buNone/>
+            </a:pPr>
+            <a:endParaRPr lang="en-GB" dirty="0">
+              <a:latin typeface="Segoe UI" panose="020B0502040204020203" pitchFamily="34" charset="0"/>
+              <a:ea typeface="DengXian" panose="02010600030101010101" pitchFamily="2" charset="-122"/>
+              <a:cs typeface="FZLanTingHei-L-GBK-M" panose="02010600010101010101" pitchFamily="2" charset="2"/>
+              <a:sym typeface="Segoe UI" panose="020B0502040204020203" pitchFamily="34" charset="0"/>
+            </a:endParaRPr>
+          </a:p>
+          <a:p>
+            <a:pPr marL="0" indent="0">
+              <a:buNone/>
+            </a:pPr>
+            <a:r>
+              <a:rPr lang="zh-CN" altLang="en-US" dirty="0">
+                <a:latin typeface="Segoe UI" panose="020B0502040204020203" pitchFamily="34" charset="0"/>
+                <a:ea typeface="DengXian" panose="02010600030101010101" pitchFamily="2" charset="-122"/>
+                <a:cs typeface="FZLanTingHei-L-GBK-M" panose="02010600010101010101" pitchFamily="2" charset="2"/>
+                <a:sym typeface="Segoe UI" panose="020B0502040204020203" pitchFamily="34" charset="0"/>
+              </a:rPr>
+              <a:t>人工</a:t>
+            </a:r>
+            <a:r>
+              <a:rPr dirty="0" err="1">
+                <a:latin typeface="Segoe UI" panose="020B0502040204020203" pitchFamily="34" charset="0"/>
+                <a:ea typeface="DengXian" panose="02010600030101010101" pitchFamily="2" charset="-122"/>
+                <a:cs typeface="FZLanTingHei-L-GBK-M" panose="02010600010101010101" pitchFamily="2" charset="2"/>
+                <a:sym typeface="Segoe UI" panose="020B0502040204020203" pitchFamily="34" charset="0"/>
+              </a:rPr>
+              <a:t>组织分析</a:t>
+            </a:r>
+            <a:r>
+              <a:rPr b="1" dirty="0" err="1">
+                <a:latin typeface="Segoe UI" panose="020B0502040204020203" pitchFamily="34" charset="0"/>
+                <a:ea typeface="DengXian" panose="02010600030101010101" pitchFamily="2" charset="-122"/>
+                <a:cs typeface="FZLanTingHei-L-GBK-M" panose="02010600010101010101" pitchFamily="2" charset="2"/>
+                <a:sym typeface="Segoe UI" panose="020B0502040204020203" pitchFamily="34" charset="0"/>
+              </a:rPr>
+              <a:t>高度主观</a:t>
+            </a:r>
+            <a:r>
+              <a:rPr lang="zh-CN" altLang="en-US" dirty="0">
+                <a:latin typeface="Segoe UI" panose="020B0502040204020203" pitchFamily="34" charset="0"/>
+                <a:ea typeface="DengXian" panose="02010600030101010101" pitchFamily="2" charset="-122"/>
+                <a:cs typeface="FZLanTingHei-L-GBK-M" panose="02010600010101010101" pitchFamily="2" charset="2"/>
+                <a:sym typeface="Segoe UI" panose="020B0502040204020203" pitchFamily="34" charset="0"/>
+              </a:rPr>
+              <a:t>，</a:t>
+            </a:r>
+            <a:r>
+              <a:rPr b="1" dirty="0">
+                <a:latin typeface="Segoe UI" panose="020B0502040204020203" pitchFamily="34" charset="0"/>
+                <a:ea typeface="DengXian" panose="02010600030101010101" pitchFamily="2" charset="-122"/>
+                <a:cs typeface="FZLanTingHei-L-GBK-M" panose="02010600010101010101" pitchFamily="2" charset="2"/>
+                <a:sym typeface="Segoe UI" panose="020B0502040204020203" pitchFamily="34" charset="0"/>
+              </a:rPr>
+              <a:t>不</a:t>
+            </a:r>
+            <a:r>
+              <a:rPr lang="zh-CN" altLang="en-US" b="1" dirty="0">
+                <a:latin typeface="Segoe UI" panose="020B0502040204020203" pitchFamily="34" charset="0"/>
+                <a:ea typeface="DengXian" panose="02010600030101010101" pitchFamily="2" charset="-122"/>
+                <a:cs typeface="FZLanTingHei-L-GBK-M" panose="02010600010101010101" pitchFamily="2" charset="2"/>
+                <a:sym typeface="Segoe UI" panose="020B0502040204020203" pitchFamily="34" charset="0"/>
+              </a:rPr>
+              <a:t>易</a:t>
+            </a:r>
+            <a:r>
+              <a:rPr b="1" dirty="0" err="1">
+                <a:latin typeface="Segoe UI" panose="020B0502040204020203" pitchFamily="34" charset="0"/>
+                <a:ea typeface="DengXian" panose="02010600030101010101" pitchFamily="2" charset="-122"/>
+                <a:cs typeface="FZLanTingHei-L-GBK-M" panose="02010600010101010101" pitchFamily="2" charset="2"/>
+                <a:sym typeface="Segoe UI" panose="020B0502040204020203" pitchFamily="34" charset="0"/>
+              </a:rPr>
+              <a:t>重复</a:t>
+            </a:r>
+            <a:r>
+              <a:rPr dirty="0" err="1">
+                <a:latin typeface="Segoe UI" panose="020B0502040204020203" pitchFamily="34" charset="0"/>
+                <a:ea typeface="DengXian" panose="02010600030101010101" pitchFamily="2" charset="-122"/>
+                <a:cs typeface="FZLanTingHei-L-GBK-M" panose="02010600010101010101" pitchFamily="2" charset="2"/>
+                <a:sym typeface="Segoe UI" panose="020B0502040204020203" pitchFamily="34" charset="0"/>
+              </a:rPr>
+              <a:t>得到相同结果</a:t>
+            </a:r>
+            <a:r>
+              <a:rPr dirty="0">
+                <a:latin typeface="Segoe UI" panose="020B0502040204020203" pitchFamily="34" charset="0"/>
+                <a:ea typeface="DengXian" panose="02010600030101010101" pitchFamily="2" charset="-122"/>
+                <a:cs typeface="FZLanTingHei-L-GBK-M" panose="02010600010101010101" pitchFamily="2" charset="2"/>
+                <a:sym typeface="Segoe UI" panose="020B0502040204020203" pitchFamily="34" charset="0"/>
+              </a:rPr>
+              <a:t>。</a:t>
+            </a:r>
+            <a:endParaRPr lang="en-GB" dirty="0">
+              <a:latin typeface="Segoe UI" panose="020B0502040204020203" pitchFamily="34" charset="0"/>
+              <a:ea typeface="DengXian" panose="02010600030101010101" pitchFamily="2" charset="-122"/>
+              <a:cs typeface="FZLanTingHei-L-GBK-M" panose="02010600010101010101" pitchFamily="2" charset="2"/>
+              <a:sym typeface="Segoe UI" panose="020B0502040204020203" pitchFamily="34" charset="0"/>
+            </a:endParaRPr>
+          </a:p>
+          <a:p>
+            <a:pPr marL="0" indent="0">
+              <a:buNone/>
+            </a:pPr>
+            <a:endParaRPr dirty="0">
+              <a:latin typeface="Segoe UI" panose="020B0502040204020203" pitchFamily="34" charset="0"/>
+              <a:ea typeface="DengXian" panose="02010600030101010101" pitchFamily="2" charset="-122"/>
+              <a:cs typeface="FZLanTingHei-L-GBK-M" panose="02010600010101010101" pitchFamily="2" charset="2"/>
+              <a:sym typeface="Segoe UI" panose="020B0502040204020203" pitchFamily="34" charset="0"/>
+            </a:endParaRPr>
+          </a:p>
+          <a:p>
+            <a:pPr marL="0" indent="0">
+              <a:buNone/>
+            </a:pPr>
+            <a:r>
+              <a:rPr dirty="0" err="1">
+                <a:latin typeface="Segoe UI" panose="020B0502040204020203" pitchFamily="34" charset="0"/>
+                <a:ea typeface="DengXian" panose="02010600030101010101" pitchFamily="2" charset="-122"/>
+                <a:cs typeface="FZLanTingHei-L-GBK-M" panose="02010600010101010101" pitchFamily="2" charset="2"/>
+                <a:sym typeface="Segoe UI" panose="020B0502040204020203" pitchFamily="34" charset="0"/>
+              </a:rPr>
+              <a:t>计算机对组织学成像进行分析，不但能</a:t>
+            </a:r>
+            <a:r>
+              <a:rPr b="1" dirty="0" err="1">
+                <a:latin typeface="Segoe UI" panose="020B0502040204020203" pitchFamily="34" charset="0"/>
+                <a:ea typeface="DengXian" panose="02010600030101010101" pitchFamily="2" charset="-122"/>
+                <a:cs typeface="FZLanTingHei-L-GBK-M" panose="02010600010101010101" pitchFamily="2" charset="2"/>
+                <a:sym typeface="Segoe UI" panose="020B0502040204020203" pitchFamily="34" charset="0"/>
+              </a:rPr>
+              <a:t>克服人工</a:t>
+            </a:r>
+            <a:r>
+              <a:rPr dirty="0" err="1">
+                <a:latin typeface="Segoe UI" panose="020B0502040204020203" pitchFamily="34" charset="0"/>
+                <a:ea typeface="DengXian" panose="02010600030101010101" pitchFamily="2" charset="-122"/>
+                <a:cs typeface="FZLanTingHei-L-GBK-M" panose="02010600010101010101" pitchFamily="2" charset="2"/>
+                <a:sym typeface="Segoe UI" panose="020B0502040204020203" pitchFamily="34" charset="0"/>
+              </a:rPr>
+              <a:t>进行组织分析的</a:t>
+            </a:r>
+            <a:r>
+              <a:rPr b="1" dirty="0" err="1">
+                <a:latin typeface="Segoe UI" panose="020B0502040204020203" pitchFamily="34" charset="0"/>
+                <a:ea typeface="DengXian" panose="02010600030101010101" pitchFamily="2" charset="-122"/>
+                <a:cs typeface="FZLanTingHei-L-GBK-M" panose="02010600010101010101" pitchFamily="2" charset="2"/>
+                <a:sym typeface="Segoe UI" panose="020B0502040204020203" pitchFamily="34" charset="0"/>
+              </a:rPr>
+              <a:t>缺陷</a:t>
+            </a:r>
+            <a:r>
+              <a:rPr dirty="0" err="1">
+                <a:latin typeface="Segoe UI" panose="020B0502040204020203" pitchFamily="34" charset="0"/>
+                <a:ea typeface="DengXian" panose="02010600030101010101" pitchFamily="2" charset="-122"/>
+                <a:cs typeface="FZLanTingHei-L-GBK-M" panose="02010600010101010101" pitchFamily="2" charset="2"/>
+                <a:sym typeface="Segoe UI" panose="020B0502040204020203" pitchFamily="34" charset="0"/>
+              </a:rPr>
+              <a:t>，而且能</a:t>
+            </a:r>
+            <a:r>
+              <a:rPr b="1" dirty="0" err="1">
+                <a:latin typeface="Segoe UI" panose="020B0502040204020203" pitchFamily="34" charset="0"/>
+                <a:ea typeface="DengXian" panose="02010600030101010101" pitchFamily="2" charset="-122"/>
+                <a:cs typeface="FZLanTingHei-L-GBK-M" panose="02010600010101010101" pitchFamily="2" charset="2"/>
+                <a:sym typeface="Segoe UI" panose="020B0502040204020203" pitchFamily="34" charset="0"/>
+              </a:rPr>
+              <a:t>提取</a:t>
+            </a:r>
+            <a:r>
+              <a:rPr dirty="0" err="1">
+                <a:latin typeface="Segoe UI" panose="020B0502040204020203" pitchFamily="34" charset="0"/>
+                <a:ea typeface="DengXian" panose="02010600030101010101" pitchFamily="2" charset="-122"/>
+                <a:cs typeface="FZLanTingHei-L-GBK-M" panose="02010600010101010101" pitchFamily="2" charset="2"/>
+                <a:sym typeface="Segoe UI" panose="020B0502040204020203" pitchFamily="34" charset="0"/>
+              </a:rPr>
+              <a:t>人工进行组织分析</a:t>
+            </a:r>
+            <a:r>
+              <a:rPr b="1" dirty="0" err="1">
+                <a:latin typeface="Segoe UI" panose="020B0502040204020203" pitchFamily="34" charset="0"/>
+                <a:ea typeface="DengXian" panose="02010600030101010101" pitchFamily="2" charset="-122"/>
+                <a:cs typeface="FZLanTingHei-L-GBK-M" panose="02010600010101010101" pitchFamily="2" charset="2"/>
+                <a:sym typeface="Segoe UI" panose="020B0502040204020203" pitchFamily="34" charset="0"/>
+              </a:rPr>
+              <a:t>忽略</a:t>
+            </a:r>
+            <a:r>
+              <a:rPr dirty="0" err="1">
+                <a:latin typeface="Segoe UI" panose="020B0502040204020203" pitchFamily="34" charset="0"/>
+                <a:ea typeface="DengXian" panose="02010600030101010101" pitchFamily="2" charset="-122"/>
+                <a:cs typeface="FZLanTingHei-L-GBK-M" panose="02010600010101010101" pitchFamily="2" charset="2"/>
+                <a:sym typeface="Segoe UI" panose="020B0502040204020203" pitchFamily="34" charset="0"/>
+              </a:rPr>
+              <a:t>的</a:t>
+            </a:r>
+            <a:r>
+              <a:rPr b="1" dirty="0" err="1">
+                <a:latin typeface="Segoe UI" panose="020B0502040204020203" pitchFamily="34" charset="0"/>
+                <a:ea typeface="DengXian" panose="02010600030101010101" pitchFamily="2" charset="-122"/>
+                <a:cs typeface="FZLanTingHei-L-GBK-M" panose="02010600010101010101" pitchFamily="2" charset="2"/>
+                <a:sym typeface="Segoe UI" panose="020B0502040204020203" pitchFamily="34" charset="0"/>
+              </a:rPr>
+              <a:t>信息</a:t>
+            </a:r>
+            <a:r>
+              <a:rPr dirty="0">
+                <a:latin typeface="Segoe UI" panose="020B0502040204020203" pitchFamily="34" charset="0"/>
+                <a:ea typeface="DengXian" panose="02010600030101010101" pitchFamily="2" charset="-122"/>
+                <a:cs typeface="FZLanTingHei-L-GBK-M" panose="02010600010101010101" pitchFamily="2" charset="2"/>
+                <a:sym typeface="Segoe UI" panose="020B0502040204020203" pitchFamily="34" charset="0"/>
+              </a:rPr>
+              <a:t>。</a:t>
+            </a:r>
+          </a:p>
+        </p:txBody>
+      </p:sp>
     </p:spTree>
   </p:cSld>
   <p:clrMapOvr>
     <a:masterClrMapping/>
   </p:clrMapOvr>
+  <mc:AlternateContent xmlns:mc="http://schemas.openxmlformats.org/markup-compatibility/2006">
+    <mc:Choice xmlns:p14="http://schemas.microsoft.com/office/powerpoint/2010/main" Requires="p14">
+      <p:transition spd="med" p14:dur="700">
+        <p:fade/>
+      </p:transition>
+    </mc:Choice>
+    <mc:Fallback>
+      <p:transition spd="med">
+        <p:fade/>
+      </p:transition>
+    </mc:Fallback>
+  </mc:AlternateContent>
 </p:sld>
 </file>
 
@@ -11209,7 +12730,7 @@
           <p:cNvPr id="4" name="文本占位符 3">
             <a:extLst>
               <a:ext uri="{FF2B5EF4-FFF2-40B4-BE49-F238E27FC236}">
-                <a16:creationId xmlns:a16="http://schemas.microsoft.com/office/drawing/2014/main" id="{7CD55DD4-FBAE-40F1-AB35-C780BAFC4A50}"/>
+                <a16:creationId xmlns:a16="http://schemas.microsoft.com/office/drawing/2014/main" id="{590E2AC0-356F-4E82-A45D-F72D45D9A70C}"/>
               </a:ext>
             </a:extLst>
           </p:cNvPr>
@@ -11217,33 +12738,48 @@
             <a:spLocks noGrp="1"/>
           </p:cNvSpPr>
           <p:nvPr>
-            <p:ph type="body" sz="quarter" idx="11"/>
-          </p:nvPr>
-        </p:nvSpPr>
-        <p:spPr/>
+            <p:ph type="body" sz="quarter" idx="10"/>
+          </p:nvPr>
+        </p:nvSpPr>
+        <p:spPr>
+          <a:xfrm>
+            <a:off x="881063" y="3429000"/>
+            <a:ext cx="4487880" cy="725488"/>
+          </a:xfrm>
+        </p:spPr>
         <p:txBody>
           <a:bodyPr/>
           <a:lstStyle/>
           <a:p>
-            <a:r>
-              <a:rPr lang="en-US" altLang="zh-CN" dirty="0">
-                <a:latin typeface="Segoe UI" panose="020B0502040204020203" pitchFamily="34" charset="0"/>
-                <a:ea typeface="DengXian" panose="02010600030101010101" pitchFamily="2" charset="-122"/>
-                <a:cs typeface="FZLanTingHei-L-GBK-M" panose="02010600010101010101" pitchFamily="2" charset="2"/>
-                <a:sym typeface="Segoe UI" panose="020B0502040204020203" pitchFamily="34" charset="0"/>
-              </a:rPr>
-              <a:t>2.1 </a:t>
-            </a:r>
-            <a:r>
-              <a:rPr lang="zh-CN" altLang="en-US" dirty="0">
-                <a:latin typeface="Segoe UI" panose="020B0502040204020203" pitchFamily="34" charset="0"/>
-                <a:ea typeface="DengXian" panose="02010600030101010101" pitchFamily="2" charset="-122"/>
-                <a:cs typeface="FZLanTingHei-L-GBK-M" panose="02010600010101010101" pitchFamily="2" charset="2"/>
-                <a:sym typeface="Segoe UI" panose="020B0502040204020203" pitchFamily="34" charset="0"/>
-              </a:rPr>
-              <a:t>研究亮点</a:t>
-            </a:r>
-            <a:endParaRPr lang="en-GB" dirty="0">
+            <a:pPr algn="l"/>
+            <a:r>
+              <a:rPr lang="en-US" altLang="zh-CN" sz="3600" dirty="0">
+                <a:solidFill>
+                  <a:schemeClr val="tx1"/>
+                </a:solidFill>
+                <a:latin typeface="Segoe UI" panose="020B0502040204020203" pitchFamily="34" charset="0"/>
+                <a:ea typeface="DengXian" panose="02010600030101010101" pitchFamily="2" charset="-122"/>
+                <a:cs typeface="FZLanTingHei-L-GBK-M" panose="02010600010101010101" pitchFamily="2" charset="2"/>
+                <a:sym typeface="Segoe UI" panose="020B0502040204020203" pitchFamily="34" charset="0"/>
+              </a:rPr>
+              <a:t>2 </a:t>
+            </a:r>
+            <a:r>
+              <a:rPr lang="zh-CN" altLang="en-US" sz="3600" dirty="0">
+                <a:solidFill>
+                  <a:schemeClr val="tx1"/>
+                </a:solidFill>
+                <a:latin typeface="Segoe UI" panose="020B0502040204020203" pitchFamily="34" charset="0"/>
+                <a:ea typeface="DengXian" panose="02010600030101010101" pitchFamily="2" charset="-122"/>
+                <a:cs typeface="FZLanTingHei-L-GBK-M" panose="02010600010101010101" pitchFamily="2" charset="2"/>
+                <a:sym typeface="Segoe UI" panose="020B0502040204020203" pitchFamily="34" charset="0"/>
+              </a:rPr>
+              <a:t>研究内容</a:t>
+            </a:r>
+            <a:endParaRPr lang="en-GB" sz="3600" dirty="0">
+              <a:solidFill>
+                <a:schemeClr val="tx1"/>
+              </a:solidFill>
               <a:latin typeface="Segoe UI" panose="020B0502040204020203" pitchFamily="34" charset="0"/>
               <a:ea typeface="DengXian" panose="02010600030101010101" pitchFamily="2" charset="-122"/>
               <a:cs typeface="FZLanTingHei-L-GBK-M" panose="02010600010101010101" pitchFamily="2" charset="2"/>
@@ -11252,447 +12788,23 @@
           </a:p>
         </p:txBody>
       </p:sp>
-      <p:sp>
-        <p:nvSpPr>
-          <p:cNvPr id="3" name="Content Placeholder 2"/>
-          <p:cNvSpPr>
-            <a:spLocks noGrp="1"/>
-          </p:cNvSpPr>
-          <p:nvPr>
-            <p:ph idx="1"/>
-          </p:nvPr>
-        </p:nvSpPr>
-        <p:spPr>
-          <a:xfrm>
-            <a:off x="881063" y="1420485"/>
-            <a:ext cx="10639425" cy="5019675"/>
-          </a:xfrm>
-        </p:spPr>
-        <p:txBody>
-          <a:bodyPr>
-            <a:normAutofit/>
-          </a:bodyPr>
-          <a:lstStyle/>
-          <a:p>
-            <a:r>
-              <a:rPr lang="zh-CN" altLang="en-US" dirty="0">
-                <a:latin typeface="Segoe UI" panose="020B0502040204020203" pitchFamily="34" charset="0"/>
-                <a:ea typeface="DengXian" panose="02010600030101010101" pitchFamily="2" charset="-122"/>
-                <a:cs typeface="FZLanTingHei-L-GBK-M" panose="02010600010101010101" pitchFamily="2" charset="2"/>
-                <a:sym typeface="Segoe UI" panose="020B0502040204020203" pitchFamily="34" charset="0"/>
-              </a:rPr>
-              <a:t>建立</a:t>
-            </a:r>
-            <a:r>
-              <a:rPr dirty="0" err="1">
-                <a:latin typeface="Segoe UI" panose="020B0502040204020203" pitchFamily="34" charset="0"/>
-                <a:ea typeface="DengXian" panose="02010600030101010101" pitchFamily="2" charset="-122"/>
-                <a:cs typeface="FZLanTingHei-L-GBK-M" panose="02010600010101010101" pitchFamily="2" charset="2"/>
-                <a:sym typeface="Segoe UI" panose="020B0502040204020203" pitchFamily="34" charset="0"/>
-              </a:rPr>
-              <a:t>基于</a:t>
-            </a:r>
-            <a:r>
-              <a:rPr b="1" dirty="0" err="1">
-                <a:latin typeface="Segoe UI" panose="020B0502040204020203" pitchFamily="34" charset="0"/>
-                <a:ea typeface="DengXian" panose="02010600030101010101" pitchFamily="2" charset="-122"/>
-                <a:cs typeface="FZLanTingHei-L-GBK-M" panose="02010600010101010101" pitchFamily="2" charset="2"/>
-                <a:sym typeface="Segoe UI" panose="020B0502040204020203" pitchFamily="34" charset="0"/>
-              </a:rPr>
-              <a:t>N</a:t>
-            </a:r>
-            <a:r>
-              <a:rPr lang="en-US" altLang="zh-CN" b="1" dirty="0" err="1">
-                <a:latin typeface="Segoe UI" panose="020B0502040204020203" pitchFamily="34" charset="0"/>
-                <a:ea typeface="DengXian" panose="02010600030101010101" pitchFamily="2" charset="-122"/>
-                <a:cs typeface="FZLanTingHei-L-GBK-M" panose="02010600010101010101" pitchFamily="2" charset="2"/>
-                <a:sym typeface="Segoe UI" panose="020B0502040204020203" pitchFamily="34" charset="0"/>
-              </a:rPr>
-              <a:t>ASN</a:t>
-            </a:r>
-            <a:r>
-              <a:rPr b="1" dirty="0" err="1">
-                <a:latin typeface="Segoe UI" panose="020B0502040204020203" pitchFamily="34" charset="0"/>
-                <a:ea typeface="DengXian" panose="02010600030101010101" pitchFamily="2" charset="-122"/>
-                <a:cs typeface="FZLanTingHei-L-GBK-M" panose="02010600010101010101" pitchFamily="2" charset="2"/>
-                <a:sym typeface="Segoe UI" panose="020B0502040204020203" pitchFamily="34" charset="0"/>
-              </a:rPr>
-              <a:t>et</a:t>
-            </a:r>
-            <a:r>
-              <a:rPr dirty="0" err="1">
-                <a:latin typeface="Segoe UI" panose="020B0502040204020203" pitchFamily="34" charset="0"/>
-                <a:ea typeface="DengXian" panose="02010600030101010101" pitchFamily="2" charset="-122"/>
-                <a:cs typeface="FZLanTingHei-L-GBK-M" panose="02010600010101010101" pitchFamily="2" charset="2"/>
-                <a:sym typeface="Segoe UI" panose="020B0502040204020203" pitchFamily="34" charset="0"/>
-              </a:rPr>
-              <a:t>的乳腺癌生存神经网络模型（SNAS</a:t>
-            </a:r>
-            <a:r>
-              <a:rPr dirty="0">
-                <a:latin typeface="Segoe UI" panose="020B0502040204020203" pitchFamily="34" charset="0"/>
-                <a:ea typeface="DengXian" panose="02010600030101010101" pitchFamily="2" charset="-122"/>
-                <a:cs typeface="FZLanTingHei-L-GBK-M" panose="02010600010101010101" pitchFamily="2" charset="2"/>
-                <a:sym typeface="Segoe UI" panose="020B0502040204020203" pitchFamily="34" charset="0"/>
-              </a:rPr>
-              <a:t>）</a:t>
-            </a:r>
-            <a:r>
-              <a:rPr lang="zh-CN" altLang="en-US" dirty="0">
-                <a:latin typeface="Segoe UI" panose="020B0502040204020203" pitchFamily="34" charset="0"/>
-                <a:ea typeface="DengXian" panose="02010600030101010101" pitchFamily="2" charset="-122"/>
-                <a:cs typeface="FZLanTingHei-L-GBK-M" panose="02010600010101010101" pitchFamily="2" charset="2"/>
-                <a:sym typeface="Segoe UI" panose="020B0502040204020203" pitchFamily="34" charset="0"/>
-              </a:rPr>
-              <a:t>，其</a:t>
-            </a:r>
-            <a:r>
-              <a:rPr dirty="0">
-                <a:latin typeface="Segoe UI" panose="020B0502040204020203" pitchFamily="34" charset="0"/>
-                <a:ea typeface="DengXian" panose="02010600030101010101" pitchFamily="2" charset="-122"/>
-                <a:cs typeface="FZLanTingHei-L-GBK-M" panose="02010600010101010101" pitchFamily="2" charset="2"/>
-                <a:sym typeface="Segoe UI" panose="020B0502040204020203" pitchFamily="34" charset="0"/>
-              </a:rPr>
-              <a:t>能</a:t>
-            </a:r>
-            <a:r>
-              <a:rPr lang="zh-CN" altLang="en-US" dirty="0">
-                <a:latin typeface="Segoe UI" panose="020B0502040204020203" pitchFamily="34" charset="0"/>
-                <a:ea typeface="DengXian" panose="02010600030101010101" pitchFamily="2" charset="-122"/>
-                <a:cs typeface="FZLanTingHei-L-GBK-M" panose="02010600010101010101" pitchFamily="2" charset="2"/>
-                <a:sym typeface="Segoe UI" panose="020B0502040204020203" pitchFamily="34" charset="0"/>
-              </a:rPr>
-              <a:t>通过</a:t>
-            </a:r>
-            <a:r>
-              <a:rPr dirty="0" err="1">
-                <a:latin typeface="Segoe UI" panose="020B0502040204020203" pitchFamily="34" charset="0"/>
-                <a:ea typeface="DengXian" panose="02010600030101010101" pitchFamily="2" charset="-122"/>
-                <a:cs typeface="FZLanTingHei-L-GBK-M" panose="02010600010101010101" pitchFamily="2" charset="2"/>
-                <a:sym typeface="Segoe UI" panose="020B0502040204020203" pitchFamily="34" charset="0"/>
-              </a:rPr>
-              <a:t>分析乳腺癌组织学成像提供</a:t>
-            </a:r>
-            <a:r>
-              <a:rPr lang="en-GB" dirty="0">
-                <a:latin typeface="Segoe UI" panose="020B0502040204020203" pitchFamily="34" charset="0"/>
-                <a:ea typeface="DengXian" panose="02010600030101010101" pitchFamily="2" charset="-122"/>
-                <a:cs typeface="FZLanTingHei-L-GBK-M" panose="02010600010101010101" pitchFamily="2" charset="2"/>
-                <a:sym typeface="Segoe UI" panose="020B0502040204020203" pitchFamily="34" charset="0"/>
-              </a:rPr>
-              <a:t> </a:t>
-            </a:r>
-            <a:r>
-              <a:rPr dirty="0">
-                <a:latin typeface="Segoe UI" panose="020B0502040204020203" pitchFamily="34" charset="0"/>
-                <a:ea typeface="DengXian" panose="02010600030101010101" pitchFamily="2" charset="-122"/>
-                <a:cs typeface="FZLanTingHei-L-GBK-M" panose="02010600010101010101" pitchFamily="2" charset="2"/>
-                <a:sym typeface="Segoe UI" panose="020B0502040204020203" pitchFamily="34" charset="0"/>
-              </a:rPr>
-              <a:t>“</a:t>
-            </a:r>
-            <a:r>
-              <a:rPr dirty="0" err="1">
-                <a:latin typeface="Segoe UI" panose="020B0502040204020203" pitchFamily="34" charset="0"/>
-                <a:ea typeface="DengXian" panose="02010600030101010101" pitchFamily="2" charset="-122"/>
-                <a:cs typeface="FZLanTingHei-L-GBK-M" panose="02010600010101010101" pitchFamily="2" charset="2"/>
-                <a:sym typeface="Segoe UI" panose="020B0502040204020203" pitchFamily="34" charset="0"/>
-              </a:rPr>
-              <a:t>时间-事件”预测</a:t>
-            </a:r>
-            <a:r>
-              <a:rPr dirty="0">
-                <a:latin typeface="Segoe UI" panose="020B0502040204020203" pitchFamily="34" charset="0"/>
-                <a:ea typeface="DengXian" panose="02010600030101010101" pitchFamily="2" charset="-122"/>
-                <a:cs typeface="FZLanTingHei-L-GBK-M" panose="02010600010101010101" pitchFamily="2" charset="2"/>
-                <a:sym typeface="Segoe UI" panose="020B0502040204020203" pitchFamily="34" charset="0"/>
-              </a:rPr>
-              <a:t>。</a:t>
-            </a:r>
-            <a:endParaRPr lang="en-GB" dirty="0">
-              <a:latin typeface="Segoe UI" panose="020B0502040204020203" pitchFamily="34" charset="0"/>
-              <a:ea typeface="DengXian" panose="02010600030101010101" pitchFamily="2" charset="-122"/>
-              <a:cs typeface="FZLanTingHei-L-GBK-M" panose="02010600010101010101" pitchFamily="2" charset="2"/>
-              <a:sym typeface="Segoe UI" panose="020B0502040204020203" pitchFamily="34" charset="0"/>
-            </a:endParaRPr>
-          </a:p>
-          <a:p>
-            <a:r>
-              <a:rPr lang="en-US" altLang="zh-CN" b="1" dirty="0">
-                <a:latin typeface="Segoe UI" panose="020B0502040204020203" pitchFamily="34" charset="0"/>
-                <a:ea typeface="DengXian" panose="02010600030101010101" pitchFamily="2" charset="-122"/>
-                <a:cs typeface="FZLanTingHei-L-GBK-M" panose="02010600010101010101" pitchFamily="2" charset="2"/>
-                <a:sym typeface="Segoe UI" panose="020B0502040204020203" pitchFamily="34" charset="0"/>
-              </a:rPr>
-              <a:t>50 </a:t>
-            </a:r>
-            <a:r>
-              <a:rPr lang="zh-CN" altLang="en-US" b="1" dirty="0">
-                <a:latin typeface="Segoe UI" panose="020B0502040204020203" pitchFamily="34" charset="0"/>
-                <a:ea typeface="DengXian" panose="02010600030101010101" pitchFamily="2" charset="-122"/>
-                <a:cs typeface="FZLanTingHei-L-GBK-M" panose="02010600010101010101" pitchFamily="2" charset="2"/>
-                <a:sym typeface="Segoe UI" panose="020B0502040204020203" pitchFamily="34" charset="0"/>
-              </a:rPr>
-              <a:t>次</a:t>
-            </a:r>
-            <a:r>
-              <a:rPr lang="zh-CN" altLang="en-US" dirty="0">
-                <a:latin typeface="Segoe UI" panose="020B0502040204020203" pitchFamily="34" charset="0"/>
-                <a:ea typeface="DengXian" panose="02010600030101010101" pitchFamily="2" charset="-122"/>
-                <a:cs typeface="FZLanTingHei-L-GBK-M" panose="02010600010101010101" pitchFamily="2" charset="2"/>
-                <a:sym typeface="Segoe UI" panose="020B0502040204020203" pitchFamily="34" charset="0"/>
-              </a:rPr>
-              <a:t>训练后</a:t>
-            </a:r>
-            <a:r>
-              <a:rPr lang="en-US" altLang="zh-CN" b="1" dirty="0">
-                <a:latin typeface="Segoe UI" panose="020B0502040204020203" pitchFamily="34" charset="0"/>
-                <a:ea typeface="DengXian" panose="02010600030101010101" pitchFamily="2" charset="-122"/>
-                <a:cs typeface="FZLanTingHei-L-GBK-M" panose="02010600010101010101" pitchFamily="2" charset="2"/>
-                <a:sym typeface="Segoe UI" panose="020B0502040204020203" pitchFamily="34" charset="0"/>
-              </a:rPr>
-              <a:t>99.9%</a:t>
-            </a:r>
-            <a:r>
-              <a:rPr lang="zh-CN" altLang="en-US" dirty="0">
-                <a:latin typeface="Segoe UI" panose="020B0502040204020203" pitchFamily="34" charset="0"/>
-                <a:ea typeface="DengXian" panose="02010600030101010101" pitchFamily="2" charset="-122"/>
-                <a:cs typeface="FZLanTingHei-L-GBK-M" panose="02010600010101010101" pitchFamily="2" charset="2"/>
-                <a:sym typeface="Segoe UI" panose="020B0502040204020203" pitchFamily="34" charset="0"/>
-              </a:rPr>
-              <a:t>的可能得到预测能力</a:t>
-            </a:r>
-            <a:r>
-              <a:rPr lang="zh-CN" altLang="en-US" b="1" dirty="0">
-                <a:latin typeface="Segoe UI" panose="020B0502040204020203" pitchFamily="34" charset="0"/>
-                <a:ea typeface="DengXian" panose="02010600030101010101" pitchFamily="2" charset="-122"/>
-                <a:cs typeface="FZLanTingHei-L-GBK-M" panose="02010600010101010101" pitchFamily="2" charset="2"/>
-                <a:sym typeface="Segoe UI" panose="020B0502040204020203" pitchFamily="34" charset="0"/>
-              </a:rPr>
-              <a:t>优于</a:t>
-            </a:r>
-            <a:r>
-              <a:rPr lang="zh-CN" altLang="en-US" dirty="0">
-                <a:latin typeface="Segoe UI" panose="020B0502040204020203" pitchFamily="34" charset="0"/>
-                <a:ea typeface="DengXian" panose="02010600030101010101" pitchFamily="2" charset="-122"/>
-                <a:cs typeface="FZLanTingHei-L-GBK-M" panose="02010600010101010101" pitchFamily="2" charset="2"/>
-                <a:sym typeface="Segoe UI" panose="020B0502040204020203" pitchFamily="34" charset="0"/>
-              </a:rPr>
-              <a:t>使用</a:t>
-            </a:r>
-            <a:r>
-              <a:rPr lang="zh-CN" altLang="en-US" b="1" dirty="0">
-                <a:latin typeface="Segoe UI" panose="020B0502040204020203" pitchFamily="34" charset="0"/>
-                <a:ea typeface="DengXian" panose="02010600030101010101" pitchFamily="2" charset="-122"/>
-                <a:cs typeface="FZLanTingHei-L-GBK-M" panose="02010600010101010101" pitchFamily="2" charset="2"/>
-                <a:sym typeface="Segoe UI" panose="020B0502040204020203" pitchFamily="34" charset="0"/>
-              </a:rPr>
-              <a:t>专家</a:t>
-            </a:r>
-            <a:r>
-              <a:rPr lang="zh-CN" altLang="en-US" dirty="0">
-                <a:latin typeface="Segoe UI" panose="020B0502040204020203" pitchFamily="34" charset="0"/>
-                <a:ea typeface="DengXian" panose="02010600030101010101" pitchFamily="2" charset="-122"/>
-                <a:cs typeface="FZLanTingHei-L-GBK-M" panose="02010600010101010101" pitchFamily="2" charset="2"/>
-                <a:sym typeface="Segoe UI" panose="020B0502040204020203" pitchFamily="34" charset="0"/>
-              </a:rPr>
-              <a:t>分析同样图像提取的特征建立的</a:t>
-            </a:r>
-            <a:r>
-              <a:rPr lang="en-US" altLang="zh-CN" b="1" dirty="0">
-                <a:latin typeface="Segoe UI" panose="020B0502040204020203" pitchFamily="34" charset="0"/>
-                <a:ea typeface="DengXian" panose="02010600030101010101" pitchFamily="2" charset="-122"/>
-                <a:cs typeface="FZLanTingHei-L-GBK-M" panose="02010600010101010101" pitchFamily="2" charset="2"/>
-                <a:sym typeface="Segoe UI" panose="020B0502040204020203" pitchFamily="34" charset="0"/>
-              </a:rPr>
-              <a:t>Cox HP </a:t>
-            </a:r>
-            <a:r>
-              <a:rPr lang="zh-CN" altLang="en-US" b="1" dirty="0">
-                <a:latin typeface="Segoe UI" panose="020B0502040204020203" pitchFamily="34" charset="0"/>
-                <a:ea typeface="DengXian" panose="02010600030101010101" pitchFamily="2" charset="-122"/>
-                <a:cs typeface="FZLanTingHei-L-GBK-M" panose="02010600010101010101" pitchFamily="2" charset="2"/>
-                <a:sym typeface="Segoe UI" panose="020B0502040204020203" pitchFamily="34" charset="0"/>
-              </a:rPr>
-              <a:t>模型</a:t>
-            </a:r>
-            <a:r>
-              <a:rPr lang="zh-CN" altLang="en-US" dirty="0">
-                <a:latin typeface="Segoe UI" panose="020B0502040204020203" pitchFamily="34" charset="0"/>
-                <a:ea typeface="DengXian" panose="02010600030101010101" pitchFamily="2" charset="-122"/>
-                <a:cs typeface="FZLanTingHei-L-GBK-M" panose="02010600010101010101" pitchFamily="2" charset="2"/>
-                <a:sym typeface="Segoe UI" panose="020B0502040204020203" pitchFamily="34" charset="0"/>
-              </a:rPr>
-              <a:t>的模型。</a:t>
-            </a:r>
-            <a:endParaRPr lang="en-GB" altLang="zh-CN" dirty="0">
-              <a:latin typeface="Segoe UI" panose="020B0502040204020203" pitchFamily="34" charset="0"/>
-              <a:ea typeface="DengXian" panose="02010600030101010101" pitchFamily="2" charset="-122"/>
-              <a:cs typeface="FZLanTingHei-L-GBK-M" panose="02010600010101010101" pitchFamily="2" charset="2"/>
-              <a:sym typeface="Segoe UI" panose="020B0502040204020203" pitchFamily="34" charset="0"/>
-            </a:endParaRPr>
-          </a:p>
-          <a:p>
-            <a:r>
-              <a:rPr lang="zh-CN" altLang="en-US" b="1" dirty="0">
-                <a:latin typeface="Segoe UI" panose="020B0502040204020203" pitchFamily="34" charset="0"/>
-                <a:ea typeface="DengXian" panose="02010600030101010101" pitchFamily="2" charset="-122"/>
-                <a:cs typeface="FZLanTingHei-L-GBK-M" panose="02010600010101010101" pitchFamily="2" charset="2"/>
-                <a:sym typeface="Segoe UI" panose="020B0502040204020203" pitchFamily="34" charset="0"/>
-              </a:rPr>
-              <a:t>首个</a:t>
-            </a:r>
-            <a:r>
-              <a:rPr b="1" dirty="0" err="1">
-                <a:latin typeface="Segoe UI" panose="020B0502040204020203" pitchFamily="34" charset="0"/>
-                <a:ea typeface="DengXian" panose="02010600030101010101" pitchFamily="2" charset="-122"/>
-                <a:cs typeface="FZLanTingHei-L-GBK-M" panose="02010600010101010101" pitchFamily="2" charset="2"/>
-                <a:sym typeface="Segoe UI" panose="020B0502040204020203" pitchFamily="34" charset="0"/>
-              </a:rPr>
-              <a:t>全自动</a:t>
-            </a:r>
-            <a:r>
-              <a:rPr dirty="0" err="1">
-                <a:latin typeface="Segoe UI" panose="020B0502040204020203" pitchFamily="34" charset="0"/>
-                <a:ea typeface="DengXian" panose="02010600030101010101" pitchFamily="2" charset="-122"/>
-                <a:cs typeface="FZLanTingHei-L-GBK-M" panose="02010600010101010101" pitchFamily="2" charset="2"/>
-                <a:sym typeface="Segoe UI" panose="020B0502040204020203" pitchFamily="34" charset="0"/>
-              </a:rPr>
-              <a:t>的由.svs病理切片图像到生存模型的“端到端</a:t>
-            </a:r>
-            <a:r>
-              <a:rPr dirty="0">
-                <a:latin typeface="Segoe UI" panose="020B0502040204020203" pitchFamily="34" charset="0"/>
-                <a:ea typeface="DengXian" panose="02010600030101010101" pitchFamily="2" charset="-122"/>
-                <a:cs typeface="FZLanTingHei-L-GBK-M" panose="02010600010101010101" pitchFamily="2" charset="2"/>
-                <a:sym typeface="Segoe UI" panose="020B0502040204020203" pitchFamily="34" charset="0"/>
-              </a:rPr>
-              <a:t>”</a:t>
-            </a:r>
-            <a:r>
-              <a:rPr lang="zh-CN" altLang="en-US" dirty="0">
-                <a:latin typeface="Segoe UI" panose="020B0502040204020203" pitchFamily="34" charset="0"/>
-                <a:ea typeface="DengXian" panose="02010600030101010101" pitchFamily="2" charset="-122"/>
-                <a:cs typeface="FZLanTingHei-L-GBK-M" panose="02010600010101010101" pitchFamily="2" charset="2"/>
-                <a:sym typeface="Segoe UI" panose="020B0502040204020203" pitchFamily="34" charset="0"/>
-              </a:rPr>
-              <a:t>批处理系统</a:t>
-            </a:r>
-            <a:r>
-              <a:rPr dirty="0">
-                <a:latin typeface="Segoe UI" panose="020B0502040204020203" pitchFamily="34" charset="0"/>
-                <a:ea typeface="DengXian" panose="02010600030101010101" pitchFamily="2" charset="-122"/>
-                <a:cs typeface="FZLanTingHei-L-GBK-M" panose="02010600010101010101" pitchFamily="2" charset="2"/>
-                <a:sym typeface="Segoe UI" panose="020B0502040204020203" pitchFamily="34" charset="0"/>
-              </a:rPr>
-              <a:t>。</a:t>
-            </a:r>
-            <a:endParaRPr lang="en-GB" dirty="0">
-              <a:latin typeface="Segoe UI" panose="020B0502040204020203" pitchFamily="34" charset="0"/>
-              <a:ea typeface="DengXian" panose="02010600030101010101" pitchFamily="2" charset="-122"/>
-              <a:cs typeface="FZLanTingHei-L-GBK-M" panose="02010600010101010101" pitchFamily="2" charset="2"/>
-              <a:sym typeface="Segoe UI" panose="020B0502040204020203" pitchFamily="34" charset="0"/>
-            </a:endParaRPr>
-          </a:p>
-          <a:p>
-            <a:r>
-              <a:rPr dirty="0">
-                <a:latin typeface="Segoe UI" panose="020B0502040204020203" pitchFamily="34" charset="0"/>
-                <a:ea typeface="DengXian" panose="02010600030101010101" pitchFamily="2" charset="-122"/>
-                <a:cs typeface="FZLanTingHei-L-GBK-M" panose="02010600010101010101" pitchFamily="2" charset="2"/>
-                <a:sym typeface="Segoe UI" panose="020B0502040204020203" pitchFamily="34" charset="0"/>
-              </a:rPr>
-              <a:t>该模型大小中等，7.24e+07个参数，</a:t>
-            </a:r>
-            <a:r>
-              <a:rPr lang="zh-CN" altLang="en-US" dirty="0">
-                <a:latin typeface="Segoe UI" panose="020B0502040204020203" pitchFamily="34" charset="0"/>
-                <a:ea typeface="DengXian" panose="02010600030101010101" pitchFamily="2" charset="-122"/>
-                <a:cs typeface="FZLanTingHei-L-GBK-M" panose="02010600010101010101" pitchFamily="2" charset="2"/>
-                <a:sym typeface="Segoe UI" panose="020B0502040204020203" pitchFamily="34" charset="0"/>
-              </a:rPr>
-              <a:t>其中</a:t>
-            </a:r>
-            <a:r>
-              <a:rPr dirty="0">
-                <a:latin typeface="Segoe UI" panose="020B0502040204020203" pitchFamily="34" charset="0"/>
-                <a:ea typeface="DengXian" panose="02010600030101010101" pitchFamily="2" charset="-122"/>
-                <a:cs typeface="FZLanTingHei-L-GBK-M" panose="02010600010101010101" pitchFamily="2" charset="2"/>
-                <a:sym typeface="Segoe UI" panose="020B0502040204020203" pitchFamily="34" charset="0"/>
-              </a:rPr>
-              <a:t>实际需要计算的参数量为</a:t>
-            </a:r>
-            <a:r>
-              <a:rPr b="1" dirty="0">
-                <a:latin typeface="Segoe UI" panose="020B0502040204020203" pitchFamily="34" charset="0"/>
-                <a:ea typeface="DengXian" panose="02010600030101010101" pitchFamily="2" charset="-122"/>
-                <a:cs typeface="FZLanTingHei-L-GBK-M" panose="02010600010101010101" pitchFamily="2" charset="2"/>
-                <a:sym typeface="Segoe UI" panose="020B0502040204020203" pitchFamily="34" charset="0"/>
-              </a:rPr>
-              <a:t>2.97e+07</a:t>
-            </a:r>
-            <a:r>
-              <a:rPr dirty="0">
-                <a:latin typeface="Segoe UI" panose="020B0502040204020203" pitchFamily="34" charset="0"/>
-                <a:ea typeface="DengXian" panose="02010600030101010101" pitchFamily="2" charset="-122"/>
-                <a:cs typeface="FZLanTingHei-L-GBK-M" panose="02010600010101010101" pitchFamily="2" charset="2"/>
-                <a:sym typeface="Segoe UI" panose="020B0502040204020203" pitchFamily="34" charset="0"/>
-              </a:rPr>
-              <a:t>个，</a:t>
-            </a:r>
-            <a:r>
-              <a:rPr lang="zh-CN" altLang="en-US" dirty="0">
-                <a:latin typeface="Segoe UI" panose="020B0502040204020203" pitchFamily="34" charset="0"/>
-                <a:ea typeface="DengXian" panose="02010600030101010101" pitchFamily="2" charset="-122"/>
-                <a:cs typeface="FZLanTingHei-L-GBK-M" panose="02010600010101010101" pitchFamily="2" charset="2"/>
-                <a:sym typeface="Segoe UI" panose="020B0502040204020203" pitchFamily="34" charset="0"/>
-              </a:rPr>
-              <a:t>一般</a:t>
-            </a:r>
-            <a:r>
-              <a:rPr dirty="0" err="1">
-                <a:latin typeface="Segoe UI" panose="020B0502040204020203" pitchFamily="34" charset="0"/>
-                <a:ea typeface="DengXian" panose="02010600030101010101" pitchFamily="2" charset="-122"/>
-                <a:cs typeface="FZLanTingHei-L-GBK-M" panose="02010600010101010101" pitchFamily="2" charset="2"/>
-                <a:sym typeface="Segoe UI" panose="020B0502040204020203" pitchFamily="34" charset="0"/>
-              </a:rPr>
-              <a:t>能在</a:t>
-            </a:r>
-            <a:r>
-              <a:rPr lang="zh-CN" altLang="en-US" dirty="0">
-                <a:latin typeface="Segoe UI" panose="020B0502040204020203" pitchFamily="34" charset="0"/>
-                <a:ea typeface="DengXian" panose="02010600030101010101" pitchFamily="2" charset="-122"/>
-                <a:cs typeface="FZLanTingHei-L-GBK-M" panose="02010600010101010101" pitchFamily="2" charset="2"/>
-                <a:sym typeface="Segoe UI" panose="020B0502040204020203" pitchFamily="34" charset="0"/>
-              </a:rPr>
-              <a:t>普通</a:t>
-            </a:r>
-            <a:r>
-              <a:rPr dirty="0" err="1">
-                <a:latin typeface="Segoe UI" panose="020B0502040204020203" pitchFamily="34" charset="0"/>
-                <a:ea typeface="DengXian" panose="02010600030101010101" pitchFamily="2" charset="-122"/>
-                <a:cs typeface="FZLanTingHei-L-GBK-M" panose="02010600010101010101" pitchFamily="2" charset="2"/>
-                <a:sym typeface="Segoe UI" panose="020B0502040204020203" pitchFamily="34" charset="0"/>
-              </a:rPr>
-              <a:t>计算机上进行训练及使用</a:t>
-            </a:r>
-            <a:r>
-              <a:rPr dirty="0">
-                <a:latin typeface="Segoe UI" panose="020B0502040204020203" pitchFamily="34" charset="0"/>
-                <a:ea typeface="DengXian" panose="02010600030101010101" pitchFamily="2" charset="-122"/>
-                <a:cs typeface="FZLanTingHei-L-GBK-M" panose="02010600010101010101" pitchFamily="2" charset="2"/>
-                <a:sym typeface="Segoe UI" panose="020B0502040204020203" pitchFamily="34" charset="0"/>
-              </a:rPr>
-              <a:t>。</a:t>
-            </a:r>
-          </a:p>
-        </p:txBody>
-      </p:sp>
     </p:spTree>
   </p:cSld>
   <p:clrMapOvr>
     <a:masterClrMapping/>
   </p:clrMapOvr>
+  <mc:AlternateContent xmlns:mc="http://schemas.openxmlformats.org/markup-compatibility/2006">
+    <mc:Choice xmlns:p14="http://schemas.microsoft.com/office/powerpoint/2010/main" Requires="p14">
+      <p:transition spd="med" p14:dur="700">
+        <p:fade/>
+      </p:transition>
+    </mc:Choice>
+    <mc:Fallback>
+      <p:transition spd="med">
+        <p:fade/>
+      </p:transition>
+    </mc:Fallback>
+  </mc:AlternateContent>
 </p:sld>
 </file>
 
@@ -11715,34 +12827,26 @@
       </p:grpSpPr>
       <p:sp>
         <p:nvSpPr>
-          <p:cNvPr id="5" name="文本占位符 4">
-            <a:extLst>
-              <a:ext uri="{FF2B5EF4-FFF2-40B4-BE49-F238E27FC236}">
-                <a16:creationId xmlns:a16="http://schemas.microsoft.com/office/drawing/2014/main" id="{E11A5317-C0D3-4280-9973-F48E169F78B8}"/>
-              </a:ext>
-            </a:extLst>
-          </p:cNvPr>
-          <p:cNvSpPr>
-            <a:spLocks noGrp="1"/>
-          </p:cNvSpPr>
-          <p:nvPr>
-            <p:ph type="body" sz="quarter" idx="11"/>
-          </p:nvPr>
-        </p:nvSpPr>
-        <p:spPr/>
-        <p:txBody>
-          <a:bodyPr/>
-          <a:lstStyle/>
-          <a:p>
-            <a:r>
-              <a:rPr lang="en-US" altLang="zh-CN" dirty="0">
-                <a:latin typeface="Segoe UI" panose="020B0502040204020203" pitchFamily="34" charset="0"/>
-                <a:ea typeface="DengXian" panose="02010600030101010101" pitchFamily="2" charset="-122"/>
-                <a:cs typeface="FZLanTingHei-L-GBK-M" panose="02010600010101010101" pitchFamily="2" charset="2"/>
-                <a:sym typeface="Segoe UI" panose="020B0502040204020203" pitchFamily="34" charset="0"/>
-              </a:rPr>
-              <a:t>2.2 </a:t>
-            </a:r>
+          <p:cNvPr id="3" name="Content Placeholder 2"/>
+          <p:cNvSpPr>
+            <a:spLocks noGrp="1"/>
+          </p:cNvSpPr>
+          <p:nvPr>
+            <p:ph idx="1"/>
+          </p:nvPr>
+        </p:nvSpPr>
+        <p:spPr>
+          <a:xfrm>
+            <a:off x="881063" y="1420485"/>
+            <a:ext cx="10639425" cy="5019675"/>
+          </a:xfrm>
+        </p:spPr>
+        <p:txBody>
+          <a:bodyPr>
+            <a:normAutofit/>
+          </a:bodyPr>
+          <a:lstStyle/>
+          <a:p>
             <a:r>
               <a:rPr lang="zh-CN" altLang="en-US" dirty="0">
                 <a:latin typeface="Segoe UI" panose="020B0502040204020203" pitchFamily="34" charset="0"/>
@@ -11750,7 +12854,88 @@
                 <a:cs typeface="FZLanTingHei-L-GBK-M" panose="02010600010101010101" pitchFamily="2" charset="2"/>
                 <a:sym typeface="Segoe UI" panose="020B0502040204020203" pitchFamily="34" charset="0"/>
               </a:rPr>
-              <a:t>研究流程</a:t>
+              <a:t>建立</a:t>
+            </a:r>
+            <a:r>
+              <a:rPr dirty="0" err="1">
+                <a:latin typeface="Segoe UI" panose="020B0502040204020203" pitchFamily="34" charset="0"/>
+                <a:ea typeface="DengXian" panose="02010600030101010101" pitchFamily="2" charset="-122"/>
+                <a:cs typeface="FZLanTingHei-L-GBK-M" panose="02010600010101010101" pitchFamily="2" charset="2"/>
+                <a:sym typeface="Segoe UI" panose="020B0502040204020203" pitchFamily="34" charset="0"/>
+              </a:rPr>
+              <a:t>乳腺癌生存神经网络模型</a:t>
+            </a:r>
+            <a:r>
+              <a:rPr lang="zh-CN" altLang="en-US" dirty="0">
+                <a:latin typeface="Segoe UI" panose="020B0502040204020203" pitchFamily="34" charset="0"/>
+                <a:ea typeface="DengXian" panose="02010600030101010101" pitchFamily="2" charset="-122"/>
+                <a:cs typeface="FZLanTingHei-L-GBK-M" panose="02010600010101010101" pitchFamily="2" charset="2"/>
+                <a:sym typeface="Segoe UI" panose="020B0502040204020203" pitchFamily="34" charset="0"/>
+              </a:rPr>
+              <a:t>，使其</a:t>
+            </a:r>
+            <a:r>
+              <a:rPr dirty="0">
+                <a:latin typeface="Segoe UI" panose="020B0502040204020203" pitchFamily="34" charset="0"/>
+                <a:ea typeface="DengXian" panose="02010600030101010101" pitchFamily="2" charset="-122"/>
+                <a:cs typeface="FZLanTingHei-L-GBK-M" panose="02010600010101010101" pitchFamily="2" charset="2"/>
+                <a:sym typeface="Segoe UI" panose="020B0502040204020203" pitchFamily="34" charset="0"/>
+              </a:rPr>
+              <a:t>能</a:t>
+            </a:r>
+            <a:r>
+              <a:rPr lang="zh-CN" altLang="en-US" dirty="0">
+                <a:latin typeface="Segoe UI" panose="020B0502040204020203" pitchFamily="34" charset="0"/>
+                <a:ea typeface="DengXian" panose="02010600030101010101" pitchFamily="2" charset="-122"/>
+                <a:cs typeface="FZLanTingHei-L-GBK-M" panose="02010600010101010101" pitchFamily="2" charset="2"/>
+                <a:sym typeface="Segoe UI" panose="020B0502040204020203" pitchFamily="34" charset="0"/>
+              </a:rPr>
+              <a:t>通过</a:t>
+            </a:r>
+            <a:r>
+              <a:rPr dirty="0" err="1">
+                <a:latin typeface="Segoe UI" panose="020B0502040204020203" pitchFamily="34" charset="0"/>
+                <a:ea typeface="DengXian" panose="02010600030101010101" pitchFamily="2" charset="-122"/>
+                <a:cs typeface="FZLanTingHei-L-GBK-M" panose="02010600010101010101" pitchFamily="2" charset="2"/>
+                <a:sym typeface="Segoe UI" panose="020B0502040204020203" pitchFamily="34" charset="0"/>
+              </a:rPr>
+              <a:t>分析乳腺癌组织学成像提供</a:t>
+            </a:r>
+            <a:r>
+              <a:rPr lang="en-GB" dirty="0">
+                <a:latin typeface="Segoe UI" panose="020B0502040204020203" pitchFamily="34" charset="0"/>
+                <a:ea typeface="DengXian" panose="02010600030101010101" pitchFamily="2" charset="-122"/>
+                <a:cs typeface="FZLanTingHei-L-GBK-M" panose="02010600010101010101" pitchFamily="2" charset="2"/>
+                <a:sym typeface="Segoe UI" panose="020B0502040204020203" pitchFamily="34" charset="0"/>
+              </a:rPr>
+              <a:t> </a:t>
+            </a:r>
+            <a:r>
+              <a:rPr dirty="0">
+                <a:latin typeface="Segoe UI" panose="020B0502040204020203" pitchFamily="34" charset="0"/>
+                <a:ea typeface="DengXian" panose="02010600030101010101" pitchFamily="2" charset="-122"/>
+                <a:cs typeface="FZLanTingHei-L-GBK-M" panose="02010600010101010101" pitchFamily="2" charset="2"/>
+                <a:sym typeface="Segoe UI" panose="020B0502040204020203" pitchFamily="34" charset="0"/>
+              </a:rPr>
+              <a:t>“</a:t>
+            </a:r>
+            <a:r>
+              <a:rPr dirty="0" err="1">
+                <a:latin typeface="Segoe UI" panose="020B0502040204020203" pitchFamily="34" charset="0"/>
+                <a:ea typeface="DengXian" panose="02010600030101010101" pitchFamily="2" charset="-122"/>
+                <a:cs typeface="FZLanTingHei-L-GBK-M" panose="02010600010101010101" pitchFamily="2" charset="2"/>
+                <a:sym typeface="Segoe UI" panose="020B0502040204020203" pitchFamily="34" charset="0"/>
+              </a:rPr>
+              <a:t>时间-事件”预测</a:t>
+            </a:r>
+            <a:r>
+              <a:rPr dirty="0">
+                <a:latin typeface="Segoe UI" panose="020B0502040204020203" pitchFamily="34" charset="0"/>
+                <a:ea typeface="DengXian" panose="02010600030101010101" pitchFamily="2" charset="-122"/>
+                <a:cs typeface="FZLanTingHei-L-GBK-M" panose="02010600010101010101" pitchFamily="2" charset="2"/>
+                <a:sym typeface="Segoe UI" panose="020B0502040204020203" pitchFamily="34" charset="0"/>
+              </a:rPr>
+              <a:t>。</a:t>
             </a:r>
             <a:endParaRPr lang="en-GB" dirty="0">
               <a:latin typeface="Segoe UI" panose="020B0502040204020203" pitchFamily="34" charset="0"/>
@@ -11759,67 +12944,138 @@
               <a:sym typeface="Segoe UI" panose="020B0502040204020203" pitchFamily="34" charset="0"/>
             </a:endParaRPr>
           </a:p>
-        </p:txBody>
-      </p:sp>
-      <p:pic>
-        <p:nvPicPr>
-          <p:cNvPr id="3" name="Picture 1" descr="D:\Project\Survival-Analysis-by-Breast-Cancer-Slides\imgs\fig1.png"/>
-          <p:cNvPicPr>
-            <a:picLocks noGrp="1" noChangeAspect="1"/>
-          </p:cNvPicPr>
-          <p:nvPr/>
-        </p:nvPicPr>
-        <p:blipFill>
-          <a:blip r:embed="rId2"/>
-          <a:stretch>
-            <a:fillRect/>
-          </a:stretch>
-        </p:blipFill>
-        <p:spPr bwMode="auto">
-          <a:xfrm>
-            <a:off x="2298700" y="1600200"/>
-            <a:ext cx="7594600" cy="4013200"/>
-          </a:xfrm>
-          <a:prstGeom prst="rect">
-            <a:avLst/>
-          </a:prstGeom>
-          <a:noFill/>
-          <a:ln w="9525">
-            <a:noFill/>
-            <a:headEnd/>
-            <a:tailEnd/>
-          </a:ln>
-        </p:spPr>
-      </p:pic>
-      <p:sp>
-        <p:nvSpPr>
-          <p:cNvPr id="4" name="TextBox 3"/>
-          <p:cNvSpPr txBox="1"/>
-          <p:nvPr/>
-        </p:nvSpPr>
-        <p:spPr>
-          <a:xfrm>
-            <a:off x="1981200" y="5613400"/>
-            <a:ext cx="8229600" cy="508000"/>
-          </a:xfrm>
-          <a:prstGeom prst="rect">
-            <a:avLst/>
-          </a:prstGeom>
-          <a:noFill/>
-        </p:spPr>
-        <p:txBody>
-          <a:bodyPr/>
-          <a:lstStyle/>
-          <a:p>
-            <a:pPr algn="ctr"/>
-            <a:r>
-              <a:rPr>
-                <a:latin typeface="Segoe UI" panose="020B0502040204020203" pitchFamily="34" charset="0"/>
-                <a:ea typeface="DengXian" panose="02010600030101010101" pitchFamily="2" charset="-122"/>
-                <a:cs typeface="FZLanTingHei-L-GBK-M" panose="02010600010101010101" pitchFamily="2" charset="2"/>
-                <a:sym typeface="Segoe UI" panose="020B0502040204020203" pitchFamily="34" charset="0"/>
-              </a:rPr>
-              <a:t>图1 研究流程图</a:t>
+          <a:p>
+            <a:endParaRPr lang="en-GB" dirty="0">
+              <a:latin typeface="Segoe UI" panose="020B0502040204020203" pitchFamily="34" charset="0"/>
+              <a:ea typeface="DengXian" panose="02010600030101010101" pitchFamily="2" charset="-122"/>
+              <a:cs typeface="FZLanTingHei-L-GBK-M" panose="02010600010101010101" pitchFamily="2" charset="2"/>
+              <a:sym typeface="Segoe UI" panose="020B0502040204020203" pitchFamily="34" charset="0"/>
+            </a:endParaRPr>
+          </a:p>
+          <a:p>
+            <a:r>
+              <a:rPr lang="zh-CN" altLang="en-US" dirty="0">
+                <a:latin typeface="Segoe UI" panose="020B0502040204020203" pitchFamily="34" charset="0"/>
+                <a:ea typeface="DengXian" panose="02010600030101010101" pitchFamily="2" charset="-122"/>
+                <a:cs typeface="FZLanTingHei-L-GBK-M" panose="02010600010101010101" pitchFamily="2" charset="2"/>
+                <a:sym typeface="Segoe UI" panose="020B0502040204020203" pitchFamily="34" charset="0"/>
+              </a:rPr>
+              <a:t>实现首个</a:t>
+            </a:r>
+            <a:r>
+              <a:rPr b="1" dirty="0" err="1">
+                <a:latin typeface="Segoe UI" panose="020B0502040204020203" pitchFamily="34" charset="0"/>
+                <a:ea typeface="DengXian" panose="02010600030101010101" pitchFamily="2" charset="-122"/>
+                <a:cs typeface="FZLanTingHei-L-GBK-M" panose="02010600010101010101" pitchFamily="2" charset="2"/>
+                <a:sym typeface="Segoe UI" panose="020B0502040204020203" pitchFamily="34" charset="0"/>
+              </a:rPr>
+              <a:t>全自动</a:t>
+            </a:r>
+            <a:r>
+              <a:rPr dirty="0" err="1">
+                <a:latin typeface="Segoe UI" panose="020B0502040204020203" pitchFamily="34" charset="0"/>
+                <a:ea typeface="DengXian" panose="02010600030101010101" pitchFamily="2" charset="-122"/>
+                <a:cs typeface="FZLanTingHei-L-GBK-M" panose="02010600010101010101" pitchFamily="2" charset="2"/>
+                <a:sym typeface="Segoe UI" panose="020B0502040204020203" pitchFamily="34" charset="0"/>
+              </a:rPr>
+              <a:t>的由.svs病理切片图像到生存模型的“端到端</a:t>
+            </a:r>
+            <a:r>
+              <a:rPr dirty="0">
+                <a:latin typeface="Segoe UI" panose="020B0502040204020203" pitchFamily="34" charset="0"/>
+                <a:ea typeface="DengXian" panose="02010600030101010101" pitchFamily="2" charset="-122"/>
+                <a:cs typeface="FZLanTingHei-L-GBK-M" panose="02010600010101010101" pitchFamily="2" charset="2"/>
+                <a:sym typeface="Segoe UI" panose="020B0502040204020203" pitchFamily="34" charset="0"/>
+              </a:rPr>
+              <a:t>”</a:t>
+            </a:r>
+            <a:r>
+              <a:rPr lang="zh-CN" altLang="en-US" dirty="0">
+                <a:latin typeface="Segoe UI" panose="020B0502040204020203" pitchFamily="34" charset="0"/>
+                <a:ea typeface="DengXian" panose="02010600030101010101" pitchFamily="2" charset="-122"/>
+                <a:cs typeface="FZLanTingHei-L-GBK-M" panose="02010600010101010101" pitchFamily="2" charset="2"/>
+                <a:sym typeface="Segoe UI" panose="020B0502040204020203" pitchFamily="34" charset="0"/>
+              </a:rPr>
+              <a:t>批处理系统</a:t>
+            </a:r>
+            <a:r>
+              <a:rPr dirty="0">
+                <a:latin typeface="Segoe UI" panose="020B0502040204020203" pitchFamily="34" charset="0"/>
+                <a:ea typeface="DengXian" panose="02010600030101010101" pitchFamily="2" charset="-122"/>
+                <a:cs typeface="FZLanTingHei-L-GBK-M" panose="02010600010101010101" pitchFamily="2" charset="2"/>
+                <a:sym typeface="Segoe UI" panose="020B0502040204020203" pitchFamily="34" charset="0"/>
+              </a:rPr>
+              <a:t>。</a:t>
+            </a:r>
+            <a:endParaRPr lang="en-GB" dirty="0">
+              <a:latin typeface="Segoe UI" panose="020B0502040204020203" pitchFamily="34" charset="0"/>
+              <a:ea typeface="DengXian" panose="02010600030101010101" pitchFamily="2" charset="-122"/>
+              <a:cs typeface="FZLanTingHei-L-GBK-M" panose="02010600010101010101" pitchFamily="2" charset="2"/>
+              <a:sym typeface="Segoe UI" panose="020B0502040204020203" pitchFamily="34" charset="0"/>
+            </a:endParaRPr>
+          </a:p>
+          <a:p>
+            <a:endParaRPr lang="en-GB" dirty="0">
+              <a:latin typeface="Segoe UI" panose="020B0502040204020203" pitchFamily="34" charset="0"/>
+              <a:ea typeface="DengXian" panose="02010600030101010101" pitchFamily="2" charset="-122"/>
+              <a:cs typeface="FZLanTingHei-L-GBK-M" panose="02010600010101010101" pitchFamily="2" charset="2"/>
+              <a:sym typeface="Segoe UI" panose="020B0502040204020203" pitchFamily="34" charset="0"/>
+            </a:endParaRPr>
+          </a:p>
+          <a:p>
+            <a:r>
+              <a:rPr lang="zh-CN" altLang="en-US" dirty="0">
+                <a:latin typeface="Segoe UI" panose="020B0502040204020203" pitchFamily="34" charset="0"/>
+                <a:ea typeface="DengXian" panose="02010600030101010101" pitchFamily="2" charset="-122"/>
+                <a:cs typeface="FZLanTingHei-L-GBK-M" panose="02010600010101010101" pitchFamily="2" charset="2"/>
+                <a:sym typeface="Segoe UI" panose="020B0502040204020203" pitchFamily="34" charset="0"/>
+              </a:rPr>
+              <a:t>实现</a:t>
+            </a:r>
+            <a:r>
+              <a:rPr dirty="0" err="1">
+                <a:latin typeface="Segoe UI" panose="020B0502040204020203" pitchFamily="34" charset="0"/>
+                <a:ea typeface="DengXian" panose="02010600030101010101" pitchFamily="2" charset="-122"/>
+                <a:cs typeface="FZLanTingHei-L-GBK-M" panose="02010600010101010101" pitchFamily="2" charset="2"/>
+                <a:sym typeface="Segoe UI" panose="020B0502040204020203" pitchFamily="34" charset="0"/>
+              </a:rPr>
+              <a:t>能在</a:t>
+            </a:r>
+            <a:r>
+              <a:rPr lang="zh-CN" altLang="en-US" dirty="0">
+                <a:latin typeface="Segoe UI" panose="020B0502040204020203" pitchFamily="34" charset="0"/>
+                <a:ea typeface="DengXian" panose="02010600030101010101" pitchFamily="2" charset="-122"/>
+                <a:cs typeface="FZLanTingHei-L-GBK-M" panose="02010600010101010101" pitchFamily="2" charset="2"/>
+                <a:sym typeface="Segoe UI" panose="020B0502040204020203" pitchFamily="34" charset="0"/>
+              </a:rPr>
+              <a:t>普通</a:t>
+            </a:r>
+            <a:r>
+              <a:rPr dirty="0" err="1">
+                <a:latin typeface="Segoe UI" panose="020B0502040204020203" pitchFamily="34" charset="0"/>
+                <a:ea typeface="DengXian" panose="02010600030101010101" pitchFamily="2" charset="-122"/>
+                <a:cs typeface="FZLanTingHei-L-GBK-M" panose="02010600010101010101" pitchFamily="2" charset="2"/>
+                <a:sym typeface="Segoe UI" panose="020B0502040204020203" pitchFamily="34" charset="0"/>
+              </a:rPr>
+              <a:t>计算机上进行训练及使用</a:t>
+            </a:r>
+            <a:r>
+              <a:rPr lang="zh-CN" altLang="en-US" dirty="0">
+                <a:latin typeface="Segoe UI" panose="020B0502040204020203" pitchFamily="34" charset="0"/>
+                <a:ea typeface="DengXian" panose="02010600030101010101" pitchFamily="2" charset="-122"/>
+                <a:cs typeface="FZLanTingHei-L-GBK-M" panose="02010600010101010101" pitchFamily="2" charset="2"/>
+                <a:sym typeface="Segoe UI" panose="020B0502040204020203" pitchFamily="34" charset="0"/>
+              </a:rPr>
+              <a:t>的模型</a:t>
+            </a:r>
+            <a:r>
+              <a:rPr dirty="0">
+                <a:latin typeface="Segoe UI" panose="020B0502040204020203" pitchFamily="34" charset="0"/>
+                <a:ea typeface="DengXian" panose="02010600030101010101" pitchFamily="2" charset="-122"/>
+                <a:cs typeface="FZLanTingHei-L-GBK-M" panose="02010600010101010101" pitchFamily="2" charset="2"/>
+                <a:sym typeface="Segoe UI" panose="020B0502040204020203" pitchFamily="34" charset="0"/>
+              </a:rPr>
+              <a:t>。</a:t>
             </a:r>
           </a:p>
         </p:txBody>
@@ -11829,6 +13085,18 @@
   <p:clrMapOvr>
     <a:masterClrMapping/>
   </p:clrMapOvr>
+  <mc:AlternateContent xmlns:mc="http://schemas.openxmlformats.org/markup-compatibility/2006">
+    <mc:Choice xmlns:p14="http://schemas.microsoft.com/office/powerpoint/2010/main" Requires="p14">
+      <p:transition spd="med" p14:dur="700">
+        <p:fade/>
+      </p:transition>
+    </mc:Choice>
+    <mc:Fallback>
+      <p:transition spd="med">
+        <p:fade/>
+      </p:transition>
+    </mc:Fallback>
+  </mc:AlternateContent>
 </p:sld>
 </file>
 
@@ -11851,6 +13119,169 @@
       </p:grpSpPr>
       <p:sp>
         <p:nvSpPr>
+          <p:cNvPr id="5" name="文本占位符 4">
+            <a:extLst>
+              <a:ext uri="{FF2B5EF4-FFF2-40B4-BE49-F238E27FC236}">
+                <a16:creationId xmlns:a16="http://schemas.microsoft.com/office/drawing/2014/main" id="{E11A5317-C0D3-4280-9973-F48E169F78B8}"/>
+              </a:ext>
+            </a:extLst>
+          </p:cNvPr>
+          <p:cNvSpPr>
+            <a:spLocks noGrp="1"/>
+          </p:cNvSpPr>
+          <p:nvPr>
+            <p:ph type="body" sz="quarter" idx="11"/>
+          </p:nvPr>
+        </p:nvSpPr>
+        <p:spPr/>
+        <p:txBody>
+          <a:bodyPr/>
+          <a:lstStyle/>
+          <a:p>
+            <a:r>
+              <a:rPr lang="zh-CN" altLang="en-US">
+                <a:latin typeface="Segoe UI" panose="020B0502040204020203" pitchFamily="34" charset="0"/>
+                <a:ea typeface="DengXian" panose="02010600030101010101" pitchFamily="2" charset="-122"/>
+                <a:cs typeface="FZLanTingHei-L-GBK-M" panose="02010600010101010101" pitchFamily="2" charset="2"/>
+                <a:sym typeface="Segoe UI" panose="020B0502040204020203" pitchFamily="34" charset="0"/>
+              </a:rPr>
+              <a:t>研究</a:t>
+            </a:r>
+            <a:r>
+              <a:rPr lang="zh-CN" altLang="en-US" dirty="0">
+                <a:latin typeface="Segoe UI" panose="020B0502040204020203" pitchFamily="34" charset="0"/>
+                <a:ea typeface="DengXian" panose="02010600030101010101" pitchFamily="2" charset="-122"/>
+                <a:cs typeface="FZLanTingHei-L-GBK-M" panose="02010600010101010101" pitchFamily="2" charset="2"/>
+                <a:sym typeface="Segoe UI" panose="020B0502040204020203" pitchFamily="34" charset="0"/>
+              </a:rPr>
+              <a:t>流程</a:t>
+            </a:r>
+            <a:endParaRPr lang="en-GB" dirty="0">
+              <a:latin typeface="Segoe UI" panose="020B0502040204020203" pitchFamily="34" charset="0"/>
+              <a:ea typeface="DengXian" panose="02010600030101010101" pitchFamily="2" charset="-122"/>
+              <a:cs typeface="FZLanTingHei-L-GBK-M" panose="02010600010101010101" pitchFamily="2" charset="2"/>
+              <a:sym typeface="Segoe UI" panose="020B0502040204020203" pitchFamily="34" charset="0"/>
+            </a:endParaRPr>
+          </a:p>
+        </p:txBody>
+      </p:sp>
+      <p:pic>
+        <p:nvPicPr>
+          <p:cNvPr id="3" name="Picture 1" descr="D:\Project\Survival-Analysis-by-Breast-Cancer-Slides\imgs\fig1.png"/>
+          <p:cNvPicPr>
+            <a:picLocks noGrp="1" noChangeAspect="1"/>
+          </p:cNvPicPr>
+          <p:nvPr/>
+        </p:nvPicPr>
+        <p:blipFill>
+          <a:blip r:embed="rId2"/>
+          <a:stretch>
+            <a:fillRect/>
+          </a:stretch>
+        </p:blipFill>
+        <p:spPr bwMode="auto">
+          <a:xfrm>
+            <a:off x="2298700" y="1354238"/>
+            <a:ext cx="8060060" cy="4259162"/>
+          </a:xfrm>
+          <a:prstGeom prst="rect">
+            <a:avLst/>
+          </a:prstGeom>
+          <a:noFill/>
+          <a:ln w="9525">
+            <a:noFill/>
+            <a:headEnd/>
+            <a:tailEnd/>
+          </a:ln>
+        </p:spPr>
+      </p:pic>
+      <p:sp>
+        <p:nvSpPr>
+          <p:cNvPr id="4" name="TextBox 3"/>
+          <p:cNvSpPr txBox="1"/>
+          <p:nvPr/>
+        </p:nvSpPr>
+        <p:spPr>
+          <a:xfrm>
+            <a:off x="1981200" y="5613400"/>
+            <a:ext cx="8229600" cy="508000"/>
+          </a:xfrm>
+          <a:prstGeom prst="rect">
+            <a:avLst/>
+          </a:prstGeom>
+          <a:noFill/>
+        </p:spPr>
+        <p:txBody>
+          <a:bodyPr/>
+          <a:lstStyle/>
+          <a:p>
+            <a:pPr algn="ctr"/>
+            <a:r>
+              <a:rPr sz="2400" dirty="0">
+                <a:latin typeface="Segoe UI" panose="020B0502040204020203" pitchFamily="34" charset="0"/>
+                <a:ea typeface="DengXian" panose="02010600030101010101" pitchFamily="2" charset="-122"/>
+                <a:cs typeface="FZLanTingHei-L-GBK-M" panose="02010600010101010101" pitchFamily="2" charset="2"/>
+                <a:sym typeface="Segoe UI" panose="020B0502040204020203" pitchFamily="34" charset="0"/>
+              </a:rPr>
+              <a:t>图1 </a:t>
+            </a:r>
+            <a:r>
+              <a:rPr sz="2400" dirty="0" err="1">
+                <a:latin typeface="Segoe UI" panose="020B0502040204020203" pitchFamily="34" charset="0"/>
+                <a:ea typeface="DengXian" panose="02010600030101010101" pitchFamily="2" charset="-122"/>
+                <a:cs typeface="FZLanTingHei-L-GBK-M" panose="02010600010101010101" pitchFamily="2" charset="2"/>
+                <a:sym typeface="Segoe UI" panose="020B0502040204020203" pitchFamily="34" charset="0"/>
+              </a:rPr>
+              <a:t>研究流程图</a:t>
+            </a:r>
+            <a:endParaRPr sz="2400" dirty="0">
+              <a:latin typeface="Segoe UI" panose="020B0502040204020203" pitchFamily="34" charset="0"/>
+              <a:ea typeface="DengXian" panose="02010600030101010101" pitchFamily="2" charset="-122"/>
+              <a:cs typeface="FZLanTingHei-L-GBK-M" panose="02010600010101010101" pitchFamily="2" charset="2"/>
+              <a:sym typeface="Segoe UI" panose="020B0502040204020203" pitchFamily="34" charset="0"/>
+            </a:endParaRPr>
+          </a:p>
+        </p:txBody>
+      </p:sp>
+    </p:spTree>
+  </p:cSld>
+  <p:clrMapOvr>
+    <a:masterClrMapping/>
+  </p:clrMapOvr>
+  <mc:AlternateContent xmlns:mc="http://schemas.openxmlformats.org/markup-compatibility/2006">
+    <mc:Choice xmlns:p14="http://schemas.microsoft.com/office/powerpoint/2010/main" Requires="p14">
+      <p:transition spd="med" p14:dur="700">
+        <p:fade/>
+      </p:transition>
+    </mc:Choice>
+    <mc:Fallback>
+      <p:transition spd="med">
+        <p:fade/>
+      </p:transition>
+    </mc:Fallback>
+  </mc:AlternateContent>
+</p:sld>
+</file>
+
+<file path=ppt/slides/slide7.xml><?xml version="1.0" encoding="utf-8"?>
+<p:sld xmlns:a="http://schemas.openxmlformats.org/drawingml/2006/main" xmlns:r="http://schemas.openxmlformats.org/officeDocument/2006/relationships" xmlns:p="http://schemas.openxmlformats.org/presentationml/2006/main">
+  <p:cSld>
+    <p:spTree>
+      <p:nvGrpSpPr>
+        <p:cNvPr id="1" name=""/>
+        <p:cNvGrpSpPr/>
+        <p:nvPr/>
+      </p:nvGrpSpPr>
+      <p:grpSpPr>
+        <a:xfrm>
+          <a:off x="0" y="0"/>
+          <a:ext cx="0" cy="0"/>
+          <a:chOff x="0" y="0"/>
+          <a:chExt cx="0" cy="0"/>
+        </a:xfrm>
+      </p:grpSpPr>
+      <p:sp>
+        <p:nvSpPr>
           <p:cNvPr id="4" name="文本占位符 3">
             <a:extLst>
               <a:ext uri="{FF2B5EF4-FFF2-40B4-BE49-F238E27FC236}">
@@ -11919,10 +13350,175 @@
   <p:clrMapOvr>
     <a:masterClrMapping/>
   </p:clrMapOvr>
+  <mc:AlternateContent xmlns:mc="http://schemas.openxmlformats.org/markup-compatibility/2006">
+    <mc:Choice xmlns:p14="http://schemas.microsoft.com/office/powerpoint/2010/main" Requires="p14">
+      <p:transition spd="med" p14:dur="700">
+        <p:fade/>
+      </p:transition>
+    </mc:Choice>
+    <mc:Fallback>
+      <p:transition spd="med">
+        <p:fade/>
+      </p:transition>
+    </mc:Fallback>
+  </mc:AlternateContent>
 </p:sld>
 </file>
 
-<file path=ppt/slides/slide7.xml><?xml version="1.0" encoding="utf-8"?>
+<file path=ppt/slides/slide8.xml><?xml version="1.0" encoding="utf-8"?>
+<p:sld xmlns:a="http://schemas.openxmlformats.org/drawingml/2006/main" xmlns:r="http://schemas.openxmlformats.org/officeDocument/2006/relationships" xmlns:p="http://schemas.openxmlformats.org/presentationml/2006/main">
+  <p:cSld>
+    <p:spTree>
+      <p:nvGrpSpPr>
+        <p:cNvPr id="1" name=""/>
+        <p:cNvGrpSpPr/>
+        <p:nvPr/>
+      </p:nvGrpSpPr>
+      <p:grpSpPr>
+        <a:xfrm>
+          <a:off x="0" y="0"/>
+          <a:ext cx="0" cy="0"/>
+          <a:chOff x="0" y="0"/>
+          <a:chExt cx="0" cy="0"/>
+        </a:xfrm>
+      </p:grpSpPr>
+      <p:pic>
+        <p:nvPicPr>
+          <p:cNvPr id="4" name="图片 3">
+            <a:extLst>
+              <a:ext uri="{FF2B5EF4-FFF2-40B4-BE49-F238E27FC236}">
+                <a16:creationId xmlns:a16="http://schemas.microsoft.com/office/drawing/2014/main" id="{2366F171-9AA8-4297-A581-7F0BA7C9D342}"/>
+              </a:ext>
+            </a:extLst>
+          </p:cNvPr>
+          <p:cNvPicPr>
+            <a:picLocks noChangeAspect="1"/>
+          </p:cNvPicPr>
+          <p:nvPr/>
+        </p:nvPicPr>
+        <p:blipFill>
+          <a:blip r:embed="rId2"/>
+          <a:stretch>
+            <a:fillRect/>
+          </a:stretch>
+        </p:blipFill>
+        <p:spPr>
+          <a:xfrm>
+            <a:off x="881063" y="0"/>
+            <a:ext cx="6609087" cy="6858000"/>
+          </a:xfrm>
+          <a:prstGeom prst="rect">
+            <a:avLst/>
+          </a:prstGeom>
+        </p:spPr>
+      </p:pic>
+      <p:sp>
+        <p:nvSpPr>
+          <p:cNvPr id="5" name="文本框 4">
+            <a:extLst>
+              <a:ext uri="{FF2B5EF4-FFF2-40B4-BE49-F238E27FC236}">
+                <a16:creationId xmlns:a16="http://schemas.microsoft.com/office/drawing/2014/main" id="{0D94EE87-10F7-4A70-AEC2-F39527F32935}"/>
+              </a:ext>
+            </a:extLst>
+          </p:cNvPr>
+          <p:cNvSpPr txBox="1"/>
+          <p:nvPr/>
+        </p:nvSpPr>
+        <p:spPr>
+          <a:xfrm>
+            <a:off x="8502103" y="3167390"/>
+            <a:ext cx="3103735" cy="523220"/>
+          </a:xfrm>
+          <a:prstGeom prst="rect">
+            <a:avLst/>
+          </a:prstGeom>
+          <a:noFill/>
+        </p:spPr>
+        <p:txBody>
+          <a:bodyPr wrap="none" rtlCol="0">
+            <a:spAutoFit/>
+          </a:bodyPr>
+          <a:lstStyle/>
+          <a:p>
+            <a:r>
+              <a:rPr lang="en-US" altLang="zh-CN" sz="2800" dirty="0"/>
+              <a:t>Hazard Rate</a:t>
+            </a:r>
+            <a:r>
+              <a:rPr lang="en-GB" altLang="zh-CN" sz="2800" dirty="0"/>
+              <a:t>:</a:t>
+            </a:r>
+            <a:r>
+              <a:rPr lang="zh-CN" altLang="en-US" sz="2800" dirty="0"/>
+              <a:t> </a:t>
+            </a:r>
+            <a:r>
+              <a:rPr lang="en-GB" altLang="zh-CN" sz="2800" dirty="0"/>
+              <a:t>0.12</a:t>
+            </a:r>
+            <a:endParaRPr lang="en-GB" sz="2800" dirty="0"/>
+          </a:p>
+        </p:txBody>
+      </p:sp>
+      <p:cxnSp>
+        <p:nvCxnSpPr>
+          <p:cNvPr id="7" name="直接箭头连接符 6">
+            <a:extLst>
+              <a:ext uri="{FF2B5EF4-FFF2-40B4-BE49-F238E27FC236}">
+                <a16:creationId xmlns:a16="http://schemas.microsoft.com/office/drawing/2014/main" id="{D8BE3174-2BDA-489D-B00F-34CDB127F132}"/>
+              </a:ext>
+            </a:extLst>
+          </p:cNvPr>
+          <p:cNvCxnSpPr>
+            <a:stCxn id="4" idx="3"/>
+            <a:endCxn id="5" idx="1"/>
+          </p:cNvCxnSpPr>
+          <p:nvPr/>
+        </p:nvCxnSpPr>
+        <p:spPr>
+          <a:xfrm>
+            <a:off x="7490150" y="3429000"/>
+            <a:ext cx="1011953" cy="0"/>
+          </a:xfrm>
+          <a:prstGeom prst="straightConnector1">
+            <a:avLst/>
+          </a:prstGeom>
+          <a:ln w="38100">
+            <a:solidFill>
+              <a:schemeClr val="tx1"/>
+            </a:solidFill>
+            <a:tailEnd type="triangle"/>
+          </a:ln>
+        </p:spPr>
+        <p:style>
+          <a:lnRef idx="1">
+            <a:schemeClr val="accent1"/>
+          </a:lnRef>
+          <a:fillRef idx="0">
+            <a:schemeClr val="accent1"/>
+          </a:fillRef>
+          <a:effectRef idx="0">
+            <a:schemeClr val="accent1"/>
+          </a:effectRef>
+          <a:fontRef idx="minor">
+            <a:schemeClr val="tx1"/>
+          </a:fontRef>
+        </p:style>
+      </p:cxnSp>
+    </p:spTree>
+    <p:extLst>
+      <p:ext uri="{BB962C8B-B14F-4D97-AF65-F5344CB8AC3E}">
+        <p14:creationId xmlns:p14="http://schemas.microsoft.com/office/powerpoint/2010/main" val="3640956179"/>
+      </p:ext>
+    </p:extLst>
+  </p:cSld>
+  <p:clrMapOvr>
+    <a:masterClrMapping/>
+  </p:clrMapOvr>
+</p:sld>
+</file>
+
+<file path=ppt/slides/slide9.xml><?xml version="1.0" encoding="utf-8"?>
 <p:sld xmlns:a="http://schemas.openxmlformats.org/drawingml/2006/main" xmlns:r="http://schemas.openxmlformats.org/officeDocument/2006/relationships" xmlns:p="http://schemas.openxmlformats.org/presentationml/2006/main">
   <p:cSld>
     <p:spTree>
@@ -11991,7 +13587,7 @@
           <a:p>
             <a:pPr algn="ctr"/>
             <a:r>
-              <a:rPr dirty="0">
+              <a:rPr sz="2400" dirty="0">
                 <a:latin typeface="Segoe UI" panose="020B0502040204020203" pitchFamily="34" charset="0"/>
                 <a:ea typeface="DengXian" panose="02010600030101010101" pitchFamily="2" charset="-122"/>
                 <a:cs typeface="FZLanTingHei-L-GBK-M" panose="02010600010101010101" pitchFamily="2" charset="2"/>
@@ -12000,7 +13596,7 @@
               <a:t>图2 </a:t>
             </a:r>
             <a:r>
-              <a:rPr dirty="0" err="1">
+              <a:rPr sz="2400" dirty="0" err="1">
                 <a:latin typeface="Segoe UI" panose="020B0502040204020203" pitchFamily="34" charset="0"/>
                 <a:ea typeface="DengXian" panose="02010600030101010101" pitchFamily="2" charset="-122"/>
                 <a:cs typeface="FZLanTingHei-L-GBK-M" panose="02010600010101010101" pitchFamily="2" charset="2"/>
@@ -12008,7 +13604,7 @@
               </a:rPr>
               <a:t>SNAS生存模型架构</a:t>
             </a:r>
-            <a:endParaRPr dirty="0">
+            <a:endParaRPr sz="2400" dirty="0">
               <a:latin typeface="Segoe UI" panose="020B0502040204020203" pitchFamily="34" charset="0"/>
               <a:ea typeface="DengXian" panose="02010600030101010101" pitchFamily="2" charset="-122"/>
               <a:cs typeface="FZLanTingHei-L-GBK-M" panose="02010600010101010101" pitchFamily="2" charset="2"/>
@@ -12017,37 +13613,12 @@
           </a:p>
         </p:txBody>
       </p:sp>
-    </p:spTree>
-  </p:cSld>
-  <p:clrMapOvr>
-    <a:masterClrMapping/>
-  </p:clrMapOvr>
-</p:sld>
-</file>
-
-<file path=ppt/slides/slide8.xml><?xml version="1.0" encoding="utf-8"?>
-<p:sld xmlns:a="http://schemas.openxmlformats.org/drawingml/2006/main" xmlns:r="http://schemas.openxmlformats.org/officeDocument/2006/relationships" xmlns:p="http://schemas.openxmlformats.org/presentationml/2006/main">
-  <p:cSld>
-    <p:spTree>
-      <p:nvGrpSpPr>
-        <p:cNvPr id="1" name=""/>
-        <p:cNvGrpSpPr/>
-        <p:nvPr/>
-      </p:nvGrpSpPr>
-      <p:grpSpPr>
-        <a:xfrm>
-          <a:off x="0" y="0"/>
-          <a:ext cx="0" cy="0"/>
-          <a:chOff x="0" y="0"/>
-          <a:chExt cx="0" cy="0"/>
-        </a:xfrm>
-      </p:grpSpPr>
       <p:sp>
         <p:nvSpPr>
           <p:cNvPr id="5" name="文本占位符 4">
             <a:extLst>
               <a:ext uri="{FF2B5EF4-FFF2-40B4-BE49-F238E27FC236}">
-                <a16:creationId xmlns:a16="http://schemas.microsoft.com/office/drawing/2014/main" id="{F18A1911-B97A-4F35-A664-4C49FF69C74A}"/>
+                <a16:creationId xmlns:a16="http://schemas.microsoft.com/office/drawing/2014/main" id="{2E051D32-9768-4BE3-B1A3-0F824B4283C8}"/>
               </a:ext>
             </a:extLst>
           </p:cNvPr>
@@ -12058,7 +13629,12 @@
             <p:ph type="body" sz="quarter" idx="11"/>
           </p:nvPr>
         </p:nvSpPr>
-        <p:spPr/>
+        <p:spPr>
+          <a:xfrm>
+            <a:off x="881063" y="442834"/>
+            <a:ext cx="8920029" cy="585866"/>
+          </a:xfrm>
+        </p:spPr>
         <p:txBody>
           <a:bodyPr/>
           <a:lstStyle/>
@@ -12079,7 +13655,7 @@
                 <a:cs typeface="FZLanTingHei-L-GBK-M" panose="02010600010101010101" pitchFamily="2" charset="2"/>
                 <a:sym typeface="Segoe UI" panose="020B0502040204020203" pitchFamily="34" charset="0"/>
               </a:rPr>
-              <a:t>超参数</a:t>
+              <a:t>架构</a:t>
             </a:r>
             <a:endParaRPr lang="en-GB" dirty="0">
               <a:latin typeface="Segoe UI" panose="020B0502040204020203" pitchFamily="34" charset="0"/>
@@ -12090,162 +13666,23 @@
           </a:p>
         </p:txBody>
       </p:sp>
-      <p:pic>
-        <p:nvPicPr>
-          <p:cNvPr id="3" name="Picture 1" descr="D:\Project\Survival-Analysis-by-Breast-Cancer-Slides\imgs\fig8.png"/>
-          <p:cNvPicPr>
-            <a:picLocks noGrp="1" noChangeAspect="1"/>
-          </p:cNvPicPr>
-          <p:nvPr/>
-        </p:nvPicPr>
-        <p:blipFill>
-          <a:blip r:embed="rId2"/>
-          <a:stretch>
-            <a:fillRect/>
-          </a:stretch>
-        </p:blipFill>
-        <p:spPr bwMode="auto">
-          <a:xfrm>
-            <a:off x="2030232" y="1477305"/>
-            <a:ext cx="8180568" cy="4136095"/>
-          </a:xfrm>
-          <a:prstGeom prst="rect">
-            <a:avLst/>
-          </a:prstGeom>
-          <a:noFill/>
-          <a:ln w="9525">
-            <a:noFill/>
-            <a:headEnd/>
-            <a:tailEnd/>
-          </a:ln>
-        </p:spPr>
-      </p:pic>
-      <p:sp>
-        <p:nvSpPr>
-          <p:cNvPr id="4" name="TextBox 3"/>
-          <p:cNvSpPr txBox="1"/>
-          <p:nvPr/>
-        </p:nvSpPr>
-        <p:spPr>
-          <a:xfrm>
-            <a:off x="1981200" y="5613400"/>
-            <a:ext cx="8229600" cy="508000"/>
-          </a:xfrm>
-          <a:prstGeom prst="rect">
-            <a:avLst/>
-          </a:prstGeom>
-          <a:noFill/>
-        </p:spPr>
-        <p:txBody>
-          <a:bodyPr/>
-          <a:lstStyle/>
-          <a:p>
-            <a:pPr algn="ctr"/>
-            <a:r>
-              <a:rPr>
-                <a:latin typeface="Segoe UI" panose="020B0502040204020203" pitchFamily="34" charset="0"/>
-                <a:ea typeface="DengXian" panose="02010600030101010101" pitchFamily="2" charset="-122"/>
-                <a:cs typeface="FZLanTingHei-L-GBK-M" panose="02010600010101010101" pitchFamily="2" charset="2"/>
-                <a:sym typeface="Segoe UI" panose="020B0502040204020203" pitchFamily="34" charset="0"/>
-              </a:rPr>
-              <a:t>图3 数据增强影响</a:t>
-            </a:r>
-          </a:p>
-        </p:txBody>
-      </p:sp>
     </p:spTree>
   </p:cSld>
   <p:clrMapOvr>
     <a:masterClrMapping/>
   </p:clrMapOvr>
-</p:sld>
-</file>
-
-<file path=ppt/slides/slide9.xml><?xml version="1.0" encoding="utf-8"?>
-<p:sld xmlns:a="http://schemas.openxmlformats.org/drawingml/2006/main" xmlns:r="http://schemas.openxmlformats.org/officeDocument/2006/relationships" xmlns:p="http://schemas.openxmlformats.org/presentationml/2006/main">
-  <p:cSld>
-    <p:spTree>
-      <p:nvGrpSpPr>
-        <p:cNvPr id="1" name=""/>
-        <p:cNvGrpSpPr/>
-        <p:nvPr/>
-      </p:nvGrpSpPr>
-      <p:grpSpPr>
-        <a:xfrm>
-          <a:off x="0" y="0"/>
-          <a:ext cx="0" cy="0"/>
-          <a:chOff x="0" y="0"/>
-          <a:chExt cx="0" cy="0"/>
-        </a:xfrm>
-      </p:grpSpPr>
-      <p:pic>
-        <p:nvPicPr>
-          <p:cNvPr id="2" name="Picture 1" descr="D:\Project\Survival-Analysis-by-Breast-Cancer-Slides\imgs\fig9.png"/>
-          <p:cNvPicPr>
-            <a:picLocks noGrp="1" noChangeAspect="1"/>
-          </p:cNvPicPr>
-          <p:nvPr/>
-        </p:nvPicPr>
-        <p:blipFill>
-          <a:blip r:embed="rId2"/>
-          <a:stretch>
-            <a:fillRect/>
-          </a:stretch>
-        </p:blipFill>
-        <p:spPr bwMode="auto">
-          <a:xfrm>
-            <a:off x="2858626" y="1255086"/>
-            <a:ext cx="6013370" cy="4358314"/>
-          </a:xfrm>
-          <a:prstGeom prst="rect">
-            <a:avLst/>
-          </a:prstGeom>
-          <a:noFill/>
-          <a:ln w="9525">
-            <a:noFill/>
-            <a:headEnd/>
-            <a:tailEnd/>
-          </a:ln>
-        </p:spPr>
-      </p:pic>
-      <p:sp>
-        <p:nvSpPr>
-          <p:cNvPr id="3" name="TextBox 3"/>
-          <p:cNvSpPr txBox="1"/>
-          <p:nvPr/>
-        </p:nvSpPr>
-        <p:spPr>
-          <a:xfrm>
-            <a:off x="1981200" y="5613400"/>
-            <a:ext cx="8229600" cy="508000"/>
-          </a:xfrm>
-          <a:prstGeom prst="rect">
-            <a:avLst/>
-          </a:prstGeom>
-          <a:noFill/>
-        </p:spPr>
-        <p:txBody>
-          <a:bodyPr/>
-          <a:lstStyle/>
-          <a:p>
-            <a:pPr algn="ctr"/>
-            <a:r>
-              <a:rPr>
-                <a:latin typeface="Segoe UI" panose="020B0502040204020203" pitchFamily="34" charset="0"/>
-                <a:ea typeface="DengXian" panose="02010600030101010101" pitchFamily="2" charset="-122"/>
-                <a:cs typeface="FZLanTingHei-L-GBK-M" panose="02010600010101010101" pitchFamily="2" charset="2"/>
-                <a:sym typeface="Segoe UI" panose="020B0502040204020203" pitchFamily="34" charset="0"/>
-              </a:rPr>
-              <a:t>图4 全连接层节点数量的影响</a:t>
-            </a:r>
-          </a:p>
-        </p:txBody>
-      </p:sp>
-    </p:spTree>
-  </p:cSld>
-  <p:clrMapOvr>
-    <a:masterClrMapping/>
-  </p:clrMapOvr>
+  <mc:AlternateContent xmlns:mc="http://schemas.openxmlformats.org/markup-compatibility/2006">
+    <mc:Choice xmlns:p14="http://schemas.microsoft.com/office/powerpoint/2010/main" Requires="p14">
+      <p:transition spd="med" p14:dur="700">
+        <p:fade/>
+      </p:transition>
+    </mc:Choice>
+    <mc:Fallback>
+      <p:transition spd="med">
+        <p:fade/>
+      </p:transition>
+    </mc:Fallback>
+  </mc:AlternateContent>
 </p:sld>
 </file>
 
@@ -12954,4 +14391,299 @@
     </a:ext>
   </a:extLst>
 </a:theme>
+</file>
+
+<file path=ppt/theme/theme4.xml><?xml version="1.0" encoding="utf-8"?>
+<a:theme xmlns:a="http://schemas.openxmlformats.org/drawingml/2006/main" name="Office 主题​​">
+  <a:themeElements>
+    <a:clrScheme name="Office">
+      <a:dk1>
+        <a:sysClr val="windowText" lastClr="000000"/>
+      </a:dk1>
+      <a:lt1>
+        <a:sysClr val="window" lastClr="C7EDCC"/>
+      </a:lt1>
+      <a:dk2>
+        <a:srgbClr val="44546A"/>
+      </a:dk2>
+      <a:lt2>
+        <a:srgbClr val="E7E6E6"/>
+      </a:lt2>
+      <a:accent1>
+        <a:srgbClr val="4472C4"/>
+      </a:accent1>
+      <a:accent2>
+        <a:srgbClr val="ED7D31"/>
+      </a:accent2>
+      <a:accent3>
+        <a:srgbClr val="A5A5A5"/>
+      </a:accent3>
+      <a:accent4>
+        <a:srgbClr val="FFC000"/>
+      </a:accent4>
+      <a:accent5>
+        <a:srgbClr val="5B9BD5"/>
+      </a:accent5>
+      <a:accent6>
+        <a:srgbClr val="70AD47"/>
+      </a:accent6>
+      <a:hlink>
+        <a:srgbClr val="0563C1"/>
+      </a:hlink>
+      <a:folHlink>
+        <a:srgbClr val="954F72"/>
+      </a:folHlink>
+    </a:clrScheme>
+    <a:fontScheme name="Office">
+      <a:majorFont>
+        <a:latin typeface="Calibri Light" panose="020F0302020204030204"/>
+        <a:ea typeface=""/>
+        <a:cs typeface=""/>
+        <a:font script="Jpan" typeface="游ゴシック Light"/>
+        <a:font script="Hang" typeface="맑은 고딕"/>
+        <a:font script="Hans" typeface="等线 Light"/>
+        <a:font script="Hant" typeface="新細明體"/>
+        <a:font script="Arab" typeface="Times New Roman"/>
+        <a:font script="Hebr" typeface="Times New Roman"/>
+        <a:font script="Thai" typeface="Angsana New"/>
+        <a:font script="Ethi" typeface="Nyala"/>
+        <a:font script="Beng" typeface="Vrinda"/>
+        <a:font script="Gujr" typeface="Shruti"/>
+        <a:font script="Khmr" typeface="MoolBoran"/>
+        <a:font script="Knda" typeface="Tunga"/>
+        <a:font script="Guru" typeface="Raavi"/>
+        <a:font script="Cans" typeface="Euphemia"/>
+        <a:font script="Cher" typeface="Plantagenet Cherokee"/>
+        <a:font script="Yiii" typeface="Microsoft Yi Baiti"/>
+        <a:font script="Tibt" typeface="Microsoft Himalaya"/>
+        <a:font script="Thaa" typeface="MV Boli"/>
+        <a:font script="Deva" typeface="Mangal"/>
+        <a:font script="Telu" typeface="Gautami"/>
+        <a:font script="Taml" typeface="Latha"/>
+        <a:font script="Syrc" typeface="Estrangelo Edessa"/>
+        <a:font script="Orya" typeface="Kalinga"/>
+        <a:font script="Mlym" typeface="Kartika"/>
+        <a:font script="Laoo" typeface="DokChampa"/>
+        <a:font script="Sinh" typeface="Iskoola Pota"/>
+        <a:font script="Mong" typeface="Mongolian Baiti"/>
+        <a:font script="Viet" typeface="Times New Roman"/>
+        <a:font script="Uigh" typeface="Microsoft Uighur"/>
+        <a:font script="Geor" typeface="Sylfaen"/>
+        <a:font script="Armn" typeface="Arial"/>
+        <a:font script="Bugi" typeface="Leelawadee UI"/>
+        <a:font script="Bopo" typeface="Microsoft JhengHei"/>
+        <a:font script="Java" typeface="Javanese Text"/>
+        <a:font script="Lisu" typeface="Segoe UI"/>
+        <a:font script="Mymr" typeface="Myanmar Text"/>
+        <a:font script="Nkoo" typeface="Ebrima"/>
+        <a:font script="Olck" typeface="Nirmala UI"/>
+        <a:font script="Osma" typeface="Ebrima"/>
+        <a:font script="Phag" typeface="Phagspa"/>
+        <a:font script="Syrn" typeface="Estrangelo Edessa"/>
+        <a:font script="Syrj" typeface="Estrangelo Edessa"/>
+        <a:font script="Syre" typeface="Estrangelo Edessa"/>
+        <a:font script="Sora" typeface="Nirmala UI"/>
+        <a:font script="Tale" typeface="Microsoft Tai Le"/>
+        <a:font script="Talu" typeface="Microsoft New Tai Lue"/>
+        <a:font script="Tfng" typeface="Ebrima"/>
+      </a:majorFont>
+      <a:minorFont>
+        <a:latin typeface="Calibri" panose="020F0502020204030204"/>
+        <a:ea typeface=""/>
+        <a:cs typeface=""/>
+        <a:font script="Jpan" typeface="游ゴシック"/>
+        <a:font script="Hang" typeface="맑은 고딕"/>
+        <a:font script="Hans" typeface="等线"/>
+        <a:font script="Hant" typeface="新細明體"/>
+        <a:font script="Arab" typeface="Arial"/>
+        <a:font script="Hebr" typeface="Arial"/>
+        <a:font script="Thai" typeface="Cordia New"/>
+        <a:font script="Ethi" typeface="Nyala"/>
+        <a:font script="Beng" typeface="Vrinda"/>
+        <a:font script="Gujr" typeface="Shruti"/>
+        <a:font script="Khmr" typeface="DaunPenh"/>
+        <a:font script="Knda" typeface="Tunga"/>
+        <a:font script="Guru" typeface="Raavi"/>
+        <a:font script="Cans" typeface="Euphemia"/>
+        <a:font script="Cher" typeface="Plantagenet Cherokee"/>
+        <a:font script="Yiii" typeface="Microsoft Yi Baiti"/>
+        <a:font script="Tibt" typeface="Microsoft Himalaya"/>
+        <a:font script="Thaa" typeface="MV Boli"/>
+        <a:font script="Deva" typeface="Mangal"/>
+        <a:font script="Telu" typeface="Gautami"/>
+        <a:font script="Taml" typeface="Latha"/>
+        <a:font script="Syrc" typeface="Estrangelo Edessa"/>
+        <a:font script="Orya" typeface="Kalinga"/>
+        <a:font script="Mlym" typeface="Kartika"/>
+        <a:font script="Laoo" typeface="DokChampa"/>
+        <a:font script="Sinh" typeface="Iskoola Pota"/>
+        <a:font script="Mong" typeface="Mongolian Baiti"/>
+        <a:font script="Viet" typeface="Arial"/>
+        <a:font script="Uigh" typeface="Microsoft Uighur"/>
+        <a:font script="Geor" typeface="Sylfaen"/>
+        <a:font script="Armn" typeface="Arial"/>
+        <a:font script="Bugi" typeface="Leelawadee UI"/>
+        <a:font script="Bopo" typeface="Microsoft JhengHei"/>
+        <a:font script="Java" typeface="Javanese Text"/>
+        <a:font script="Lisu" typeface="Segoe UI"/>
+        <a:font script="Mymr" typeface="Myanmar Text"/>
+        <a:font script="Nkoo" typeface="Ebrima"/>
+        <a:font script="Olck" typeface="Nirmala UI"/>
+        <a:font script="Osma" typeface="Ebrima"/>
+        <a:font script="Phag" typeface="Phagspa"/>
+        <a:font script="Syrn" typeface="Estrangelo Edessa"/>
+        <a:font script="Syrj" typeface="Estrangelo Edessa"/>
+        <a:font script="Syre" typeface="Estrangelo Edessa"/>
+        <a:font script="Sora" typeface="Nirmala UI"/>
+        <a:font script="Tale" typeface="Microsoft Tai Le"/>
+        <a:font script="Talu" typeface="Microsoft New Tai Lue"/>
+        <a:font script="Tfng" typeface="Ebrima"/>
+      </a:minorFont>
+    </a:fontScheme>
+    <a:fmtScheme name="Office">
+      <a:fillStyleLst>
+        <a:solidFill>
+          <a:schemeClr val="phClr"/>
+        </a:solidFill>
+        <a:gradFill rotWithShape="1">
+          <a:gsLst>
+            <a:gs pos="0">
+              <a:schemeClr val="phClr">
+                <a:lumMod val="110000"/>
+                <a:satMod val="105000"/>
+                <a:tint val="67000"/>
+              </a:schemeClr>
+            </a:gs>
+            <a:gs pos="50000">
+              <a:schemeClr val="phClr">
+                <a:lumMod val="105000"/>
+                <a:satMod val="103000"/>
+                <a:tint val="73000"/>
+              </a:schemeClr>
+            </a:gs>
+            <a:gs pos="100000">
+              <a:schemeClr val="phClr">
+                <a:lumMod val="105000"/>
+                <a:satMod val="109000"/>
+                <a:tint val="81000"/>
+              </a:schemeClr>
+            </a:gs>
+          </a:gsLst>
+          <a:lin ang="5400000" scaled="0"/>
+        </a:gradFill>
+        <a:gradFill rotWithShape="1">
+          <a:gsLst>
+            <a:gs pos="0">
+              <a:schemeClr val="phClr">
+                <a:satMod val="103000"/>
+                <a:lumMod val="102000"/>
+                <a:tint val="94000"/>
+              </a:schemeClr>
+            </a:gs>
+            <a:gs pos="50000">
+              <a:schemeClr val="phClr">
+                <a:satMod val="110000"/>
+                <a:lumMod val="100000"/>
+                <a:shade val="100000"/>
+              </a:schemeClr>
+            </a:gs>
+            <a:gs pos="100000">
+              <a:schemeClr val="phClr">
+                <a:lumMod val="99000"/>
+                <a:satMod val="120000"/>
+                <a:shade val="78000"/>
+              </a:schemeClr>
+            </a:gs>
+          </a:gsLst>
+          <a:lin ang="5400000" scaled="0"/>
+        </a:gradFill>
+      </a:fillStyleLst>
+      <a:lnStyleLst>
+        <a:ln w="6350" cap="flat" cmpd="sng" algn="ctr">
+          <a:solidFill>
+            <a:schemeClr val="phClr"/>
+          </a:solidFill>
+          <a:prstDash val="solid"/>
+          <a:miter lim="800000"/>
+        </a:ln>
+        <a:ln w="12700" cap="flat" cmpd="sng" algn="ctr">
+          <a:solidFill>
+            <a:schemeClr val="phClr"/>
+          </a:solidFill>
+          <a:prstDash val="solid"/>
+          <a:miter lim="800000"/>
+        </a:ln>
+        <a:ln w="19050" cap="flat" cmpd="sng" algn="ctr">
+          <a:solidFill>
+            <a:schemeClr val="phClr"/>
+          </a:solidFill>
+          <a:prstDash val="solid"/>
+          <a:miter lim="800000"/>
+        </a:ln>
+      </a:lnStyleLst>
+      <a:effectStyleLst>
+        <a:effectStyle>
+          <a:effectLst/>
+        </a:effectStyle>
+        <a:effectStyle>
+          <a:effectLst/>
+        </a:effectStyle>
+        <a:effectStyle>
+          <a:effectLst>
+            <a:outerShdw blurRad="57150" dist="19050" dir="5400000" algn="ctr" rotWithShape="0">
+              <a:srgbClr val="000000">
+                <a:alpha val="63000"/>
+              </a:srgbClr>
+            </a:outerShdw>
+          </a:effectLst>
+        </a:effectStyle>
+      </a:effectStyleLst>
+      <a:bgFillStyleLst>
+        <a:solidFill>
+          <a:schemeClr val="phClr"/>
+        </a:solidFill>
+        <a:solidFill>
+          <a:schemeClr val="phClr">
+            <a:tint val="95000"/>
+            <a:satMod val="170000"/>
+          </a:schemeClr>
+        </a:solidFill>
+        <a:gradFill rotWithShape="1">
+          <a:gsLst>
+            <a:gs pos="0">
+              <a:schemeClr val="phClr">
+                <a:tint val="93000"/>
+                <a:satMod val="150000"/>
+                <a:shade val="98000"/>
+                <a:lumMod val="102000"/>
+              </a:schemeClr>
+            </a:gs>
+            <a:gs pos="50000">
+              <a:schemeClr val="phClr">
+                <a:tint val="98000"/>
+                <a:satMod val="130000"/>
+                <a:shade val="90000"/>
+                <a:lumMod val="103000"/>
+              </a:schemeClr>
+            </a:gs>
+            <a:gs pos="100000">
+              <a:schemeClr val="phClr">
+                <a:shade val="63000"/>
+                <a:satMod val="120000"/>
+              </a:schemeClr>
+            </a:gs>
+          </a:gsLst>
+          <a:lin ang="5400000" scaled="0"/>
+        </a:gradFill>
+      </a:bgFillStyleLst>
+    </a:fmtScheme>
+  </a:themeElements>
+  <a:objectDefaults/>
+  <a:extraClrSchemeLst/>
+  <a:extLst>
+    <a:ext uri="{05A4C25C-085E-4340-85A3-A5531E510DB2}">
+      <thm15:themeFamily xmlns:thm15="http://schemas.microsoft.com/office/thememl/2012/main" name="Office Theme" id="{62F939B6-93AF-4DB8-9C6B-D6C7DFDC589F}" vid="{4A3C46E8-61CC-4603-A589-7422A47A8E4A}"/>
+    </a:ext>
+  </a:extLst>
+</a:theme>
 </file>